--- a/illustration_slides.pptx
+++ b/illustration_slides.pptx
@@ -13,8 +13,6 @@
     <p:sldId id="271" r:id="rId10"/>
     <p:sldId id="266" r:id="rId11"/>
     <p:sldId id="263" r:id="rId12"/>
-    <p:sldId id="267" r:id="rId13"/>
-    <p:sldId id="275" r:id="rId14"/>
   </p:sldIdLst>
   <p:sldSz cx="12192000" cy="6858000"/>
   <p:notesSz cx="6858000" cy="9144000"/>
@@ -4699,7 +4697,7 @@
           <a:p>
             <a:fld id="{846CE7D5-CF57-46EF-B807-FDD0502418D4}" type="datetimeFigureOut">
               <a:rPr lang="en-GB" smtClean="0"/>
-              <a:t>29/08/2023</a:t>
+              <a:t>31/08/2023</a:t>
             </a:fld>
             <a:endParaRPr lang="en-GB"/>
           </a:p>
@@ -4995,7 +4993,7 @@
           <a:p>
             <a:fld id="{846CE7D5-CF57-46EF-B807-FDD0502418D4}" type="datetimeFigureOut">
               <a:rPr lang="en-GB" smtClean="0"/>
-              <a:t>29/08/2023</a:t>
+              <a:t>31/08/2023</a:t>
             </a:fld>
             <a:endParaRPr lang="en-GB"/>
           </a:p>
@@ -5243,7 +5241,7 @@
           <a:p>
             <a:fld id="{846CE7D5-CF57-46EF-B807-FDD0502418D4}" type="datetimeFigureOut">
               <a:rPr lang="en-GB" smtClean="0"/>
-              <a:t>29/08/2023</a:t>
+              <a:t>31/08/2023</a:t>
             </a:fld>
             <a:endParaRPr lang="en-GB"/>
           </a:p>
@@ -5783,7 +5781,7 @@
           <a:p>
             <a:fld id="{846CE7D5-CF57-46EF-B807-FDD0502418D4}" type="datetimeFigureOut">
               <a:rPr lang="en-GB" smtClean="0"/>
-              <a:t>29/08/2023</a:t>
+              <a:t>31/08/2023</a:t>
             </a:fld>
             <a:endParaRPr lang="en-GB"/>
           </a:p>
@@ -6031,7 +6029,7 @@
           <a:p>
             <a:fld id="{846CE7D5-CF57-46EF-B807-FDD0502418D4}" type="datetimeFigureOut">
               <a:rPr lang="en-GB" smtClean="0"/>
-              <a:t>29/08/2023</a:t>
+              <a:t>31/08/2023</a:t>
             </a:fld>
             <a:endParaRPr lang="en-GB"/>
           </a:p>
@@ -6563,7 +6561,7 @@
           <a:p>
             <a:fld id="{846CE7D5-CF57-46EF-B807-FDD0502418D4}" type="datetimeFigureOut">
               <a:rPr lang="en-GB" smtClean="0"/>
-              <a:t>29/08/2023</a:t>
+              <a:t>31/08/2023</a:t>
             </a:fld>
             <a:endParaRPr lang="en-GB"/>
           </a:p>
@@ -6860,7 +6858,7 @@
           <a:p>
             <a:fld id="{846CE7D5-CF57-46EF-B807-FDD0502418D4}" type="datetimeFigureOut">
               <a:rPr lang="en-GB" smtClean="0"/>
-              <a:t>29/08/2023</a:t>
+              <a:t>31/08/2023</a:t>
             </a:fld>
             <a:endParaRPr lang="en-GB"/>
           </a:p>
@@ -7034,7 +7032,7 @@
           <a:p>
             <a:fld id="{846CE7D5-CF57-46EF-B807-FDD0502418D4}" type="datetimeFigureOut">
               <a:rPr lang="en-GB" smtClean="0"/>
-              <a:t>29/08/2023</a:t>
+              <a:t>31/08/2023</a:t>
             </a:fld>
             <a:endParaRPr lang="en-GB"/>
           </a:p>
@@ -7214,7 +7212,7 @@
           <a:p>
             <a:fld id="{846CE7D5-CF57-46EF-B807-FDD0502418D4}" type="datetimeFigureOut">
               <a:rPr lang="en-GB" smtClean="0"/>
-              <a:t>29/08/2023</a:t>
+              <a:t>31/08/2023</a:t>
             </a:fld>
             <a:endParaRPr lang="en-GB"/>
           </a:p>
@@ -7384,7 +7382,7 @@
           <a:p>
             <a:fld id="{846CE7D5-CF57-46EF-B807-FDD0502418D4}" type="datetimeFigureOut">
               <a:rPr lang="en-GB" smtClean="0"/>
-              <a:t>29/08/2023</a:t>
+              <a:t>31/08/2023</a:t>
             </a:fld>
             <a:endParaRPr lang="en-GB"/>
           </a:p>
@@ -7635,7 +7633,7 @@
           <a:p>
             <a:fld id="{846CE7D5-CF57-46EF-B807-FDD0502418D4}" type="datetimeFigureOut">
               <a:rPr lang="en-GB" smtClean="0"/>
-              <a:t>29/08/2023</a:t>
+              <a:t>31/08/2023</a:t>
             </a:fld>
             <a:endParaRPr lang="en-GB"/>
           </a:p>
@@ -7932,7 +7930,7 @@
           <a:p>
             <a:fld id="{846CE7D5-CF57-46EF-B807-FDD0502418D4}" type="datetimeFigureOut">
               <a:rPr lang="en-GB" smtClean="0"/>
-              <a:t>29/08/2023</a:t>
+              <a:t>31/08/2023</a:t>
             </a:fld>
             <a:endParaRPr lang="en-GB"/>
           </a:p>
@@ -8374,7 +8372,7 @@
           <a:p>
             <a:fld id="{846CE7D5-CF57-46EF-B807-FDD0502418D4}" type="datetimeFigureOut">
               <a:rPr lang="en-GB" smtClean="0"/>
-              <a:t>29/08/2023</a:t>
+              <a:t>31/08/2023</a:t>
             </a:fld>
             <a:endParaRPr lang="en-GB"/>
           </a:p>
@@ -8492,7 +8490,7 @@
           <a:p>
             <a:fld id="{846CE7D5-CF57-46EF-B807-FDD0502418D4}" type="datetimeFigureOut">
               <a:rPr lang="en-GB" smtClean="0"/>
-              <a:t>29/08/2023</a:t>
+              <a:t>31/08/2023</a:t>
             </a:fld>
             <a:endParaRPr lang="en-GB"/>
           </a:p>
@@ -8587,7 +8585,7 @@
           <a:p>
             <a:fld id="{846CE7D5-CF57-46EF-B807-FDD0502418D4}" type="datetimeFigureOut">
               <a:rPr lang="en-GB" smtClean="0"/>
-              <a:t>29/08/2023</a:t>
+              <a:t>31/08/2023</a:t>
             </a:fld>
             <a:endParaRPr lang="en-GB"/>
           </a:p>
@@ -8870,7 +8868,7 @@
           <a:p>
             <a:fld id="{846CE7D5-CF57-46EF-B807-FDD0502418D4}" type="datetimeFigureOut">
               <a:rPr lang="en-GB" smtClean="0"/>
-              <a:t>29/08/2023</a:t>
+              <a:t>31/08/2023</a:t>
             </a:fld>
             <a:endParaRPr lang="en-GB"/>
           </a:p>
@@ -9161,7 +9159,7 @@
           <a:p>
             <a:fld id="{846CE7D5-CF57-46EF-B807-FDD0502418D4}" type="datetimeFigureOut">
               <a:rPr lang="en-GB" smtClean="0"/>
-              <a:t>29/08/2023</a:t>
+              <a:t>31/08/2023</a:t>
             </a:fld>
             <a:endParaRPr lang="en-GB"/>
           </a:p>
@@ -9691,7 +9689,7 @@
           <a:p>
             <a:fld id="{846CE7D5-CF57-46EF-B807-FDD0502418D4}" type="datetimeFigureOut">
               <a:rPr lang="en-GB" smtClean="0"/>
-              <a:t>29/08/2023</a:t>
+              <a:t>31/08/2023</a:t>
             </a:fld>
             <a:endParaRPr lang="en-GB"/>
           </a:p>
@@ -10654,2837 +10652,6 @@
     <p:extLst>
       <p:ext uri="{BB962C8B-B14F-4D97-AF65-F5344CB8AC3E}">
         <p14:creationId xmlns:p14="http://schemas.microsoft.com/office/powerpoint/2010/main" val="941895425"/>
-      </p:ext>
-    </p:extLst>
-  </p:cSld>
-  <p:clrMapOvr>
-    <a:masterClrMapping/>
-  </p:clrMapOvr>
-</p:sld>
-</file>
-
-<file path=ppt/slides/slide10.xml><?xml version="1.0" encoding="utf-8"?>
-<p:sld xmlns:a="http://schemas.openxmlformats.org/drawingml/2006/main" xmlns:r="http://schemas.openxmlformats.org/officeDocument/2006/relationships" xmlns:p="http://schemas.openxmlformats.org/presentationml/2006/main">
-  <p:cSld>
-    <p:spTree>
-      <p:nvGrpSpPr>
-        <p:cNvPr id="1" name=""/>
-        <p:cNvGrpSpPr/>
-        <p:nvPr/>
-      </p:nvGrpSpPr>
-      <p:grpSpPr>
-        <a:xfrm>
-          <a:off x="0" y="0"/>
-          <a:ext cx="0" cy="0"/>
-          <a:chOff x="0" y="0"/>
-          <a:chExt cx="0" cy="0"/>
-        </a:xfrm>
-      </p:grpSpPr>
-      <p:sp>
-        <p:nvSpPr>
-          <p:cNvPr id="2" name="Title 1">
-            <a:extLst>
-              <a:ext uri="{FF2B5EF4-FFF2-40B4-BE49-F238E27FC236}">
-                <a16:creationId xmlns:a16="http://schemas.microsoft.com/office/drawing/2014/main" id="{3547F877-B4D0-273F-8EAA-314A0DF9B5AE}"/>
-              </a:ext>
-            </a:extLst>
-          </p:cNvPr>
-          <p:cNvSpPr>
-            <a:spLocks noGrp="1"/>
-          </p:cNvSpPr>
-          <p:nvPr>
-            <p:ph type="title"/>
-          </p:nvPr>
-        </p:nvSpPr>
-        <p:spPr>
-          <a:xfrm>
-            <a:off x="1484311" y="0"/>
-            <a:ext cx="10018713" cy="1752599"/>
-          </a:xfrm>
-        </p:spPr>
-        <p:txBody>
-          <a:bodyPr/>
-          <a:lstStyle/>
-          <a:p>
-            <a:r>
-              <a:rPr lang="en-SG" dirty="0"/>
-              <a:t>Breakdown of Production costs and Export Revenues for Future Simulation</a:t>
-            </a:r>
-          </a:p>
-        </p:txBody>
-      </p:sp>
-      <mc:AlternateContent xmlns:mc="http://schemas.openxmlformats.org/markup-compatibility/2006" xmlns:a14="http://schemas.microsoft.com/office/drawing/2010/main">
-        <mc:Choice Requires="a14">
-          <p:sp>
-            <p:nvSpPr>
-              <p:cNvPr id="3" name="Content Placeholder 2">
-                <a:extLst>
-                  <a:ext uri="{FF2B5EF4-FFF2-40B4-BE49-F238E27FC236}">
-                    <a16:creationId xmlns:a16="http://schemas.microsoft.com/office/drawing/2014/main" id="{91290B7E-E2B4-1560-D777-B407B7B072ED}"/>
-                  </a:ext>
-                </a:extLst>
-              </p:cNvPr>
-              <p:cNvSpPr>
-                <a:spLocks noGrp="1"/>
-              </p:cNvSpPr>
-              <p:nvPr>
-                <p:ph idx="1"/>
-              </p:nvPr>
-            </p:nvSpPr>
-            <p:spPr>
-              <a:xfrm>
-                <a:off x="1162705" y="1868345"/>
-                <a:ext cx="3133989" cy="4440073"/>
-              </a:xfrm>
-            </p:spPr>
-            <p:txBody>
-              <a:bodyPr anchor="t">
-                <a:normAutofit/>
-              </a:bodyPr>
-              <a:lstStyle/>
-              <a:p>
-                <a:pPr marL="342900" lvl="0" indent="-342900">
-                  <a:lnSpc>
-                    <a:spcPct val="107000"/>
-                  </a:lnSpc>
-                  <a:buFont typeface="Symbol" panose="05050102010706020507" pitchFamily="18" charset="2"/>
-                  <a:buChar char="·"/>
-                </a:pPr>
-                <a:r>
-                  <a:rPr lang="en-GB" sz="2200" dirty="0"/>
-                  <a:t>China (CHN)</a:t>
-                </a:r>
-                <a:endParaRPr lang="en-SG" sz="2200" dirty="0"/>
-              </a:p>
-              <a:p>
-                <a:pPr marL="742950" lvl="1" indent="-285750">
-                  <a:lnSpc>
-                    <a:spcPct val="107000"/>
-                  </a:lnSpc>
-                  <a:buFont typeface="Courier New" panose="02070309020205020404" pitchFamily="49" charset="0"/>
-                  <a:buChar char="o"/>
-                </a:pPr>
-                <a14:m>
-                  <m:oMath xmlns:m="http://schemas.openxmlformats.org/officeDocument/2006/math">
-                    <m:sSub>
-                      <m:sSubPr>
-                        <m:ctrlPr>
-                          <a:rPr lang="en-SG" sz="1900" i="1">
-                            <a:latin typeface="Cambria Math" panose="02040503050406030204" pitchFamily="18" charset="0"/>
-                          </a:rPr>
-                        </m:ctrlPr>
-                      </m:sSubPr>
-                      <m:e>
-                        <m:r>
-                          <a:rPr lang="en-GB" sz="1900" i="1">
-                            <a:latin typeface="Cambria Math" panose="02040503050406030204" pitchFamily="18" charset="0"/>
-                          </a:rPr>
-                          <m:t>𝐶</m:t>
-                        </m:r>
-                      </m:e>
-                      <m:sub>
-                        <m:r>
-                          <a:rPr lang="en-GB" sz="1900" i="1">
-                            <a:latin typeface="Cambria Math" panose="02040503050406030204" pitchFamily="18" charset="0"/>
-                          </a:rPr>
-                          <m:t>𝐶𝐻𝑁</m:t>
-                        </m:r>
-                        <m:r>
-                          <a:rPr lang="en-GB" sz="1900" i="1">
-                            <a:latin typeface="Cambria Math" panose="02040503050406030204" pitchFamily="18" charset="0"/>
-                          </a:rPr>
-                          <m:t>,</m:t>
-                        </m:r>
-                        <m:r>
-                          <a:rPr lang="en-GB" sz="1900" i="1">
-                            <a:latin typeface="Cambria Math" panose="02040503050406030204" pitchFamily="18" charset="0"/>
-                          </a:rPr>
-                          <m:t>𝐸</m:t>
-                        </m:r>
-                      </m:sub>
-                    </m:sSub>
-                    <m:r>
-                      <a:rPr lang="en-GB" sz="1900" i="1">
-                        <a:latin typeface="Cambria Math" panose="02040503050406030204" pitchFamily="18" charset="0"/>
-                      </a:rPr>
-                      <m:t>=1900</m:t>
-                    </m:r>
-                  </m:oMath>
-                </a14:m>
-                <a:endParaRPr lang="en-SG" sz="1900" i="1" dirty="0">
-                  <a:latin typeface="Cambria Math" panose="02040503050406030204" pitchFamily="18" charset="0"/>
-                </a:endParaRPr>
-              </a:p>
-              <a:p>
-                <a:pPr marL="742950" lvl="1" indent="-285750">
-                  <a:lnSpc>
-                    <a:spcPct val="107000"/>
-                  </a:lnSpc>
-                  <a:buFont typeface="Courier New" panose="02070309020205020404" pitchFamily="49" charset="0"/>
-                  <a:buChar char="o"/>
-                </a:pPr>
-                <a14:m>
-                  <m:oMath xmlns:m="http://schemas.openxmlformats.org/officeDocument/2006/math">
-                    <m:sSub>
-                      <m:sSubPr>
-                        <m:ctrlPr>
-                          <a:rPr lang="en-SG" sz="1900" i="1">
-                            <a:latin typeface="Cambria Math" panose="02040503050406030204" pitchFamily="18" charset="0"/>
-                          </a:rPr>
-                        </m:ctrlPr>
-                      </m:sSubPr>
-                      <m:e>
-                        <m:r>
-                          <a:rPr lang="en-GB" sz="1900" i="1">
-                            <a:latin typeface="Cambria Math" panose="02040503050406030204" pitchFamily="18" charset="0"/>
-                          </a:rPr>
-                          <m:t>𝐶</m:t>
-                        </m:r>
-                      </m:e>
-                      <m:sub>
-                        <m:r>
-                          <a:rPr lang="en-GB" sz="1900" i="1">
-                            <a:latin typeface="Cambria Math" panose="02040503050406030204" pitchFamily="18" charset="0"/>
-                          </a:rPr>
-                          <m:t>𝐶𝐻𝑁</m:t>
-                        </m:r>
-                        <m:r>
-                          <a:rPr lang="en-GB" sz="1900" i="1">
-                            <a:latin typeface="Cambria Math" panose="02040503050406030204" pitchFamily="18" charset="0"/>
-                          </a:rPr>
-                          <m:t>,</m:t>
-                        </m:r>
-                        <m:r>
-                          <a:rPr lang="en-GB" sz="1900" i="1">
-                            <a:latin typeface="Cambria Math" panose="02040503050406030204" pitchFamily="18" charset="0"/>
-                          </a:rPr>
-                          <m:t>𝑃</m:t>
-                        </m:r>
-                      </m:sub>
-                    </m:sSub>
-                    <m:r>
-                      <a:rPr lang="en-GB" sz="1900" i="1">
-                        <a:latin typeface="Cambria Math" panose="02040503050406030204" pitchFamily="18" charset="0"/>
-                      </a:rPr>
-                      <m:t>=1000</m:t>
-                    </m:r>
-                  </m:oMath>
-                </a14:m>
-                <a:endParaRPr lang="en-SG" sz="1900" i="1" dirty="0">
-                  <a:latin typeface="Cambria Math" panose="02040503050406030204" pitchFamily="18" charset="0"/>
-                </a:endParaRPr>
-              </a:p>
-              <a:p>
-                <a:pPr marL="742950" lvl="1" indent="-285750">
-                  <a:lnSpc>
-                    <a:spcPct val="107000"/>
-                  </a:lnSpc>
-                  <a:buFont typeface="Courier New" panose="02070309020205020404" pitchFamily="49" charset="0"/>
-                  <a:buChar char="o"/>
-                </a:pPr>
-                <a14:m>
-                  <m:oMath xmlns:m="http://schemas.openxmlformats.org/officeDocument/2006/math">
-                    <m:sSub>
-                      <m:sSubPr>
-                        <m:ctrlPr>
-                          <a:rPr lang="en-SG" sz="1900" i="1">
-                            <a:latin typeface="Cambria Math" panose="02040503050406030204" pitchFamily="18" charset="0"/>
-                          </a:rPr>
-                        </m:ctrlPr>
-                      </m:sSubPr>
-                      <m:e>
-                        <m:r>
-                          <a:rPr lang="en-GB" sz="1900" i="1">
-                            <a:latin typeface="Cambria Math" panose="02040503050406030204" pitchFamily="18" charset="0"/>
-                          </a:rPr>
-                          <m:t>𝐶</m:t>
-                        </m:r>
-                      </m:e>
-                      <m:sub>
-                        <m:r>
-                          <a:rPr lang="en-GB" sz="1900" i="1">
-                            <a:latin typeface="Cambria Math" panose="02040503050406030204" pitchFamily="18" charset="0"/>
-                          </a:rPr>
-                          <m:t>𝐶𝐻𝑁</m:t>
-                        </m:r>
-                        <m:r>
-                          <a:rPr lang="en-GB" sz="1900" i="1">
-                            <a:latin typeface="Cambria Math" panose="02040503050406030204" pitchFamily="18" charset="0"/>
-                          </a:rPr>
-                          <m:t>,</m:t>
-                        </m:r>
-                        <m:r>
-                          <a:rPr lang="en-GB" sz="1900" i="1">
-                            <a:latin typeface="Cambria Math" panose="02040503050406030204" pitchFamily="18" charset="0"/>
-                          </a:rPr>
-                          <m:t>𝑀</m:t>
-                        </m:r>
-                      </m:sub>
-                    </m:sSub>
-                    <m:r>
-                      <a:rPr lang="en-GB" sz="1900" i="1">
-                        <a:latin typeface="Cambria Math" panose="02040503050406030204" pitchFamily="18" charset="0"/>
-                      </a:rPr>
-                      <m:t>=2100</m:t>
-                    </m:r>
-                  </m:oMath>
-                </a14:m>
-                <a:endParaRPr lang="en-SG" sz="1900" i="1" dirty="0">
-                  <a:latin typeface="Cambria Math" panose="02040503050406030204" pitchFamily="18" charset="0"/>
-                </a:endParaRPr>
-              </a:p>
-              <a:p>
-                <a:pPr marL="742950" lvl="1" indent="-285750">
-                  <a:lnSpc>
-                    <a:spcPct val="107000"/>
-                  </a:lnSpc>
-                  <a:buFont typeface="Courier New" panose="02070309020205020404" pitchFamily="49" charset="0"/>
-                  <a:buChar char="o"/>
-                </a:pPr>
-                <a14:m>
-                  <m:oMath xmlns:m="http://schemas.openxmlformats.org/officeDocument/2006/math">
-                    <m:sSub>
-                      <m:sSubPr>
-                        <m:ctrlPr>
-                          <a:rPr lang="en-SG" sz="1900" i="1">
-                            <a:latin typeface="Cambria Math" panose="02040503050406030204" pitchFamily="18" charset="0"/>
-                          </a:rPr>
-                        </m:ctrlPr>
-                      </m:sSubPr>
-                      <m:e>
-                        <m:r>
-                          <a:rPr lang="en-GB" sz="1900" i="1">
-                            <a:latin typeface="Cambria Math" panose="02040503050406030204" pitchFamily="18" charset="0"/>
-                          </a:rPr>
-                          <m:t>𝐶</m:t>
-                        </m:r>
-                      </m:e>
-                      <m:sub>
-                        <m:r>
-                          <a:rPr lang="en-GB" sz="1900" i="1">
-                            <a:latin typeface="Cambria Math" panose="02040503050406030204" pitchFamily="18" charset="0"/>
-                          </a:rPr>
-                          <m:t>𝐶𝐻𝑁</m:t>
-                        </m:r>
-                        <m:r>
-                          <a:rPr lang="en-GB" sz="1900" i="1">
-                            <a:latin typeface="Cambria Math" panose="02040503050406030204" pitchFamily="18" charset="0"/>
-                          </a:rPr>
-                          <m:t>,</m:t>
-                        </m:r>
-                        <m:r>
-                          <a:rPr lang="en-GB" sz="1900" i="1">
-                            <a:latin typeface="Cambria Math" panose="02040503050406030204" pitchFamily="18" charset="0"/>
-                          </a:rPr>
-                          <m:t>𝐴</m:t>
-                        </m:r>
-                      </m:sub>
-                    </m:sSub>
-                    <m:r>
-                      <a:rPr lang="en-GB" sz="1900" i="1">
-                        <a:latin typeface="Cambria Math" panose="02040503050406030204" pitchFamily="18" charset="0"/>
-                      </a:rPr>
-                      <m:t>=900</m:t>
-                    </m:r>
-                  </m:oMath>
-                </a14:m>
-                <a:endParaRPr lang="en-SG" sz="1900" i="1" dirty="0">
-                  <a:latin typeface="Cambria Math" panose="02040503050406030204" pitchFamily="18" charset="0"/>
-                </a:endParaRPr>
-              </a:p>
-              <a:p>
-                <a:pPr marL="742950" lvl="1" indent="-285750">
-                  <a:lnSpc>
-                    <a:spcPct val="107000"/>
-                  </a:lnSpc>
-                  <a:buFont typeface="Courier New" panose="02070309020205020404" pitchFamily="49" charset="0"/>
-                  <a:buChar char="o"/>
-                </a:pPr>
-                <a14:m>
-                  <m:oMath xmlns:m="http://schemas.openxmlformats.org/officeDocument/2006/math">
-                    <m:sSub>
-                      <m:sSubPr>
-                        <m:ctrlPr>
-                          <a:rPr lang="en-SG" sz="1900" i="1">
-                            <a:latin typeface="Cambria Math" panose="02040503050406030204" pitchFamily="18" charset="0"/>
-                          </a:rPr>
-                        </m:ctrlPr>
-                      </m:sSubPr>
-                      <m:e>
-                        <m:r>
-                          <a:rPr lang="en-GB" sz="1900" i="1">
-                            <a:latin typeface="Cambria Math" panose="02040503050406030204" pitchFamily="18" charset="0"/>
-                          </a:rPr>
-                          <m:t>𝐶</m:t>
-                        </m:r>
-                      </m:e>
-                      <m:sub>
-                        <m:r>
-                          <a:rPr lang="en-GB" sz="1900" i="1">
-                            <a:latin typeface="Cambria Math" panose="02040503050406030204" pitchFamily="18" charset="0"/>
-                          </a:rPr>
-                          <m:t>𝐶𝐻𝑁</m:t>
-                        </m:r>
-                        <m:r>
-                          <a:rPr lang="en-GB" sz="1900" i="1">
-                            <a:latin typeface="Cambria Math" panose="02040503050406030204" pitchFamily="18" charset="0"/>
-                          </a:rPr>
-                          <m:t>,</m:t>
-                        </m:r>
-                        <m:r>
-                          <a:rPr lang="en-GB" sz="1900" i="1">
-                            <a:latin typeface="Cambria Math" panose="02040503050406030204" pitchFamily="18" charset="0"/>
-                          </a:rPr>
-                          <m:t>𝐷</m:t>
-                        </m:r>
-                      </m:sub>
-                    </m:sSub>
-                    <m:r>
-                      <a:rPr lang="en-GB" sz="1900" i="1">
-                        <a:latin typeface="Cambria Math" panose="02040503050406030204" pitchFamily="18" charset="0"/>
-                      </a:rPr>
-                      <m:t>=</m:t>
-                    </m:r>
-                    <m:sSup>
-                      <m:sSupPr>
-                        <m:ctrlPr>
-                          <a:rPr lang="en-SG" sz="1900" i="1">
-                            <a:latin typeface="Cambria Math" panose="02040503050406030204" pitchFamily="18" charset="0"/>
-                          </a:rPr>
-                        </m:ctrlPr>
-                      </m:sSupPr>
-                      <m:e>
-                        <m:r>
-                          <a:rPr lang="en-GB" sz="1900" i="1">
-                            <a:latin typeface="Cambria Math" panose="02040503050406030204" pitchFamily="18" charset="0"/>
-                          </a:rPr>
-                          <m:t>30000</m:t>
-                        </m:r>
-                      </m:e>
-                      <m:sup>
-                        <m:r>
-                          <a:rPr lang="en-GB" sz="1900" i="1">
-                            <a:latin typeface="Cambria Math" panose="02040503050406030204" pitchFamily="18" charset="0"/>
-                          </a:rPr>
-                          <m:t>∗</m:t>
-                        </m:r>
-                      </m:sup>
-                    </m:sSup>
-                  </m:oMath>
-                </a14:m>
-                <a:endParaRPr lang="en-SG" sz="1900" i="1" dirty="0">
-                  <a:latin typeface="Cambria Math" panose="02040503050406030204" pitchFamily="18" charset="0"/>
-                </a:endParaRPr>
-              </a:p>
-              <a:p>
-                <a:pPr marL="742950" lvl="1" indent="-285750">
-                  <a:lnSpc>
-                    <a:spcPct val="107000"/>
-                  </a:lnSpc>
-                  <a:spcAft>
-                    <a:spcPts val="800"/>
-                  </a:spcAft>
-                  <a:buFont typeface="Courier New" panose="02070309020205020404" pitchFamily="49" charset="0"/>
-                  <a:buChar char="o"/>
-                </a:pPr>
-                <a14:m>
-                  <m:oMath xmlns:m="http://schemas.openxmlformats.org/officeDocument/2006/math">
-                    <m:r>
-                      <a:rPr lang="en-GB" sz="1900" i="1">
-                        <a:latin typeface="Cambria Math" panose="02040503050406030204" pitchFamily="18" charset="0"/>
-                      </a:rPr>
-                      <m:t>𝐸</m:t>
-                    </m:r>
-                    <m:sSub>
-                      <m:sSubPr>
-                        <m:ctrlPr>
-                          <a:rPr lang="en-SG" sz="1900" i="1">
-                            <a:latin typeface="Cambria Math" panose="02040503050406030204" pitchFamily="18" charset="0"/>
-                          </a:rPr>
-                        </m:ctrlPr>
-                      </m:sSubPr>
-                      <m:e>
-                        <m:r>
-                          <a:rPr lang="en-GB" sz="1900" i="1">
-                            <a:latin typeface="Cambria Math" panose="02040503050406030204" pitchFamily="18" charset="0"/>
-                          </a:rPr>
-                          <m:t>𝑥</m:t>
-                        </m:r>
-                      </m:e>
-                      <m:sub>
-                        <m:r>
-                          <a:rPr lang="en-GB" sz="1900" i="1">
-                            <a:latin typeface="Cambria Math" panose="02040503050406030204" pitchFamily="18" charset="0"/>
-                          </a:rPr>
-                          <m:t>𝐶𝐻𝑁</m:t>
-                        </m:r>
-                        <m:r>
-                          <a:rPr lang="en-GB" sz="1900" i="1">
-                            <a:latin typeface="Cambria Math" panose="02040503050406030204" pitchFamily="18" charset="0"/>
-                          </a:rPr>
-                          <m:t>,</m:t>
-                        </m:r>
-                        <m:r>
-                          <a:rPr lang="en-GB" sz="1900" i="1">
-                            <a:latin typeface="Cambria Math" panose="02040503050406030204" pitchFamily="18" charset="0"/>
-                          </a:rPr>
-                          <m:t>𝑀</m:t>
-                        </m:r>
-                      </m:sub>
-                    </m:sSub>
-                    <m:r>
-                      <a:rPr lang="en-GB" sz="1900" i="1">
-                        <a:latin typeface="Cambria Math" panose="02040503050406030204" pitchFamily="18" charset="0"/>
-                      </a:rPr>
-                      <m:t>=8000</m:t>
-                    </m:r>
-                  </m:oMath>
-                </a14:m>
-                <a:endParaRPr lang="en-SG" sz="1900" i="1" dirty="0">
-                  <a:latin typeface="Cambria Math" panose="02040503050406030204" pitchFamily="18" charset="0"/>
-                </a:endParaRPr>
-              </a:p>
-              <a:p>
-                <a:pPr lvl="1"/>
-                <a:endParaRPr lang="en-SG" dirty="0"/>
-              </a:p>
-            </p:txBody>
-          </p:sp>
-        </mc:Choice>
-        <mc:Fallback xmlns="">
-          <p:sp>
-            <p:nvSpPr>
-              <p:cNvPr id="3" name="Content Placeholder 2">
-                <a:extLst>
-                  <a:ext uri="{FF2B5EF4-FFF2-40B4-BE49-F238E27FC236}">
-                    <a16:creationId xmlns:a16="http://schemas.microsoft.com/office/drawing/2014/main" id="{91290B7E-E2B4-1560-D777-B407B7B072ED}"/>
-                  </a:ext>
-                </a:extLst>
-              </p:cNvPr>
-              <p:cNvSpPr>
-                <a:spLocks noGrp="1" noRot="1" noChangeAspect="1" noMove="1" noResize="1" noEditPoints="1" noAdjustHandles="1" noChangeArrowheads="1" noChangeShapeType="1" noTextEdit="1"/>
-              </p:cNvSpPr>
-              <p:nvPr>
-                <p:ph idx="1"/>
-              </p:nvPr>
-            </p:nvSpPr>
-            <p:spPr>
-              <a:xfrm>
-                <a:off x="1162705" y="1868345"/>
-                <a:ext cx="3133989" cy="4440073"/>
-              </a:xfrm>
-              <a:blipFill>
-                <a:blip r:embed="rId2"/>
-                <a:stretch>
-                  <a:fillRect l="-5058" t="-4801"/>
-                </a:stretch>
-              </a:blipFill>
-            </p:spPr>
-            <p:txBody>
-              <a:bodyPr/>
-              <a:lstStyle/>
-              <a:p>
-                <a:r>
-                  <a:rPr lang="en-SG">
-                    <a:noFill/>
-                  </a:rPr>
-                  <a:t> </a:t>
-                </a:r>
-              </a:p>
-            </p:txBody>
-          </p:sp>
-        </mc:Fallback>
-      </mc:AlternateContent>
-      <mc:AlternateContent xmlns:mc="http://schemas.openxmlformats.org/markup-compatibility/2006" xmlns:a14="http://schemas.microsoft.com/office/drawing/2010/main">
-        <mc:Choice Requires="a14">
-          <p:sp>
-            <p:nvSpPr>
-              <p:cNvPr id="6" name="Content Placeholder 2">
-                <a:extLst>
-                  <a:ext uri="{FF2B5EF4-FFF2-40B4-BE49-F238E27FC236}">
-                    <a16:creationId xmlns:a16="http://schemas.microsoft.com/office/drawing/2014/main" id="{C128FABC-F7EB-9C1A-0F3A-99384DAE3B79}"/>
-                  </a:ext>
-                </a:extLst>
-              </p:cNvPr>
-              <p:cNvSpPr txBox="1">
-                <a:spLocks/>
-              </p:cNvSpPr>
-              <p:nvPr/>
-            </p:nvSpPr>
-            <p:spPr>
-              <a:xfrm>
-                <a:off x="3646026" y="1868345"/>
-                <a:ext cx="3133989" cy="4440073"/>
-              </a:xfrm>
-              <a:prstGeom prst="rect">
-                <a:avLst/>
-              </a:prstGeom>
-            </p:spPr>
-            <p:txBody>
-              <a:bodyPr vert="horz" lIns="91440" tIns="45720" rIns="91440" bIns="45720" rtlCol="0" anchor="t">
-                <a:normAutofit lnSpcReduction="10000"/>
-              </a:bodyPr>
-              <a:lstStyle>
-                <a:lvl1pPr marL="285750" indent="-285750" algn="l" defTabSz="457200" rtl="0" eaLnBrk="1" latinLnBrk="0" hangingPunct="1">
-                  <a:spcBef>
-                    <a:spcPct val="20000"/>
-                  </a:spcBef>
-                  <a:spcAft>
-                    <a:spcPts val="600"/>
-                  </a:spcAft>
-                  <a:buClr>
-                    <a:schemeClr val="accent1">
-                      <a:lumMod val="75000"/>
-                    </a:schemeClr>
-                  </a:buClr>
-                  <a:buSzPct val="145000"/>
-                  <a:buFont typeface="Arial"/>
-                  <a:buChar char="•"/>
-                  <a:defRPr sz="2400" kern="1200" cap="none">
-                    <a:solidFill>
-                      <a:schemeClr val="tx1"/>
-                    </a:solidFill>
-                    <a:effectLst/>
-                    <a:latin typeface="+mn-lt"/>
-                    <a:ea typeface="+mn-ea"/>
-                    <a:cs typeface="+mn-cs"/>
-                  </a:defRPr>
-                </a:lvl1pPr>
-                <a:lvl2pPr marL="742950" indent="-285750" algn="l" defTabSz="457200" rtl="0" eaLnBrk="1" latinLnBrk="0" hangingPunct="1">
-                  <a:spcBef>
-                    <a:spcPct val="20000"/>
-                  </a:spcBef>
-                  <a:spcAft>
-                    <a:spcPts val="600"/>
-                  </a:spcAft>
-                  <a:buClr>
-                    <a:schemeClr val="accent1">
-                      <a:lumMod val="75000"/>
-                    </a:schemeClr>
-                  </a:buClr>
-                  <a:buSzPct val="145000"/>
-                  <a:buFont typeface="Arial"/>
-                  <a:buChar char="•"/>
-                  <a:defRPr sz="2000" kern="1200" cap="none">
-                    <a:solidFill>
-                      <a:schemeClr val="tx1"/>
-                    </a:solidFill>
-                    <a:effectLst/>
-                    <a:latin typeface="+mn-lt"/>
-                    <a:ea typeface="+mn-ea"/>
-                    <a:cs typeface="+mn-cs"/>
-                  </a:defRPr>
-                </a:lvl2pPr>
-                <a:lvl3pPr marL="1200150" indent="-285750" algn="l" defTabSz="457200" rtl="0" eaLnBrk="1" latinLnBrk="0" hangingPunct="1">
-                  <a:spcBef>
-                    <a:spcPct val="20000"/>
-                  </a:spcBef>
-                  <a:spcAft>
-                    <a:spcPts val="600"/>
-                  </a:spcAft>
-                  <a:buClr>
-                    <a:schemeClr val="accent1">
-                      <a:lumMod val="75000"/>
-                    </a:schemeClr>
-                  </a:buClr>
-                  <a:buSzPct val="145000"/>
-                  <a:buFont typeface="Arial"/>
-                  <a:buChar char="•"/>
-                  <a:defRPr sz="1800" kern="1200" cap="none">
-                    <a:solidFill>
-                      <a:schemeClr val="tx1"/>
-                    </a:solidFill>
-                    <a:effectLst/>
-                    <a:latin typeface="+mn-lt"/>
-                    <a:ea typeface="+mn-ea"/>
-                    <a:cs typeface="+mn-cs"/>
-                  </a:defRPr>
-                </a:lvl3pPr>
-                <a:lvl4pPr marL="1543050" indent="-171450" algn="l" defTabSz="457200" rtl="0" eaLnBrk="1" latinLnBrk="0" hangingPunct="1">
-                  <a:spcBef>
-                    <a:spcPct val="20000"/>
-                  </a:spcBef>
-                  <a:spcAft>
-                    <a:spcPts val="600"/>
-                  </a:spcAft>
-                  <a:buClr>
-                    <a:schemeClr val="accent1">
-                      <a:lumMod val="75000"/>
-                    </a:schemeClr>
-                  </a:buClr>
-                  <a:buSzPct val="145000"/>
-                  <a:buFont typeface="Arial"/>
-                  <a:buChar char="•"/>
-                  <a:defRPr sz="1600" kern="1200" cap="none">
-                    <a:solidFill>
-                      <a:schemeClr val="tx1"/>
-                    </a:solidFill>
-                    <a:effectLst/>
-                    <a:latin typeface="+mn-lt"/>
-                    <a:ea typeface="+mn-ea"/>
-                    <a:cs typeface="+mn-cs"/>
-                  </a:defRPr>
-                </a:lvl4pPr>
-                <a:lvl5pPr marL="2000250" indent="-171450" algn="l" defTabSz="457200" rtl="0" eaLnBrk="1" latinLnBrk="0" hangingPunct="1">
-                  <a:spcBef>
-                    <a:spcPct val="20000"/>
-                  </a:spcBef>
-                  <a:spcAft>
-                    <a:spcPts val="600"/>
-                  </a:spcAft>
-                  <a:buClr>
-                    <a:schemeClr val="accent1">
-                      <a:lumMod val="75000"/>
-                    </a:schemeClr>
-                  </a:buClr>
-                  <a:buSzPct val="145000"/>
-                  <a:buFont typeface="Arial"/>
-                  <a:buChar char="•"/>
-                  <a:defRPr sz="1400" kern="1200" cap="none">
-                    <a:solidFill>
-                      <a:schemeClr val="tx1"/>
-                    </a:solidFill>
-                    <a:effectLst/>
-                    <a:latin typeface="+mn-lt"/>
-                    <a:ea typeface="+mn-ea"/>
-                    <a:cs typeface="+mn-cs"/>
-                  </a:defRPr>
-                </a:lvl5pPr>
-                <a:lvl6pPr marL="2514600" indent="-228600" algn="l" defTabSz="457200" rtl="0" eaLnBrk="1" latinLnBrk="0" hangingPunct="1">
-                  <a:spcBef>
-                    <a:spcPct val="20000"/>
-                  </a:spcBef>
-                  <a:spcAft>
-                    <a:spcPts val="600"/>
-                  </a:spcAft>
-                  <a:buClr>
-                    <a:schemeClr val="accent1">
-                      <a:lumMod val="75000"/>
-                    </a:schemeClr>
-                  </a:buClr>
-                  <a:buSzPct val="145000"/>
-                  <a:buFont typeface="Arial"/>
-                  <a:buChar char="•"/>
-                  <a:defRPr sz="1400" kern="1200" cap="none">
-                    <a:solidFill>
-                      <a:schemeClr val="tx1"/>
-                    </a:solidFill>
-                    <a:effectLst/>
-                    <a:latin typeface="+mn-lt"/>
-                    <a:ea typeface="+mn-ea"/>
-                    <a:cs typeface="+mn-cs"/>
-                  </a:defRPr>
-                </a:lvl6pPr>
-                <a:lvl7pPr marL="2971800" indent="-228600" algn="l" defTabSz="457200" rtl="0" eaLnBrk="1" latinLnBrk="0" hangingPunct="1">
-                  <a:spcBef>
-                    <a:spcPct val="20000"/>
-                  </a:spcBef>
-                  <a:spcAft>
-                    <a:spcPts val="600"/>
-                  </a:spcAft>
-                  <a:buClr>
-                    <a:schemeClr val="accent1">
-                      <a:lumMod val="75000"/>
-                    </a:schemeClr>
-                  </a:buClr>
-                  <a:buSzPct val="145000"/>
-                  <a:buFont typeface="Arial"/>
-                  <a:buChar char="•"/>
-                  <a:defRPr sz="1400" kern="1200" cap="none">
-                    <a:solidFill>
-                      <a:schemeClr val="tx1"/>
-                    </a:solidFill>
-                    <a:effectLst/>
-                    <a:latin typeface="+mn-lt"/>
-                    <a:ea typeface="+mn-ea"/>
-                    <a:cs typeface="+mn-cs"/>
-                  </a:defRPr>
-                </a:lvl7pPr>
-                <a:lvl8pPr marL="3429000" indent="-228600" algn="l" defTabSz="457200" rtl="0" eaLnBrk="1" latinLnBrk="0" hangingPunct="1">
-                  <a:spcBef>
-                    <a:spcPct val="20000"/>
-                  </a:spcBef>
-                  <a:spcAft>
-                    <a:spcPts val="600"/>
-                  </a:spcAft>
-                  <a:buClr>
-                    <a:schemeClr val="accent1">
-                      <a:lumMod val="75000"/>
-                    </a:schemeClr>
-                  </a:buClr>
-                  <a:buSzPct val="145000"/>
-                  <a:buFont typeface="Arial"/>
-                  <a:buChar char="•"/>
-                  <a:defRPr sz="1400" kern="1200" cap="none">
-                    <a:solidFill>
-                      <a:schemeClr val="tx1"/>
-                    </a:solidFill>
-                    <a:effectLst/>
-                    <a:latin typeface="+mn-lt"/>
-                    <a:ea typeface="+mn-ea"/>
-                    <a:cs typeface="+mn-cs"/>
-                  </a:defRPr>
-                </a:lvl8pPr>
-                <a:lvl9pPr marL="3886200" indent="-228600" algn="l" defTabSz="457200" rtl="0" eaLnBrk="1" latinLnBrk="0" hangingPunct="1">
-                  <a:spcBef>
-                    <a:spcPct val="20000"/>
-                  </a:spcBef>
-                  <a:spcAft>
-                    <a:spcPts val="600"/>
-                  </a:spcAft>
-                  <a:buClr>
-                    <a:schemeClr val="accent1">
-                      <a:lumMod val="75000"/>
-                    </a:schemeClr>
-                  </a:buClr>
-                  <a:buSzPct val="145000"/>
-                  <a:buFont typeface="Arial"/>
-                  <a:buChar char="•"/>
-                  <a:defRPr sz="1400" kern="1200" cap="none">
-                    <a:solidFill>
-                      <a:schemeClr val="tx1"/>
-                    </a:solidFill>
-                    <a:effectLst/>
-                    <a:latin typeface="+mn-lt"/>
-                    <a:ea typeface="+mn-ea"/>
-                    <a:cs typeface="+mn-cs"/>
-                  </a:defRPr>
-                </a:lvl9pPr>
-              </a:lstStyle>
-              <a:p>
-                <a:pPr marL="342900" lvl="0" indent="-342900">
-                  <a:lnSpc>
-                    <a:spcPct val="107000"/>
-                  </a:lnSpc>
-                  <a:buFont typeface="Symbol" panose="05050102010706020507" pitchFamily="18" charset="2"/>
-                  <a:buChar char="·"/>
-                </a:pPr>
-                <a:r>
-                  <a:rPr lang="en-GB" sz="2200" dirty="0"/>
-                  <a:t>East Asia (EAS)</a:t>
-                </a:r>
-                <a:endParaRPr lang="en-SG" sz="2200" dirty="0"/>
-              </a:p>
-              <a:p>
-                <a:pPr marL="742950" lvl="1" indent="-285750">
-                  <a:lnSpc>
-                    <a:spcPct val="107000"/>
-                  </a:lnSpc>
-                  <a:buFont typeface="Courier New" panose="02070309020205020404" pitchFamily="49" charset="0"/>
-                  <a:buChar char="o"/>
-                </a:pPr>
-                <a14:m>
-                  <m:oMath xmlns:m="http://schemas.openxmlformats.org/officeDocument/2006/math">
-                    <m:sSub>
-                      <m:sSubPr>
-                        <m:ctrlPr>
-                          <a:rPr lang="en-SG" sz="1900" i="1">
-                            <a:latin typeface="Cambria Math" panose="02040503050406030204" pitchFamily="18" charset="0"/>
-                          </a:rPr>
-                        </m:ctrlPr>
-                      </m:sSubPr>
-                      <m:e>
-                        <m:r>
-                          <a:rPr lang="en-GB" sz="1900" i="1">
-                            <a:latin typeface="Cambria Math" panose="02040503050406030204" pitchFamily="18" charset="0"/>
-                          </a:rPr>
-                          <m:t>𝐶</m:t>
-                        </m:r>
-                      </m:e>
-                      <m:sub>
-                        <m:r>
-                          <a:rPr lang="en-GB" sz="1900" i="1">
-                            <a:latin typeface="Cambria Math" panose="02040503050406030204" pitchFamily="18" charset="0"/>
-                          </a:rPr>
-                          <m:t>𝐸𝐴𝑆</m:t>
-                        </m:r>
-                        <m:r>
-                          <a:rPr lang="en-GB" sz="1900" i="1">
-                            <a:latin typeface="Cambria Math" panose="02040503050406030204" pitchFamily="18" charset="0"/>
-                          </a:rPr>
-                          <m:t>,</m:t>
-                        </m:r>
-                        <m:r>
-                          <a:rPr lang="en-GB" sz="1900" i="1">
-                            <a:latin typeface="Cambria Math" panose="02040503050406030204" pitchFamily="18" charset="0"/>
-                          </a:rPr>
-                          <m:t>𝑃</m:t>
-                        </m:r>
-                      </m:sub>
-                    </m:sSub>
-                    <m:r>
-                      <a:rPr lang="en-GB" sz="1900" i="1">
-                        <a:latin typeface="Cambria Math" panose="02040503050406030204" pitchFamily="18" charset="0"/>
-                      </a:rPr>
-                      <m:t>=800</m:t>
-                    </m:r>
-                  </m:oMath>
-                </a14:m>
-                <a:endParaRPr lang="en-SG" sz="1900" i="1" dirty="0">
-                  <a:latin typeface="Cambria Math" panose="02040503050406030204" pitchFamily="18" charset="0"/>
-                </a:endParaRPr>
-              </a:p>
-              <a:p>
-                <a:pPr marL="742950" lvl="1" indent="-285750">
-                  <a:lnSpc>
-                    <a:spcPct val="107000"/>
-                  </a:lnSpc>
-                  <a:buFont typeface="Courier New" panose="02070309020205020404" pitchFamily="49" charset="0"/>
-                  <a:buChar char="o"/>
-                </a:pPr>
-                <a14:m>
-                  <m:oMath xmlns:m="http://schemas.openxmlformats.org/officeDocument/2006/math">
-                    <m:sSub>
-                      <m:sSubPr>
-                        <m:ctrlPr>
-                          <a:rPr lang="en-SG" sz="1900" i="1">
-                            <a:latin typeface="Cambria Math" panose="02040503050406030204" pitchFamily="18" charset="0"/>
-                          </a:rPr>
-                        </m:ctrlPr>
-                      </m:sSubPr>
-                      <m:e>
-                        <m:r>
-                          <a:rPr lang="en-GB" sz="1900" i="1">
-                            <a:latin typeface="Cambria Math" panose="02040503050406030204" pitchFamily="18" charset="0"/>
-                          </a:rPr>
-                          <m:t>𝐶</m:t>
-                        </m:r>
-                      </m:e>
-                      <m:sub>
-                        <m:r>
-                          <a:rPr lang="en-GB" sz="1900" i="1">
-                            <a:latin typeface="Cambria Math" panose="02040503050406030204" pitchFamily="18" charset="0"/>
-                          </a:rPr>
-                          <m:t>𝐸𝐴𝑆</m:t>
-                        </m:r>
-                        <m:r>
-                          <a:rPr lang="en-GB" sz="1900" i="1">
-                            <a:latin typeface="Cambria Math" panose="02040503050406030204" pitchFamily="18" charset="0"/>
-                          </a:rPr>
-                          <m:t>,</m:t>
-                        </m:r>
-                        <m:r>
-                          <a:rPr lang="en-GB" sz="1900" i="1">
-                            <a:latin typeface="Cambria Math" panose="02040503050406030204" pitchFamily="18" charset="0"/>
-                          </a:rPr>
-                          <m:t>𝑀</m:t>
-                        </m:r>
-                      </m:sub>
-                    </m:sSub>
-                    <m:r>
-                      <a:rPr lang="en-GB" sz="1900" i="1">
-                        <a:latin typeface="Cambria Math" panose="02040503050406030204" pitchFamily="18" charset="0"/>
-                      </a:rPr>
-                      <m:t>=1800</m:t>
-                    </m:r>
-                  </m:oMath>
-                </a14:m>
-                <a:endParaRPr lang="en-SG" sz="1900" i="1" dirty="0">
-                  <a:latin typeface="Cambria Math" panose="02040503050406030204" pitchFamily="18" charset="0"/>
-                </a:endParaRPr>
-              </a:p>
-              <a:p>
-                <a:pPr marL="742950" lvl="1" indent="-285750">
-                  <a:lnSpc>
-                    <a:spcPct val="107000"/>
-                  </a:lnSpc>
-                  <a:buFont typeface="Courier New" panose="02070309020205020404" pitchFamily="49" charset="0"/>
-                  <a:buChar char="o"/>
-                </a:pPr>
-                <a14:m>
-                  <m:oMath xmlns:m="http://schemas.openxmlformats.org/officeDocument/2006/math">
-                    <m:sSub>
-                      <m:sSubPr>
-                        <m:ctrlPr>
-                          <a:rPr lang="en-SG" sz="1900" i="1">
-                            <a:latin typeface="Cambria Math" panose="02040503050406030204" pitchFamily="18" charset="0"/>
-                          </a:rPr>
-                        </m:ctrlPr>
-                      </m:sSubPr>
-                      <m:e>
-                        <m:r>
-                          <a:rPr lang="en-GB" sz="1900" i="1">
-                            <a:latin typeface="Cambria Math" panose="02040503050406030204" pitchFamily="18" charset="0"/>
-                          </a:rPr>
-                          <m:t>𝐶</m:t>
-                        </m:r>
-                      </m:e>
-                      <m:sub>
-                        <m:r>
-                          <a:rPr lang="en-GB" sz="1900" i="1">
-                            <a:latin typeface="Cambria Math" panose="02040503050406030204" pitchFamily="18" charset="0"/>
-                          </a:rPr>
-                          <m:t>𝐸𝐴𝑆</m:t>
-                        </m:r>
-                        <m:r>
-                          <a:rPr lang="en-GB" sz="1900" i="1">
-                            <a:latin typeface="Cambria Math" panose="02040503050406030204" pitchFamily="18" charset="0"/>
-                          </a:rPr>
-                          <m:t>,</m:t>
-                        </m:r>
-                        <m:r>
-                          <a:rPr lang="en-GB" sz="1900" i="1">
-                            <a:latin typeface="Cambria Math" panose="02040503050406030204" pitchFamily="18" charset="0"/>
-                          </a:rPr>
-                          <m:t>𝐷</m:t>
-                        </m:r>
-                      </m:sub>
-                    </m:sSub>
-                    <m:r>
-                      <a:rPr lang="en-GB" sz="1900" i="1">
-                        <a:latin typeface="Cambria Math" panose="02040503050406030204" pitchFamily="18" charset="0"/>
-                      </a:rPr>
-                      <m:t>=−</m:t>
-                    </m:r>
-                    <m:sSup>
-                      <m:sSupPr>
-                        <m:ctrlPr>
-                          <a:rPr lang="en-SG" sz="1900" i="1">
-                            <a:latin typeface="Cambria Math" panose="02040503050406030204" pitchFamily="18" charset="0"/>
-                          </a:rPr>
-                        </m:ctrlPr>
-                      </m:sSupPr>
-                      <m:e>
-                        <m:r>
-                          <a:rPr lang="en-GB" sz="1900" i="1">
-                            <a:latin typeface="Cambria Math" panose="02040503050406030204" pitchFamily="18" charset="0"/>
-                          </a:rPr>
-                          <m:t>30000</m:t>
-                        </m:r>
-                      </m:e>
-                      <m:sup>
-                        <m:r>
-                          <a:rPr lang="en-GB" sz="1900" i="1">
-                            <a:latin typeface="Cambria Math" panose="02040503050406030204" pitchFamily="18" charset="0"/>
-                          </a:rPr>
-                          <m:t>∗</m:t>
-                        </m:r>
-                      </m:sup>
-                    </m:sSup>
-                  </m:oMath>
-                </a14:m>
-                <a:endParaRPr lang="en-SG" sz="1900" i="1" dirty="0">
-                  <a:latin typeface="Cambria Math" panose="02040503050406030204" pitchFamily="18" charset="0"/>
-                </a:endParaRPr>
-              </a:p>
-              <a:p>
-                <a:pPr marL="742950" lvl="1" indent="-285750">
-                  <a:lnSpc>
-                    <a:spcPct val="107000"/>
-                  </a:lnSpc>
-                  <a:buFont typeface="Courier New" panose="02070309020205020404" pitchFamily="49" charset="0"/>
-                  <a:buChar char="o"/>
-                </a:pPr>
-                <a14:m>
-                  <m:oMath xmlns:m="http://schemas.openxmlformats.org/officeDocument/2006/math">
-                    <m:r>
-                      <a:rPr lang="en-GB" sz="1900" i="1">
-                        <a:latin typeface="Cambria Math" panose="02040503050406030204" pitchFamily="18" charset="0"/>
-                      </a:rPr>
-                      <m:t>𝐸</m:t>
-                    </m:r>
-                    <m:sSub>
-                      <m:sSubPr>
-                        <m:ctrlPr>
-                          <a:rPr lang="en-SG" sz="1900" i="1">
-                            <a:latin typeface="Cambria Math" panose="02040503050406030204" pitchFamily="18" charset="0"/>
-                          </a:rPr>
-                        </m:ctrlPr>
-                      </m:sSubPr>
-                      <m:e>
-                        <m:r>
-                          <a:rPr lang="en-GB" sz="1900" i="1">
-                            <a:latin typeface="Cambria Math" panose="02040503050406030204" pitchFamily="18" charset="0"/>
-                          </a:rPr>
-                          <m:t>𝑥</m:t>
-                        </m:r>
-                      </m:e>
-                      <m:sub>
-                        <m:r>
-                          <a:rPr lang="en-GB" sz="1900" i="1">
-                            <a:latin typeface="Cambria Math" panose="02040503050406030204" pitchFamily="18" charset="0"/>
-                          </a:rPr>
-                          <m:t>𝐸𝐴𝑆</m:t>
-                        </m:r>
-                        <m:r>
-                          <a:rPr lang="en-GB" sz="1900" i="1">
-                            <a:latin typeface="Cambria Math" panose="02040503050406030204" pitchFamily="18" charset="0"/>
-                          </a:rPr>
-                          <m:t>,</m:t>
-                        </m:r>
-                        <m:r>
-                          <a:rPr lang="en-GB" sz="1900" i="1">
-                            <a:latin typeface="Cambria Math" panose="02040503050406030204" pitchFamily="18" charset="0"/>
-                          </a:rPr>
-                          <m:t>𝑀</m:t>
-                        </m:r>
-                      </m:sub>
-                    </m:sSub>
-                    <m:r>
-                      <a:rPr lang="en-GB" sz="1900" i="1">
-                        <a:latin typeface="Cambria Math" panose="02040503050406030204" pitchFamily="18" charset="0"/>
-                      </a:rPr>
-                      <m:t>=8000</m:t>
-                    </m:r>
-                  </m:oMath>
-                </a14:m>
-                <a:endParaRPr lang="en-SG" sz="1900" i="1" dirty="0">
-                  <a:latin typeface="Cambria Math" panose="02040503050406030204" pitchFamily="18" charset="0"/>
-                </a:endParaRPr>
-              </a:p>
-              <a:p>
-                <a:pPr marL="342900" lvl="0" indent="-342900">
-                  <a:lnSpc>
-                    <a:spcPct val="107000"/>
-                  </a:lnSpc>
-                  <a:buFont typeface="Symbol" panose="05050102010706020507" pitchFamily="18" charset="2"/>
-                  <a:buChar char="·"/>
-                </a:pPr>
-                <a:r>
-                  <a:rPr lang="en-GB" sz="2200" dirty="0"/>
-                  <a:t>Southeast Asia (SEA)</a:t>
-                </a:r>
-                <a:endParaRPr lang="en-SG" sz="2200" dirty="0"/>
-              </a:p>
-              <a:p>
-                <a:pPr marL="742950" lvl="1" indent="-285750">
-                  <a:lnSpc>
-                    <a:spcPct val="107000"/>
-                  </a:lnSpc>
-                  <a:buFont typeface="Courier New" panose="02070309020205020404" pitchFamily="49" charset="0"/>
-                  <a:buChar char="o"/>
-                </a:pPr>
-                <a14:m>
-                  <m:oMath xmlns:m="http://schemas.openxmlformats.org/officeDocument/2006/math">
-                    <m:sSub>
-                      <m:sSubPr>
-                        <m:ctrlPr>
-                          <a:rPr lang="en-SG" sz="1900" i="1">
-                            <a:latin typeface="Cambria Math" panose="02040503050406030204" pitchFamily="18" charset="0"/>
-                          </a:rPr>
-                        </m:ctrlPr>
-                      </m:sSubPr>
-                      <m:e>
-                        <m:r>
-                          <a:rPr lang="en-GB" sz="1900" i="1">
-                            <a:latin typeface="Cambria Math" panose="02040503050406030204" pitchFamily="18" charset="0"/>
-                          </a:rPr>
-                          <m:t>𝐶</m:t>
-                        </m:r>
-                      </m:e>
-                      <m:sub>
-                        <m:r>
-                          <a:rPr lang="en-GB" sz="1900" i="1">
-                            <a:latin typeface="Cambria Math" panose="02040503050406030204" pitchFamily="18" charset="0"/>
-                          </a:rPr>
-                          <m:t>𝑆𝐸𝐴</m:t>
-                        </m:r>
-                        <m:r>
-                          <a:rPr lang="en-GB" sz="1900" i="1">
-                            <a:latin typeface="Cambria Math" panose="02040503050406030204" pitchFamily="18" charset="0"/>
-                          </a:rPr>
-                          <m:t>,</m:t>
-                        </m:r>
-                        <m:r>
-                          <a:rPr lang="en-GB" sz="1900" i="1">
-                            <a:latin typeface="Cambria Math" panose="02040503050406030204" pitchFamily="18" charset="0"/>
-                          </a:rPr>
-                          <m:t>𝐸</m:t>
-                        </m:r>
-                      </m:sub>
-                    </m:sSub>
-                    <m:r>
-                      <a:rPr lang="en-GB" sz="1900" i="1">
-                        <a:latin typeface="Cambria Math" panose="02040503050406030204" pitchFamily="18" charset="0"/>
-                      </a:rPr>
-                      <m:t>=1500</m:t>
-                    </m:r>
-                  </m:oMath>
-                </a14:m>
-                <a:endParaRPr lang="en-SG" sz="1900" i="1" dirty="0">
-                  <a:latin typeface="Cambria Math" panose="02040503050406030204" pitchFamily="18" charset="0"/>
-                </a:endParaRPr>
-              </a:p>
-              <a:p>
-                <a:pPr marL="742950" lvl="1" indent="-285750">
-                  <a:lnSpc>
-                    <a:spcPct val="107000"/>
-                  </a:lnSpc>
-                  <a:buFont typeface="Courier New" panose="02070309020205020404" pitchFamily="49" charset="0"/>
-                  <a:buChar char="o"/>
-                </a:pPr>
-                <a14:m>
-                  <m:oMath xmlns:m="http://schemas.openxmlformats.org/officeDocument/2006/math">
-                    <m:sSub>
-                      <m:sSubPr>
-                        <m:ctrlPr>
-                          <a:rPr lang="en-SG" sz="1900" i="1">
-                            <a:latin typeface="Cambria Math" panose="02040503050406030204" pitchFamily="18" charset="0"/>
-                          </a:rPr>
-                        </m:ctrlPr>
-                      </m:sSubPr>
-                      <m:e>
-                        <m:r>
-                          <a:rPr lang="en-GB" sz="1900" i="1">
-                            <a:latin typeface="Cambria Math" panose="02040503050406030204" pitchFamily="18" charset="0"/>
-                          </a:rPr>
-                          <m:t>𝐶</m:t>
-                        </m:r>
-                      </m:e>
-                      <m:sub>
-                        <m:r>
-                          <a:rPr lang="en-GB" sz="1900" i="1">
-                            <a:latin typeface="Cambria Math" panose="02040503050406030204" pitchFamily="18" charset="0"/>
-                          </a:rPr>
-                          <m:t>𝑆𝐸𝐴</m:t>
-                        </m:r>
-                        <m:r>
-                          <a:rPr lang="en-GB" sz="1900" i="1">
-                            <a:latin typeface="Cambria Math" panose="02040503050406030204" pitchFamily="18" charset="0"/>
-                          </a:rPr>
-                          <m:t>,</m:t>
-                        </m:r>
-                        <m:r>
-                          <a:rPr lang="en-GB" sz="1900" i="1">
-                            <a:latin typeface="Cambria Math" panose="02040503050406030204" pitchFamily="18" charset="0"/>
-                          </a:rPr>
-                          <m:t>𝐴</m:t>
-                        </m:r>
-                      </m:sub>
-                    </m:sSub>
-                    <m:r>
-                      <a:rPr lang="en-GB" sz="1900" i="1">
-                        <a:latin typeface="Cambria Math" panose="02040503050406030204" pitchFamily="18" charset="0"/>
-                      </a:rPr>
-                      <m:t>=600</m:t>
-                    </m:r>
-                  </m:oMath>
-                </a14:m>
-                <a:endParaRPr lang="en-SG" sz="1900" i="1" dirty="0">
-                  <a:latin typeface="Cambria Math" panose="02040503050406030204" pitchFamily="18" charset="0"/>
-                </a:endParaRPr>
-              </a:p>
-              <a:p>
-                <a:pPr marL="742950" lvl="1" indent="-285750">
-                  <a:lnSpc>
-                    <a:spcPct val="107000"/>
-                  </a:lnSpc>
-                  <a:buFont typeface="Courier New" panose="02070309020205020404" pitchFamily="49" charset="0"/>
-                  <a:buChar char="o"/>
-                </a:pPr>
-                <a14:m>
-                  <m:oMath xmlns:m="http://schemas.openxmlformats.org/officeDocument/2006/math">
-                    <m:sSub>
-                      <m:sSubPr>
-                        <m:ctrlPr>
-                          <a:rPr lang="en-SG" sz="1900" i="1">
-                            <a:latin typeface="Cambria Math" panose="02040503050406030204" pitchFamily="18" charset="0"/>
-                          </a:rPr>
-                        </m:ctrlPr>
-                      </m:sSubPr>
-                      <m:e>
-                        <m:r>
-                          <a:rPr lang="en-GB" sz="1900" i="1">
-                            <a:latin typeface="Cambria Math" panose="02040503050406030204" pitchFamily="18" charset="0"/>
-                          </a:rPr>
-                          <m:t>𝐶</m:t>
-                        </m:r>
-                      </m:e>
-                      <m:sub>
-                        <m:r>
-                          <a:rPr lang="en-GB" sz="1900" i="1">
-                            <a:latin typeface="Cambria Math" panose="02040503050406030204" pitchFamily="18" charset="0"/>
-                          </a:rPr>
-                          <m:t>𝑆𝐸𝐴</m:t>
-                        </m:r>
-                        <m:r>
-                          <a:rPr lang="en-GB" sz="1900" i="1">
-                            <a:latin typeface="Cambria Math" panose="02040503050406030204" pitchFamily="18" charset="0"/>
-                          </a:rPr>
-                          <m:t>,</m:t>
-                        </m:r>
-                        <m:r>
-                          <a:rPr lang="en-GB" sz="1900" i="1">
-                            <a:latin typeface="Cambria Math" panose="02040503050406030204" pitchFamily="18" charset="0"/>
-                          </a:rPr>
-                          <m:t>𝐷</m:t>
-                        </m:r>
-                      </m:sub>
-                    </m:sSub>
-                    <m:r>
-                      <a:rPr lang="en-GB" sz="1900" i="1">
-                        <a:latin typeface="Cambria Math" panose="02040503050406030204" pitchFamily="18" charset="0"/>
-                      </a:rPr>
-                      <m:t>=−</m:t>
-                    </m:r>
-                    <m:sSup>
-                      <m:sSupPr>
-                        <m:ctrlPr>
-                          <a:rPr lang="en-SG" sz="1900" i="1">
-                            <a:latin typeface="Cambria Math" panose="02040503050406030204" pitchFamily="18" charset="0"/>
-                          </a:rPr>
-                        </m:ctrlPr>
-                      </m:sSupPr>
-                      <m:e>
-                        <m:r>
-                          <a:rPr lang="en-GB" sz="1900" i="1">
-                            <a:latin typeface="Cambria Math" panose="02040503050406030204" pitchFamily="18" charset="0"/>
-                          </a:rPr>
-                          <m:t>30000</m:t>
-                        </m:r>
-                      </m:e>
-                      <m:sup>
-                        <m:r>
-                          <a:rPr lang="en-GB" sz="1900" i="1">
-                            <a:latin typeface="Cambria Math" panose="02040503050406030204" pitchFamily="18" charset="0"/>
-                          </a:rPr>
-                          <m:t>∗</m:t>
-                        </m:r>
-                      </m:sup>
-                    </m:sSup>
-                  </m:oMath>
-                </a14:m>
-                <a:endParaRPr lang="en-SG" sz="1900" i="1" dirty="0">
-                  <a:latin typeface="Cambria Math" panose="02040503050406030204" pitchFamily="18" charset="0"/>
-                </a:endParaRPr>
-              </a:p>
-              <a:p>
-                <a:pPr marL="742950" lvl="1" indent="-285750">
-                  <a:lnSpc>
-                    <a:spcPct val="107000"/>
-                  </a:lnSpc>
-                  <a:spcAft>
-                    <a:spcPts val="800"/>
-                  </a:spcAft>
-                  <a:buFont typeface="Courier New" panose="02070309020205020404" pitchFamily="49" charset="0"/>
-                  <a:buChar char="o"/>
-                </a:pPr>
-                <a14:m>
-                  <m:oMath xmlns:m="http://schemas.openxmlformats.org/officeDocument/2006/math">
-                    <m:r>
-                      <a:rPr lang="en-GB" sz="1900" i="1">
-                        <a:latin typeface="Cambria Math" panose="02040503050406030204" pitchFamily="18" charset="0"/>
-                      </a:rPr>
-                      <m:t>𝐸</m:t>
-                    </m:r>
-                    <m:sSub>
-                      <m:sSubPr>
-                        <m:ctrlPr>
-                          <a:rPr lang="en-SG" sz="1900" i="1">
-                            <a:latin typeface="Cambria Math" panose="02040503050406030204" pitchFamily="18" charset="0"/>
-                          </a:rPr>
-                        </m:ctrlPr>
-                      </m:sSubPr>
-                      <m:e>
-                        <m:r>
-                          <a:rPr lang="en-GB" sz="1900" i="1">
-                            <a:latin typeface="Cambria Math" panose="02040503050406030204" pitchFamily="18" charset="0"/>
-                          </a:rPr>
-                          <m:t>𝑥</m:t>
-                        </m:r>
-                      </m:e>
-                      <m:sub>
-                        <m:r>
-                          <a:rPr lang="en-GB" sz="1900" i="1">
-                            <a:latin typeface="Cambria Math" panose="02040503050406030204" pitchFamily="18" charset="0"/>
-                          </a:rPr>
-                          <m:t>𝑆𝐸𝐴</m:t>
-                        </m:r>
-                        <m:r>
-                          <a:rPr lang="en-GB" sz="1900" i="1">
-                            <a:latin typeface="Cambria Math" panose="02040503050406030204" pitchFamily="18" charset="0"/>
-                          </a:rPr>
-                          <m:t>,</m:t>
-                        </m:r>
-                        <m:r>
-                          <a:rPr lang="en-GB" sz="1900" i="1">
-                            <a:latin typeface="Cambria Math" panose="02040503050406030204" pitchFamily="18" charset="0"/>
-                          </a:rPr>
-                          <m:t>𝐸</m:t>
-                        </m:r>
-                      </m:sub>
-                    </m:sSub>
-                    <m:r>
-                      <a:rPr lang="en-GB" sz="1900" i="1">
-                        <a:latin typeface="Cambria Math" panose="02040503050406030204" pitchFamily="18" charset="0"/>
-                      </a:rPr>
-                      <m:t>=1800</m:t>
-                    </m:r>
-                  </m:oMath>
-                </a14:m>
-                <a:endParaRPr lang="en-SG" sz="1900" i="1" dirty="0">
-                  <a:latin typeface="Cambria Math" panose="02040503050406030204" pitchFamily="18" charset="0"/>
-                </a:endParaRPr>
-              </a:p>
-              <a:p>
-                <a:pPr lvl="1"/>
-                <a:endParaRPr lang="en-SG" dirty="0"/>
-              </a:p>
-            </p:txBody>
-          </p:sp>
-        </mc:Choice>
-        <mc:Fallback xmlns="">
-          <p:sp>
-            <p:nvSpPr>
-              <p:cNvPr id="6" name="Content Placeholder 2">
-                <a:extLst>
-                  <a:ext uri="{FF2B5EF4-FFF2-40B4-BE49-F238E27FC236}">
-                    <a16:creationId xmlns:a16="http://schemas.microsoft.com/office/drawing/2014/main" id="{C128FABC-F7EB-9C1A-0F3A-99384DAE3B79}"/>
-                  </a:ext>
-                </a:extLst>
-              </p:cNvPr>
-              <p:cNvSpPr txBox="1">
-                <a:spLocks noRot="1" noChangeAspect="1" noMove="1" noResize="1" noEditPoints="1" noAdjustHandles="1" noChangeArrowheads="1" noChangeShapeType="1" noTextEdit="1"/>
-              </p:cNvSpPr>
-              <p:nvPr/>
-            </p:nvSpPr>
-            <p:spPr>
-              <a:xfrm>
-                <a:off x="3646026" y="1868345"/>
-                <a:ext cx="3133989" cy="4440073"/>
-              </a:xfrm>
-              <a:prstGeom prst="rect">
-                <a:avLst/>
-              </a:prstGeom>
-              <a:blipFill>
-                <a:blip r:embed="rId3"/>
-                <a:stretch>
-                  <a:fillRect l="-5058" t="-5213" b="-1509"/>
-                </a:stretch>
-              </a:blipFill>
-            </p:spPr>
-            <p:txBody>
-              <a:bodyPr/>
-              <a:lstStyle/>
-              <a:p>
-                <a:r>
-                  <a:rPr lang="en-SG">
-                    <a:noFill/>
-                  </a:rPr>
-                  <a:t> </a:t>
-                </a:r>
-              </a:p>
-            </p:txBody>
-          </p:sp>
-        </mc:Fallback>
-      </mc:AlternateContent>
-      <mc:AlternateContent xmlns:mc="http://schemas.openxmlformats.org/markup-compatibility/2006" xmlns:a14="http://schemas.microsoft.com/office/drawing/2010/main">
-        <mc:Choice Requires="a14">
-          <p:sp>
-            <p:nvSpPr>
-              <p:cNvPr id="7" name="Content Placeholder 2">
-                <a:extLst>
-                  <a:ext uri="{FF2B5EF4-FFF2-40B4-BE49-F238E27FC236}">
-                    <a16:creationId xmlns:a16="http://schemas.microsoft.com/office/drawing/2014/main" id="{B0F414B5-A00B-8847-1172-36C3AB4BDC02}"/>
-                  </a:ext>
-                </a:extLst>
-              </p:cNvPr>
-              <p:cNvSpPr txBox="1">
-                <a:spLocks/>
-              </p:cNvSpPr>
-              <p:nvPr/>
-            </p:nvSpPr>
-            <p:spPr>
-              <a:xfrm>
-                <a:off x="6493667" y="1868345"/>
-                <a:ext cx="3133989" cy="4440073"/>
-              </a:xfrm>
-              <a:prstGeom prst="rect">
-                <a:avLst/>
-              </a:prstGeom>
-            </p:spPr>
-            <p:txBody>
-              <a:bodyPr vert="horz" lIns="91440" tIns="45720" rIns="91440" bIns="45720" rtlCol="0" anchor="t">
-                <a:normAutofit/>
-              </a:bodyPr>
-              <a:lstStyle>
-                <a:lvl1pPr marL="285750" indent="-285750" algn="l" defTabSz="457200" rtl="0" eaLnBrk="1" latinLnBrk="0" hangingPunct="1">
-                  <a:spcBef>
-                    <a:spcPct val="20000"/>
-                  </a:spcBef>
-                  <a:spcAft>
-                    <a:spcPts val="600"/>
-                  </a:spcAft>
-                  <a:buClr>
-                    <a:schemeClr val="accent1">
-                      <a:lumMod val="75000"/>
-                    </a:schemeClr>
-                  </a:buClr>
-                  <a:buSzPct val="145000"/>
-                  <a:buFont typeface="Arial"/>
-                  <a:buChar char="•"/>
-                  <a:defRPr sz="2400" kern="1200" cap="none">
-                    <a:solidFill>
-                      <a:schemeClr val="tx1"/>
-                    </a:solidFill>
-                    <a:effectLst/>
-                    <a:latin typeface="+mn-lt"/>
-                    <a:ea typeface="+mn-ea"/>
-                    <a:cs typeface="+mn-cs"/>
-                  </a:defRPr>
-                </a:lvl1pPr>
-                <a:lvl2pPr marL="742950" indent="-285750" algn="l" defTabSz="457200" rtl="0" eaLnBrk="1" latinLnBrk="0" hangingPunct="1">
-                  <a:spcBef>
-                    <a:spcPct val="20000"/>
-                  </a:spcBef>
-                  <a:spcAft>
-                    <a:spcPts val="600"/>
-                  </a:spcAft>
-                  <a:buClr>
-                    <a:schemeClr val="accent1">
-                      <a:lumMod val="75000"/>
-                    </a:schemeClr>
-                  </a:buClr>
-                  <a:buSzPct val="145000"/>
-                  <a:buFont typeface="Arial"/>
-                  <a:buChar char="•"/>
-                  <a:defRPr sz="2000" kern="1200" cap="none">
-                    <a:solidFill>
-                      <a:schemeClr val="tx1"/>
-                    </a:solidFill>
-                    <a:effectLst/>
-                    <a:latin typeface="+mn-lt"/>
-                    <a:ea typeface="+mn-ea"/>
-                    <a:cs typeface="+mn-cs"/>
-                  </a:defRPr>
-                </a:lvl2pPr>
-                <a:lvl3pPr marL="1200150" indent="-285750" algn="l" defTabSz="457200" rtl="0" eaLnBrk="1" latinLnBrk="0" hangingPunct="1">
-                  <a:spcBef>
-                    <a:spcPct val="20000"/>
-                  </a:spcBef>
-                  <a:spcAft>
-                    <a:spcPts val="600"/>
-                  </a:spcAft>
-                  <a:buClr>
-                    <a:schemeClr val="accent1">
-                      <a:lumMod val="75000"/>
-                    </a:schemeClr>
-                  </a:buClr>
-                  <a:buSzPct val="145000"/>
-                  <a:buFont typeface="Arial"/>
-                  <a:buChar char="•"/>
-                  <a:defRPr sz="1800" kern="1200" cap="none">
-                    <a:solidFill>
-                      <a:schemeClr val="tx1"/>
-                    </a:solidFill>
-                    <a:effectLst/>
-                    <a:latin typeface="+mn-lt"/>
-                    <a:ea typeface="+mn-ea"/>
-                    <a:cs typeface="+mn-cs"/>
-                  </a:defRPr>
-                </a:lvl3pPr>
-                <a:lvl4pPr marL="1543050" indent="-171450" algn="l" defTabSz="457200" rtl="0" eaLnBrk="1" latinLnBrk="0" hangingPunct="1">
-                  <a:spcBef>
-                    <a:spcPct val="20000"/>
-                  </a:spcBef>
-                  <a:spcAft>
-                    <a:spcPts val="600"/>
-                  </a:spcAft>
-                  <a:buClr>
-                    <a:schemeClr val="accent1">
-                      <a:lumMod val="75000"/>
-                    </a:schemeClr>
-                  </a:buClr>
-                  <a:buSzPct val="145000"/>
-                  <a:buFont typeface="Arial"/>
-                  <a:buChar char="•"/>
-                  <a:defRPr sz="1600" kern="1200" cap="none">
-                    <a:solidFill>
-                      <a:schemeClr val="tx1"/>
-                    </a:solidFill>
-                    <a:effectLst/>
-                    <a:latin typeface="+mn-lt"/>
-                    <a:ea typeface="+mn-ea"/>
-                    <a:cs typeface="+mn-cs"/>
-                  </a:defRPr>
-                </a:lvl4pPr>
-                <a:lvl5pPr marL="2000250" indent="-171450" algn="l" defTabSz="457200" rtl="0" eaLnBrk="1" latinLnBrk="0" hangingPunct="1">
-                  <a:spcBef>
-                    <a:spcPct val="20000"/>
-                  </a:spcBef>
-                  <a:spcAft>
-                    <a:spcPts val="600"/>
-                  </a:spcAft>
-                  <a:buClr>
-                    <a:schemeClr val="accent1">
-                      <a:lumMod val="75000"/>
-                    </a:schemeClr>
-                  </a:buClr>
-                  <a:buSzPct val="145000"/>
-                  <a:buFont typeface="Arial"/>
-                  <a:buChar char="•"/>
-                  <a:defRPr sz="1400" kern="1200" cap="none">
-                    <a:solidFill>
-                      <a:schemeClr val="tx1"/>
-                    </a:solidFill>
-                    <a:effectLst/>
-                    <a:latin typeface="+mn-lt"/>
-                    <a:ea typeface="+mn-ea"/>
-                    <a:cs typeface="+mn-cs"/>
-                  </a:defRPr>
-                </a:lvl5pPr>
-                <a:lvl6pPr marL="2514600" indent="-228600" algn="l" defTabSz="457200" rtl="0" eaLnBrk="1" latinLnBrk="0" hangingPunct="1">
-                  <a:spcBef>
-                    <a:spcPct val="20000"/>
-                  </a:spcBef>
-                  <a:spcAft>
-                    <a:spcPts val="600"/>
-                  </a:spcAft>
-                  <a:buClr>
-                    <a:schemeClr val="accent1">
-                      <a:lumMod val="75000"/>
-                    </a:schemeClr>
-                  </a:buClr>
-                  <a:buSzPct val="145000"/>
-                  <a:buFont typeface="Arial"/>
-                  <a:buChar char="•"/>
-                  <a:defRPr sz="1400" kern="1200" cap="none">
-                    <a:solidFill>
-                      <a:schemeClr val="tx1"/>
-                    </a:solidFill>
-                    <a:effectLst/>
-                    <a:latin typeface="+mn-lt"/>
-                    <a:ea typeface="+mn-ea"/>
-                    <a:cs typeface="+mn-cs"/>
-                  </a:defRPr>
-                </a:lvl6pPr>
-                <a:lvl7pPr marL="2971800" indent="-228600" algn="l" defTabSz="457200" rtl="0" eaLnBrk="1" latinLnBrk="0" hangingPunct="1">
-                  <a:spcBef>
-                    <a:spcPct val="20000"/>
-                  </a:spcBef>
-                  <a:spcAft>
-                    <a:spcPts val="600"/>
-                  </a:spcAft>
-                  <a:buClr>
-                    <a:schemeClr val="accent1">
-                      <a:lumMod val="75000"/>
-                    </a:schemeClr>
-                  </a:buClr>
-                  <a:buSzPct val="145000"/>
-                  <a:buFont typeface="Arial"/>
-                  <a:buChar char="•"/>
-                  <a:defRPr sz="1400" kern="1200" cap="none">
-                    <a:solidFill>
-                      <a:schemeClr val="tx1"/>
-                    </a:solidFill>
-                    <a:effectLst/>
-                    <a:latin typeface="+mn-lt"/>
-                    <a:ea typeface="+mn-ea"/>
-                    <a:cs typeface="+mn-cs"/>
-                  </a:defRPr>
-                </a:lvl7pPr>
-                <a:lvl8pPr marL="3429000" indent="-228600" algn="l" defTabSz="457200" rtl="0" eaLnBrk="1" latinLnBrk="0" hangingPunct="1">
-                  <a:spcBef>
-                    <a:spcPct val="20000"/>
-                  </a:spcBef>
-                  <a:spcAft>
-                    <a:spcPts val="600"/>
-                  </a:spcAft>
-                  <a:buClr>
-                    <a:schemeClr val="accent1">
-                      <a:lumMod val="75000"/>
-                    </a:schemeClr>
-                  </a:buClr>
-                  <a:buSzPct val="145000"/>
-                  <a:buFont typeface="Arial"/>
-                  <a:buChar char="•"/>
-                  <a:defRPr sz="1400" kern="1200" cap="none">
-                    <a:solidFill>
-                      <a:schemeClr val="tx1"/>
-                    </a:solidFill>
-                    <a:effectLst/>
-                    <a:latin typeface="+mn-lt"/>
-                    <a:ea typeface="+mn-ea"/>
-                    <a:cs typeface="+mn-cs"/>
-                  </a:defRPr>
-                </a:lvl8pPr>
-                <a:lvl9pPr marL="3886200" indent="-228600" algn="l" defTabSz="457200" rtl="0" eaLnBrk="1" latinLnBrk="0" hangingPunct="1">
-                  <a:spcBef>
-                    <a:spcPct val="20000"/>
-                  </a:spcBef>
-                  <a:spcAft>
-                    <a:spcPts val="600"/>
-                  </a:spcAft>
-                  <a:buClr>
-                    <a:schemeClr val="accent1">
-                      <a:lumMod val="75000"/>
-                    </a:schemeClr>
-                  </a:buClr>
-                  <a:buSzPct val="145000"/>
-                  <a:buFont typeface="Arial"/>
-                  <a:buChar char="•"/>
-                  <a:defRPr sz="1400" kern="1200" cap="none">
-                    <a:solidFill>
-                      <a:schemeClr val="tx1"/>
-                    </a:solidFill>
-                    <a:effectLst/>
-                    <a:latin typeface="+mn-lt"/>
-                    <a:ea typeface="+mn-ea"/>
-                    <a:cs typeface="+mn-cs"/>
-                  </a:defRPr>
-                </a:lvl9pPr>
-              </a:lstStyle>
-              <a:p>
-                <a:pPr marL="342900" lvl="0" indent="-342900">
-                  <a:lnSpc>
-                    <a:spcPct val="107000"/>
-                  </a:lnSpc>
-                  <a:buFont typeface="Symbol" panose="05050102010706020507" pitchFamily="18" charset="2"/>
-                  <a:buChar char="·"/>
-                </a:pPr>
-                <a:r>
-                  <a:rPr lang="en-GB" sz="2200" dirty="0"/>
-                  <a:t>United States of America (USA)</a:t>
-                </a:r>
-                <a:endParaRPr lang="en-SG" sz="2200" dirty="0"/>
-              </a:p>
-              <a:p>
-                <a:pPr marL="742950" lvl="1" indent="-285750">
-                  <a:lnSpc>
-                    <a:spcPct val="107000"/>
-                  </a:lnSpc>
-                  <a:buFont typeface="Courier New" panose="02070309020205020404" pitchFamily="49" charset="0"/>
-                  <a:buChar char="o"/>
-                </a:pPr>
-                <a14:m>
-                  <m:oMath xmlns:m="http://schemas.openxmlformats.org/officeDocument/2006/math">
-                    <m:sSub>
-                      <m:sSubPr>
-                        <m:ctrlPr>
-                          <a:rPr lang="en-SG" sz="1900" i="1">
-                            <a:latin typeface="Cambria Math" panose="02040503050406030204" pitchFamily="18" charset="0"/>
-                          </a:rPr>
-                        </m:ctrlPr>
-                      </m:sSubPr>
-                      <m:e>
-                        <m:r>
-                          <a:rPr lang="en-GB" sz="1900" i="1">
-                            <a:latin typeface="Cambria Math" panose="02040503050406030204" pitchFamily="18" charset="0"/>
-                          </a:rPr>
-                          <m:t>𝐶</m:t>
-                        </m:r>
-                      </m:e>
-                      <m:sub>
-                        <m:r>
-                          <a:rPr lang="en-GB" sz="1900" i="1">
-                            <a:latin typeface="Cambria Math" panose="02040503050406030204" pitchFamily="18" charset="0"/>
-                          </a:rPr>
-                          <m:t>𝑈𝑆𝐴</m:t>
-                        </m:r>
-                        <m:r>
-                          <a:rPr lang="en-GB" sz="1900" i="1">
-                            <a:latin typeface="Cambria Math" panose="02040503050406030204" pitchFamily="18" charset="0"/>
-                          </a:rPr>
-                          <m:t>,</m:t>
-                        </m:r>
-                        <m:r>
-                          <a:rPr lang="en-GB" sz="1900" i="1">
-                            <a:latin typeface="Cambria Math" panose="02040503050406030204" pitchFamily="18" charset="0"/>
-                          </a:rPr>
-                          <m:t>𝐸</m:t>
-                        </m:r>
-                      </m:sub>
-                    </m:sSub>
-                    <m:r>
-                      <a:rPr lang="en-GB" sz="1900" i="1">
-                        <a:latin typeface="Cambria Math" panose="02040503050406030204" pitchFamily="18" charset="0"/>
-                      </a:rPr>
-                      <m:t>=2000</m:t>
-                    </m:r>
-                  </m:oMath>
-                </a14:m>
-                <a:endParaRPr lang="en-SG" sz="1900" i="1" dirty="0">
-                  <a:latin typeface="Cambria Math" panose="02040503050406030204" pitchFamily="18" charset="0"/>
-                </a:endParaRPr>
-              </a:p>
-              <a:p>
-                <a:pPr marL="742950" lvl="1" indent="-285750">
-                  <a:lnSpc>
-                    <a:spcPct val="107000"/>
-                  </a:lnSpc>
-                  <a:buFont typeface="Courier New" panose="02070309020205020404" pitchFamily="49" charset="0"/>
-                  <a:buChar char="o"/>
-                </a:pPr>
-                <a14:m>
-                  <m:oMath xmlns:m="http://schemas.openxmlformats.org/officeDocument/2006/math">
-                    <m:sSub>
-                      <m:sSubPr>
-                        <m:ctrlPr>
-                          <a:rPr lang="en-SG" sz="1900" i="1">
-                            <a:latin typeface="Cambria Math" panose="02040503050406030204" pitchFamily="18" charset="0"/>
-                          </a:rPr>
-                        </m:ctrlPr>
-                      </m:sSubPr>
-                      <m:e>
-                        <m:r>
-                          <a:rPr lang="en-GB" sz="1900" i="1">
-                            <a:latin typeface="Cambria Math" panose="02040503050406030204" pitchFamily="18" charset="0"/>
-                          </a:rPr>
-                          <m:t>𝐶</m:t>
-                        </m:r>
-                      </m:e>
-                      <m:sub>
-                        <m:r>
-                          <a:rPr lang="en-GB" sz="1900" i="1">
-                            <a:latin typeface="Cambria Math" panose="02040503050406030204" pitchFamily="18" charset="0"/>
-                          </a:rPr>
-                          <m:t>𝑈𝑆𝐴</m:t>
-                        </m:r>
-                        <m:r>
-                          <a:rPr lang="en-GB" sz="1900" i="1">
-                            <a:latin typeface="Cambria Math" panose="02040503050406030204" pitchFamily="18" charset="0"/>
-                          </a:rPr>
-                          <m:t>,</m:t>
-                        </m:r>
-                        <m:r>
-                          <a:rPr lang="en-GB" sz="1900" i="1">
-                            <a:latin typeface="Cambria Math" panose="02040503050406030204" pitchFamily="18" charset="0"/>
-                          </a:rPr>
-                          <m:t>𝑃</m:t>
-                        </m:r>
-                      </m:sub>
-                    </m:sSub>
-                    <m:r>
-                      <a:rPr lang="en-GB" sz="1900" i="1">
-                        <a:latin typeface="Cambria Math" panose="02040503050406030204" pitchFamily="18" charset="0"/>
-                      </a:rPr>
-                      <m:t>=1000</m:t>
-                    </m:r>
-                  </m:oMath>
-                </a14:m>
-                <a:endParaRPr lang="en-SG" sz="1900" i="1" dirty="0">
-                  <a:latin typeface="Cambria Math" panose="02040503050406030204" pitchFamily="18" charset="0"/>
-                </a:endParaRPr>
-              </a:p>
-              <a:p>
-                <a:pPr marL="742950" lvl="1" indent="-285750">
-                  <a:lnSpc>
-                    <a:spcPct val="107000"/>
-                  </a:lnSpc>
-                  <a:buFont typeface="Courier New" panose="02070309020205020404" pitchFamily="49" charset="0"/>
-                  <a:buChar char="o"/>
-                </a:pPr>
-                <a14:m>
-                  <m:oMath xmlns:m="http://schemas.openxmlformats.org/officeDocument/2006/math">
-                    <m:sSub>
-                      <m:sSubPr>
-                        <m:ctrlPr>
-                          <a:rPr lang="en-SG" sz="1900" i="1">
-                            <a:latin typeface="Cambria Math" panose="02040503050406030204" pitchFamily="18" charset="0"/>
-                          </a:rPr>
-                        </m:ctrlPr>
-                      </m:sSubPr>
-                      <m:e>
-                        <m:r>
-                          <a:rPr lang="en-GB" sz="1900" i="1">
-                            <a:latin typeface="Cambria Math" panose="02040503050406030204" pitchFamily="18" charset="0"/>
-                          </a:rPr>
-                          <m:t>𝐶</m:t>
-                        </m:r>
-                      </m:e>
-                      <m:sub>
-                        <m:r>
-                          <a:rPr lang="en-GB" sz="1900" i="1">
-                            <a:latin typeface="Cambria Math" panose="02040503050406030204" pitchFamily="18" charset="0"/>
-                          </a:rPr>
-                          <m:t>𝑈𝑆𝐴</m:t>
-                        </m:r>
-                        <m:r>
-                          <a:rPr lang="en-GB" sz="1900" i="1">
-                            <a:latin typeface="Cambria Math" panose="02040503050406030204" pitchFamily="18" charset="0"/>
-                          </a:rPr>
-                          <m:t>,</m:t>
-                        </m:r>
-                        <m:r>
-                          <a:rPr lang="en-GB" sz="1900" i="1">
-                            <a:latin typeface="Cambria Math" panose="02040503050406030204" pitchFamily="18" charset="0"/>
-                          </a:rPr>
-                          <m:t>𝑀</m:t>
-                        </m:r>
-                      </m:sub>
-                    </m:sSub>
-                    <m:r>
-                      <a:rPr lang="en-GB" sz="1900" i="1">
-                        <a:latin typeface="Cambria Math" panose="02040503050406030204" pitchFamily="18" charset="0"/>
-                      </a:rPr>
-                      <m:t>=2200</m:t>
-                    </m:r>
-                  </m:oMath>
-                </a14:m>
-                <a:endParaRPr lang="en-SG" sz="1900" i="1" dirty="0">
-                  <a:latin typeface="Cambria Math" panose="02040503050406030204" pitchFamily="18" charset="0"/>
-                </a:endParaRPr>
-              </a:p>
-              <a:p>
-                <a:pPr marL="742950" lvl="1" indent="-285750">
-                  <a:lnSpc>
-                    <a:spcPct val="107000"/>
-                  </a:lnSpc>
-                  <a:buFont typeface="Courier New" panose="02070309020205020404" pitchFamily="49" charset="0"/>
-                  <a:buChar char="o"/>
-                </a:pPr>
-                <a14:m>
-                  <m:oMath xmlns:m="http://schemas.openxmlformats.org/officeDocument/2006/math">
-                    <m:sSub>
-                      <m:sSubPr>
-                        <m:ctrlPr>
-                          <a:rPr lang="en-SG" sz="1900" i="1">
-                            <a:latin typeface="Cambria Math" panose="02040503050406030204" pitchFamily="18" charset="0"/>
-                          </a:rPr>
-                        </m:ctrlPr>
-                      </m:sSubPr>
-                      <m:e>
-                        <m:r>
-                          <a:rPr lang="en-GB" sz="1900" i="1">
-                            <a:latin typeface="Cambria Math" panose="02040503050406030204" pitchFamily="18" charset="0"/>
-                          </a:rPr>
-                          <m:t>𝐶</m:t>
-                        </m:r>
-                      </m:e>
-                      <m:sub>
-                        <m:r>
-                          <a:rPr lang="en-GB" sz="1900" i="1">
-                            <a:latin typeface="Cambria Math" panose="02040503050406030204" pitchFamily="18" charset="0"/>
-                          </a:rPr>
-                          <m:t>𝑈𝑆𝐴</m:t>
-                        </m:r>
-                        <m:r>
-                          <a:rPr lang="en-GB" sz="1900" i="1">
-                            <a:latin typeface="Cambria Math" panose="02040503050406030204" pitchFamily="18" charset="0"/>
-                          </a:rPr>
-                          <m:t>,</m:t>
-                        </m:r>
-                        <m:r>
-                          <a:rPr lang="en-GB" sz="1900" i="1">
-                            <a:latin typeface="Cambria Math" panose="02040503050406030204" pitchFamily="18" charset="0"/>
-                          </a:rPr>
-                          <m:t>𝐴</m:t>
-                        </m:r>
-                      </m:sub>
-                    </m:sSub>
-                    <m:r>
-                      <a:rPr lang="en-GB" sz="1900" i="1">
-                        <a:latin typeface="Cambria Math" panose="02040503050406030204" pitchFamily="18" charset="0"/>
-                      </a:rPr>
-                      <m:t>=900</m:t>
-                    </m:r>
-                  </m:oMath>
-                </a14:m>
-                <a:endParaRPr lang="en-SG" sz="1900" i="1" dirty="0">
-                  <a:latin typeface="Cambria Math" panose="02040503050406030204" pitchFamily="18" charset="0"/>
-                </a:endParaRPr>
-              </a:p>
-              <a:p>
-                <a:pPr marL="742950" lvl="1" indent="-285750">
-                  <a:lnSpc>
-                    <a:spcPct val="107000"/>
-                  </a:lnSpc>
-                  <a:buFont typeface="Courier New" panose="02070309020205020404" pitchFamily="49" charset="0"/>
-                  <a:buChar char="o"/>
-                </a:pPr>
-                <a14:m>
-                  <m:oMath xmlns:m="http://schemas.openxmlformats.org/officeDocument/2006/math">
-                    <m:sSub>
-                      <m:sSubPr>
-                        <m:ctrlPr>
-                          <a:rPr lang="en-SG" sz="1900" i="1">
-                            <a:latin typeface="Cambria Math" panose="02040503050406030204" pitchFamily="18" charset="0"/>
-                          </a:rPr>
-                        </m:ctrlPr>
-                      </m:sSubPr>
-                      <m:e>
-                        <m:r>
-                          <a:rPr lang="en-GB" sz="1900" i="1">
-                            <a:latin typeface="Cambria Math" panose="02040503050406030204" pitchFamily="18" charset="0"/>
-                          </a:rPr>
-                          <m:t>𝐶</m:t>
-                        </m:r>
-                      </m:e>
-                      <m:sub>
-                        <m:r>
-                          <a:rPr lang="en-GB" sz="1900" i="1">
-                            <a:latin typeface="Cambria Math" panose="02040503050406030204" pitchFamily="18" charset="0"/>
-                          </a:rPr>
-                          <m:t>𝑈𝑆𝐴</m:t>
-                        </m:r>
-                        <m:r>
-                          <a:rPr lang="en-GB" sz="1900" i="1">
-                            <a:latin typeface="Cambria Math" panose="02040503050406030204" pitchFamily="18" charset="0"/>
-                          </a:rPr>
-                          <m:t>,</m:t>
-                        </m:r>
-                        <m:r>
-                          <a:rPr lang="en-GB" sz="1900" i="1">
-                            <a:latin typeface="Cambria Math" panose="02040503050406030204" pitchFamily="18" charset="0"/>
-                          </a:rPr>
-                          <m:t>𝐷</m:t>
-                        </m:r>
-                      </m:sub>
-                    </m:sSub>
-                    <m:r>
-                      <a:rPr lang="en-GB" sz="1900" i="1">
-                        <a:latin typeface="Cambria Math" panose="02040503050406030204" pitchFamily="18" charset="0"/>
-                      </a:rPr>
-                      <m:t>=−</m:t>
-                    </m:r>
-                    <m:sSup>
-                      <m:sSupPr>
-                        <m:ctrlPr>
-                          <a:rPr lang="en-SG" sz="1900" i="1">
-                            <a:latin typeface="Cambria Math" panose="02040503050406030204" pitchFamily="18" charset="0"/>
-                          </a:rPr>
-                        </m:ctrlPr>
-                      </m:sSupPr>
-                      <m:e>
-                        <m:r>
-                          <a:rPr lang="en-GB" sz="1900" i="1">
-                            <a:latin typeface="Cambria Math" panose="02040503050406030204" pitchFamily="18" charset="0"/>
-                          </a:rPr>
-                          <m:t>30000</m:t>
-                        </m:r>
-                      </m:e>
-                      <m:sup>
-                        <m:r>
-                          <a:rPr lang="en-GB" sz="1900" i="1">
-                            <a:latin typeface="Cambria Math" panose="02040503050406030204" pitchFamily="18" charset="0"/>
-                          </a:rPr>
-                          <m:t>∗</m:t>
-                        </m:r>
-                      </m:sup>
-                    </m:sSup>
-                  </m:oMath>
-                </a14:m>
-                <a:endParaRPr lang="en-SG" sz="1900" i="1" dirty="0">
-                  <a:latin typeface="Cambria Math" panose="02040503050406030204" pitchFamily="18" charset="0"/>
-                </a:endParaRPr>
-              </a:p>
-              <a:p>
-                <a:pPr marL="742950" lvl="1" indent="-285750">
-                  <a:lnSpc>
-                    <a:spcPct val="107000"/>
-                  </a:lnSpc>
-                  <a:buFont typeface="Courier New" panose="02070309020205020404" pitchFamily="49" charset="0"/>
-                  <a:buChar char="o"/>
-                </a:pPr>
-                <a14:m>
-                  <m:oMath xmlns:m="http://schemas.openxmlformats.org/officeDocument/2006/math">
-                    <m:r>
-                      <a:rPr lang="en-GB" sz="1900" i="1">
-                        <a:latin typeface="Cambria Math" panose="02040503050406030204" pitchFamily="18" charset="0"/>
-                      </a:rPr>
-                      <m:t>𝐸</m:t>
-                    </m:r>
-                    <m:sSub>
-                      <m:sSubPr>
-                        <m:ctrlPr>
-                          <a:rPr lang="en-SG" sz="1900" i="1">
-                            <a:latin typeface="Cambria Math" panose="02040503050406030204" pitchFamily="18" charset="0"/>
-                          </a:rPr>
-                        </m:ctrlPr>
-                      </m:sSubPr>
-                      <m:e>
-                        <m:r>
-                          <a:rPr lang="en-GB" sz="1900" i="1">
-                            <a:latin typeface="Cambria Math" panose="02040503050406030204" pitchFamily="18" charset="0"/>
-                          </a:rPr>
-                          <m:t>𝑥</m:t>
-                        </m:r>
-                      </m:e>
-                      <m:sub>
-                        <m:r>
-                          <a:rPr lang="en-GB" sz="1900" i="1">
-                            <a:latin typeface="Cambria Math" panose="02040503050406030204" pitchFamily="18" charset="0"/>
-                          </a:rPr>
-                          <m:t>𝑈𝑆𝐴</m:t>
-                        </m:r>
-                        <m:r>
-                          <a:rPr lang="en-GB" sz="1900" i="1">
-                            <a:latin typeface="Cambria Math" panose="02040503050406030204" pitchFamily="18" charset="0"/>
-                          </a:rPr>
-                          <m:t>,</m:t>
-                        </m:r>
-                        <m:r>
-                          <a:rPr lang="en-GB" sz="1900" i="1">
-                            <a:latin typeface="Cambria Math" panose="02040503050406030204" pitchFamily="18" charset="0"/>
-                          </a:rPr>
-                          <m:t>𝐸</m:t>
-                        </m:r>
-                      </m:sub>
-                    </m:sSub>
-                    <m:r>
-                      <a:rPr lang="en-GB" sz="1900" i="1">
-                        <a:latin typeface="Cambria Math" panose="02040503050406030204" pitchFamily="18" charset="0"/>
-                      </a:rPr>
-                      <m:t>=2100</m:t>
-                    </m:r>
-                  </m:oMath>
-                </a14:m>
-                <a:endParaRPr lang="en-SG" sz="1900" i="1" dirty="0">
-                  <a:latin typeface="Cambria Math" panose="02040503050406030204" pitchFamily="18" charset="0"/>
-                </a:endParaRPr>
-              </a:p>
-              <a:p>
-                <a:pPr marL="742950" lvl="1" indent="-285750">
-                  <a:lnSpc>
-                    <a:spcPct val="107000"/>
-                  </a:lnSpc>
-                  <a:spcAft>
-                    <a:spcPts val="800"/>
-                  </a:spcAft>
-                  <a:buFont typeface="Courier New" panose="02070309020205020404" pitchFamily="49" charset="0"/>
-                  <a:buChar char="o"/>
-                </a:pPr>
-                <a14:m>
-                  <m:oMath xmlns:m="http://schemas.openxmlformats.org/officeDocument/2006/math">
-                    <m:r>
-                      <a:rPr lang="en-GB" sz="1900" i="1">
-                        <a:latin typeface="Cambria Math" panose="02040503050406030204" pitchFamily="18" charset="0"/>
-                      </a:rPr>
-                      <m:t>𝐸</m:t>
-                    </m:r>
-                    <m:sSub>
-                      <m:sSubPr>
-                        <m:ctrlPr>
-                          <a:rPr lang="en-SG" sz="1900" i="1">
-                            <a:latin typeface="Cambria Math" panose="02040503050406030204" pitchFamily="18" charset="0"/>
-                          </a:rPr>
-                        </m:ctrlPr>
-                      </m:sSubPr>
-                      <m:e>
-                        <m:r>
-                          <a:rPr lang="en-GB" sz="1900" i="1">
-                            <a:latin typeface="Cambria Math" panose="02040503050406030204" pitchFamily="18" charset="0"/>
-                          </a:rPr>
-                          <m:t>𝑥</m:t>
-                        </m:r>
-                      </m:e>
-                      <m:sub>
-                        <m:r>
-                          <a:rPr lang="en-GB" sz="1900" i="1">
-                            <a:latin typeface="Cambria Math" panose="02040503050406030204" pitchFamily="18" charset="0"/>
-                          </a:rPr>
-                          <m:t>𝑈𝑆𝐴</m:t>
-                        </m:r>
-                        <m:r>
-                          <a:rPr lang="en-GB" sz="1900" i="1">
-                            <a:latin typeface="Cambria Math" panose="02040503050406030204" pitchFamily="18" charset="0"/>
-                          </a:rPr>
-                          <m:t>,</m:t>
-                        </m:r>
-                        <m:r>
-                          <a:rPr lang="en-GB" sz="1900" i="1">
-                            <a:latin typeface="Cambria Math" panose="02040503050406030204" pitchFamily="18" charset="0"/>
-                          </a:rPr>
-                          <m:t>𝐴</m:t>
-                        </m:r>
-                      </m:sub>
-                    </m:sSub>
-                    <m:r>
-                      <a:rPr lang="en-GB" sz="1900" i="1">
-                        <a:latin typeface="Cambria Math" panose="02040503050406030204" pitchFamily="18" charset="0"/>
-                      </a:rPr>
-                      <m:t>=26000</m:t>
-                    </m:r>
-                  </m:oMath>
-                </a14:m>
-                <a:endParaRPr lang="en-SG" sz="1900" i="1" dirty="0">
-                  <a:latin typeface="Cambria Math" panose="02040503050406030204" pitchFamily="18" charset="0"/>
-                </a:endParaRPr>
-              </a:p>
-              <a:p>
-                <a:pPr lvl="1"/>
-                <a:endParaRPr lang="en-SG" dirty="0"/>
-              </a:p>
-              <a:p>
-                <a:pPr lvl="1"/>
-                <a:endParaRPr lang="en-SG" dirty="0"/>
-              </a:p>
-              <a:p>
-                <a:endParaRPr lang="en-SG" dirty="0"/>
-              </a:p>
-            </p:txBody>
-          </p:sp>
-        </mc:Choice>
-        <mc:Fallback xmlns="">
-          <p:sp>
-            <p:nvSpPr>
-              <p:cNvPr id="7" name="Content Placeholder 2">
-                <a:extLst>
-                  <a:ext uri="{FF2B5EF4-FFF2-40B4-BE49-F238E27FC236}">
-                    <a16:creationId xmlns:a16="http://schemas.microsoft.com/office/drawing/2014/main" id="{B0F414B5-A00B-8847-1172-36C3AB4BDC02}"/>
-                  </a:ext>
-                </a:extLst>
-              </p:cNvPr>
-              <p:cNvSpPr txBox="1">
-                <a:spLocks noRot="1" noChangeAspect="1" noMove="1" noResize="1" noEditPoints="1" noAdjustHandles="1" noChangeArrowheads="1" noChangeShapeType="1" noTextEdit="1"/>
-              </p:cNvSpPr>
-              <p:nvPr/>
-            </p:nvSpPr>
-            <p:spPr>
-              <a:xfrm>
-                <a:off x="6493667" y="1868345"/>
-                <a:ext cx="3133989" cy="4440073"/>
-              </a:xfrm>
-              <a:prstGeom prst="rect">
-                <a:avLst/>
-              </a:prstGeom>
-              <a:blipFill>
-                <a:blip r:embed="rId4"/>
-                <a:stretch>
-                  <a:fillRect l="-5058" t="-4801"/>
-                </a:stretch>
-              </a:blipFill>
-            </p:spPr>
-            <p:txBody>
-              <a:bodyPr/>
-              <a:lstStyle/>
-              <a:p>
-                <a:r>
-                  <a:rPr lang="en-SG">
-                    <a:noFill/>
-                  </a:rPr>
-                  <a:t> </a:t>
-                </a:r>
-              </a:p>
-            </p:txBody>
-          </p:sp>
-        </mc:Fallback>
-      </mc:AlternateContent>
-      <mc:AlternateContent xmlns:mc="http://schemas.openxmlformats.org/markup-compatibility/2006" xmlns:a14="http://schemas.microsoft.com/office/drawing/2010/main">
-        <mc:Choice Requires="a14">
-          <p:sp>
-            <p:nvSpPr>
-              <p:cNvPr id="8" name="Content Placeholder 2">
-                <a:extLst>
-                  <a:ext uri="{FF2B5EF4-FFF2-40B4-BE49-F238E27FC236}">
-                    <a16:creationId xmlns:a16="http://schemas.microsoft.com/office/drawing/2014/main" id="{28F05A44-95EA-3BC1-F052-0119890C013F}"/>
-                  </a:ext>
-                </a:extLst>
-              </p:cNvPr>
-              <p:cNvSpPr txBox="1">
-                <a:spLocks/>
-              </p:cNvSpPr>
-              <p:nvPr/>
-            </p:nvSpPr>
-            <p:spPr>
-              <a:xfrm>
-                <a:off x="8976988" y="1752599"/>
-                <a:ext cx="3133989" cy="4440073"/>
-              </a:xfrm>
-              <a:prstGeom prst="rect">
-                <a:avLst/>
-              </a:prstGeom>
-            </p:spPr>
-            <p:txBody>
-              <a:bodyPr vert="horz" lIns="91440" tIns="45720" rIns="91440" bIns="45720" rtlCol="0" anchor="t">
-                <a:normAutofit/>
-              </a:bodyPr>
-              <a:lstStyle>
-                <a:lvl1pPr marL="285750" indent="-285750" algn="l" defTabSz="457200" rtl="0" eaLnBrk="1" latinLnBrk="0" hangingPunct="1">
-                  <a:spcBef>
-                    <a:spcPct val="20000"/>
-                  </a:spcBef>
-                  <a:spcAft>
-                    <a:spcPts val="600"/>
-                  </a:spcAft>
-                  <a:buClr>
-                    <a:schemeClr val="accent1">
-                      <a:lumMod val="75000"/>
-                    </a:schemeClr>
-                  </a:buClr>
-                  <a:buSzPct val="145000"/>
-                  <a:buFont typeface="Arial"/>
-                  <a:buChar char="•"/>
-                  <a:defRPr sz="2400" kern="1200" cap="none">
-                    <a:solidFill>
-                      <a:schemeClr val="tx1"/>
-                    </a:solidFill>
-                    <a:effectLst/>
-                    <a:latin typeface="+mn-lt"/>
-                    <a:ea typeface="+mn-ea"/>
-                    <a:cs typeface="+mn-cs"/>
-                  </a:defRPr>
-                </a:lvl1pPr>
-                <a:lvl2pPr marL="742950" indent="-285750" algn="l" defTabSz="457200" rtl="0" eaLnBrk="1" latinLnBrk="0" hangingPunct="1">
-                  <a:spcBef>
-                    <a:spcPct val="20000"/>
-                  </a:spcBef>
-                  <a:spcAft>
-                    <a:spcPts val="600"/>
-                  </a:spcAft>
-                  <a:buClr>
-                    <a:schemeClr val="accent1">
-                      <a:lumMod val="75000"/>
-                    </a:schemeClr>
-                  </a:buClr>
-                  <a:buSzPct val="145000"/>
-                  <a:buFont typeface="Arial"/>
-                  <a:buChar char="•"/>
-                  <a:defRPr sz="2000" kern="1200" cap="none">
-                    <a:solidFill>
-                      <a:schemeClr val="tx1"/>
-                    </a:solidFill>
-                    <a:effectLst/>
-                    <a:latin typeface="+mn-lt"/>
-                    <a:ea typeface="+mn-ea"/>
-                    <a:cs typeface="+mn-cs"/>
-                  </a:defRPr>
-                </a:lvl2pPr>
-                <a:lvl3pPr marL="1200150" indent="-285750" algn="l" defTabSz="457200" rtl="0" eaLnBrk="1" latinLnBrk="0" hangingPunct="1">
-                  <a:spcBef>
-                    <a:spcPct val="20000"/>
-                  </a:spcBef>
-                  <a:spcAft>
-                    <a:spcPts val="600"/>
-                  </a:spcAft>
-                  <a:buClr>
-                    <a:schemeClr val="accent1">
-                      <a:lumMod val="75000"/>
-                    </a:schemeClr>
-                  </a:buClr>
-                  <a:buSzPct val="145000"/>
-                  <a:buFont typeface="Arial"/>
-                  <a:buChar char="•"/>
-                  <a:defRPr sz="1800" kern="1200" cap="none">
-                    <a:solidFill>
-                      <a:schemeClr val="tx1"/>
-                    </a:solidFill>
-                    <a:effectLst/>
-                    <a:latin typeface="+mn-lt"/>
-                    <a:ea typeface="+mn-ea"/>
-                    <a:cs typeface="+mn-cs"/>
-                  </a:defRPr>
-                </a:lvl3pPr>
-                <a:lvl4pPr marL="1543050" indent="-171450" algn="l" defTabSz="457200" rtl="0" eaLnBrk="1" latinLnBrk="0" hangingPunct="1">
-                  <a:spcBef>
-                    <a:spcPct val="20000"/>
-                  </a:spcBef>
-                  <a:spcAft>
-                    <a:spcPts val="600"/>
-                  </a:spcAft>
-                  <a:buClr>
-                    <a:schemeClr val="accent1">
-                      <a:lumMod val="75000"/>
-                    </a:schemeClr>
-                  </a:buClr>
-                  <a:buSzPct val="145000"/>
-                  <a:buFont typeface="Arial"/>
-                  <a:buChar char="•"/>
-                  <a:defRPr sz="1600" kern="1200" cap="none">
-                    <a:solidFill>
-                      <a:schemeClr val="tx1"/>
-                    </a:solidFill>
-                    <a:effectLst/>
-                    <a:latin typeface="+mn-lt"/>
-                    <a:ea typeface="+mn-ea"/>
-                    <a:cs typeface="+mn-cs"/>
-                  </a:defRPr>
-                </a:lvl4pPr>
-                <a:lvl5pPr marL="2000250" indent="-171450" algn="l" defTabSz="457200" rtl="0" eaLnBrk="1" latinLnBrk="0" hangingPunct="1">
-                  <a:spcBef>
-                    <a:spcPct val="20000"/>
-                  </a:spcBef>
-                  <a:spcAft>
-                    <a:spcPts val="600"/>
-                  </a:spcAft>
-                  <a:buClr>
-                    <a:schemeClr val="accent1">
-                      <a:lumMod val="75000"/>
-                    </a:schemeClr>
-                  </a:buClr>
-                  <a:buSzPct val="145000"/>
-                  <a:buFont typeface="Arial"/>
-                  <a:buChar char="•"/>
-                  <a:defRPr sz="1400" kern="1200" cap="none">
-                    <a:solidFill>
-                      <a:schemeClr val="tx1"/>
-                    </a:solidFill>
-                    <a:effectLst/>
-                    <a:latin typeface="+mn-lt"/>
-                    <a:ea typeface="+mn-ea"/>
-                    <a:cs typeface="+mn-cs"/>
-                  </a:defRPr>
-                </a:lvl5pPr>
-                <a:lvl6pPr marL="2514600" indent="-228600" algn="l" defTabSz="457200" rtl="0" eaLnBrk="1" latinLnBrk="0" hangingPunct="1">
-                  <a:spcBef>
-                    <a:spcPct val="20000"/>
-                  </a:spcBef>
-                  <a:spcAft>
-                    <a:spcPts val="600"/>
-                  </a:spcAft>
-                  <a:buClr>
-                    <a:schemeClr val="accent1">
-                      <a:lumMod val="75000"/>
-                    </a:schemeClr>
-                  </a:buClr>
-                  <a:buSzPct val="145000"/>
-                  <a:buFont typeface="Arial"/>
-                  <a:buChar char="•"/>
-                  <a:defRPr sz="1400" kern="1200" cap="none">
-                    <a:solidFill>
-                      <a:schemeClr val="tx1"/>
-                    </a:solidFill>
-                    <a:effectLst/>
-                    <a:latin typeface="+mn-lt"/>
-                    <a:ea typeface="+mn-ea"/>
-                    <a:cs typeface="+mn-cs"/>
-                  </a:defRPr>
-                </a:lvl6pPr>
-                <a:lvl7pPr marL="2971800" indent="-228600" algn="l" defTabSz="457200" rtl="0" eaLnBrk="1" latinLnBrk="0" hangingPunct="1">
-                  <a:spcBef>
-                    <a:spcPct val="20000"/>
-                  </a:spcBef>
-                  <a:spcAft>
-                    <a:spcPts val="600"/>
-                  </a:spcAft>
-                  <a:buClr>
-                    <a:schemeClr val="accent1">
-                      <a:lumMod val="75000"/>
-                    </a:schemeClr>
-                  </a:buClr>
-                  <a:buSzPct val="145000"/>
-                  <a:buFont typeface="Arial"/>
-                  <a:buChar char="•"/>
-                  <a:defRPr sz="1400" kern="1200" cap="none">
-                    <a:solidFill>
-                      <a:schemeClr val="tx1"/>
-                    </a:solidFill>
-                    <a:effectLst/>
-                    <a:latin typeface="+mn-lt"/>
-                    <a:ea typeface="+mn-ea"/>
-                    <a:cs typeface="+mn-cs"/>
-                  </a:defRPr>
-                </a:lvl7pPr>
-                <a:lvl8pPr marL="3429000" indent="-228600" algn="l" defTabSz="457200" rtl="0" eaLnBrk="1" latinLnBrk="0" hangingPunct="1">
-                  <a:spcBef>
-                    <a:spcPct val="20000"/>
-                  </a:spcBef>
-                  <a:spcAft>
-                    <a:spcPts val="600"/>
-                  </a:spcAft>
-                  <a:buClr>
-                    <a:schemeClr val="accent1">
-                      <a:lumMod val="75000"/>
-                    </a:schemeClr>
-                  </a:buClr>
-                  <a:buSzPct val="145000"/>
-                  <a:buFont typeface="Arial"/>
-                  <a:buChar char="•"/>
-                  <a:defRPr sz="1400" kern="1200" cap="none">
-                    <a:solidFill>
-                      <a:schemeClr val="tx1"/>
-                    </a:solidFill>
-                    <a:effectLst/>
-                    <a:latin typeface="+mn-lt"/>
-                    <a:ea typeface="+mn-ea"/>
-                    <a:cs typeface="+mn-cs"/>
-                  </a:defRPr>
-                </a:lvl8pPr>
-                <a:lvl9pPr marL="3886200" indent="-228600" algn="l" defTabSz="457200" rtl="0" eaLnBrk="1" latinLnBrk="0" hangingPunct="1">
-                  <a:spcBef>
-                    <a:spcPct val="20000"/>
-                  </a:spcBef>
-                  <a:spcAft>
-                    <a:spcPts val="600"/>
-                  </a:spcAft>
-                  <a:buClr>
-                    <a:schemeClr val="accent1">
-                      <a:lumMod val="75000"/>
-                    </a:schemeClr>
-                  </a:buClr>
-                  <a:buSzPct val="145000"/>
-                  <a:buFont typeface="Arial"/>
-                  <a:buChar char="•"/>
-                  <a:defRPr sz="1400" kern="1200" cap="none">
-                    <a:solidFill>
-                      <a:schemeClr val="tx1"/>
-                    </a:solidFill>
-                    <a:effectLst/>
-                    <a:latin typeface="+mn-lt"/>
-                    <a:ea typeface="+mn-ea"/>
-                    <a:cs typeface="+mn-cs"/>
-                  </a:defRPr>
-                </a:lvl9pPr>
-              </a:lstStyle>
-              <a:p>
-                <a:pPr marL="342900" lvl="0" indent="-342900">
-                  <a:lnSpc>
-                    <a:spcPct val="107000"/>
-                  </a:lnSpc>
-                  <a:buFont typeface="Symbol" panose="05050102010706020507" pitchFamily="18" charset="2"/>
-                  <a:buChar char="·"/>
-                </a:pPr>
-                <a:r>
-                  <a:rPr lang="en-GB" sz="2200" dirty="0"/>
-                  <a:t>Europe (EUR)</a:t>
-                </a:r>
-                <a:endParaRPr lang="en-SG" sz="2200" dirty="0"/>
-              </a:p>
-              <a:p>
-                <a:pPr marL="742950" lvl="1" indent="-285750">
-                  <a:lnSpc>
-                    <a:spcPct val="107000"/>
-                  </a:lnSpc>
-                  <a:buFont typeface="Courier New" panose="02070309020205020404" pitchFamily="49" charset="0"/>
-                  <a:buChar char="o"/>
-                </a:pPr>
-                <a14:m>
-                  <m:oMath xmlns:m="http://schemas.openxmlformats.org/officeDocument/2006/math">
-                    <m:sSub>
-                      <m:sSubPr>
-                        <m:ctrlPr>
-                          <a:rPr lang="en-SG" sz="1900" i="1">
-                            <a:latin typeface="Cambria Math" panose="02040503050406030204" pitchFamily="18" charset="0"/>
-                          </a:rPr>
-                        </m:ctrlPr>
-                      </m:sSubPr>
-                      <m:e>
-                        <m:r>
-                          <a:rPr lang="en-GB" sz="1900" i="1">
-                            <a:latin typeface="Cambria Math" panose="02040503050406030204" pitchFamily="18" charset="0"/>
-                          </a:rPr>
-                          <m:t>𝐶</m:t>
-                        </m:r>
-                      </m:e>
-                      <m:sub>
-                        <m:r>
-                          <a:rPr lang="en-GB" sz="1900" i="1">
-                            <a:latin typeface="Cambria Math" panose="02040503050406030204" pitchFamily="18" charset="0"/>
-                          </a:rPr>
-                          <m:t>𝐸𝑈𝑅</m:t>
-                        </m:r>
-                        <m:r>
-                          <a:rPr lang="en-GB" sz="1900" i="1">
-                            <a:latin typeface="Cambria Math" panose="02040503050406030204" pitchFamily="18" charset="0"/>
-                          </a:rPr>
-                          <m:t>,</m:t>
-                        </m:r>
-                        <m:r>
-                          <a:rPr lang="en-GB" sz="1900" i="1">
-                            <a:latin typeface="Cambria Math" panose="02040503050406030204" pitchFamily="18" charset="0"/>
-                          </a:rPr>
-                          <m:t>𝑃</m:t>
-                        </m:r>
-                      </m:sub>
-                    </m:sSub>
-                    <m:r>
-                      <a:rPr lang="en-GB" sz="1900" i="1">
-                        <a:latin typeface="Cambria Math" panose="02040503050406030204" pitchFamily="18" charset="0"/>
-                      </a:rPr>
-                      <m:t>=900</m:t>
-                    </m:r>
-                  </m:oMath>
-                </a14:m>
-                <a:endParaRPr lang="en-SG" sz="1900" i="1" dirty="0">
-                  <a:latin typeface="Cambria Math" panose="02040503050406030204" pitchFamily="18" charset="0"/>
-                </a:endParaRPr>
-              </a:p>
-              <a:p>
-                <a:pPr marL="742950" lvl="1" indent="-285750">
-                  <a:lnSpc>
-                    <a:spcPct val="107000"/>
-                  </a:lnSpc>
-                  <a:buFont typeface="Courier New" panose="02070309020205020404" pitchFamily="49" charset="0"/>
-                  <a:buChar char="o"/>
-                </a:pPr>
-                <a14:m>
-                  <m:oMath xmlns:m="http://schemas.openxmlformats.org/officeDocument/2006/math">
-                    <m:sSub>
-                      <m:sSubPr>
-                        <m:ctrlPr>
-                          <a:rPr lang="en-SG" sz="1900" i="1">
-                            <a:latin typeface="Cambria Math" panose="02040503050406030204" pitchFamily="18" charset="0"/>
-                          </a:rPr>
-                        </m:ctrlPr>
-                      </m:sSubPr>
-                      <m:e>
-                        <m:r>
-                          <a:rPr lang="en-GB" sz="1900" i="1">
-                            <a:latin typeface="Cambria Math" panose="02040503050406030204" pitchFamily="18" charset="0"/>
-                          </a:rPr>
-                          <m:t>𝐶</m:t>
-                        </m:r>
-                      </m:e>
-                      <m:sub>
-                        <m:r>
-                          <a:rPr lang="en-GB" sz="1900" i="1">
-                            <a:latin typeface="Cambria Math" panose="02040503050406030204" pitchFamily="18" charset="0"/>
-                          </a:rPr>
-                          <m:t>𝐸𝑈𝑅</m:t>
-                        </m:r>
-                        <m:r>
-                          <a:rPr lang="en-GB" sz="1900" i="1">
-                            <a:latin typeface="Cambria Math" panose="02040503050406030204" pitchFamily="18" charset="0"/>
-                          </a:rPr>
-                          <m:t>,</m:t>
-                        </m:r>
-                        <m:r>
-                          <a:rPr lang="en-GB" sz="1900" i="1">
-                            <a:latin typeface="Cambria Math" panose="02040503050406030204" pitchFamily="18" charset="0"/>
-                          </a:rPr>
-                          <m:t>𝑀</m:t>
-                        </m:r>
-                      </m:sub>
-                    </m:sSub>
-                    <m:r>
-                      <a:rPr lang="en-GB" sz="1900" i="1">
-                        <a:latin typeface="Cambria Math" panose="02040503050406030204" pitchFamily="18" charset="0"/>
-                      </a:rPr>
-                      <m:t>=2200</m:t>
-                    </m:r>
-                  </m:oMath>
-                </a14:m>
-                <a:endParaRPr lang="en-SG" sz="1900" i="1" dirty="0">
-                  <a:latin typeface="Cambria Math" panose="02040503050406030204" pitchFamily="18" charset="0"/>
-                </a:endParaRPr>
-              </a:p>
-              <a:p>
-                <a:pPr marL="742950" lvl="1" indent="-285750">
-                  <a:lnSpc>
-                    <a:spcPct val="107000"/>
-                  </a:lnSpc>
-                  <a:buFont typeface="Courier New" panose="02070309020205020404" pitchFamily="49" charset="0"/>
-                  <a:buChar char="o"/>
-                </a:pPr>
-                <a14:m>
-                  <m:oMath xmlns:m="http://schemas.openxmlformats.org/officeDocument/2006/math">
-                    <m:sSub>
-                      <m:sSubPr>
-                        <m:ctrlPr>
-                          <a:rPr lang="en-SG" sz="1900" i="1">
-                            <a:latin typeface="Cambria Math" panose="02040503050406030204" pitchFamily="18" charset="0"/>
-                          </a:rPr>
-                        </m:ctrlPr>
-                      </m:sSubPr>
-                      <m:e>
-                        <m:r>
-                          <a:rPr lang="en-GB" sz="1900" i="1">
-                            <a:latin typeface="Cambria Math" panose="02040503050406030204" pitchFamily="18" charset="0"/>
-                          </a:rPr>
-                          <m:t>𝐶</m:t>
-                        </m:r>
-                      </m:e>
-                      <m:sub>
-                        <m:r>
-                          <a:rPr lang="en-GB" sz="1900" i="1">
-                            <a:latin typeface="Cambria Math" panose="02040503050406030204" pitchFamily="18" charset="0"/>
-                          </a:rPr>
-                          <m:t>𝐸𝑈𝑅</m:t>
-                        </m:r>
-                        <m:r>
-                          <a:rPr lang="en-GB" sz="1900" i="1">
-                            <a:latin typeface="Cambria Math" panose="02040503050406030204" pitchFamily="18" charset="0"/>
-                          </a:rPr>
-                          <m:t>,</m:t>
-                        </m:r>
-                        <m:r>
-                          <a:rPr lang="en-GB" sz="1900" i="1">
-                            <a:latin typeface="Cambria Math" panose="02040503050406030204" pitchFamily="18" charset="0"/>
-                          </a:rPr>
-                          <m:t>𝐷</m:t>
-                        </m:r>
-                      </m:sub>
-                    </m:sSub>
-                    <m:r>
-                      <a:rPr lang="en-GB" sz="1900" i="1">
-                        <a:latin typeface="Cambria Math" panose="02040503050406030204" pitchFamily="18" charset="0"/>
-                      </a:rPr>
-                      <m:t>=−</m:t>
-                    </m:r>
-                    <m:sSup>
-                      <m:sSupPr>
-                        <m:ctrlPr>
-                          <a:rPr lang="en-SG" sz="1900" i="1">
-                            <a:latin typeface="Cambria Math" panose="02040503050406030204" pitchFamily="18" charset="0"/>
-                          </a:rPr>
-                        </m:ctrlPr>
-                      </m:sSupPr>
-                      <m:e>
-                        <m:r>
-                          <a:rPr lang="en-GB" sz="1900" i="1">
-                            <a:latin typeface="Cambria Math" panose="02040503050406030204" pitchFamily="18" charset="0"/>
-                          </a:rPr>
-                          <m:t>30000</m:t>
-                        </m:r>
-                      </m:e>
-                      <m:sup>
-                        <m:r>
-                          <a:rPr lang="en-GB" sz="1900" i="1">
-                            <a:latin typeface="Cambria Math" panose="02040503050406030204" pitchFamily="18" charset="0"/>
-                          </a:rPr>
-                          <m:t>∗</m:t>
-                        </m:r>
-                      </m:sup>
-                    </m:sSup>
-                  </m:oMath>
-                </a14:m>
-                <a:endParaRPr lang="en-SG" sz="1900" i="1" dirty="0">
-                  <a:latin typeface="Cambria Math" panose="02040503050406030204" pitchFamily="18" charset="0"/>
-                </a:endParaRPr>
-              </a:p>
-              <a:p>
-                <a:pPr marL="742950" lvl="1" indent="-285750">
-                  <a:lnSpc>
-                    <a:spcPct val="107000"/>
-                  </a:lnSpc>
-                  <a:spcAft>
-                    <a:spcPts val="800"/>
-                  </a:spcAft>
-                  <a:buFont typeface="Courier New" panose="02070309020205020404" pitchFamily="49" charset="0"/>
-                  <a:buChar char="o"/>
-                </a:pPr>
-                <a14:m>
-                  <m:oMath xmlns:m="http://schemas.openxmlformats.org/officeDocument/2006/math">
-                    <m:r>
-                      <a:rPr lang="en-GB" sz="1900" i="1">
-                        <a:latin typeface="Cambria Math" panose="02040503050406030204" pitchFamily="18" charset="0"/>
-                      </a:rPr>
-                      <m:t>𝐸</m:t>
-                    </m:r>
-                    <m:sSub>
-                      <m:sSubPr>
-                        <m:ctrlPr>
-                          <a:rPr lang="en-SG" sz="1900" i="1">
-                            <a:latin typeface="Cambria Math" panose="02040503050406030204" pitchFamily="18" charset="0"/>
-                          </a:rPr>
-                        </m:ctrlPr>
-                      </m:sSubPr>
-                      <m:e>
-                        <m:r>
-                          <a:rPr lang="en-GB" sz="1900" i="1">
-                            <a:latin typeface="Cambria Math" panose="02040503050406030204" pitchFamily="18" charset="0"/>
-                          </a:rPr>
-                          <m:t>𝑥</m:t>
-                        </m:r>
-                      </m:e>
-                      <m:sub>
-                        <m:r>
-                          <a:rPr lang="en-GB" sz="1900" i="1">
-                            <a:latin typeface="Cambria Math" panose="02040503050406030204" pitchFamily="18" charset="0"/>
-                          </a:rPr>
-                          <m:t>𝐸𝑈𝑅</m:t>
-                        </m:r>
-                        <m:r>
-                          <a:rPr lang="en-GB" sz="1900" i="1">
-                            <a:latin typeface="Cambria Math" panose="02040503050406030204" pitchFamily="18" charset="0"/>
-                          </a:rPr>
-                          <m:t>,</m:t>
-                        </m:r>
-                        <m:r>
-                          <a:rPr lang="en-GB" sz="1900" i="1">
-                            <a:latin typeface="Cambria Math" panose="02040503050406030204" pitchFamily="18" charset="0"/>
-                          </a:rPr>
-                          <m:t>𝑀</m:t>
-                        </m:r>
-                      </m:sub>
-                    </m:sSub>
-                    <m:r>
-                      <a:rPr lang="en-GB" sz="1900" i="1">
-                        <a:latin typeface="Cambria Math" panose="02040503050406030204" pitchFamily="18" charset="0"/>
-                      </a:rPr>
-                      <m:t>=8500</m:t>
-                    </m:r>
-                  </m:oMath>
-                </a14:m>
-                <a:endParaRPr lang="en-SG" sz="1900" i="1" dirty="0">
-                  <a:latin typeface="Cambria Math" panose="02040503050406030204" pitchFamily="18" charset="0"/>
-                </a:endParaRPr>
-              </a:p>
-              <a:p>
-                <a:pPr lvl="1"/>
-                <a:endParaRPr lang="en-SG" dirty="0"/>
-              </a:p>
-              <a:p>
-                <a:endParaRPr lang="en-SG" dirty="0"/>
-              </a:p>
-            </p:txBody>
-          </p:sp>
-        </mc:Choice>
-        <mc:Fallback xmlns="">
-          <p:sp>
-            <p:nvSpPr>
-              <p:cNvPr id="8" name="Content Placeholder 2">
-                <a:extLst>
-                  <a:ext uri="{FF2B5EF4-FFF2-40B4-BE49-F238E27FC236}">
-                    <a16:creationId xmlns:a16="http://schemas.microsoft.com/office/drawing/2014/main" id="{28F05A44-95EA-3BC1-F052-0119890C013F}"/>
-                  </a:ext>
-                </a:extLst>
-              </p:cNvPr>
-              <p:cNvSpPr txBox="1">
-                <a:spLocks noRot="1" noChangeAspect="1" noMove="1" noResize="1" noEditPoints="1" noAdjustHandles="1" noChangeArrowheads="1" noChangeShapeType="1" noTextEdit="1"/>
-              </p:cNvSpPr>
-              <p:nvPr/>
-            </p:nvSpPr>
-            <p:spPr>
-              <a:xfrm>
-                <a:off x="8976988" y="1752599"/>
-                <a:ext cx="3133989" cy="4440073"/>
-              </a:xfrm>
-              <a:prstGeom prst="rect">
-                <a:avLst/>
-              </a:prstGeom>
-              <a:blipFill>
-                <a:blip r:embed="rId5"/>
-                <a:stretch>
-                  <a:fillRect l="-5058" t="-4801"/>
-                </a:stretch>
-              </a:blipFill>
-            </p:spPr>
-            <p:txBody>
-              <a:bodyPr/>
-              <a:lstStyle/>
-              <a:p>
-                <a:r>
-                  <a:rPr lang="en-SG">
-                    <a:noFill/>
-                  </a:rPr>
-                  <a:t> </a:t>
-                </a:r>
-              </a:p>
-            </p:txBody>
-          </p:sp>
-        </mc:Fallback>
-      </mc:AlternateContent>
-      <p:sp>
-        <p:nvSpPr>
-          <p:cNvPr id="4" name="TextBox 3">
-            <a:extLst>
-              <a:ext uri="{FF2B5EF4-FFF2-40B4-BE49-F238E27FC236}">
-                <a16:creationId xmlns:a16="http://schemas.microsoft.com/office/drawing/2014/main" id="{F03E643E-EE63-6B0A-C227-B7A9655F8A4F}"/>
-              </a:ext>
-            </a:extLst>
-          </p:cNvPr>
-          <p:cNvSpPr txBox="1"/>
-          <p:nvPr/>
-        </p:nvSpPr>
-        <p:spPr>
-          <a:xfrm>
-            <a:off x="3161929" y="6424164"/>
-            <a:ext cx="6354933" cy="276999"/>
-          </a:xfrm>
-          <a:prstGeom prst="rect">
-            <a:avLst/>
-          </a:prstGeom>
-          <a:noFill/>
-        </p:spPr>
-        <p:txBody>
-          <a:bodyPr wrap="square" rtlCol="0">
-            <a:spAutoFit/>
-          </a:bodyPr>
-          <a:lstStyle/>
-          <a:p>
-            <a:pPr algn="ctr"/>
-            <a:r>
-              <a:rPr lang="en-SG" sz="1200" dirty="0"/>
-              <a:t>*Note: Process cost for Distribution is negative as each country gains revenue from distribution</a:t>
-            </a:r>
-          </a:p>
-        </p:txBody>
-      </p:sp>
-    </p:spTree>
-    <p:extLst>
-      <p:ext uri="{BB962C8B-B14F-4D97-AF65-F5344CB8AC3E}">
-        <p14:creationId xmlns:p14="http://schemas.microsoft.com/office/powerpoint/2010/main" val="2182394727"/>
       </p:ext>
     </p:extLst>
   </p:cSld>
@@ -23081,8 +20248,8 @@
           <a:chExt cx="0" cy="0"/>
         </a:xfrm>
       </p:grpSpPr>
-      <mc:AlternateContent xmlns:mc="http://schemas.openxmlformats.org/markup-compatibility/2006" xmlns:a14="http://schemas.microsoft.com/office/drawing/2010/main">
-        <mc:Choice Requires="a14">
+      <mc:AlternateContent xmlns:mc="http://schemas.openxmlformats.org/markup-compatibility/2006">
+        <mc:Choice xmlns:a14="http://schemas.microsoft.com/office/drawing/2010/main" Requires="a14">
           <p:sp>
             <p:nvSpPr>
               <p:cNvPr id="2" name="Title 1">
@@ -23101,7 +20268,7 @@
             </p:nvSpPr>
             <p:spPr>
               <a:xfrm>
-                <a:off x="1139822" y="1493135"/>
+                <a:off x="742156" y="1494444"/>
                 <a:ext cx="10707688" cy="990601"/>
               </a:xfrm>
             </p:spPr>
@@ -23111,7 +20278,6 @@
               </a:bodyPr>
               <a:lstStyle/>
               <a:p>
-                <a:pPr/>
                 <a14:m>
                   <m:oMathPara xmlns:m="http://schemas.openxmlformats.org/officeDocument/2006/math">
                     <m:oMathParaPr>
@@ -23150,9 +20316,7 @@
                         </m:sub>
                       </m:sSub>
                       <m:r>
-                        <a:rPr lang="en-SG" sz="2800" b="0" i="1" smtClean="0">
-                          <a:latin typeface="Cambria Math" panose="02040503050406030204" pitchFamily="18" charset="0"/>
-                        </a:rPr>
+                        <a:rPr lang="en-GB" sz="2800" i="1"/>
                         <m:t>=−</m:t>
                       </m:r>
                       <m:nary>
@@ -23160,37 +20324,20 @@
                           <m:chr m:val="∑"/>
                           <m:supHide m:val="on"/>
                           <m:ctrlPr>
-                            <a:rPr lang="en-SG" sz="2800" b="0" i="1" smtClean="0">
-                              <a:latin typeface="Cambria Math" panose="02040503050406030204" pitchFamily="18" charset="0"/>
-                            </a:rPr>
+                            <a:rPr lang="en-SG" sz="2800" i="1"/>
                           </m:ctrlPr>
                         </m:naryPr>
                         <m:sub>
                           <m:r>
-                            <m:rPr>
-                              <m:brk m:alnAt="7"/>
-                            </m:rPr>
-                            <a:rPr lang="en-SG" sz="2800" b="0" i="1" smtClean="0">
-                              <a:latin typeface="Cambria Math" panose="02040503050406030204" pitchFamily="18" charset="0"/>
-                            </a:rPr>
-                            <m:t>𝑎</m:t>
+                            <a:rPr lang="en-GB" sz="2800" i="1"/>
+                            <m:t>𝑎𝑙𝑙</m:t>
                           </m:r>
                           <m:r>
-                            <a:rPr lang="en-SG" sz="2800" b="0" i="1" smtClean="0">
-                              <a:latin typeface="Cambria Math" panose="02040503050406030204" pitchFamily="18" charset="0"/>
-                            </a:rPr>
-                            <m:t>𝑙𝑙</m:t>
-                          </m:r>
-                          <m:r>
-                            <a:rPr lang="en-SG" sz="2800" b="0" i="1" smtClean="0">
-                              <a:latin typeface="Cambria Math" panose="02040503050406030204" pitchFamily="18" charset="0"/>
-                            </a:rPr>
+                            <a:rPr lang="en-GB" sz="2800" i="1"/>
                             <m:t> </m:t>
                           </m:r>
                           <m:r>
-                            <a:rPr lang="en-SG" sz="2800" b="0" i="1" smtClean="0">
-                              <a:latin typeface="Cambria Math" panose="02040503050406030204" pitchFamily="18" charset="0"/>
-                            </a:rPr>
+                            <a:rPr lang="en-GB" sz="2800" i="1"/>
                             <m:t>𝑛</m:t>
                           </m:r>
                         </m:sub>
@@ -23199,36 +20346,26 @@
                           <m:sSub>
                             <m:sSubPr>
                               <m:ctrlPr>
-                                <a:rPr lang="en-SG" sz="2800" b="0" i="1" smtClean="0">
-                                  <a:latin typeface="Cambria Math" panose="02040503050406030204" pitchFamily="18" charset="0"/>
-                                </a:rPr>
+                                <a:rPr lang="en-SG" sz="2800" i="1"/>
                               </m:ctrlPr>
                             </m:sSubPr>
                             <m:e>
                               <m:r>
-                                <a:rPr lang="en-SG" sz="2800" b="0" i="1" smtClean="0">
-                                  <a:latin typeface="Cambria Math" panose="02040503050406030204" pitchFamily="18" charset="0"/>
-                                </a:rPr>
+                                <a:rPr lang="en-GB" sz="2800" i="1"/>
                                 <m:t>𝑐</m:t>
                               </m:r>
                             </m:e>
                             <m:sub>
                               <m:r>
-                                <a:rPr lang="en-SG" sz="2800" b="0" i="1" smtClean="0">
-                                  <a:latin typeface="Cambria Math" panose="02040503050406030204" pitchFamily="18" charset="0"/>
-                                </a:rPr>
+                                <a:rPr lang="en-GB" sz="2800" i="1"/>
                                 <m:t>𝑖</m:t>
                               </m:r>
                               <m:r>
-                                <a:rPr lang="en-SG" sz="2800" b="0" i="1" smtClean="0">
-                                  <a:latin typeface="Cambria Math" panose="02040503050406030204" pitchFamily="18" charset="0"/>
-                                </a:rPr>
+                                <a:rPr lang="en-GB" sz="2800" i="1"/>
                                 <m:t>,</m:t>
                               </m:r>
                               <m:r>
-                                <a:rPr lang="en-SG" sz="2800" b="0" i="1" smtClean="0">
-                                  <a:latin typeface="Cambria Math" panose="02040503050406030204" pitchFamily="18" charset="0"/>
-                                </a:rPr>
+                                <a:rPr lang="en-GB" sz="2800" i="1"/>
                                 <m:t>𝑛</m:t>
                               </m:r>
                             </m:sub>
@@ -23236,36 +20373,26 @@
                           <m:sSub>
                             <m:sSubPr>
                               <m:ctrlPr>
-                                <a:rPr lang="en-SG" sz="2800" b="0" i="1" smtClean="0">
-                                  <a:latin typeface="Cambria Math" panose="02040503050406030204" pitchFamily="18" charset="0"/>
-                                </a:rPr>
+                                <a:rPr lang="en-SG" sz="2800" i="1"/>
                               </m:ctrlPr>
                             </m:sSubPr>
                             <m:e>
                               <m:r>
-                                <a:rPr lang="en-SG" sz="2800" b="0" i="1" smtClean="0">
-                                  <a:latin typeface="Cambria Math" panose="02040503050406030204" pitchFamily="18" charset="0"/>
-                                </a:rPr>
+                                <a:rPr lang="en-GB" sz="2800" i="1"/>
                                 <m:t>𝑀</m:t>
                               </m:r>
                             </m:e>
                             <m:sub>
                               <m:r>
-                                <a:rPr lang="en-SG" sz="2800" b="0" i="1" smtClean="0">
-                                  <a:latin typeface="Cambria Math" panose="02040503050406030204" pitchFamily="18" charset="0"/>
-                                </a:rPr>
+                                <a:rPr lang="en-GB" sz="2800" i="1"/>
                                 <m:t>𝑖</m:t>
                               </m:r>
                               <m:r>
-                                <a:rPr lang="en-SG" sz="2800" b="0" i="1" smtClean="0">
-                                  <a:latin typeface="Cambria Math" panose="02040503050406030204" pitchFamily="18" charset="0"/>
-                                </a:rPr>
+                                <a:rPr lang="en-GB" sz="2800" i="1"/>
                                 <m:t>,</m:t>
                               </m:r>
                               <m:r>
-                                <a:rPr lang="en-SG" sz="2800" b="0" i="1" smtClean="0">
-                                  <a:latin typeface="Cambria Math" panose="02040503050406030204" pitchFamily="18" charset="0"/>
-                                </a:rPr>
+                                <a:rPr lang="en-GB" sz="2800" i="1"/>
                                 <m:t>𝑛</m:t>
                               </m:r>
                             </m:sub>
@@ -23273,9 +20400,7 @@
                         </m:e>
                       </m:nary>
                       <m:r>
-                        <a:rPr lang="en-SG" sz="2800" b="0" i="1" smtClean="0">
-                          <a:latin typeface="Cambria Math" panose="02040503050406030204" pitchFamily="18" charset="0"/>
-                        </a:rPr>
+                        <a:rPr lang="en-GB" sz="2800" i="1"/>
                         <m:t>+</m:t>
                       </m:r>
                       <m:nary>
@@ -23283,28 +20408,20 @@
                           <m:chr m:val="∑"/>
                           <m:supHide m:val="on"/>
                           <m:ctrlPr>
-                            <a:rPr lang="en-SG" sz="2800" b="0" i="1" smtClean="0">
-                              <a:latin typeface="Cambria Math" panose="02040503050406030204" pitchFamily="18" charset="0"/>
-                            </a:rPr>
+                            <a:rPr lang="en-SG" sz="2800" i="1"/>
                           </m:ctrlPr>
                         </m:naryPr>
                         <m:sub>
                           <m:r>
-                            <a:rPr lang="en-SG" sz="2800" b="0" i="1" smtClean="0">
-                              <a:latin typeface="Cambria Math" panose="02040503050406030204" pitchFamily="18" charset="0"/>
-                            </a:rPr>
+                            <a:rPr lang="en-GB" sz="2800" i="1"/>
                             <m:t>𝑎𝑙𝑙</m:t>
                           </m:r>
                           <m:r>
-                            <a:rPr lang="en-SG" sz="2800" b="0" i="1" smtClean="0">
-                              <a:latin typeface="Cambria Math" panose="02040503050406030204" pitchFamily="18" charset="0"/>
-                            </a:rPr>
+                            <a:rPr lang="en-GB" sz="2800" i="1"/>
                             <m:t> </m:t>
                           </m:r>
                           <m:r>
-                            <a:rPr lang="en-SG" sz="2800" b="0" i="1" smtClean="0">
-                              <a:latin typeface="Cambria Math" panose="02040503050406030204" pitchFamily="18" charset="0"/>
-                            </a:rPr>
+                            <a:rPr lang="en-GB" sz="2800" i="1"/>
                             <m:t>𝑒</m:t>
                           </m:r>
                         </m:sub>
@@ -23313,36 +20430,34 @@
                           <m:sSub>
                             <m:sSubPr>
                               <m:ctrlPr>
-                                <a:rPr lang="en-SG" sz="2800" i="1" smtClean="0">
-                                  <a:latin typeface="Cambria Math" panose="02040503050406030204" pitchFamily="18" charset="0"/>
-                                </a:rPr>
+                                <a:rPr lang="en-SG" sz="2800" i="1"/>
                               </m:ctrlPr>
                             </m:sSubPr>
                             <m:e>
                               <m:r>
-                                <a:rPr lang="en-SG" sz="2800" b="0" i="1" smtClean="0">
-                                  <a:latin typeface="Cambria Math" panose="02040503050406030204" pitchFamily="18" charset="0"/>
-                                </a:rPr>
-                                <m:t>𝐸𝑥</m:t>
+                                <a:rPr lang="en-GB" sz="2800" i="1"/>
+                                <m:t>𝑟</m:t>
                               </m:r>
                             </m:e>
                             <m:sub>
                               <m:r>
-                                <a:rPr lang="en-SG" sz="2800" b="0" i="1" smtClean="0">
-                                  <a:latin typeface="Cambria Math" panose="02040503050406030204" pitchFamily="18" charset="0"/>
-                                </a:rPr>
+                                <a:rPr lang="en-GB" sz="2800" i="1"/>
+                                <m:t>𝑜𝑢𝑡</m:t>
+                              </m:r>
+                              <m:r>
+                                <a:rPr lang="en-GB" sz="2800" i="1"/>
+                                <m:t>,</m:t>
+                              </m:r>
+                              <m:r>
+                                <a:rPr lang="en-GB" sz="2800" i="1"/>
                                 <m:t>𝑖</m:t>
                               </m:r>
                               <m:r>
-                                <a:rPr lang="en-SG" sz="2800" b="0" i="1" smtClean="0">
-                                  <a:latin typeface="Cambria Math" panose="02040503050406030204" pitchFamily="18" charset="0"/>
-                                </a:rPr>
+                                <a:rPr lang="en-GB" sz="2800" i="1"/>
                                 <m:t>,</m:t>
                               </m:r>
                               <m:r>
-                                <a:rPr lang="en-SG" sz="2800" b="0" i="1" smtClean="0">
-                                  <a:latin typeface="Cambria Math" panose="02040503050406030204" pitchFamily="18" charset="0"/>
-                                </a:rPr>
+                                <a:rPr lang="en-GB" sz="2800" i="1"/>
                                 <m:t>𝑒</m:t>
                               </m:r>
                             </m:sub>
@@ -23350,36 +20465,34 @@
                           <m:sSub>
                             <m:sSubPr>
                               <m:ctrlPr>
-                                <a:rPr lang="en-SG" sz="2800" i="1">
-                                  <a:latin typeface="Cambria Math" panose="02040503050406030204" pitchFamily="18" charset="0"/>
-                                </a:rPr>
+                                <a:rPr lang="en-SG" sz="2800" i="1"/>
                               </m:ctrlPr>
                             </m:sSubPr>
                             <m:e>
                               <m:r>
-                                <a:rPr lang="en-SG" sz="2800" i="1">
-                                  <a:latin typeface="Cambria Math" panose="02040503050406030204" pitchFamily="18" charset="0"/>
-                                </a:rPr>
-                                <m:t>𝑀</m:t>
+                                <a:rPr lang="en-GB" sz="2800" i="1"/>
+                                <m:t>𝑇</m:t>
                               </m:r>
                             </m:e>
                             <m:sub>
                               <m:r>
-                                <a:rPr lang="en-SG" sz="2800" b="0" i="1" smtClean="0">
-                                  <a:latin typeface="Cambria Math" panose="02040503050406030204" pitchFamily="18" charset="0"/>
-                                </a:rPr>
+                                <a:rPr lang="en-GB" sz="2800" i="1"/>
+                                <m:t>𝑜𝑢𝑡</m:t>
+                              </m:r>
+                              <m:r>
+                                <a:rPr lang="en-GB" sz="2800" i="1"/>
+                                <m:t>,</m:t>
+                              </m:r>
+                              <m:r>
+                                <a:rPr lang="en-GB" sz="2800" i="1"/>
                                 <m:t>𝑖</m:t>
                               </m:r>
                               <m:r>
-                                <a:rPr lang="en-SG" sz="2800" b="0" i="1" smtClean="0">
-                                  <a:latin typeface="Cambria Math" panose="02040503050406030204" pitchFamily="18" charset="0"/>
-                                </a:rPr>
+                                <a:rPr lang="en-GB" sz="2800" i="1"/>
                                 <m:t>,</m:t>
                               </m:r>
                               <m:r>
-                                <a:rPr lang="en-SG" sz="2800" b="0" i="1" smtClean="0">
-                                  <a:latin typeface="Cambria Math" panose="02040503050406030204" pitchFamily="18" charset="0"/>
-                                </a:rPr>
+                                <a:rPr lang="en-GB" sz="2800" i="1"/>
                                 <m:t>𝑒</m:t>
                               </m:r>
                             </m:sub>
@@ -23387,9 +20500,7 @@
                         </m:e>
                       </m:nary>
                       <m:r>
-                        <a:rPr lang="en-SG" sz="2800" b="0" i="1" smtClean="0">
-                          <a:latin typeface="Cambria Math" panose="02040503050406030204" pitchFamily="18" charset="0"/>
-                        </a:rPr>
+                        <a:rPr lang="en-GB" sz="2800" i="1"/>
                         <m:t>−</m:t>
                       </m:r>
                       <m:nary>
@@ -23397,28 +20508,20 @@
                           <m:chr m:val="∑"/>
                           <m:supHide m:val="on"/>
                           <m:ctrlPr>
-                            <a:rPr lang="en-SG" sz="2800" b="0" i="1" smtClean="0">
-                              <a:latin typeface="Cambria Math" panose="02040503050406030204" pitchFamily="18" charset="0"/>
-                            </a:rPr>
+                            <a:rPr lang="en-SG" sz="2800" i="1"/>
                           </m:ctrlPr>
                         </m:naryPr>
                         <m:sub>
                           <m:r>
-                            <a:rPr lang="en-SG" sz="2800" b="0" i="1" smtClean="0">
-                              <a:latin typeface="Cambria Math" panose="02040503050406030204" pitchFamily="18" charset="0"/>
-                            </a:rPr>
+                            <a:rPr lang="en-GB" sz="2800" i="1"/>
                             <m:t>𝑎𝑙𝑙</m:t>
                           </m:r>
                           <m:r>
-                            <a:rPr lang="en-SG" sz="2800" b="0" i="1" smtClean="0">
-                              <a:latin typeface="Cambria Math" panose="02040503050406030204" pitchFamily="18" charset="0"/>
-                            </a:rPr>
+                            <a:rPr lang="en-GB" sz="2800" i="1"/>
                             <m:t> </m:t>
                           </m:r>
                           <m:r>
-                            <a:rPr lang="en-SG" sz="2800" b="0" i="1" smtClean="0">
-                              <a:latin typeface="Cambria Math" panose="02040503050406030204" pitchFamily="18" charset="0"/>
-                            </a:rPr>
+                            <a:rPr lang="en-GB" sz="2800" i="1"/>
                             <m:t>𝑗</m:t>
                           </m:r>
                         </m:sub>
@@ -23427,36 +20530,34 @@
                           <m:sSub>
                             <m:sSubPr>
                               <m:ctrlPr>
-                                <a:rPr lang="en-SG" sz="2800" i="1">
-                                  <a:latin typeface="Cambria Math" panose="02040503050406030204" pitchFamily="18" charset="0"/>
-                                </a:rPr>
+                                <a:rPr lang="en-SG" sz="2800" i="1"/>
                               </m:ctrlPr>
                             </m:sSubPr>
                             <m:e>
                               <m:r>
-                                <a:rPr lang="en-SG" sz="2800" b="0" i="1" smtClean="0">
-                                  <a:latin typeface="Cambria Math" panose="02040503050406030204" pitchFamily="18" charset="0"/>
-                                </a:rPr>
-                                <m:t>𝐸𝑥</m:t>
+                                <a:rPr lang="en-GB" sz="2800" i="1"/>
+                                <m:t>𝑟</m:t>
                               </m:r>
                             </m:e>
                             <m:sub>
                               <m:r>
-                                <a:rPr lang="en-SG" sz="2800" b="0" i="1" smtClean="0">
-                                  <a:latin typeface="Cambria Math" panose="02040503050406030204" pitchFamily="18" charset="0"/>
-                                </a:rPr>
+                                <a:rPr lang="en-GB" sz="2800" i="1"/>
+                                <m:t>𝑖𝑛</m:t>
+                              </m:r>
+                              <m:r>
+                                <a:rPr lang="en-GB" sz="2800" i="1"/>
+                                <m:t>,</m:t>
+                              </m:r>
+                              <m:r>
+                                <a:rPr lang="en-GB" sz="2800" i="1"/>
                                 <m:t>𝑑</m:t>
                               </m:r>
                               <m:r>
-                                <a:rPr lang="en-SG" sz="2800" b="0" i="1" smtClean="0">
-                                  <a:latin typeface="Cambria Math" panose="02040503050406030204" pitchFamily="18" charset="0"/>
-                                </a:rPr>
+                                <a:rPr lang="en-GB" sz="2800" i="1"/>
                                 <m:t>,</m:t>
                               </m:r>
                               <m:r>
-                                <a:rPr lang="en-SG" sz="2800" b="0" i="1" smtClean="0">
-                                  <a:latin typeface="Cambria Math" panose="02040503050406030204" pitchFamily="18" charset="0"/>
-                                </a:rPr>
+                                <a:rPr lang="en-GB" sz="2800" i="1"/>
                                 <m:t>𝑗</m:t>
                               </m:r>
                             </m:sub>
@@ -23464,36 +20565,34 @@
                           <m:sSub>
                             <m:sSubPr>
                               <m:ctrlPr>
-                                <a:rPr lang="en-SG" sz="2800" i="1">
-                                  <a:latin typeface="Cambria Math" panose="02040503050406030204" pitchFamily="18" charset="0"/>
-                                </a:rPr>
+                                <a:rPr lang="en-SG" sz="2800" i="1"/>
                               </m:ctrlPr>
                             </m:sSubPr>
                             <m:e>
                               <m:r>
-                                <a:rPr lang="en-SG" sz="2800" i="1">
-                                  <a:latin typeface="Cambria Math" panose="02040503050406030204" pitchFamily="18" charset="0"/>
-                                </a:rPr>
-                                <m:t>𝑀</m:t>
+                                <a:rPr lang="en-GB" sz="2800" i="1"/>
+                                <m:t>𝑇</m:t>
                               </m:r>
                             </m:e>
                             <m:sub>
                               <m:r>
-                                <a:rPr lang="en-SG" sz="2800" b="0" i="1" smtClean="0">
-                                  <a:latin typeface="Cambria Math" panose="02040503050406030204" pitchFamily="18" charset="0"/>
-                                </a:rPr>
+                                <a:rPr lang="en-GB" sz="2800" i="1"/>
+                                <m:t>𝑖𝑛</m:t>
+                              </m:r>
+                              <m:r>
+                                <a:rPr lang="en-GB" sz="2800" i="1"/>
+                                <m:t>,</m:t>
+                              </m:r>
+                              <m:r>
+                                <a:rPr lang="en-GB" sz="2800" i="1"/>
                                 <m:t>𝑑</m:t>
                               </m:r>
                               <m:r>
-                                <a:rPr lang="en-SG" sz="2800" b="0" i="1" smtClean="0">
-                                  <a:latin typeface="Cambria Math" panose="02040503050406030204" pitchFamily="18" charset="0"/>
-                                </a:rPr>
+                                <a:rPr lang="en-GB" sz="2800" i="1"/>
                                 <m:t>,</m:t>
                               </m:r>
                               <m:r>
-                                <a:rPr lang="en-SG" sz="2800" b="0" i="1" smtClean="0">
-                                  <a:latin typeface="Cambria Math" panose="02040503050406030204" pitchFamily="18" charset="0"/>
-                                </a:rPr>
+                                <a:rPr lang="en-GB" sz="2800" i="1"/>
                                 <m:t>𝑗</m:t>
                               </m:r>
                             </m:sub>
@@ -23503,12 +20602,15 @@
                     </m:oMath>
                   </m:oMathPara>
                 </a14:m>
+                <a:br>
+                  <a:rPr lang="en-SG" dirty="0"/>
+                </a:br>
                 <a:endParaRPr lang="en-SG" sz="3600" dirty="0"/>
               </a:p>
             </p:txBody>
           </p:sp>
         </mc:Choice>
-        <mc:Fallback xmlns="">
+        <mc:Fallback>
           <p:sp>
             <p:nvSpPr>
               <p:cNvPr id="2" name="Title 1">
@@ -23527,13 +20629,13 @@
             </p:nvSpPr>
             <p:spPr>
               <a:xfrm>
-                <a:off x="1139822" y="1493135"/>
+                <a:off x="742156" y="1494444"/>
                 <a:ext cx="10707688" cy="990601"/>
               </a:xfrm>
               <a:blipFill>
                 <a:blip r:embed="rId2"/>
                 <a:stretch>
-                  <a:fillRect b="-14198"/>
+                  <a:fillRect b="-14110"/>
                 </a:stretch>
               </a:blipFill>
             </p:spPr>
@@ -23664,8 +20766,8 @@
           </a:p>
         </p:txBody>
       </p:sp>
-      <mc:AlternateContent xmlns:mc="http://schemas.openxmlformats.org/markup-compatibility/2006" xmlns:a14="http://schemas.microsoft.com/office/drawing/2010/main">
-        <mc:Choice Requires="a14">
+      <mc:AlternateContent xmlns:mc="http://schemas.openxmlformats.org/markup-compatibility/2006">
+        <mc:Choice xmlns:a14="http://schemas.microsoft.com/office/drawing/2010/main" Requires="a14">
           <p:sp>
             <p:nvSpPr>
               <p:cNvPr id="5" name="Text Placeholder 2">
@@ -23690,158 +20792,216 @@
             </p:spPr>
             <p:txBody>
               <a:bodyPr anchor="t">
-                <a:normAutofit fontScale="92500" lnSpcReduction="20000"/>
+                <a:normAutofit fontScale="77500" lnSpcReduction="20000"/>
               </a:bodyPr>
               <a:lstStyle/>
               <a:p>
-                <a:pPr marL="342900" indent="-342900" algn="l">
-                  <a:buFont typeface="Arial" panose="020B0604020202020204" pitchFamily="34" charset="0"/>
-                  <a:buChar char="•"/>
+                <a:pPr marL="342900" lvl="0" indent="-342900" algn="l">
+                  <a:lnSpc>
+                    <a:spcPct val="107000"/>
+                  </a:lnSpc>
+                  <a:buFont typeface="Symbol" panose="05050102010706020507" pitchFamily="18" charset="2"/>
+                  <a:buChar char=""/>
                 </a:pPr>
                 <a:r>
-                  <a:rPr lang="en-SG" dirty="0">
-                    <a:latin typeface="Cambria Math" panose="02040503050406030204" pitchFamily="18" charset="0"/>
+                  <a:rPr lang="en-GB" sz="1800" dirty="0">
+                    <a:solidFill>
+                      <a:srgbClr val="000000"/>
+                    </a:solidFill>
+                    <a:effectLst/>
+                    <a:latin typeface="Calibri" panose="020F0502020204030204" pitchFamily="34" charset="0"/>
+                    <a:ea typeface="Calibri" panose="020F0502020204030204" pitchFamily="34" charset="0"/>
+                    <a:cs typeface="Calibri" panose="020F0502020204030204" pitchFamily="34" charset="0"/>
                   </a:rPr>
-                  <a:t>i</a:t>
+                  <a:t>i: index for the local region (i.e. USA, CHN, EUR, etc)</a:t>
                 </a:r>
-                <a:r>
-                  <a:rPr lang="en-SG" b="0" dirty="0">
-                    <a:latin typeface="Cambria Math" panose="02040503050406030204" pitchFamily="18" charset="0"/>
-                  </a:rPr>
-                  <a:t>: index for </a:t>
-                </a:r>
-                <a:r>
-                  <a:rPr lang="en-SG" dirty="0">
-                    <a:latin typeface="Cambria Math" panose="02040503050406030204" pitchFamily="18" charset="0"/>
-                  </a:rPr>
-                  <a:t>a </a:t>
-                </a:r>
-                <a:r>
-                  <a:rPr lang="en-SG" b="0" dirty="0">
-                    <a:latin typeface="Cambria Math" panose="02040503050406030204" pitchFamily="18" charset="0"/>
-                  </a:rPr>
-                  <a:t>country (</a:t>
-                </a:r>
-                <a:r>
-                  <a:rPr lang="en-SG" b="0" dirty="0" err="1">
-                    <a:latin typeface="Cambria Math" panose="02040503050406030204" pitchFamily="18" charset="0"/>
-                  </a:rPr>
-                  <a:t>i.e</a:t>
-                </a:r>
-                <a:r>
-                  <a:rPr lang="en-SG" b="0" dirty="0">
-                    <a:latin typeface="Cambria Math" panose="02040503050406030204" pitchFamily="18" charset="0"/>
-                  </a:rPr>
-                  <a:t> USA, CHN, EUR, etc)</a:t>
-                </a:r>
+                <a:endParaRPr lang="en-SG" sz="1800" dirty="0">
+                  <a:effectLst/>
+                  <a:latin typeface="Calibri" panose="020F0502020204030204" pitchFamily="34" charset="0"/>
+                  <a:ea typeface="Calibri" panose="020F0502020204030204" pitchFamily="34" charset="0"/>
+                  <a:cs typeface="Times New Roman" panose="02020603050405020304" pitchFamily="18" charset="0"/>
+                </a:endParaRPr>
               </a:p>
               <a:p>
-                <a:pPr marL="342900" indent="-342900" algn="l">
-                  <a:buFont typeface="Arial" panose="020B0604020202020204" pitchFamily="34" charset="0"/>
-                  <a:buChar char="•"/>
+                <a:pPr marL="342900" lvl="0" indent="-342900" algn="l">
+                  <a:lnSpc>
+                    <a:spcPct val="107000"/>
+                  </a:lnSpc>
+                  <a:buFont typeface="Symbol" panose="05050102010706020507" pitchFamily="18" charset="2"/>
+                  <a:buChar char=""/>
                 </a:pPr>
                 <a:r>
-                  <a:rPr lang="en-SG" b="0" dirty="0">
-                    <a:latin typeface="Cambria Math" panose="02040503050406030204" pitchFamily="18" charset="0"/>
+                  <a:rPr lang="en-GB" sz="1800" dirty="0">
+                    <a:solidFill>
+                      <a:srgbClr val="000000"/>
+                    </a:solidFill>
+                    <a:effectLst/>
+                    <a:latin typeface="Calibri" panose="020F0502020204030204" pitchFamily="34" charset="0"/>
+                    <a:ea typeface="Calibri" panose="020F0502020204030204" pitchFamily="34" charset="0"/>
+                    <a:cs typeface="Calibri" panose="020F0502020204030204" pitchFamily="34" charset="0"/>
                   </a:rPr>
-                  <a:t>n</a:t>
+                  <a:t>n: index for processes of the local region (i.e., extraction, manufacturing. etc).</a:t>
                 </a:r>
-                <a:r>
-                  <a:rPr lang="en-SG" dirty="0"/>
-                  <a:t>:index for processes </a:t>
-                </a:r>
-                <a:r>
-                  <a:rPr lang="en-SG" b="0" dirty="0">
-                    <a:latin typeface="Cambria Math" panose="02040503050406030204" pitchFamily="18" charset="0"/>
-                  </a:rPr>
-                  <a:t> </a:t>
-                </a:r>
-                <a:r>
-                  <a:rPr lang="en-SG" dirty="0"/>
-                  <a:t>of the country (i.e. extraction, manufacturing. etc).</a:t>
-                </a:r>
+                <a:endParaRPr lang="en-SG" sz="1800" dirty="0">
+                  <a:effectLst/>
+                  <a:latin typeface="Calibri" panose="020F0502020204030204" pitchFamily="34" charset="0"/>
+                  <a:ea typeface="Calibri" panose="020F0502020204030204" pitchFamily="34" charset="0"/>
+                  <a:cs typeface="Times New Roman" panose="02020603050405020304" pitchFamily="18" charset="0"/>
+                </a:endParaRPr>
               </a:p>
               <a:p>
-                <a:pPr marL="342900" indent="-342900" algn="l">
-                  <a:buFont typeface="Arial" panose="020B0604020202020204" pitchFamily="34" charset="0"/>
-                  <a:buChar char="•"/>
+                <a:pPr marL="342900" lvl="0" indent="-342900" algn="l">
+                  <a:lnSpc>
+                    <a:spcPct val="107000"/>
+                  </a:lnSpc>
+                  <a:buFont typeface="Symbol" panose="05050102010706020507" pitchFamily="18" charset="2"/>
+                  <a:buChar char=""/>
                 </a:pPr>
                 <a:r>
-                  <a:rPr lang="en-SG" dirty="0">
-                    <a:latin typeface="Cambria Math" panose="02040503050406030204" pitchFamily="18" charset="0"/>
+                  <a:rPr lang="en-GB" sz="1800" dirty="0">
+                    <a:solidFill>
+                      <a:srgbClr val="000000"/>
+                    </a:solidFill>
+                    <a:effectLst/>
+                    <a:latin typeface="Calibri" panose="020F0502020204030204" pitchFamily="34" charset="0"/>
+                    <a:ea typeface="Calibri" panose="020F0502020204030204" pitchFamily="34" charset="0"/>
+                    <a:cs typeface="Calibri" panose="020F0502020204030204" pitchFamily="34" charset="0"/>
                   </a:rPr>
-                  <a:t>e</a:t>
+                  <a:t>e: index for processes from which goods are exported.</a:t>
                 </a:r>
-                <a:r>
-                  <a:rPr lang="en-SG" dirty="0"/>
-                  <a:t>: index for processes from which goods are exported.</a:t>
-                </a:r>
+                <a:endParaRPr lang="en-SG" sz="1800" dirty="0">
+                  <a:effectLst/>
+                  <a:latin typeface="Calibri" panose="020F0502020204030204" pitchFamily="34" charset="0"/>
+                  <a:ea typeface="Calibri" panose="020F0502020204030204" pitchFamily="34" charset="0"/>
+                  <a:cs typeface="Times New Roman" panose="02020603050405020304" pitchFamily="18" charset="0"/>
+                </a:endParaRPr>
               </a:p>
               <a:p>
-                <a:pPr marL="342900" indent="-342900" algn="l">
-                  <a:buFont typeface="Arial" panose="020B0604020202020204" pitchFamily="34" charset="0"/>
-                  <a:buChar char="•"/>
+                <a:pPr marL="342900" lvl="0" indent="-342900" algn="l">
+                  <a:lnSpc>
+                    <a:spcPct val="107000"/>
+                  </a:lnSpc>
+                  <a:buFont typeface="Symbol" panose="05050102010706020507" pitchFamily="18" charset="2"/>
+                  <a:buChar char=""/>
                 </a:pPr>
                 <a:r>
-                  <a:rPr lang="en-SG" dirty="0">
-                    <a:latin typeface="Cambria Math" panose="02040503050406030204" pitchFamily="18" charset="0"/>
+                  <a:rPr lang="en-GB" sz="1800" dirty="0">
+                    <a:solidFill>
+                      <a:srgbClr val="000000"/>
+                    </a:solidFill>
+                    <a:effectLst/>
+                    <a:latin typeface="Calibri" panose="020F0502020204030204" pitchFamily="34" charset="0"/>
+                    <a:ea typeface="Calibri" panose="020F0502020204030204" pitchFamily="34" charset="0"/>
+                    <a:cs typeface="Calibri" panose="020F0502020204030204" pitchFamily="34" charset="0"/>
                   </a:rPr>
-                  <a:t>j</a:t>
+                  <a:t>j: index for processes from which goods are imported from another region.</a:t>
                 </a:r>
-                <a:r>
-                  <a:rPr lang="en-SG" dirty="0"/>
-                  <a:t>: index for processes from which goods are imported from another country.</a:t>
-                </a:r>
+                <a:endParaRPr lang="en-SG" sz="1800" dirty="0">
+                  <a:effectLst/>
+                  <a:latin typeface="Calibri" panose="020F0502020204030204" pitchFamily="34" charset="0"/>
+                  <a:ea typeface="Calibri" panose="020F0502020204030204" pitchFamily="34" charset="0"/>
+                  <a:cs typeface="Times New Roman" panose="02020603050405020304" pitchFamily="18" charset="0"/>
+                </a:endParaRPr>
               </a:p>
               <a:p>
-                <a:pPr marL="342900" indent="-342900" algn="l">
-                  <a:buFont typeface="Arial" panose="020B0604020202020204" pitchFamily="34" charset="0"/>
-                  <a:buChar char="•"/>
+                <a:pPr marL="342900" lvl="0" indent="-342900" algn="l">
+                  <a:lnSpc>
+                    <a:spcPct val="107000"/>
+                  </a:lnSpc>
+                  <a:buFont typeface="Symbol" panose="05050102010706020507" pitchFamily="18" charset="2"/>
+                  <a:buChar char=""/>
                 </a:pPr>
                 <a:r>
-                  <a:rPr lang="en-SG" dirty="0"/>
-                  <a:t>d: index for countries which goods are imported from</a:t>
+                  <a:rPr lang="en-GB" sz="1800" dirty="0">
+                    <a:solidFill>
+                      <a:srgbClr val="000000"/>
+                    </a:solidFill>
+                    <a:effectLst/>
+                    <a:latin typeface="Calibri" panose="020F0502020204030204" pitchFamily="34" charset="0"/>
+                    <a:ea typeface="Calibri" panose="020F0502020204030204" pitchFamily="34" charset="0"/>
+                    <a:cs typeface="Calibri" panose="020F0502020204030204" pitchFamily="34" charset="0"/>
+                  </a:rPr>
+                  <a:t>d: index for region from which goods are imported from.</a:t>
                 </a:r>
+                <a:endParaRPr lang="en-SG" sz="1800" dirty="0">
+                  <a:effectLst/>
+                  <a:latin typeface="Calibri" panose="020F0502020204030204" pitchFamily="34" charset="0"/>
+                  <a:ea typeface="Calibri" panose="020F0502020204030204" pitchFamily="34" charset="0"/>
+                  <a:cs typeface="Times New Roman" panose="02020603050405020304" pitchFamily="18" charset="0"/>
+                </a:endParaRPr>
               </a:p>
               <a:p>
-                <a:pPr marL="342900" indent="-342900" algn="l">
-                  <a:buFont typeface="Arial" panose="020B0604020202020204" pitchFamily="34" charset="0"/>
-                  <a:buChar char="•"/>
+                <a:pPr marL="342900" lvl="0" indent="-342900" algn="l">
+                  <a:lnSpc>
+                    <a:spcPct val="107000"/>
+                  </a:lnSpc>
+                  <a:buFont typeface="Symbol" panose="05050102010706020507" pitchFamily="18" charset="2"/>
+                  <a:buChar char=""/>
                 </a:pPr>
                 <a14:m>
                   <m:oMath xmlns:m="http://schemas.openxmlformats.org/officeDocument/2006/math">
                     <m:sSub>
                       <m:sSubPr>
                         <m:ctrlPr>
-                          <a:rPr lang="en-SG" b="0" i="1" smtClean="0">
+                          <a:rPr lang="en-SG" sz="1800" i="1">
+                            <a:solidFill>
+                              <a:srgbClr val="000000"/>
+                            </a:solidFill>
+                            <a:effectLst/>
                             <a:latin typeface="Cambria Math" panose="02040503050406030204" pitchFamily="18" charset="0"/>
+                            <a:ea typeface="Calibri" panose="020F0502020204030204" pitchFamily="34" charset="0"/>
+                            <a:cs typeface="Calibri" panose="020F0502020204030204" pitchFamily="34" charset="0"/>
                           </a:rPr>
                         </m:ctrlPr>
                       </m:sSubPr>
                       <m:e>
                         <m:r>
-                          <a:rPr lang="en-SG" b="0" i="1" smtClean="0">
+                          <a:rPr lang="en-GB" sz="1800" i="1">
+                            <a:solidFill>
+                              <a:srgbClr val="000000"/>
+                            </a:solidFill>
+                            <a:effectLst/>
                             <a:latin typeface="Cambria Math" panose="02040503050406030204" pitchFamily="18" charset="0"/>
+                            <a:ea typeface="Calibri" panose="020F0502020204030204" pitchFamily="34" charset="0"/>
+                            <a:cs typeface="Calibri" panose="020F0502020204030204" pitchFamily="34" charset="0"/>
                           </a:rPr>
                           <m:t>𝑐</m:t>
                         </m:r>
                       </m:e>
                       <m:sub>
                         <m:r>
-                          <a:rPr lang="en-SG" b="0" i="1" smtClean="0">
+                          <a:rPr lang="en-GB" sz="1800" i="1">
+                            <a:solidFill>
+                              <a:srgbClr val="000000"/>
+                            </a:solidFill>
+                            <a:effectLst/>
                             <a:latin typeface="Cambria Math" panose="02040503050406030204" pitchFamily="18" charset="0"/>
+                            <a:ea typeface="Calibri" panose="020F0502020204030204" pitchFamily="34" charset="0"/>
+                            <a:cs typeface="Calibri" panose="020F0502020204030204" pitchFamily="34" charset="0"/>
                           </a:rPr>
                           <m:t>𝑖</m:t>
                         </m:r>
                         <m:r>
-                          <a:rPr lang="en-SG" b="0" i="1" smtClean="0">
+                          <a:rPr lang="en-GB" sz="1800" i="1">
+                            <a:solidFill>
+                              <a:srgbClr val="000000"/>
+                            </a:solidFill>
+                            <a:effectLst/>
                             <a:latin typeface="Cambria Math" panose="02040503050406030204" pitchFamily="18" charset="0"/>
+                            <a:ea typeface="Calibri" panose="020F0502020204030204" pitchFamily="34" charset="0"/>
+                            <a:cs typeface="Calibri" panose="020F0502020204030204" pitchFamily="34" charset="0"/>
                           </a:rPr>
                           <m:t>,</m:t>
                         </m:r>
                         <m:r>
-                          <a:rPr lang="en-SG" b="0" i="1" smtClean="0">
+                          <a:rPr lang="en-GB" sz="1800" i="1">
+                            <a:solidFill>
+                              <a:srgbClr val="000000"/>
+                            </a:solidFill>
+                            <a:effectLst/>
                             <a:latin typeface="Cambria Math" panose="02040503050406030204" pitchFamily="18" charset="0"/>
+                            <a:ea typeface="Calibri" panose="020F0502020204030204" pitchFamily="34" charset="0"/>
+                            <a:cs typeface="Calibri" panose="020F0502020204030204" pitchFamily="34" charset="0"/>
                           </a:rPr>
                           <m:t>𝑛</m:t>
                         </m:r>
@@ -23850,93 +21010,424 @@
                   </m:oMath>
                 </a14:m>
                 <a:r>
-                  <a:rPr lang="en-SG" dirty="0"/>
-                  <a:t>:Production costs process </a:t>
+                  <a:rPr lang="en-GB" sz="1800" dirty="0">
+                    <a:solidFill>
+                      <a:srgbClr val="000000"/>
+                    </a:solidFill>
+                    <a:effectLst/>
+                    <a:latin typeface="Calibri" panose="020F0502020204030204" pitchFamily="34" charset="0"/>
+                    <a:ea typeface="SimSun" panose="02010600030101010101" pitchFamily="2" charset="-122"/>
+                    <a:cs typeface="Times New Roman" panose="02020603050405020304" pitchFamily="18" charset="0"/>
+                  </a:rPr>
+                  <a:t>: </a:t>
                 </a:r>
                 <a:r>
-                  <a:rPr lang="en-SG" dirty="0" err="1"/>
+                  <a:rPr lang="en-GB" sz="1800" dirty="0">
+                    <a:solidFill>
+                      <a:srgbClr val="000000"/>
+                    </a:solidFill>
+                    <a:effectLst/>
+                    <a:latin typeface="Calibri" panose="020F0502020204030204" pitchFamily="34" charset="0"/>
+                    <a:ea typeface="Calibri" panose="020F0502020204030204" pitchFamily="34" charset="0"/>
+                    <a:cs typeface="Calibri" panose="020F0502020204030204" pitchFamily="34" charset="0"/>
+                  </a:rPr>
+                  <a:t>Production costs process </a:t>
+                </a:r>
+                <a:r>
+                  <a:rPr lang="en-GB" sz="1800" dirty="0" err="1">
+                    <a:solidFill>
+                      <a:srgbClr val="000000"/>
+                    </a:solidFill>
+                    <a:effectLst/>
+                    <a:latin typeface="Calibri" panose="020F0502020204030204" pitchFamily="34" charset="0"/>
+                    <a:ea typeface="Calibri" panose="020F0502020204030204" pitchFamily="34" charset="0"/>
+                    <a:cs typeface="Calibri" panose="020F0502020204030204" pitchFamily="34" charset="0"/>
+                  </a:rPr>
                   <a:t>i</a:t>
                 </a:r>
                 <a:r>
-                  <a:rPr lang="en-SG" dirty="0"/>
+                  <a:rPr lang="en-GB" sz="1800" dirty="0">
+                    <a:solidFill>
+                      <a:srgbClr val="000000"/>
+                    </a:solidFill>
+                    <a:effectLst/>
+                    <a:latin typeface="Calibri" panose="020F0502020204030204" pitchFamily="34" charset="0"/>
+                    <a:ea typeface="Calibri" panose="020F0502020204030204" pitchFamily="34" charset="0"/>
+                    <a:cs typeface="Calibri" panose="020F0502020204030204" pitchFamily="34" charset="0"/>
+                  </a:rPr>
                   <a:t> for producing 1 unit product for the process n.</a:t>
                 </a:r>
+                <a:endParaRPr lang="en-SG" sz="1800" dirty="0">
+                  <a:effectLst/>
+                  <a:latin typeface="Calibri" panose="020F0502020204030204" pitchFamily="34" charset="0"/>
+                  <a:ea typeface="Calibri" panose="020F0502020204030204" pitchFamily="34" charset="0"/>
+                  <a:cs typeface="Times New Roman" panose="02020603050405020304" pitchFamily="18" charset="0"/>
+                </a:endParaRPr>
               </a:p>
               <a:p>
-                <a:pPr marL="342900" indent="-342900" algn="l">
-                  <a:buFont typeface="Arial" panose="020B0604020202020204" pitchFamily="34" charset="0"/>
-                  <a:buChar char="•"/>
+                <a:pPr marL="342900" lvl="0" indent="-342900" algn="l">
+                  <a:lnSpc>
+                    <a:spcPct val="107000"/>
+                  </a:lnSpc>
+                  <a:buFont typeface="Symbol" panose="05050102010706020507" pitchFamily="18" charset="2"/>
+                  <a:buChar char=""/>
                 </a:pPr>
                 <a14:m>
                   <m:oMath xmlns:m="http://schemas.openxmlformats.org/officeDocument/2006/math">
                     <m:sSub>
                       <m:sSubPr>
                         <m:ctrlPr>
-                          <a:rPr lang="en-SG" b="0" i="1" smtClean="0">
+                          <a:rPr lang="en-SG" sz="1800" i="1">
+                            <a:solidFill>
+                              <a:srgbClr val="000000"/>
+                            </a:solidFill>
+                            <a:effectLst/>
                             <a:latin typeface="Cambria Math" panose="02040503050406030204" pitchFamily="18" charset="0"/>
+                            <a:ea typeface="SimSun" panose="02010600030101010101" pitchFamily="2" charset="-122"/>
+                            <a:cs typeface="Calibri" panose="020F0502020204030204" pitchFamily="34" charset="0"/>
                           </a:rPr>
                         </m:ctrlPr>
                       </m:sSubPr>
                       <m:e>
                         <m:r>
-                          <a:rPr lang="en-SG" b="0" i="1" smtClean="0">
+                          <a:rPr lang="en-GB" sz="1800" i="1">
+                            <a:solidFill>
+                              <a:srgbClr val="000000"/>
+                            </a:solidFill>
+                            <a:effectLst/>
                             <a:latin typeface="Cambria Math" panose="02040503050406030204" pitchFamily="18" charset="0"/>
+                            <a:ea typeface="Calibri" panose="020F0502020204030204" pitchFamily="34" charset="0"/>
+                            <a:cs typeface="Calibri" panose="020F0502020204030204" pitchFamily="34" charset="0"/>
                           </a:rPr>
                           <m:t>𝑀</m:t>
                         </m:r>
                       </m:e>
                       <m:sub>
                         <m:r>
-                          <a:rPr lang="en-SG" b="0" i="1" smtClean="0">
+                          <a:rPr lang="en-GB" sz="1800" i="1">
+                            <a:solidFill>
+                              <a:srgbClr val="000000"/>
+                            </a:solidFill>
+                            <a:effectLst/>
                             <a:latin typeface="Cambria Math" panose="02040503050406030204" pitchFamily="18" charset="0"/>
+                            <a:ea typeface="SimSun" panose="02010600030101010101" pitchFamily="2" charset="-122"/>
+                            <a:cs typeface="Calibri" panose="020F0502020204030204" pitchFamily="34" charset="0"/>
                           </a:rPr>
                           <m:t>𝑖</m:t>
                         </m:r>
                         <m:r>
-                          <a:rPr lang="en-SG" b="0" i="1" smtClean="0">
+                          <a:rPr lang="en-GB" sz="1800" i="1">
+                            <a:solidFill>
+                              <a:srgbClr val="000000"/>
+                            </a:solidFill>
+                            <a:effectLst/>
                             <a:latin typeface="Cambria Math" panose="02040503050406030204" pitchFamily="18" charset="0"/>
+                            <a:ea typeface="SimSun" panose="02010600030101010101" pitchFamily="2" charset="-122"/>
+                            <a:cs typeface="Calibri" panose="020F0502020204030204" pitchFamily="34" charset="0"/>
                           </a:rPr>
-                          <m:t>/</m:t>
+                          <m:t>,</m:t>
                         </m:r>
                         <m:r>
-                          <a:rPr lang="en-SG" b="0" i="1" smtClean="0">
+                          <a:rPr lang="en-GB" sz="1800" i="1">
+                            <a:solidFill>
+                              <a:srgbClr val="000000"/>
+                            </a:solidFill>
+                            <a:effectLst/>
                             <a:latin typeface="Cambria Math" panose="02040503050406030204" pitchFamily="18" charset="0"/>
+                            <a:ea typeface="SimSun" panose="02010600030101010101" pitchFamily="2" charset="-122"/>
+                            <a:cs typeface="Calibri" panose="020F0502020204030204" pitchFamily="34" charset="0"/>
+                          </a:rPr>
+                          <m:t>𝑛</m:t>
+                        </m:r>
+                      </m:sub>
+                    </m:sSub>
+                  </m:oMath>
+                </a14:m>
+                <a:r>
+                  <a:rPr lang="en-GB" sz="1800" dirty="0">
+                    <a:solidFill>
+                      <a:srgbClr val="000000"/>
+                    </a:solidFill>
+                    <a:effectLst/>
+                    <a:latin typeface="Calibri" panose="020F0502020204030204" pitchFamily="34" charset="0"/>
+                    <a:ea typeface="Calibri" panose="020F0502020204030204" pitchFamily="34" charset="0"/>
+                    <a:cs typeface="Calibri" panose="020F0502020204030204" pitchFamily="34" charset="0"/>
+                  </a:rPr>
+                  <a:t>: Total number of unit outputs produced locally in process n of the local country </a:t>
+                </a:r>
+                <a:r>
+                  <a:rPr lang="en-GB" sz="1800" dirty="0" err="1">
+                    <a:solidFill>
+                      <a:srgbClr val="000000"/>
+                    </a:solidFill>
+                    <a:effectLst/>
+                    <a:latin typeface="Calibri" panose="020F0502020204030204" pitchFamily="34" charset="0"/>
+                    <a:ea typeface="Calibri" panose="020F0502020204030204" pitchFamily="34" charset="0"/>
+                    <a:cs typeface="Calibri" panose="020F0502020204030204" pitchFamily="34" charset="0"/>
+                  </a:rPr>
+                  <a:t>i</a:t>
+                </a:r>
+                <a:r>
+                  <a:rPr lang="en-GB" sz="1800" dirty="0">
+                    <a:solidFill>
+                      <a:srgbClr val="000000"/>
+                    </a:solidFill>
+                    <a:effectLst/>
+                    <a:latin typeface="Calibri" panose="020F0502020204030204" pitchFamily="34" charset="0"/>
+                    <a:ea typeface="Calibri" panose="020F0502020204030204" pitchFamily="34" charset="0"/>
+                    <a:cs typeface="Calibri" panose="020F0502020204030204" pitchFamily="34" charset="0"/>
+                  </a:rPr>
+                  <a:t>.</a:t>
+                </a:r>
+                <a:endParaRPr lang="en-SG" sz="1800" dirty="0">
+                  <a:effectLst/>
+                  <a:latin typeface="Calibri" panose="020F0502020204030204" pitchFamily="34" charset="0"/>
+                  <a:ea typeface="Calibri" panose="020F0502020204030204" pitchFamily="34" charset="0"/>
+                  <a:cs typeface="Times New Roman" panose="02020603050405020304" pitchFamily="18" charset="0"/>
+                </a:endParaRPr>
+              </a:p>
+              <a:p>
+                <a:pPr marL="342900" lvl="0" indent="-342900" algn="l">
+                  <a:lnSpc>
+                    <a:spcPct val="107000"/>
+                  </a:lnSpc>
+                  <a:buFont typeface="Symbol" panose="05050102010706020507" pitchFamily="18" charset="2"/>
+                  <a:buChar char=""/>
+                </a:pPr>
+                <a14:m>
+                  <m:oMath xmlns:m="http://schemas.openxmlformats.org/officeDocument/2006/math">
+                    <m:sSub>
+                      <m:sSubPr>
+                        <m:ctrlPr>
+                          <a:rPr lang="en-SG" sz="1800" i="1">
+                            <a:solidFill>
+                              <a:srgbClr val="000000"/>
+                            </a:solidFill>
+                            <a:effectLst/>
+                            <a:latin typeface="Cambria Math" panose="02040503050406030204" pitchFamily="18" charset="0"/>
+                            <a:ea typeface="Calibri" panose="020F0502020204030204" pitchFamily="34" charset="0"/>
+                            <a:cs typeface="Calibri" panose="020F0502020204030204" pitchFamily="34" charset="0"/>
+                          </a:rPr>
+                        </m:ctrlPr>
+                      </m:sSubPr>
+                      <m:e>
+                        <m:r>
+                          <a:rPr lang="en-GB" sz="1800" i="1">
+                            <a:solidFill>
+                              <a:srgbClr val="000000"/>
+                            </a:solidFill>
+                            <a:effectLst/>
+                            <a:latin typeface="Cambria Math" panose="02040503050406030204" pitchFamily="18" charset="0"/>
+                            <a:ea typeface="Calibri" panose="020F0502020204030204" pitchFamily="34" charset="0"/>
+                            <a:cs typeface="Calibri" panose="020F0502020204030204" pitchFamily="34" charset="0"/>
+                          </a:rPr>
+                          <m:t>𝑇</m:t>
+                        </m:r>
+                      </m:e>
+                      <m:sub>
+                        <m:r>
+                          <a:rPr lang="en-GB" sz="1800" i="1">
+                            <a:solidFill>
+                              <a:srgbClr val="000000"/>
+                            </a:solidFill>
+                            <a:effectLst/>
+                            <a:latin typeface="Cambria Math" panose="02040503050406030204" pitchFamily="18" charset="0"/>
+                            <a:ea typeface="Calibri" panose="020F0502020204030204" pitchFamily="34" charset="0"/>
+                            <a:cs typeface="Calibri" panose="020F0502020204030204" pitchFamily="34" charset="0"/>
+                          </a:rPr>
+                          <m:t>𝑜𝑢𝑡</m:t>
+                        </m:r>
+                        <m:r>
+                          <a:rPr lang="en-GB" sz="1800" i="1">
+                            <a:solidFill>
+                              <a:srgbClr val="000000"/>
+                            </a:solidFill>
+                            <a:effectLst/>
+                            <a:latin typeface="Cambria Math" panose="02040503050406030204" pitchFamily="18" charset="0"/>
+                            <a:ea typeface="Calibri" panose="020F0502020204030204" pitchFamily="34" charset="0"/>
+                            <a:cs typeface="Calibri" panose="020F0502020204030204" pitchFamily="34" charset="0"/>
+                          </a:rPr>
+                          <m:t>,</m:t>
+                        </m:r>
+                        <m:r>
+                          <a:rPr lang="en-GB" sz="1800" i="1">
+                            <a:solidFill>
+                              <a:srgbClr val="000000"/>
+                            </a:solidFill>
+                            <a:effectLst/>
+                            <a:latin typeface="Cambria Math" panose="02040503050406030204" pitchFamily="18" charset="0"/>
+                            <a:ea typeface="Calibri" panose="020F0502020204030204" pitchFamily="34" charset="0"/>
+                            <a:cs typeface="Calibri" panose="020F0502020204030204" pitchFamily="34" charset="0"/>
+                          </a:rPr>
+                          <m:t>𝑖</m:t>
+                        </m:r>
+                        <m:r>
+                          <a:rPr lang="en-GB" sz="1800" i="1">
+                            <a:solidFill>
+                              <a:srgbClr val="000000"/>
+                            </a:solidFill>
+                            <a:effectLst/>
+                            <a:latin typeface="Cambria Math" panose="02040503050406030204" pitchFamily="18" charset="0"/>
+                            <a:ea typeface="Calibri" panose="020F0502020204030204" pitchFamily="34" charset="0"/>
+                            <a:cs typeface="Calibri" panose="020F0502020204030204" pitchFamily="34" charset="0"/>
+                          </a:rPr>
+                          <m:t>,</m:t>
+                        </m:r>
+                        <m:r>
+                          <a:rPr lang="en-GB" sz="1800" i="1">
+                            <a:solidFill>
+                              <a:srgbClr val="000000"/>
+                            </a:solidFill>
+                            <a:effectLst/>
+                            <a:latin typeface="Cambria Math" panose="02040503050406030204" pitchFamily="18" charset="0"/>
+                            <a:ea typeface="Calibri" panose="020F0502020204030204" pitchFamily="34" charset="0"/>
+                            <a:cs typeface="Calibri" panose="020F0502020204030204" pitchFamily="34" charset="0"/>
+                          </a:rPr>
+                          <m:t>𝑒</m:t>
+                        </m:r>
+                      </m:sub>
+                    </m:sSub>
+                  </m:oMath>
+                </a14:m>
+                <a:r>
+                  <a:rPr lang="en-GB" sz="1800" dirty="0">
+                    <a:solidFill>
+                      <a:srgbClr val="000000"/>
+                    </a:solidFill>
+                    <a:effectLst/>
+                    <a:latin typeface="Calibri" panose="020F0502020204030204" pitchFamily="34" charset="0"/>
+                    <a:ea typeface="SimSun" panose="02010600030101010101" pitchFamily="2" charset="-122"/>
+                    <a:cs typeface="Calibri" panose="020F0502020204030204" pitchFamily="34" charset="0"/>
+                  </a:rPr>
+                  <a:t>: Total number of units being exported by the local region </a:t>
+                </a:r>
+                <a:r>
+                  <a:rPr lang="en-GB" sz="1800" dirty="0" err="1">
+                    <a:solidFill>
+                      <a:srgbClr val="000000"/>
+                    </a:solidFill>
+                    <a:effectLst/>
+                    <a:latin typeface="Calibri" panose="020F0502020204030204" pitchFamily="34" charset="0"/>
+                    <a:ea typeface="SimSun" panose="02010600030101010101" pitchFamily="2" charset="-122"/>
+                    <a:cs typeface="Calibri" panose="020F0502020204030204" pitchFamily="34" charset="0"/>
+                  </a:rPr>
+                  <a:t>i</a:t>
+                </a:r>
+                <a:r>
+                  <a:rPr lang="en-GB" sz="1800" dirty="0">
+                    <a:solidFill>
+                      <a:srgbClr val="000000"/>
+                    </a:solidFill>
+                    <a:effectLst/>
+                    <a:latin typeface="Calibri" panose="020F0502020204030204" pitchFamily="34" charset="0"/>
+                    <a:ea typeface="SimSun" panose="02010600030101010101" pitchFamily="2" charset="-122"/>
+                    <a:cs typeface="Calibri" panose="020F0502020204030204" pitchFamily="34" charset="0"/>
+                  </a:rPr>
+                  <a:t> from process e.</a:t>
+                </a:r>
+                <a:endParaRPr lang="en-SG" sz="1800" dirty="0">
+                  <a:effectLst/>
+                  <a:latin typeface="Calibri" panose="020F0502020204030204" pitchFamily="34" charset="0"/>
+                  <a:ea typeface="Calibri" panose="020F0502020204030204" pitchFamily="34" charset="0"/>
+                  <a:cs typeface="Times New Roman" panose="02020603050405020304" pitchFamily="18" charset="0"/>
+                </a:endParaRPr>
+              </a:p>
+              <a:p>
+                <a:pPr marL="342900" lvl="0" indent="-342900" algn="l">
+                  <a:lnSpc>
+                    <a:spcPct val="107000"/>
+                  </a:lnSpc>
+                  <a:buFont typeface="Symbol" panose="05050102010706020507" pitchFamily="18" charset="2"/>
+                  <a:buChar char=""/>
+                </a:pPr>
+                <a14:m>
+                  <m:oMath xmlns:m="http://schemas.openxmlformats.org/officeDocument/2006/math">
+                    <m:sSub>
+                      <m:sSubPr>
+                        <m:ctrlPr>
+                          <a:rPr lang="en-SG" sz="1800" i="1">
+                            <a:solidFill>
+                              <a:srgbClr val="000000"/>
+                            </a:solidFill>
+                            <a:effectLst/>
+                            <a:latin typeface="Cambria Math" panose="02040503050406030204" pitchFamily="18" charset="0"/>
+                            <a:ea typeface="Calibri" panose="020F0502020204030204" pitchFamily="34" charset="0"/>
+                            <a:cs typeface="Calibri" panose="020F0502020204030204" pitchFamily="34" charset="0"/>
+                          </a:rPr>
+                        </m:ctrlPr>
+                      </m:sSubPr>
+                      <m:e>
+                        <m:r>
+                          <a:rPr lang="en-GB" sz="1800" i="1">
+                            <a:solidFill>
+                              <a:srgbClr val="000000"/>
+                            </a:solidFill>
+                            <a:effectLst/>
+                            <a:latin typeface="Cambria Math" panose="02040503050406030204" pitchFamily="18" charset="0"/>
+                            <a:ea typeface="Calibri" panose="020F0502020204030204" pitchFamily="34" charset="0"/>
+                            <a:cs typeface="Calibri" panose="020F0502020204030204" pitchFamily="34" charset="0"/>
+                          </a:rPr>
+                          <m:t>𝑇</m:t>
+                        </m:r>
+                      </m:e>
+                      <m:sub>
+                        <m:r>
+                          <a:rPr lang="en-GB" sz="1800" i="1">
+                            <a:solidFill>
+                              <a:srgbClr val="000000"/>
+                            </a:solidFill>
+                            <a:effectLst/>
+                            <a:latin typeface="Cambria Math" panose="02040503050406030204" pitchFamily="18" charset="0"/>
+                            <a:ea typeface="Calibri" panose="020F0502020204030204" pitchFamily="34" charset="0"/>
+                            <a:cs typeface="Calibri" panose="020F0502020204030204" pitchFamily="34" charset="0"/>
+                          </a:rPr>
+                          <m:t>𝑖𝑛</m:t>
+                        </m:r>
+                        <m:r>
+                          <a:rPr lang="en-GB" sz="1800" i="1">
+                            <a:solidFill>
+                              <a:srgbClr val="000000"/>
+                            </a:solidFill>
+                            <a:effectLst/>
+                            <a:latin typeface="Cambria Math" panose="02040503050406030204" pitchFamily="18" charset="0"/>
+                            <a:ea typeface="Calibri" panose="020F0502020204030204" pitchFamily="34" charset="0"/>
+                            <a:cs typeface="Calibri" panose="020F0502020204030204" pitchFamily="34" charset="0"/>
+                          </a:rPr>
+                          <m:t>,</m:t>
+                        </m:r>
+                        <m:r>
+                          <a:rPr lang="en-GB" sz="1800" i="1">
+                            <a:solidFill>
+                              <a:srgbClr val="000000"/>
+                            </a:solidFill>
+                            <a:effectLst/>
+                            <a:latin typeface="Cambria Math" panose="02040503050406030204" pitchFamily="18" charset="0"/>
+                            <a:ea typeface="Calibri" panose="020F0502020204030204" pitchFamily="34" charset="0"/>
+                            <a:cs typeface="Calibri" panose="020F0502020204030204" pitchFamily="34" charset="0"/>
                           </a:rPr>
                           <m:t>𝑑</m:t>
                         </m:r>
                         <m:r>
-                          <a:rPr lang="en-SG" b="0" i="1" smtClean="0">
+                          <a:rPr lang="en-GB" sz="1800" i="1">
+                            <a:solidFill>
+                              <a:srgbClr val="000000"/>
+                            </a:solidFill>
+                            <a:effectLst/>
                             <a:latin typeface="Cambria Math" panose="02040503050406030204" pitchFamily="18" charset="0"/>
+                            <a:ea typeface="Calibri" panose="020F0502020204030204" pitchFamily="34" charset="0"/>
+                            <a:cs typeface="Calibri" panose="020F0502020204030204" pitchFamily="34" charset="0"/>
                           </a:rPr>
                           <m:t>,</m:t>
                         </m:r>
                         <m:r>
-                          <a:rPr lang="en-SG" b="0" i="1" smtClean="0">
+                          <a:rPr lang="en-GB" sz="1800" i="1">
+                            <a:solidFill>
+                              <a:srgbClr val="000000"/>
+                            </a:solidFill>
+                            <a:effectLst/>
                             <a:latin typeface="Cambria Math" panose="02040503050406030204" pitchFamily="18" charset="0"/>
-                          </a:rPr>
-                          <m:t>𝑛</m:t>
-                        </m:r>
-                        <m:r>
-                          <a:rPr lang="en-SG" b="0" i="1" smtClean="0">
-                            <a:latin typeface="Cambria Math" panose="02040503050406030204" pitchFamily="18" charset="0"/>
-                          </a:rPr>
-                          <m:t>/</m:t>
-                        </m:r>
-                        <m:r>
-                          <a:rPr lang="en-SG" b="0" i="1" smtClean="0">
-                            <a:latin typeface="Cambria Math" panose="02040503050406030204" pitchFamily="18" charset="0"/>
-                          </a:rPr>
-                          <m:t>𝑒</m:t>
-                        </m:r>
-                        <m:r>
-                          <a:rPr lang="en-SG" b="0" i="1" smtClean="0">
-                            <a:latin typeface="Cambria Math" panose="02040503050406030204" pitchFamily="18" charset="0"/>
-                          </a:rPr>
-                          <m:t>/</m:t>
-                        </m:r>
-                        <m:r>
-                          <a:rPr lang="en-SG" b="0" i="1" smtClean="0">
-                            <a:latin typeface="Cambria Math" panose="02040503050406030204" pitchFamily="18" charset="0"/>
+                            <a:ea typeface="Calibri" panose="020F0502020204030204" pitchFamily="34" charset="0"/>
+                            <a:cs typeface="Calibri" panose="020F0502020204030204" pitchFamily="34" charset="0"/>
                           </a:rPr>
                           <m:t>𝑗</m:t>
                         </m:r>
@@ -23945,81 +21436,120 @@
                   </m:oMath>
                 </a14:m>
                 <a:r>
-                  <a:rPr lang="en-SG" dirty="0"/>
-                  <a:t>: Total number of unit outputs produced in process n/e/j in country </a:t>
+                  <a:rPr lang="en-GB" sz="1800" dirty="0">
+                    <a:solidFill>
+                      <a:srgbClr val="000000"/>
+                    </a:solidFill>
+                    <a:effectLst/>
+                    <a:latin typeface="Calibri" panose="020F0502020204030204" pitchFamily="34" charset="0"/>
+                    <a:ea typeface="SimSun" panose="02010600030101010101" pitchFamily="2" charset="-122"/>
+                    <a:cs typeface="Calibri" panose="020F0502020204030204" pitchFamily="34" charset="0"/>
+                  </a:rPr>
+                  <a:t>: Total number of units being imported from another region d from process j</a:t>
                 </a:r>
-                <a:r>
-                  <a:rPr lang="en-SG" dirty="0" err="1"/>
-                  <a:t>i</a:t>
-                </a:r>
-                <a:r>
-                  <a:rPr lang="en-SG" dirty="0"/>
-                  <a:t>/d.</a:t>
-                </a:r>
+                <a:endParaRPr lang="en-SG" sz="1800" dirty="0">
+                  <a:effectLst/>
+                  <a:latin typeface="Calibri" panose="020F0502020204030204" pitchFamily="34" charset="0"/>
+                  <a:ea typeface="Calibri" panose="020F0502020204030204" pitchFamily="34" charset="0"/>
+                  <a:cs typeface="Times New Roman" panose="02020603050405020304" pitchFamily="18" charset="0"/>
+                </a:endParaRPr>
               </a:p>
               <a:p>
-                <a:pPr marL="342900" indent="-342900" algn="l">
-                  <a:buFont typeface="Arial" panose="020B0604020202020204" pitchFamily="34" charset="0"/>
-                  <a:buChar char="•"/>
+                <a:pPr marL="342900" lvl="0" indent="-342900" algn="l">
+                  <a:lnSpc>
+                    <a:spcPct val="107000"/>
+                  </a:lnSpc>
+                  <a:buFont typeface="Symbol" panose="05050102010706020507" pitchFamily="18" charset="2"/>
+                  <a:buChar char=""/>
                 </a:pPr>
                 <a14:m>
                   <m:oMath xmlns:m="http://schemas.openxmlformats.org/officeDocument/2006/math">
                     <m:sSub>
                       <m:sSubPr>
                         <m:ctrlPr>
-                          <a:rPr lang="en-SG" b="0" i="1" smtClean="0">
+                          <a:rPr lang="en-SG" sz="1800" i="1">
+                            <a:solidFill>
+                              <a:srgbClr val="000000"/>
+                            </a:solidFill>
+                            <a:effectLst/>
                             <a:latin typeface="Cambria Math" panose="02040503050406030204" pitchFamily="18" charset="0"/>
+                            <a:ea typeface="Calibri" panose="020F0502020204030204" pitchFamily="34" charset="0"/>
+                            <a:cs typeface="Calibri" panose="020F0502020204030204" pitchFamily="34" charset="0"/>
                           </a:rPr>
                         </m:ctrlPr>
                       </m:sSubPr>
                       <m:e>
                         <m:r>
-                          <a:rPr lang="en-SG" b="0" i="1" smtClean="0">
+                          <a:rPr lang="en-GB" sz="1800" i="1">
+                            <a:solidFill>
+                              <a:srgbClr val="000000"/>
+                            </a:solidFill>
+                            <a:effectLst/>
                             <a:latin typeface="Cambria Math" panose="02040503050406030204" pitchFamily="18" charset="0"/>
+                            <a:ea typeface="Calibri" panose="020F0502020204030204" pitchFamily="34" charset="0"/>
+                            <a:cs typeface="Calibri" panose="020F0502020204030204" pitchFamily="34" charset="0"/>
                           </a:rPr>
-                          <m:t>𝐸𝑥</m:t>
+                          <m:t>𝑟</m:t>
                         </m:r>
                       </m:e>
                       <m:sub>
                         <m:r>
-                          <a:rPr lang="en-SG" b="0" i="1" smtClean="0">
+                          <a:rPr lang="en-GB" sz="1800" i="1">
+                            <a:solidFill>
+                              <a:srgbClr val="000000"/>
+                            </a:solidFill>
+                            <a:effectLst/>
                             <a:latin typeface="Cambria Math" panose="02040503050406030204" pitchFamily="18" charset="0"/>
+                            <a:ea typeface="Calibri" panose="020F0502020204030204" pitchFamily="34" charset="0"/>
+                            <a:cs typeface="Calibri" panose="020F0502020204030204" pitchFamily="34" charset="0"/>
                           </a:rPr>
-                          <m:t>𝑐</m:t>
+                          <m:t>𝑜𝑢𝑡</m:t>
                         </m:r>
                         <m:r>
-                          <a:rPr lang="en-SG" b="0" i="1" smtClean="0">
+                          <a:rPr lang="en-GB" sz="1800" i="1">
+                            <a:solidFill>
+                              <a:srgbClr val="000000"/>
+                            </a:solidFill>
+                            <a:effectLst/>
                             <a:latin typeface="Cambria Math" panose="02040503050406030204" pitchFamily="18" charset="0"/>
+                            <a:ea typeface="Calibri" panose="020F0502020204030204" pitchFamily="34" charset="0"/>
+                            <a:cs typeface="Calibri" panose="020F0502020204030204" pitchFamily="34" charset="0"/>
                           </a:rPr>
-                          <m:t>/</m:t>
+                          <m:t>,</m:t>
                         </m:r>
                         <m:r>
-                          <a:rPr lang="en-SG" b="0" i="1" smtClean="0">
+                          <a:rPr lang="en-GB" sz="1800" i="1">
+                            <a:solidFill>
+                              <a:srgbClr val="000000"/>
+                            </a:solidFill>
+                            <a:effectLst/>
                             <a:latin typeface="Cambria Math" panose="02040503050406030204" pitchFamily="18" charset="0"/>
-                          </a:rPr>
-                          <m:t>𝑑</m:t>
-                        </m:r>
-                        <m:r>
-                          <a:rPr lang="en-SG" b="0" i="1" smtClean="0">
-                            <a:latin typeface="Cambria Math" panose="02040503050406030204" pitchFamily="18" charset="0"/>
-                          </a:rPr>
-                          <m:t> , </m:t>
-                        </m:r>
-                        <m:r>
-                          <a:rPr lang="en-SG" b="0" i="1" smtClean="0">
-                            <a:latin typeface="Cambria Math" panose="02040503050406030204" pitchFamily="18" charset="0"/>
+                            <a:ea typeface="Calibri" panose="020F0502020204030204" pitchFamily="34" charset="0"/>
+                            <a:cs typeface="Calibri" panose="020F0502020204030204" pitchFamily="34" charset="0"/>
                           </a:rPr>
                           <m:t>𝑖</m:t>
                         </m:r>
                         <m:r>
-                          <a:rPr lang="en-SG" b="0" i="1" smtClean="0">
+                          <a:rPr lang="en-GB" sz="1800" i="1">
+                            <a:solidFill>
+                              <a:srgbClr val="000000"/>
+                            </a:solidFill>
+                            <a:effectLst/>
                             <a:latin typeface="Cambria Math" panose="02040503050406030204" pitchFamily="18" charset="0"/>
+                            <a:ea typeface="Calibri" panose="020F0502020204030204" pitchFamily="34" charset="0"/>
+                            <a:cs typeface="Calibri" panose="020F0502020204030204" pitchFamily="34" charset="0"/>
                           </a:rPr>
-                          <m:t>/</m:t>
+                          <m:t>,</m:t>
                         </m:r>
                         <m:r>
-                          <a:rPr lang="en-SG" b="0" i="1" smtClean="0">
+                          <a:rPr lang="en-GB" sz="1800" i="1">
+                            <a:solidFill>
+                              <a:srgbClr val="000000"/>
+                            </a:solidFill>
+                            <a:effectLst/>
                             <a:latin typeface="Cambria Math" panose="02040503050406030204" pitchFamily="18" charset="0"/>
+                            <a:ea typeface="Calibri" panose="020F0502020204030204" pitchFamily="34" charset="0"/>
+                            <a:cs typeface="Calibri" panose="020F0502020204030204" pitchFamily="34" charset="0"/>
                           </a:rPr>
                           <m:t>𝑒</m:t>
                         </m:r>
@@ -24028,17 +21558,172 @@
                   </m:oMath>
                 </a14:m>
                 <a:r>
-                  <a:rPr lang="en-SG" dirty="0"/>
-                  <a:t>: Revenue for exporting 1 unit product from process e/j in country </a:t>
+                  <a:rPr lang="en-GB" sz="1800" dirty="0">
+                    <a:solidFill>
+                      <a:srgbClr val="000000"/>
+                    </a:solidFill>
+                    <a:effectLst/>
+                    <a:latin typeface="Calibri" panose="020F0502020204030204" pitchFamily="34" charset="0"/>
+                    <a:ea typeface="Calibri" panose="020F0502020204030204" pitchFamily="34" charset="0"/>
+                    <a:cs typeface="Calibri" panose="020F0502020204030204" pitchFamily="34" charset="0"/>
+                  </a:rPr>
+                  <a:t>: Revenue for exporting a single of unit of product from process e in country </a:t>
                 </a:r>
                 <a:r>
-                  <a:rPr lang="en-SG" dirty="0" err="1"/>
+                  <a:rPr lang="en-GB" sz="1800" dirty="0" err="1">
+                    <a:solidFill>
+                      <a:srgbClr val="000000"/>
+                    </a:solidFill>
+                    <a:effectLst/>
+                    <a:latin typeface="Calibri" panose="020F0502020204030204" pitchFamily="34" charset="0"/>
+                    <a:ea typeface="Calibri" panose="020F0502020204030204" pitchFamily="34" charset="0"/>
+                    <a:cs typeface="Calibri" panose="020F0502020204030204" pitchFamily="34" charset="0"/>
+                  </a:rPr>
                   <a:t>i</a:t>
                 </a:r>
                 <a:r>
-                  <a:rPr lang="en-SG" dirty="0"/>
-                  <a:t>/d. Zero shipping fee is assumed so the export revenue from one country is the importing costs for the receiving country.</a:t>
+                  <a:rPr lang="en-GB" sz="1800" dirty="0">
+                    <a:solidFill>
+                      <a:srgbClr val="000000"/>
+                    </a:solidFill>
+                    <a:effectLst/>
+                    <a:latin typeface="Calibri" panose="020F0502020204030204" pitchFamily="34" charset="0"/>
+                    <a:ea typeface="Calibri" panose="020F0502020204030204" pitchFamily="34" charset="0"/>
+                    <a:cs typeface="Calibri" panose="020F0502020204030204" pitchFamily="34" charset="0"/>
+                  </a:rPr>
+                  <a:t>. </a:t>
                 </a:r>
+                <a:endParaRPr lang="en-SG" sz="1800" dirty="0">
+                  <a:effectLst/>
+                  <a:latin typeface="Calibri" panose="020F0502020204030204" pitchFamily="34" charset="0"/>
+                  <a:ea typeface="Calibri" panose="020F0502020204030204" pitchFamily="34" charset="0"/>
+                  <a:cs typeface="Times New Roman" panose="02020603050405020304" pitchFamily="18" charset="0"/>
+                </a:endParaRPr>
+              </a:p>
+              <a:p>
+                <a:pPr marL="342900" lvl="0" indent="-342900" algn="l">
+                  <a:lnSpc>
+                    <a:spcPct val="107000"/>
+                  </a:lnSpc>
+                  <a:spcAft>
+                    <a:spcPts val="800"/>
+                  </a:spcAft>
+                  <a:buFont typeface="Symbol" panose="05050102010706020507" pitchFamily="18" charset="2"/>
+                  <a:buChar char=""/>
+                </a:pPr>
+                <a14:m>
+                  <m:oMath xmlns:m="http://schemas.openxmlformats.org/officeDocument/2006/math">
+                    <m:sSub>
+                      <m:sSubPr>
+                        <m:ctrlPr>
+                          <a:rPr lang="en-SG" sz="1800" i="1">
+                            <a:solidFill>
+                              <a:srgbClr val="000000"/>
+                            </a:solidFill>
+                            <a:effectLst/>
+                            <a:latin typeface="Cambria Math" panose="02040503050406030204" pitchFamily="18" charset="0"/>
+                            <a:ea typeface="Calibri" panose="020F0502020204030204" pitchFamily="34" charset="0"/>
+                            <a:cs typeface="Calibri" panose="020F0502020204030204" pitchFamily="34" charset="0"/>
+                          </a:rPr>
+                        </m:ctrlPr>
+                      </m:sSubPr>
+                      <m:e>
+                        <m:r>
+                          <a:rPr lang="en-GB" sz="1800" i="1">
+                            <a:solidFill>
+                              <a:srgbClr val="000000"/>
+                            </a:solidFill>
+                            <a:effectLst/>
+                            <a:latin typeface="Cambria Math" panose="02040503050406030204" pitchFamily="18" charset="0"/>
+                            <a:ea typeface="Calibri" panose="020F0502020204030204" pitchFamily="34" charset="0"/>
+                            <a:cs typeface="Calibri" panose="020F0502020204030204" pitchFamily="34" charset="0"/>
+                          </a:rPr>
+                          <m:t>𝑟</m:t>
+                        </m:r>
+                      </m:e>
+                      <m:sub>
+                        <m:r>
+                          <a:rPr lang="en-GB" sz="1800" i="1">
+                            <a:solidFill>
+                              <a:srgbClr val="000000"/>
+                            </a:solidFill>
+                            <a:effectLst/>
+                            <a:latin typeface="Cambria Math" panose="02040503050406030204" pitchFamily="18" charset="0"/>
+                            <a:ea typeface="Calibri" panose="020F0502020204030204" pitchFamily="34" charset="0"/>
+                            <a:cs typeface="Calibri" panose="020F0502020204030204" pitchFamily="34" charset="0"/>
+                          </a:rPr>
+                          <m:t>𝑖𝑛</m:t>
+                        </m:r>
+                        <m:r>
+                          <a:rPr lang="en-GB" sz="1800" i="1">
+                            <a:solidFill>
+                              <a:srgbClr val="000000"/>
+                            </a:solidFill>
+                            <a:effectLst/>
+                            <a:latin typeface="Cambria Math" panose="02040503050406030204" pitchFamily="18" charset="0"/>
+                            <a:ea typeface="Calibri" panose="020F0502020204030204" pitchFamily="34" charset="0"/>
+                            <a:cs typeface="Calibri" panose="020F0502020204030204" pitchFamily="34" charset="0"/>
+                          </a:rPr>
+                          <m:t>,</m:t>
+                        </m:r>
+                        <m:r>
+                          <a:rPr lang="en-GB" sz="1800" i="1">
+                            <a:solidFill>
+                              <a:srgbClr val="000000"/>
+                            </a:solidFill>
+                            <a:effectLst/>
+                            <a:latin typeface="Cambria Math" panose="02040503050406030204" pitchFamily="18" charset="0"/>
+                            <a:ea typeface="Calibri" panose="020F0502020204030204" pitchFamily="34" charset="0"/>
+                            <a:cs typeface="Calibri" panose="020F0502020204030204" pitchFamily="34" charset="0"/>
+                          </a:rPr>
+                          <m:t>𝑑</m:t>
+                        </m:r>
+                        <m:r>
+                          <a:rPr lang="en-GB" sz="1800" i="1">
+                            <a:solidFill>
+                              <a:srgbClr val="000000"/>
+                            </a:solidFill>
+                            <a:effectLst/>
+                            <a:latin typeface="Cambria Math" panose="02040503050406030204" pitchFamily="18" charset="0"/>
+                            <a:ea typeface="Calibri" panose="020F0502020204030204" pitchFamily="34" charset="0"/>
+                            <a:cs typeface="Calibri" panose="020F0502020204030204" pitchFamily="34" charset="0"/>
+                          </a:rPr>
+                          <m:t>,</m:t>
+                        </m:r>
+                        <m:r>
+                          <a:rPr lang="en-GB" sz="1800" i="1">
+                            <a:solidFill>
+                              <a:srgbClr val="000000"/>
+                            </a:solidFill>
+                            <a:effectLst/>
+                            <a:latin typeface="Cambria Math" panose="02040503050406030204" pitchFamily="18" charset="0"/>
+                            <a:ea typeface="Calibri" panose="020F0502020204030204" pitchFamily="34" charset="0"/>
+                            <a:cs typeface="Calibri" panose="020F0502020204030204" pitchFamily="34" charset="0"/>
+                          </a:rPr>
+                          <m:t>𝑗</m:t>
+                        </m:r>
+                      </m:sub>
+                    </m:sSub>
+                  </m:oMath>
+                </a14:m>
+                <a:r>
+                  <a:rPr lang="en-GB" sz="1800" dirty="0">
+                    <a:solidFill>
+                      <a:srgbClr val="000000"/>
+                    </a:solidFill>
+                    <a:effectLst/>
+                    <a:latin typeface="Calibri" panose="020F0502020204030204" pitchFamily="34" charset="0"/>
+                    <a:ea typeface="Calibri" panose="020F0502020204030204" pitchFamily="34" charset="0"/>
+                    <a:cs typeface="Calibri" panose="020F0502020204030204" pitchFamily="34" charset="0"/>
+                  </a:rPr>
+                  <a:t>: Cost for importing a single of unit of product from process j in region d. </a:t>
+                </a:r>
+                <a:endParaRPr lang="en-SG" sz="1800" dirty="0">
+                  <a:effectLst/>
+                  <a:latin typeface="Calibri" panose="020F0502020204030204" pitchFamily="34" charset="0"/>
+                  <a:ea typeface="Calibri" panose="020F0502020204030204" pitchFamily="34" charset="0"/>
+                  <a:cs typeface="Times New Roman" panose="02020603050405020304" pitchFamily="18" charset="0"/>
+                </a:endParaRPr>
               </a:p>
               <a:p>
                 <a:pPr marL="342900" indent="-342900" algn="l">
@@ -24050,7 +21735,7 @@
             </p:txBody>
           </p:sp>
         </mc:Choice>
-        <mc:Fallback xmlns="">
+        <mc:Fallback>
           <p:sp>
             <p:nvSpPr>
               <p:cNvPr id="5" name="Text Placeholder 2">
@@ -24075,7 +21760,7 @@
               <a:blipFill>
                 <a:blip r:embed="rId3"/>
                 <a:stretch>
-                  <a:fillRect l="-1099" t="-5479" r="-452"/>
+                  <a:fillRect l="-711" t="-4281"/>
                 </a:stretch>
               </a:blipFill>
             </p:spPr>
@@ -24206,2846 +21891,6 @@
     <p:extLst>
       <p:ext uri="{BB962C8B-B14F-4D97-AF65-F5344CB8AC3E}">
         <p14:creationId xmlns:p14="http://schemas.microsoft.com/office/powerpoint/2010/main" val="1610149326"/>
-      </p:ext>
-    </p:extLst>
-  </p:cSld>
-  <p:clrMapOvr>
-    <a:masterClrMapping/>
-  </p:clrMapOvr>
-</p:sld>
-</file>
-
-<file path=ppt/slides/slide9.xml><?xml version="1.0" encoding="utf-8"?>
-<p:sld xmlns:a="http://schemas.openxmlformats.org/drawingml/2006/main" xmlns:r="http://schemas.openxmlformats.org/officeDocument/2006/relationships" xmlns:p="http://schemas.openxmlformats.org/presentationml/2006/main">
-  <p:cSld>
-    <p:spTree>
-      <p:nvGrpSpPr>
-        <p:cNvPr id="1" name=""/>
-        <p:cNvGrpSpPr/>
-        <p:nvPr/>
-      </p:nvGrpSpPr>
-      <p:grpSpPr>
-        <a:xfrm>
-          <a:off x="0" y="0"/>
-          <a:ext cx="0" cy="0"/>
-          <a:chOff x="0" y="0"/>
-          <a:chExt cx="0" cy="0"/>
-        </a:xfrm>
-      </p:grpSpPr>
-      <p:sp>
-        <p:nvSpPr>
-          <p:cNvPr id="2" name="Title 1">
-            <a:extLst>
-              <a:ext uri="{FF2B5EF4-FFF2-40B4-BE49-F238E27FC236}">
-                <a16:creationId xmlns:a16="http://schemas.microsoft.com/office/drawing/2014/main" id="{3547F877-B4D0-273F-8EAA-314A0DF9B5AE}"/>
-              </a:ext>
-            </a:extLst>
-          </p:cNvPr>
-          <p:cNvSpPr>
-            <a:spLocks noGrp="1"/>
-          </p:cNvSpPr>
-          <p:nvPr>
-            <p:ph type="title"/>
-          </p:nvPr>
-        </p:nvSpPr>
-        <p:spPr>
-          <a:xfrm>
-            <a:off x="1484311" y="0"/>
-            <a:ext cx="10018713" cy="1752599"/>
-          </a:xfrm>
-        </p:spPr>
-        <p:txBody>
-          <a:bodyPr/>
-          <a:lstStyle/>
-          <a:p>
-            <a:r>
-              <a:rPr lang="en-SG" dirty="0"/>
-              <a:t>Breakdown of Production costs and Export Revenues for Past Simulation</a:t>
-            </a:r>
-          </a:p>
-        </p:txBody>
-      </p:sp>
-      <mc:AlternateContent xmlns:mc="http://schemas.openxmlformats.org/markup-compatibility/2006" xmlns:a14="http://schemas.microsoft.com/office/drawing/2010/main">
-        <mc:Choice Requires="a14">
-          <p:sp>
-            <p:nvSpPr>
-              <p:cNvPr id="3" name="Content Placeholder 2">
-                <a:extLst>
-                  <a:ext uri="{FF2B5EF4-FFF2-40B4-BE49-F238E27FC236}">
-                    <a16:creationId xmlns:a16="http://schemas.microsoft.com/office/drawing/2014/main" id="{91290B7E-E2B4-1560-D777-B407B7B072ED}"/>
-                  </a:ext>
-                </a:extLst>
-              </p:cNvPr>
-              <p:cNvSpPr>
-                <a:spLocks noGrp="1"/>
-              </p:cNvSpPr>
-              <p:nvPr>
-                <p:ph idx="1"/>
-              </p:nvPr>
-            </p:nvSpPr>
-            <p:spPr>
-              <a:xfrm>
-                <a:off x="1162705" y="1868345"/>
-                <a:ext cx="3133989" cy="4440073"/>
-              </a:xfrm>
-            </p:spPr>
-            <p:txBody>
-              <a:bodyPr anchor="t">
-                <a:normAutofit fontScale="92500" lnSpcReduction="10000"/>
-              </a:bodyPr>
-              <a:lstStyle/>
-              <a:p>
-                <a:pPr marL="342900" lvl="0" indent="-342900">
-                  <a:lnSpc>
-                    <a:spcPct val="107000"/>
-                  </a:lnSpc>
-                  <a:buFont typeface="Symbol" panose="05050102010706020507" pitchFamily="18" charset="2"/>
-                  <a:buChar char="·"/>
-                </a:pPr>
-                <a:r>
-                  <a:rPr lang="en-GB" dirty="0"/>
-                  <a:t>China (CHN)</a:t>
-                </a:r>
-              </a:p>
-              <a:p>
-                <a:pPr marL="742950" lvl="1" indent="-285750">
-                  <a:lnSpc>
-                    <a:spcPct val="107000"/>
-                  </a:lnSpc>
-                  <a:buFont typeface="Courier New" panose="02070309020205020404" pitchFamily="49" charset="0"/>
-                  <a:buChar char="o"/>
-                </a:pPr>
-                <a14:m>
-                  <m:oMath xmlns:m="http://schemas.openxmlformats.org/officeDocument/2006/math">
-                    <m:sSub>
-                      <m:sSubPr>
-                        <m:ctrlPr>
-                          <a:rPr lang="en-SG" i="1" smtClean="0">
-                            <a:latin typeface="Cambria Math" panose="02040503050406030204" pitchFamily="18" charset="0"/>
-                          </a:rPr>
-                        </m:ctrlPr>
-                      </m:sSubPr>
-                      <m:e>
-                        <m:r>
-                          <a:rPr lang="en-GB" i="1">
-                            <a:latin typeface="Cambria Math" panose="02040503050406030204" pitchFamily="18" charset="0"/>
-                          </a:rPr>
-                          <m:t>𝐶</m:t>
-                        </m:r>
-                      </m:e>
-                      <m:sub>
-                        <m:r>
-                          <a:rPr lang="en-GB" i="1">
-                            <a:latin typeface="Cambria Math" panose="02040503050406030204" pitchFamily="18" charset="0"/>
-                          </a:rPr>
-                          <m:t>𝐶𝐻𝑁</m:t>
-                        </m:r>
-                        <m:r>
-                          <a:rPr lang="en-GB" i="1">
-                            <a:latin typeface="Cambria Math" panose="02040503050406030204" pitchFamily="18" charset="0"/>
-                          </a:rPr>
-                          <m:t>,</m:t>
-                        </m:r>
-                        <m:r>
-                          <a:rPr lang="en-GB" i="1">
-                            <a:latin typeface="Cambria Math" panose="02040503050406030204" pitchFamily="18" charset="0"/>
-                          </a:rPr>
-                          <m:t>𝐸</m:t>
-                        </m:r>
-                      </m:sub>
-                    </m:sSub>
-                    <m:r>
-                      <a:rPr lang="en-GB" i="1">
-                        <a:latin typeface="Cambria Math" panose="02040503050406030204" pitchFamily="18" charset="0"/>
-                      </a:rPr>
-                      <m:t>=1900</m:t>
-                    </m:r>
-                  </m:oMath>
-                </a14:m>
-                <a:endParaRPr lang="en-SG" i="1" dirty="0">
-                  <a:latin typeface="Cambria Math" panose="02040503050406030204" pitchFamily="18" charset="0"/>
-                </a:endParaRPr>
-              </a:p>
-              <a:p>
-                <a:pPr marL="742950" lvl="1" indent="-285750">
-                  <a:lnSpc>
-                    <a:spcPct val="107000"/>
-                  </a:lnSpc>
-                  <a:buFont typeface="Courier New" panose="02070309020205020404" pitchFamily="49" charset="0"/>
-                  <a:buChar char="o"/>
-                </a:pPr>
-                <a14:m>
-                  <m:oMath xmlns:m="http://schemas.openxmlformats.org/officeDocument/2006/math">
-                    <m:sSub>
-                      <m:sSubPr>
-                        <m:ctrlPr>
-                          <a:rPr lang="en-SG" i="1">
-                            <a:latin typeface="Cambria Math" panose="02040503050406030204" pitchFamily="18" charset="0"/>
-                          </a:rPr>
-                        </m:ctrlPr>
-                      </m:sSubPr>
-                      <m:e>
-                        <m:r>
-                          <a:rPr lang="en-GB" i="1">
-                            <a:latin typeface="Cambria Math" panose="02040503050406030204" pitchFamily="18" charset="0"/>
-                          </a:rPr>
-                          <m:t>𝐶</m:t>
-                        </m:r>
-                      </m:e>
-                      <m:sub>
-                        <m:r>
-                          <a:rPr lang="en-GB" i="1">
-                            <a:latin typeface="Cambria Math" panose="02040503050406030204" pitchFamily="18" charset="0"/>
-                          </a:rPr>
-                          <m:t>𝐶𝐻𝑁</m:t>
-                        </m:r>
-                        <m:r>
-                          <a:rPr lang="en-GB" i="1">
-                            <a:latin typeface="Cambria Math" panose="02040503050406030204" pitchFamily="18" charset="0"/>
-                          </a:rPr>
-                          <m:t>,</m:t>
-                        </m:r>
-                        <m:r>
-                          <a:rPr lang="en-GB" i="1">
-                            <a:latin typeface="Cambria Math" panose="02040503050406030204" pitchFamily="18" charset="0"/>
-                          </a:rPr>
-                          <m:t>𝑃</m:t>
-                        </m:r>
-                      </m:sub>
-                    </m:sSub>
-                    <m:r>
-                      <a:rPr lang="en-GB" i="1">
-                        <a:latin typeface="Cambria Math" panose="02040503050406030204" pitchFamily="18" charset="0"/>
-                      </a:rPr>
-                      <m:t>=900</m:t>
-                    </m:r>
-                  </m:oMath>
-                </a14:m>
-                <a:endParaRPr lang="en-SG" i="1" dirty="0">
-                  <a:latin typeface="Cambria Math" panose="02040503050406030204" pitchFamily="18" charset="0"/>
-                </a:endParaRPr>
-              </a:p>
-              <a:p>
-                <a:pPr marL="742950" lvl="1" indent="-285750">
-                  <a:lnSpc>
-                    <a:spcPct val="107000"/>
-                  </a:lnSpc>
-                  <a:buFont typeface="Courier New" panose="02070309020205020404" pitchFamily="49" charset="0"/>
-                  <a:buChar char="o"/>
-                </a:pPr>
-                <a14:m>
-                  <m:oMath xmlns:m="http://schemas.openxmlformats.org/officeDocument/2006/math">
-                    <m:sSub>
-                      <m:sSubPr>
-                        <m:ctrlPr>
-                          <a:rPr lang="en-SG" i="1">
-                            <a:latin typeface="Cambria Math" panose="02040503050406030204" pitchFamily="18" charset="0"/>
-                          </a:rPr>
-                        </m:ctrlPr>
-                      </m:sSubPr>
-                      <m:e>
-                        <m:r>
-                          <a:rPr lang="en-GB" i="1">
-                            <a:latin typeface="Cambria Math" panose="02040503050406030204" pitchFamily="18" charset="0"/>
-                          </a:rPr>
-                          <m:t>𝐶</m:t>
-                        </m:r>
-                      </m:e>
-                      <m:sub>
-                        <m:r>
-                          <a:rPr lang="en-GB" i="1">
-                            <a:latin typeface="Cambria Math" panose="02040503050406030204" pitchFamily="18" charset="0"/>
-                          </a:rPr>
-                          <m:t>𝐶𝐻𝑁</m:t>
-                        </m:r>
-                        <m:r>
-                          <a:rPr lang="en-GB" i="1">
-                            <a:latin typeface="Cambria Math" panose="02040503050406030204" pitchFamily="18" charset="0"/>
-                          </a:rPr>
-                          <m:t>,</m:t>
-                        </m:r>
-                        <m:r>
-                          <a:rPr lang="en-GB" i="1">
-                            <a:latin typeface="Cambria Math" panose="02040503050406030204" pitchFamily="18" charset="0"/>
-                          </a:rPr>
-                          <m:t>𝐷</m:t>
-                        </m:r>
-                      </m:sub>
-                    </m:sSub>
-                    <m:r>
-                      <a:rPr lang="en-GB" i="1">
-                        <a:latin typeface="Cambria Math" panose="02040503050406030204" pitchFamily="18" charset="0"/>
-                      </a:rPr>
-                      <m:t>=</m:t>
-                    </m:r>
-                    <m:sSup>
-                      <m:sSupPr>
-                        <m:ctrlPr>
-                          <a:rPr lang="en-SG" i="1">
-                            <a:latin typeface="Cambria Math" panose="02040503050406030204" pitchFamily="18" charset="0"/>
-                          </a:rPr>
-                        </m:ctrlPr>
-                      </m:sSupPr>
-                      <m:e>
-                        <m:r>
-                          <a:rPr lang="en-GB" i="1">
-                            <a:latin typeface="Cambria Math" panose="02040503050406030204" pitchFamily="18" charset="0"/>
-                          </a:rPr>
-                          <m:t>30000</m:t>
-                        </m:r>
-                      </m:e>
-                      <m:sup>
-                        <m:r>
-                          <a:rPr lang="en-GB" i="1">
-                            <a:latin typeface="Cambria Math" panose="02040503050406030204" pitchFamily="18" charset="0"/>
-                          </a:rPr>
-                          <m:t>∗</m:t>
-                        </m:r>
-                      </m:sup>
-                    </m:sSup>
-                  </m:oMath>
-                </a14:m>
-                <a:endParaRPr lang="en-SG" i="1" dirty="0">
-                  <a:latin typeface="Cambria Math" panose="02040503050406030204" pitchFamily="18" charset="0"/>
-                </a:endParaRPr>
-              </a:p>
-              <a:p>
-                <a:pPr marL="742950" lvl="1" indent="-285750">
-                  <a:lnSpc>
-                    <a:spcPct val="107000"/>
-                  </a:lnSpc>
-                  <a:buFont typeface="Courier New" panose="02070309020205020404" pitchFamily="49" charset="0"/>
-                  <a:buChar char="o"/>
-                </a:pPr>
-                <a14:m>
-                  <m:oMath xmlns:m="http://schemas.openxmlformats.org/officeDocument/2006/math">
-                    <m:r>
-                      <a:rPr lang="en-GB" i="1">
-                        <a:latin typeface="Cambria Math" panose="02040503050406030204" pitchFamily="18" charset="0"/>
-                      </a:rPr>
-                      <m:t>𝐸</m:t>
-                    </m:r>
-                    <m:sSub>
-                      <m:sSubPr>
-                        <m:ctrlPr>
-                          <a:rPr lang="en-SG" i="1">
-                            <a:latin typeface="Cambria Math" panose="02040503050406030204" pitchFamily="18" charset="0"/>
-                          </a:rPr>
-                        </m:ctrlPr>
-                      </m:sSubPr>
-                      <m:e>
-                        <m:r>
-                          <a:rPr lang="en-GB" i="1">
-                            <a:latin typeface="Cambria Math" panose="02040503050406030204" pitchFamily="18" charset="0"/>
-                          </a:rPr>
-                          <m:t>𝑥</m:t>
-                        </m:r>
-                      </m:e>
-                      <m:sub>
-                        <m:r>
-                          <a:rPr lang="en-GB" i="1">
-                            <a:latin typeface="Cambria Math" panose="02040503050406030204" pitchFamily="18" charset="0"/>
-                          </a:rPr>
-                          <m:t>𝐶𝐻𝑁</m:t>
-                        </m:r>
-                        <m:r>
-                          <a:rPr lang="en-GB" i="1">
-                            <a:latin typeface="Cambria Math" panose="02040503050406030204" pitchFamily="18" charset="0"/>
-                          </a:rPr>
-                          <m:t>,</m:t>
-                        </m:r>
-                        <m:r>
-                          <a:rPr lang="en-GB" i="1">
-                            <a:latin typeface="Cambria Math" panose="02040503050406030204" pitchFamily="18" charset="0"/>
-                          </a:rPr>
-                          <m:t>𝐸</m:t>
-                        </m:r>
-                      </m:sub>
-                    </m:sSub>
-                    <m:r>
-                      <a:rPr lang="en-GB" i="1">
-                        <a:latin typeface="Cambria Math" panose="02040503050406030204" pitchFamily="18" charset="0"/>
-                      </a:rPr>
-                      <m:t>=2000</m:t>
-                    </m:r>
-                  </m:oMath>
-                </a14:m>
-                <a:endParaRPr lang="en-GB" dirty="0"/>
-              </a:p>
-              <a:p>
-                <a:pPr marL="342900" indent="-342900">
-                  <a:lnSpc>
-                    <a:spcPct val="107000"/>
-                  </a:lnSpc>
-                  <a:buFont typeface="Symbol" panose="05050102010706020507" pitchFamily="18" charset="2"/>
-                  <a:buChar char="·"/>
-                </a:pPr>
-                <a:r>
-                  <a:rPr lang="en-GB" dirty="0"/>
-                  <a:t>East Asia (EAS)</a:t>
-                </a:r>
-                <a:endParaRPr lang="en-SG" dirty="0"/>
-              </a:p>
-              <a:p>
-                <a:pPr marL="742950" lvl="1" indent="-285750">
-                  <a:lnSpc>
-                    <a:spcPct val="107000"/>
-                  </a:lnSpc>
-                  <a:buFont typeface="Courier New" panose="02070309020205020404" pitchFamily="49" charset="0"/>
-                  <a:buChar char="o"/>
-                </a:pPr>
-                <a14:m>
-                  <m:oMath xmlns:m="http://schemas.openxmlformats.org/officeDocument/2006/math">
-                    <m:sSub>
-                      <m:sSubPr>
-                        <m:ctrlPr>
-                          <a:rPr lang="en-SG" i="1">
-                            <a:latin typeface="Cambria Math" panose="02040503050406030204" pitchFamily="18" charset="0"/>
-                          </a:rPr>
-                        </m:ctrlPr>
-                      </m:sSubPr>
-                      <m:e>
-                        <m:r>
-                          <a:rPr lang="en-GB" i="1">
-                            <a:latin typeface="Cambria Math" panose="02040503050406030204" pitchFamily="18" charset="0"/>
-                          </a:rPr>
-                          <m:t>𝐶</m:t>
-                        </m:r>
-                      </m:e>
-                      <m:sub>
-                        <m:r>
-                          <a:rPr lang="en-GB" i="1">
-                            <a:latin typeface="Cambria Math" panose="02040503050406030204" pitchFamily="18" charset="0"/>
-                          </a:rPr>
-                          <m:t>𝐸𝐴𝑆</m:t>
-                        </m:r>
-                        <m:r>
-                          <a:rPr lang="en-GB" i="1">
-                            <a:latin typeface="Cambria Math" panose="02040503050406030204" pitchFamily="18" charset="0"/>
-                          </a:rPr>
-                          <m:t>,</m:t>
-                        </m:r>
-                        <m:r>
-                          <a:rPr lang="en-GB" i="1">
-                            <a:latin typeface="Cambria Math" panose="02040503050406030204" pitchFamily="18" charset="0"/>
-                          </a:rPr>
-                          <m:t>𝑃</m:t>
-                        </m:r>
-                      </m:sub>
-                    </m:sSub>
-                    <m:r>
-                      <a:rPr lang="en-GB" i="1">
-                        <a:latin typeface="Cambria Math" panose="02040503050406030204" pitchFamily="18" charset="0"/>
-                      </a:rPr>
-                      <m:t>=800</m:t>
-                    </m:r>
-                  </m:oMath>
-                </a14:m>
-                <a:endParaRPr lang="en-SG" i="1" dirty="0">
-                  <a:latin typeface="Cambria Math" panose="02040503050406030204" pitchFamily="18" charset="0"/>
-                </a:endParaRPr>
-              </a:p>
-              <a:p>
-                <a:pPr marL="742950" lvl="1" indent="-285750">
-                  <a:lnSpc>
-                    <a:spcPct val="107000"/>
-                  </a:lnSpc>
-                  <a:buFont typeface="Courier New" panose="02070309020205020404" pitchFamily="49" charset="0"/>
-                  <a:buChar char="o"/>
-                </a:pPr>
-                <a14:m>
-                  <m:oMath xmlns:m="http://schemas.openxmlformats.org/officeDocument/2006/math">
-                    <m:sSub>
-                      <m:sSubPr>
-                        <m:ctrlPr>
-                          <a:rPr lang="en-SG" i="1">
-                            <a:latin typeface="Cambria Math" panose="02040503050406030204" pitchFamily="18" charset="0"/>
-                          </a:rPr>
-                        </m:ctrlPr>
-                      </m:sSubPr>
-                      <m:e>
-                        <m:r>
-                          <a:rPr lang="en-GB" i="1">
-                            <a:latin typeface="Cambria Math" panose="02040503050406030204" pitchFamily="18" charset="0"/>
-                          </a:rPr>
-                          <m:t>𝐶</m:t>
-                        </m:r>
-                      </m:e>
-                      <m:sub>
-                        <m:r>
-                          <a:rPr lang="en-GB" i="1">
-                            <a:latin typeface="Cambria Math" panose="02040503050406030204" pitchFamily="18" charset="0"/>
-                          </a:rPr>
-                          <m:t>𝐸𝐴𝑆</m:t>
-                        </m:r>
-                        <m:r>
-                          <a:rPr lang="en-GB" i="1">
-                            <a:latin typeface="Cambria Math" panose="02040503050406030204" pitchFamily="18" charset="0"/>
-                          </a:rPr>
-                          <m:t>,</m:t>
-                        </m:r>
-                        <m:r>
-                          <a:rPr lang="en-GB" i="1">
-                            <a:latin typeface="Cambria Math" panose="02040503050406030204" pitchFamily="18" charset="0"/>
-                          </a:rPr>
-                          <m:t>𝑀</m:t>
-                        </m:r>
-                      </m:sub>
-                    </m:sSub>
-                    <m:r>
-                      <a:rPr lang="en-GB" i="1">
-                        <a:latin typeface="Cambria Math" panose="02040503050406030204" pitchFamily="18" charset="0"/>
-                      </a:rPr>
-                      <m:t>=1800</m:t>
-                    </m:r>
-                  </m:oMath>
-                </a14:m>
-                <a:endParaRPr lang="en-SG" i="1" dirty="0">
-                  <a:latin typeface="Cambria Math" panose="02040503050406030204" pitchFamily="18" charset="0"/>
-                </a:endParaRPr>
-              </a:p>
-              <a:p>
-                <a:pPr marL="742950" lvl="1" indent="-285750">
-                  <a:lnSpc>
-                    <a:spcPct val="107000"/>
-                  </a:lnSpc>
-                  <a:buFont typeface="Courier New" panose="02070309020205020404" pitchFamily="49" charset="0"/>
-                  <a:buChar char="o"/>
-                </a:pPr>
-                <a14:m>
-                  <m:oMath xmlns:m="http://schemas.openxmlformats.org/officeDocument/2006/math">
-                    <m:sSub>
-                      <m:sSubPr>
-                        <m:ctrlPr>
-                          <a:rPr lang="en-SG" i="1">
-                            <a:latin typeface="Cambria Math" panose="02040503050406030204" pitchFamily="18" charset="0"/>
-                          </a:rPr>
-                        </m:ctrlPr>
-                      </m:sSubPr>
-                      <m:e>
-                        <m:r>
-                          <a:rPr lang="en-GB" i="1">
-                            <a:latin typeface="Cambria Math" panose="02040503050406030204" pitchFamily="18" charset="0"/>
-                          </a:rPr>
-                          <m:t>𝐶</m:t>
-                        </m:r>
-                      </m:e>
-                      <m:sub>
-                        <m:r>
-                          <a:rPr lang="en-GB" i="1">
-                            <a:latin typeface="Cambria Math" panose="02040503050406030204" pitchFamily="18" charset="0"/>
-                          </a:rPr>
-                          <m:t>𝐸𝐴𝑆</m:t>
-                        </m:r>
-                        <m:r>
-                          <a:rPr lang="en-GB" i="1">
-                            <a:latin typeface="Cambria Math" panose="02040503050406030204" pitchFamily="18" charset="0"/>
-                          </a:rPr>
-                          <m:t>,</m:t>
-                        </m:r>
-                        <m:r>
-                          <a:rPr lang="en-GB" i="1">
-                            <a:latin typeface="Cambria Math" panose="02040503050406030204" pitchFamily="18" charset="0"/>
-                          </a:rPr>
-                          <m:t>𝐷</m:t>
-                        </m:r>
-                      </m:sub>
-                    </m:sSub>
-                    <m:r>
-                      <a:rPr lang="en-GB" i="1">
-                        <a:latin typeface="Cambria Math" panose="02040503050406030204" pitchFamily="18" charset="0"/>
-                      </a:rPr>
-                      <m:t>=−</m:t>
-                    </m:r>
-                    <m:sSup>
-                      <m:sSupPr>
-                        <m:ctrlPr>
-                          <a:rPr lang="en-SG" i="1">
-                            <a:latin typeface="Cambria Math" panose="02040503050406030204" pitchFamily="18" charset="0"/>
-                          </a:rPr>
-                        </m:ctrlPr>
-                      </m:sSupPr>
-                      <m:e>
-                        <m:r>
-                          <a:rPr lang="en-GB" i="1">
-                            <a:latin typeface="Cambria Math" panose="02040503050406030204" pitchFamily="18" charset="0"/>
-                          </a:rPr>
-                          <m:t>30000</m:t>
-                        </m:r>
-                      </m:e>
-                      <m:sup>
-                        <m:r>
-                          <a:rPr lang="en-GB" i="1">
-                            <a:latin typeface="Cambria Math" panose="02040503050406030204" pitchFamily="18" charset="0"/>
-                          </a:rPr>
-                          <m:t>∗</m:t>
-                        </m:r>
-                      </m:sup>
-                    </m:sSup>
-                  </m:oMath>
-                </a14:m>
-                <a:endParaRPr lang="en-SG" i="1" dirty="0">
-                  <a:latin typeface="Cambria Math" panose="02040503050406030204" pitchFamily="18" charset="0"/>
-                </a:endParaRPr>
-              </a:p>
-              <a:p>
-                <a:pPr marL="742950" lvl="1" indent="-285750">
-                  <a:lnSpc>
-                    <a:spcPct val="107000"/>
-                  </a:lnSpc>
-                  <a:spcAft>
-                    <a:spcPts val="800"/>
-                  </a:spcAft>
-                  <a:buFont typeface="Courier New" panose="02070309020205020404" pitchFamily="49" charset="0"/>
-                  <a:buChar char="o"/>
-                </a:pPr>
-                <a14:m>
-                  <m:oMath xmlns:m="http://schemas.openxmlformats.org/officeDocument/2006/math">
-                    <m:r>
-                      <a:rPr lang="en-GB" i="1">
-                        <a:latin typeface="Cambria Math" panose="02040503050406030204" pitchFamily="18" charset="0"/>
-                      </a:rPr>
-                      <m:t>𝐸</m:t>
-                    </m:r>
-                    <m:sSub>
-                      <m:sSubPr>
-                        <m:ctrlPr>
-                          <a:rPr lang="en-SG" i="1">
-                            <a:latin typeface="Cambria Math" panose="02040503050406030204" pitchFamily="18" charset="0"/>
-                          </a:rPr>
-                        </m:ctrlPr>
-                      </m:sSubPr>
-                      <m:e>
-                        <m:r>
-                          <a:rPr lang="en-GB" i="1">
-                            <a:latin typeface="Cambria Math" panose="02040503050406030204" pitchFamily="18" charset="0"/>
-                          </a:rPr>
-                          <m:t>𝑥</m:t>
-                        </m:r>
-                      </m:e>
-                      <m:sub>
-                        <m:r>
-                          <a:rPr lang="en-GB" i="1">
-                            <a:latin typeface="Cambria Math" panose="02040503050406030204" pitchFamily="18" charset="0"/>
-                          </a:rPr>
-                          <m:t>𝐸𝐴𝑆</m:t>
-                        </m:r>
-                        <m:r>
-                          <a:rPr lang="en-GB" i="1">
-                            <a:latin typeface="Cambria Math" panose="02040503050406030204" pitchFamily="18" charset="0"/>
-                          </a:rPr>
-                          <m:t>,</m:t>
-                        </m:r>
-                        <m:r>
-                          <a:rPr lang="en-GB" i="1">
-                            <a:latin typeface="Cambria Math" panose="02040503050406030204" pitchFamily="18" charset="0"/>
-                          </a:rPr>
-                          <m:t>𝑀</m:t>
-                        </m:r>
-                      </m:sub>
-                    </m:sSub>
-                    <m:r>
-                      <a:rPr lang="en-GB" i="1">
-                        <a:latin typeface="Cambria Math" panose="02040503050406030204" pitchFamily="18" charset="0"/>
-                      </a:rPr>
-                      <m:t>=8000</m:t>
-                    </m:r>
-                  </m:oMath>
-                </a14:m>
-                <a:endParaRPr lang="en-SG" i="1" dirty="0">
-                  <a:latin typeface="Cambria Math" panose="02040503050406030204" pitchFamily="18" charset="0"/>
-                </a:endParaRPr>
-              </a:p>
-              <a:p>
-                <a:pPr lvl="1"/>
-                <a:endParaRPr lang="en-SG" dirty="0"/>
-              </a:p>
-            </p:txBody>
-          </p:sp>
-        </mc:Choice>
-        <mc:Fallback xmlns="">
-          <p:sp>
-            <p:nvSpPr>
-              <p:cNvPr id="3" name="Content Placeholder 2">
-                <a:extLst>
-                  <a:ext uri="{FF2B5EF4-FFF2-40B4-BE49-F238E27FC236}">
-                    <a16:creationId xmlns:a16="http://schemas.microsoft.com/office/drawing/2014/main" id="{91290B7E-E2B4-1560-D777-B407B7B072ED}"/>
-                  </a:ext>
-                </a:extLst>
-              </p:cNvPr>
-              <p:cNvSpPr>
-                <a:spLocks noGrp="1" noRot="1" noChangeAspect="1" noMove="1" noResize="1" noEditPoints="1" noAdjustHandles="1" noChangeArrowheads="1" noChangeShapeType="1" noTextEdit="1"/>
-              </p:cNvSpPr>
-              <p:nvPr>
-                <p:ph idx="1"/>
-              </p:nvPr>
-            </p:nvSpPr>
-            <p:spPr>
-              <a:xfrm>
-                <a:off x="1162705" y="1868345"/>
-                <a:ext cx="3133989" cy="4440073"/>
-              </a:xfrm>
-              <a:blipFill>
-                <a:blip r:embed="rId2"/>
-                <a:stretch>
-                  <a:fillRect l="-5058" t="-5213" b="-1509"/>
-                </a:stretch>
-              </a:blipFill>
-            </p:spPr>
-            <p:txBody>
-              <a:bodyPr/>
-              <a:lstStyle/>
-              <a:p>
-                <a:r>
-                  <a:rPr lang="en-SG">
-                    <a:noFill/>
-                  </a:rPr>
-                  <a:t> </a:t>
-                </a:r>
-              </a:p>
-            </p:txBody>
-          </p:sp>
-        </mc:Fallback>
-      </mc:AlternateContent>
-      <mc:AlternateContent xmlns:mc="http://schemas.openxmlformats.org/markup-compatibility/2006" xmlns:a14="http://schemas.microsoft.com/office/drawing/2010/main">
-        <mc:Choice Requires="a14">
-          <p:sp>
-            <p:nvSpPr>
-              <p:cNvPr id="6" name="Content Placeholder 2">
-                <a:extLst>
-                  <a:ext uri="{FF2B5EF4-FFF2-40B4-BE49-F238E27FC236}">
-                    <a16:creationId xmlns:a16="http://schemas.microsoft.com/office/drawing/2014/main" id="{C128FABC-F7EB-9C1A-0F3A-99384DAE3B79}"/>
-                  </a:ext>
-                </a:extLst>
-              </p:cNvPr>
-              <p:cNvSpPr txBox="1">
-                <a:spLocks/>
-              </p:cNvSpPr>
-              <p:nvPr/>
-            </p:nvSpPr>
-            <p:spPr>
-              <a:xfrm>
-                <a:off x="3646026" y="1868345"/>
-                <a:ext cx="3133989" cy="4440073"/>
-              </a:xfrm>
-              <a:prstGeom prst="rect">
-                <a:avLst/>
-              </a:prstGeom>
-            </p:spPr>
-            <p:txBody>
-              <a:bodyPr vert="horz" lIns="91440" tIns="45720" rIns="91440" bIns="45720" rtlCol="0" anchor="t">
-                <a:normAutofit/>
-              </a:bodyPr>
-              <a:lstStyle>
-                <a:lvl1pPr marL="285750" indent="-285750" algn="l" defTabSz="457200" rtl="0" eaLnBrk="1" latinLnBrk="0" hangingPunct="1">
-                  <a:spcBef>
-                    <a:spcPct val="20000"/>
-                  </a:spcBef>
-                  <a:spcAft>
-                    <a:spcPts val="600"/>
-                  </a:spcAft>
-                  <a:buClr>
-                    <a:schemeClr val="accent1">
-                      <a:lumMod val="75000"/>
-                    </a:schemeClr>
-                  </a:buClr>
-                  <a:buSzPct val="145000"/>
-                  <a:buFont typeface="Arial"/>
-                  <a:buChar char="•"/>
-                  <a:defRPr sz="2400" kern="1200" cap="none">
-                    <a:solidFill>
-                      <a:schemeClr val="tx1"/>
-                    </a:solidFill>
-                    <a:effectLst/>
-                    <a:latin typeface="+mn-lt"/>
-                    <a:ea typeface="+mn-ea"/>
-                    <a:cs typeface="+mn-cs"/>
-                  </a:defRPr>
-                </a:lvl1pPr>
-                <a:lvl2pPr marL="742950" indent="-285750" algn="l" defTabSz="457200" rtl="0" eaLnBrk="1" latinLnBrk="0" hangingPunct="1">
-                  <a:spcBef>
-                    <a:spcPct val="20000"/>
-                  </a:spcBef>
-                  <a:spcAft>
-                    <a:spcPts val="600"/>
-                  </a:spcAft>
-                  <a:buClr>
-                    <a:schemeClr val="accent1">
-                      <a:lumMod val="75000"/>
-                    </a:schemeClr>
-                  </a:buClr>
-                  <a:buSzPct val="145000"/>
-                  <a:buFont typeface="Arial"/>
-                  <a:buChar char="•"/>
-                  <a:defRPr sz="2000" kern="1200" cap="none">
-                    <a:solidFill>
-                      <a:schemeClr val="tx1"/>
-                    </a:solidFill>
-                    <a:effectLst/>
-                    <a:latin typeface="+mn-lt"/>
-                    <a:ea typeface="+mn-ea"/>
-                    <a:cs typeface="+mn-cs"/>
-                  </a:defRPr>
-                </a:lvl2pPr>
-                <a:lvl3pPr marL="1200150" indent="-285750" algn="l" defTabSz="457200" rtl="0" eaLnBrk="1" latinLnBrk="0" hangingPunct="1">
-                  <a:spcBef>
-                    <a:spcPct val="20000"/>
-                  </a:spcBef>
-                  <a:spcAft>
-                    <a:spcPts val="600"/>
-                  </a:spcAft>
-                  <a:buClr>
-                    <a:schemeClr val="accent1">
-                      <a:lumMod val="75000"/>
-                    </a:schemeClr>
-                  </a:buClr>
-                  <a:buSzPct val="145000"/>
-                  <a:buFont typeface="Arial"/>
-                  <a:buChar char="•"/>
-                  <a:defRPr sz="1800" kern="1200" cap="none">
-                    <a:solidFill>
-                      <a:schemeClr val="tx1"/>
-                    </a:solidFill>
-                    <a:effectLst/>
-                    <a:latin typeface="+mn-lt"/>
-                    <a:ea typeface="+mn-ea"/>
-                    <a:cs typeface="+mn-cs"/>
-                  </a:defRPr>
-                </a:lvl3pPr>
-                <a:lvl4pPr marL="1543050" indent="-171450" algn="l" defTabSz="457200" rtl="0" eaLnBrk="1" latinLnBrk="0" hangingPunct="1">
-                  <a:spcBef>
-                    <a:spcPct val="20000"/>
-                  </a:spcBef>
-                  <a:spcAft>
-                    <a:spcPts val="600"/>
-                  </a:spcAft>
-                  <a:buClr>
-                    <a:schemeClr val="accent1">
-                      <a:lumMod val="75000"/>
-                    </a:schemeClr>
-                  </a:buClr>
-                  <a:buSzPct val="145000"/>
-                  <a:buFont typeface="Arial"/>
-                  <a:buChar char="•"/>
-                  <a:defRPr sz="1600" kern="1200" cap="none">
-                    <a:solidFill>
-                      <a:schemeClr val="tx1"/>
-                    </a:solidFill>
-                    <a:effectLst/>
-                    <a:latin typeface="+mn-lt"/>
-                    <a:ea typeface="+mn-ea"/>
-                    <a:cs typeface="+mn-cs"/>
-                  </a:defRPr>
-                </a:lvl4pPr>
-                <a:lvl5pPr marL="2000250" indent="-171450" algn="l" defTabSz="457200" rtl="0" eaLnBrk="1" latinLnBrk="0" hangingPunct="1">
-                  <a:spcBef>
-                    <a:spcPct val="20000"/>
-                  </a:spcBef>
-                  <a:spcAft>
-                    <a:spcPts val="600"/>
-                  </a:spcAft>
-                  <a:buClr>
-                    <a:schemeClr val="accent1">
-                      <a:lumMod val="75000"/>
-                    </a:schemeClr>
-                  </a:buClr>
-                  <a:buSzPct val="145000"/>
-                  <a:buFont typeface="Arial"/>
-                  <a:buChar char="•"/>
-                  <a:defRPr sz="1400" kern="1200" cap="none">
-                    <a:solidFill>
-                      <a:schemeClr val="tx1"/>
-                    </a:solidFill>
-                    <a:effectLst/>
-                    <a:latin typeface="+mn-lt"/>
-                    <a:ea typeface="+mn-ea"/>
-                    <a:cs typeface="+mn-cs"/>
-                  </a:defRPr>
-                </a:lvl5pPr>
-                <a:lvl6pPr marL="2514600" indent="-228600" algn="l" defTabSz="457200" rtl="0" eaLnBrk="1" latinLnBrk="0" hangingPunct="1">
-                  <a:spcBef>
-                    <a:spcPct val="20000"/>
-                  </a:spcBef>
-                  <a:spcAft>
-                    <a:spcPts val="600"/>
-                  </a:spcAft>
-                  <a:buClr>
-                    <a:schemeClr val="accent1">
-                      <a:lumMod val="75000"/>
-                    </a:schemeClr>
-                  </a:buClr>
-                  <a:buSzPct val="145000"/>
-                  <a:buFont typeface="Arial"/>
-                  <a:buChar char="•"/>
-                  <a:defRPr sz="1400" kern="1200" cap="none">
-                    <a:solidFill>
-                      <a:schemeClr val="tx1"/>
-                    </a:solidFill>
-                    <a:effectLst/>
-                    <a:latin typeface="+mn-lt"/>
-                    <a:ea typeface="+mn-ea"/>
-                    <a:cs typeface="+mn-cs"/>
-                  </a:defRPr>
-                </a:lvl6pPr>
-                <a:lvl7pPr marL="2971800" indent="-228600" algn="l" defTabSz="457200" rtl="0" eaLnBrk="1" latinLnBrk="0" hangingPunct="1">
-                  <a:spcBef>
-                    <a:spcPct val="20000"/>
-                  </a:spcBef>
-                  <a:spcAft>
-                    <a:spcPts val="600"/>
-                  </a:spcAft>
-                  <a:buClr>
-                    <a:schemeClr val="accent1">
-                      <a:lumMod val="75000"/>
-                    </a:schemeClr>
-                  </a:buClr>
-                  <a:buSzPct val="145000"/>
-                  <a:buFont typeface="Arial"/>
-                  <a:buChar char="•"/>
-                  <a:defRPr sz="1400" kern="1200" cap="none">
-                    <a:solidFill>
-                      <a:schemeClr val="tx1"/>
-                    </a:solidFill>
-                    <a:effectLst/>
-                    <a:latin typeface="+mn-lt"/>
-                    <a:ea typeface="+mn-ea"/>
-                    <a:cs typeface="+mn-cs"/>
-                  </a:defRPr>
-                </a:lvl7pPr>
-                <a:lvl8pPr marL="3429000" indent="-228600" algn="l" defTabSz="457200" rtl="0" eaLnBrk="1" latinLnBrk="0" hangingPunct="1">
-                  <a:spcBef>
-                    <a:spcPct val="20000"/>
-                  </a:spcBef>
-                  <a:spcAft>
-                    <a:spcPts val="600"/>
-                  </a:spcAft>
-                  <a:buClr>
-                    <a:schemeClr val="accent1">
-                      <a:lumMod val="75000"/>
-                    </a:schemeClr>
-                  </a:buClr>
-                  <a:buSzPct val="145000"/>
-                  <a:buFont typeface="Arial"/>
-                  <a:buChar char="•"/>
-                  <a:defRPr sz="1400" kern="1200" cap="none">
-                    <a:solidFill>
-                      <a:schemeClr val="tx1"/>
-                    </a:solidFill>
-                    <a:effectLst/>
-                    <a:latin typeface="+mn-lt"/>
-                    <a:ea typeface="+mn-ea"/>
-                    <a:cs typeface="+mn-cs"/>
-                  </a:defRPr>
-                </a:lvl8pPr>
-                <a:lvl9pPr marL="3886200" indent="-228600" algn="l" defTabSz="457200" rtl="0" eaLnBrk="1" latinLnBrk="0" hangingPunct="1">
-                  <a:spcBef>
-                    <a:spcPct val="20000"/>
-                  </a:spcBef>
-                  <a:spcAft>
-                    <a:spcPts val="600"/>
-                  </a:spcAft>
-                  <a:buClr>
-                    <a:schemeClr val="accent1">
-                      <a:lumMod val="75000"/>
-                    </a:schemeClr>
-                  </a:buClr>
-                  <a:buSzPct val="145000"/>
-                  <a:buFont typeface="Arial"/>
-                  <a:buChar char="•"/>
-                  <a:defRPr sz="1400" kern="1200" cap="none">
-                    <a:solidFill>
-                      <a:schemeClr val="tx1"/>
-                    </a:solidFill>
-                    <a:effectLst/>
-                    <a:latin typeface="+mn-lt"/>
-                    <a:ea typeface="+mn-ea"/>
-                    <a:cs typeface="+mn-cs"/>
-                  </a:defRPr>
-                </a:lvl9pPr>
-              </a:lstStyle>
-              <a:p>
-                <a:pPr marL="342900" lvl="0" indent="-342900">
-                  <a:lnSpc>
-                    <a:spcPct val="107000"/>
-                  </a:lnSpc>
-                  <a:buFont typeface="Symbol" panose="05050102010706020507" pitchFamily="18" charset="2"/>
-                  <a:buChar char="·"/>
-                </a:pPr>
-                <a:r>
-                  <a:rPr lang="en-GB" sz="2200" dirty="0"/>
-                  <a:t>Southeast Asia (SEA)</a:t>
-                </a:r>
-                <a:endParaRPr lang="en-SG" sz="2200" dirty="0"/>
-              </a:p>
-              <a:p>
-                <a:pPr marL="742950" lvl="1" indent="-285750">
-                  <a:lnSpc>
-                    <a:spcPct val="107000"/>
-                  </a:lnSpc>
-                  <a:buFont typeface="Courier New" panose="02070309020205020404" pitchFamily="49" charset="0"/>
-                  <a:buChar char="o"/>
-                </a:pPr>
-                <a14:m>
-                  <m:oMath xmlns:m="http://schemas.openxmlformats.org/officeDocument/2006/math">
-                    <m:sSub>
-                      <m:sSubPr>
-                        <m:ctrlPr>
-                          <a:rPr lang="en-SG" sz="1900" i="1">
-                            <a:latin typeface="Cambria Math" panose="02040503050406030204" pitchFamily="18" charset="0"/>
-                          </a:rPr>
-                        </m:ctrlPr>
-                      </m:sSubPr>
-                      <m:e>
-                        <m:r>
-                          <a:rPr lang="en-GB" sz="1900" i="1">
-                            <a:latin typeface="Cambria Math" panose="02040503050406030204" pitchFamily="18" charset="0"/>
-                          </a:rPr>
-                          <m:t>𝐶</m:t>
-                        </m:r>
-                      </m:e>
-                      <m:sub>
-                        <m:r>
-                          <a:rPr lang="en-GB" sz="1900" i="1">
-                            <a:latin typeface="Cambria Math" panose="02040503050406030204" pitchFamily="18" charset="0"/>
-                          </a:rPr>
-                          <m:t>𝑆𝐸𝐴</m:t>
-                        </m:r>
-                        <m:r>
-                          <a:rPr lang="en-GB" sz="1900" i="1">
-                            <a:latin typeface="Cambria Math" panose="02040503050406030204" pitchFamily="18" charset="0"/>
-                          </a:rPr>
-                          <m:t>,</m:t>
-                        </m:r>
-                        <m:r>
-                          <a:rPr lang="en-GB" sz="1900" i="1">
-                            <a:latin typeface="Cambria Math" panose="02040503050406030204" pitchFamily="18" charset="0"/>
-                          </a:rPr>
-                          <m:t>𝐸</m:t>
-                        </m:r>
-                      </m:sub>
-                    </m:sSub>
-                    <m:r>
-                      <a:rPr lang="en-GB" sz="1900" i="1">
-                        <a:latin typeface="Cambria Math" panose="02040503050406030204" pitchFamily="18" charset="0"/>
-                      </a:rPr>
-                      <m:t>=1500</m:t>
-                    </m:r>
-                  </m:oMath>
-                </a14:m>
-                <a:endParaRPr lang="en-SG" sz="1900" i="1" dirty="0">
-                  <a:latin typeface="Cambria Math" panose="02040503050406030204" pitchFamily="18" charset="0"/>
-                </a:endParaRPr>
-              </a:p>
-              <a:p>
-                <a:pPr marL="742950" lvl="1" indent="-285750">
-                  <a:lnSpc>
-                    <a:spcPct val="107000"/>
-                  </a:lnSpc>
-                  <a:buFont typeface="Courier New" panose="02070309020205020404" pitchFamily="49" charset="0"/>
-                  <a:buChar char="o"/>
-                </a:pPr>
-                <a14:m>
-                  <m:oMath xmlns:m="http://schemas.openxmlformats.org/officeDocument/2006/math">
-                    <m:sSub>
-                      <m:sSubPr>
-                        <m:ctrlPr>
-                          <a:rPr lang="en-SG" sz="1900" i="1">
-                            <a:latin typeface="Cambria Math" panose="02040503050406030204" pitchFamily="18" charset="0"/>
-                          </a:rPr>
-                        </m:ctrlPr>
-                      </m:sSubPr>
-                      <m:e>
-                        <m:r>
-                          <a:rPr lang="en-GB" sz="1900" i="1">
-                            <a:latin typeface="Cambria Math" panose="02040503050406030204" pitchFamily="18" charset="0"/>
-                          </a:rPr>
-                          <m:t>𝐶</m:t>
-                        </m:r>
-                      </m:e>
-                      <m:sub>
-                        <m:r>
-                          <a:rPr lang="en-GB" sz="1900" i="1">
-                            <a:latin typeface="Cambria Math" panose="02040503050406030204" pitchFamily="18" charset="0"/>
-                          </a:rPr>
-                          <m:t>𝑆𝐸𝐴</m:t>
-                        </m:r>
-                        <m:r>
-                          <a:rPr lang="en-GB" sz="1900" i="1">
-                            <a:latin typeface="Cambria Math" panose="02040503050406030204" pitchFamily="18" charset="0"/>
-                          </a:rPr>
-                          <m:t>,</m:t>
-                        </m:r>
-                        <m:r>
-                          <a:rPr lang="en-GB" sz="1900" i="1">
-                            <a:latin typeface="Cambria Math" panose="02040503050406030204" pitchFamily="18" charset="0"/>
-                          </a:rPr>
-                          <m:t>𝐴</m:t>
-                        </m:r>
-                      </m:sub>
-                    </m:sSub>
-                    <m:r>
-                      <a:rPr lang="en-GB" sz="1900" i="1">
-                        <a:latin typeface="Cambria Math" panose="02040503050406030204" pitchFamily="18" charset="0"/>
-                      </a:rPr>
-                      <m:t>=600</m:t>
-                    </m:r>
-                  </m:oMath>
-                </a14:m>
-                <a:endParaRPr lang="en-SG" sz="1900" i="1" dirty="0">
-                  <a:latin typeface="Cambria Math" panose="02040503050406030204" pitchFamily="18" charset="0"/>
-                </a:endParaRPr>
-              </a:p>
-              <a:p>
-                <a:pPr marL="742950" lvl="1" indent="-285750">
-                  <a:lnSpc>
-                    <a:spcPct val="107000"/>
-                  </a:lnSpc>
-                  <a:buFont typeface="Courier New" panose="02070309020205020404" pitchFamily="49" charset="0"/>
-                  <a:buChar char="o"/>
-                </a:pPr>
-                <a14:m>
-                  <m:oMath xmlns:m="http://schemas.openxmlformats.org/officeDocument/2006/math">
-                    <m:sSub>
-                      <m:sSubPr>
-                        <m:ctrlPr>
-                          <a:rPr lang="en-SG" sz="1900" i="1">
-                            <a:latin typeface="Cambria Math" panose="02040503050406030204" pitchFamily="18" charset="0"/>
-                          </a:rPr>
-                        </m:ctrlPr>
-                      </m:sSubPr>
-                      <m:e>
-                        <m:r>
-                          <a:rPr lang="en-GB" sz="1900" i="1">
-                            <a:latin typeface="Cambria Math" panose="02040503050406030204" pitchFamily="18" charset="0"/>
-                          </a:rPr>
-                          <m:t>𝐶</m:t>
-                        </m:r>
-                      </m:e>
-                      <m:sub>
-                        <m:r>
-                          <a:rPr lang="en-GB" sz="1900" i="1">
-                            <a:latin typeface="Cambria Math" panose="02040503050406030204" pitchFamily="18" charset="0"/>
-                          </a:rPr>
-                          <m:t>𝑆𝐸𝐴</m:t>
-                        </m:r>
-                        <m:r>
-                          <a:rPr lang="en-GB" sz="1900" i="1">
-                            <a:latin typeface="Cambria Math" panose="02040503050406030204" pitchFamily="18" charset="0"/>
-                          </a:rPr>
-                          <m:t>,</m:t>
-                        </m:r>
-                        <m:r>
-                          <a:rPr lang="en-GB" sz="1900" i="1">
-                            <a:latin typeface="Cambria Math" panose="02040503050406030204" pitchFamily="18" charset="0"/>
-                          </a:rPr>
-                          <m:t>𝐷</m:t>
-                        </m:r>
-                      </m:sub>
-                    </m:sSub>
-                    <m:r>
-                      <a:rPr lang="en-GB" sz="1900" i="1">
-                        <a:latin typeface="Cambria Math" panose="02040503050406030204" pitchFamily="18" charset="0"/>
-                      </a:rPr>
-                      <m:t>=−</m:t>
-                    </m:r>
-                    <m:sSup>
-                      <m:sSupPr>
-                        <m:ctrlPr>
-                          <a:rPr lang="en-SG" sz="1900" i="1">
-                            <a:latin typeface="Cambria Math" panose="02040503050406030204" pitchFamily="18" charset="0"/>
-                          </a:rPr>
-                        </m:ctrlPr>
-                      </m:sSupPr>
-                      <m:e>
-                        <m:r>
-                          <a:rPr lang="en-GB" sz="1900" i="1">
-                            <a:latin typeface="Cambria Math" panose="02040503050406030204" pitchFamily="18" charset="0"/>
-                          </a:rPr>
-                          <m:t>30000</m:t>
-                        </m:r>
-                      </m:e>
-                      <m:sup>
-                        <m:r>
-                          <a:rPr lang="en-GB" sz="1900" i="1">
-                            <a:latin typeface="Cambria Math" panose="02040503050406030204" pitchFamily="18" charset="0"/>
-                          </a:rPr>
-                          <m:t>∗</m:t>
-                        </m:r>
-                      </m:sup>
-                    </m:sSup>
-                  </m:oMath>
-                </a14:m>
-                <a:endParaRPr lang="en-SG" sz="1900" i="1" dirty="0">
-                  <a:latin typeface="Cambria Math" panose="02040503050406030204" pitchFamily="18" charset="0"/>
-                </a:endParaRPr>
-              </a:p>
-              <a:p>
-                <a:pPr marL="742950" lvl="1" indent="-285750">
-                  <a:lnSpc>
-                    <a:spcPct val="107000"/>
-                  </a:lnSpc>
-                  <a:buFont typeface="Courier New" panose="02070309020205020404" pitchFamily="49" charset="0"/>
-                  <a:buChar char="o"/>
-                </a:pPr>
-                <a14:m>
-                  <m:oMath xmlns:m="http://schemas.openxmlformats.org/officeDocument/2006/math">
-                    <m:r>
-                      <a:rPr lang="en-GB" sz="1900" i="1">
-                        <a:latin typeface="Cambria Math" panose="02040503050406030204" pitchFamily="18" charset="0"/>
-                      </a:rPr>
-                      <m:t>𝐸</m:t>
-                    </m:r>
-                    <m:sSub>
-                      <m:sSubPr>
-                        <m:ctrlPr>
-                          <a:rPr lang="en-SG" sz="1900" i="1">
-                            <a:latin typeface="Cambria Math" panose="02040503050406030204" pitchFamily="18" charset="0"/>
-                          </a:rPr>
-                        </m:ctrlPr>
-                      </m:sSubPr>
-                      <m:e>
-                        <m:r>
-                          <a:rPr lang="en-GB" sz="1900" i="1">
-                            <a:latin typeface="Cambria Math" panose="02040503050406030204" pitchFamily="18" charset="0"/>
-                          </a:rPr>
-                          <m:t>𝑥</m:t>
-                        </m:r>
-                      </m:e>
-                      <m:sub>
-                        <m:r>
-                          <a:rPr lang="en-GB" sz="1900" i="1">
-                            <a:latin typeface="Cambria Math" panose="02040503050406030204" pitchFamily="18" charset="0"/>
-                          </a:rPr>
-                          <m:t>𝑆𝐸𝐴</m:t>
-                        </m:r>
-                        <m:r>
-                          <a:rPr lang="en-GB" sz="1900" i="1">
-                            <a:latin typeface="Cambria Math" panose="02040503050406030204" pitchFamily="18" charset="0"/>
-                          </a:rPr>
-                          <m:t>,</m:t>
-                        </m:r>
-                        <m:r>
-                          <a:rPr lang="en-GB" sz="1900" i="1">
-                            <a:latin typeface="Cambria Math" panose="02040503050406030204" pitchFamily="18" charset="0"/>
-                          </a:rPr>
-                          <m:t>𝐸</m:t>
-                        </m:r>
-                      </m:sub>
-                    </m:sSub>
-                    <m:r>
-                      <a:rPr lang="en-GB" sz="1900" i="1">
-                        <a:latin typeface="Cambria Math" panose="02040503050406030204" pitchFamily="18" charset="0"/>
-                      </a:rPr>
-                      <m:t>=1800</m:t>
-                    </m:r>
-                  </m:oMath>
-                </a14:m>
-                <a:endParaRPr lang="en-SG" sz="1900" i="1" dirty="0">
-                  <a:latin typeface="Cambria Math" panose="02040503050406030204" pitchFamily="18" charset="0"/>
-                </a:endParaRPr>
-              </a:p>
-              <a:p>
-                <a:pPr marL="742950" lvl="1" indent="-285750">
-                  <a:lnSpc>
-                    <a:spcPct val="107000"/>
-                  </a:lnSpc>
-                  <a:spcAft>
-                    <a:spcPts val="800"/>
-                  </a:spcAft>
-                  <a:buFont typeface="Courier New" panose="02070309020205020404" pitchFamily="49" charset="0"/>
-                  <a:buChar char="o"/>
-                </a:pPr>
-                <a14:m>
-                  <m:oMath xmlns:m="http://schemas.openxmlformats.org/officeDocument/2006/math">
-                    <m:r>
-                      <a:rPr lang="en-GB" sz="1900" i="1">
-                        <a:latin typeface="Cambria Math" panose="02040503050406030204" pitchFamily="18" charset="0"/>
-                      </a:rPr>
-                      <m:t>𝐸</m:t>
-                    </m:r>
-                    <m:sSub>
-                      <m:sSubPr>
-                        <m:ctrlPr>
-                          <a:rPr lang="en-SG" sz="1900" i="1">
-                            <a:latin typeface="Cambria Math" panose="02040503050406030204" pitchFamily="18" charset="0"/>
-                          </a:rPr>
-                        </m:ctrlPr>
-                      </m:sSubPr>
-                      <m:e>
-                        <m:r>
-                          <a:rPr lang="en-GB" sz="1900" i="1">
-                            <a:latin typeface="Cambria Math" panose="02040503050406030204" pitchFamily="18" charset="0"/>
-                          </a:rPr>
-                          <m:t>𝑥</m:t>
-                        </m:r>
-                      </m:e>
-                      <m:sub>
-                        <m:r>
-                          <a:rPr lang="en-GB" sz="1900" i="1">
-                            <a:latin typeface="Cambria Math" panose="02040503050406030204" pitchFamily="18" charset="0"/>
-                          </a:rPr>
-                          <m:t>𝑆𝐸𝐴</m:t>
-                        </m:r>
-                        <m:r>
-                          <a:rPr lang="en-GB" sz="1900" i="1">
-                            <a:latin typeface="Cambria Math" panose="02040503050406030204" pitchFamily="18" charset="0"/>
-                          </a:rPr>
-                          <m:t>,</m:t>
-                        </m:r>
-                        <m:r>
-                          <a:rPr lang="en-GB" sz="1900" i="1">
-                            <a:latin typeface="Cambria Math" panose="02040503050406030204" pitchFamily="18" charset="0"/>
-                          </a:rPr>
-                          <m:t>𝐴</m:t>
-                        </m:r>
-                      </m:sub>
-                    </m:sSub>
-                    <m:r>
-                      <a:rPr lang="en-GB" sz="1900" i="1">
-                        <a:latin typeface="Cambria Math" panose="02040503050406030204" pitchFamily="18" charset="0"/>
-                      </a:rPr>
-                      <m:t>=25000</m:t>
-                    </m:r>
-                  </m:oMath>
-                </a14:m>
-                <a:endParaRPr lang="en-SG" sz="1900" i="1" dirty="0">
-                  <a:latin typeface="Cambria Math" panose="02040503050406030204" pitchFamily="18" charset="0"/>
-                </a:endParaRPr>
-              </a:p>
-              <a:p>
-                <a:pPr lvl="1"/>
-                <a:endParaRPr lang="en-SG" dirty="0"/>
-              </a:p>
-            </p:txBody>
-          </p:sp>
-        </mc:Choice>
-        <mc:Fallback xmlns="">
-          <p:sp>
-            <p:nvSpPr>
-              <p:cNvPr id="6" name="Content Placeholder 2">
-                <a:extLst>
-                  <a:ext uri="{FF2B5EF4-FFF2-40B4-BE49-F238E27FC236}">
-                    <a16:creationId xmlns:a16="http://schemas.microsoft.com/office/drawing/2014/main" id="{C128FABC-F7EB-9C1A-0F3A-99384DAE3B79}"/>
-                  </a:ext>
-                </a:extLst>
-              </p:cNvPr>
-              <p:cNvSpPr txBox="1">
-                <a:spLocks noRot="1" noChangeAspect="1" noMove="1" noResize="1" noEditPoints="1" noAdjustHandles="1" noChangeArrowheads="1" noChangeShapeType="1" noTextEdit="1"/>
-              </p:cNvSpPr>
-              <p:nvPr/>
-            </p:nvSpPr>
-            <p:spPr>
-              <a:xfrm>
-                <a:off x="3646026" y="1868345"/>
-                <a:ext cx="3133989" cy="4440073"/>
-              </a:xfrm>
-              <a:prstGeom prst="rect">
-                <a:avLst/>
-              </a:prstGeom>
-              <a:blipFill>
-                <a:blip r:embed="rId3"/>
-                <a:stretch>
-                  <a:fillRect l="-5058" t="-4801"/>
-                </a:stretch>
-              </a:blipFill>
-            </p:spPr>
-            <p:txBody>
-              <a:bodyPr/>
-              <a:lstStyle/>
-              <a:p>
-                <a:r>
-                  <a:rPr lang="en-SG">
-                    <a:noFill/>
-                  </a:rPr>
-                  <a:t> </a:t>
-                </a:r>
-              </a:p>
-            </p:txBody>
-          </p:sp>
-        </mc:Fallback>
-      </mc:AlternateContent>
-      <mc:AlternateContent xmlns:mc="http://schemas.openxmlformats.org/markup-compatibility/2006" xmlns:a14="http://schemas.microsoft.com/office/drawing/2010/main">
-        <mc:Choice Requires="a14">
-          <p:sp>
-            <p:nvSpPr>
-              <p:cNvPr id="7" name="Content Placeholder 2">
-                <a:extLst>
-                  <a:ext uri="{FF2B5EF4-FFF2-40B4-BE49-F238E27FC236}">
-                    <a16:creationId xmlns:a16="http://schemas.microsoft.com/office/drawing/2014/main" id="{B0F414B5-A00B-8847-1172-36C3AB4BDC02}"/>
-                  </a:ext>
-                </a:extLst>
-              </p:cNvPr>
-              <p:cNvSpPr txBox="1">
-                <a:spLocks/>
-              </p:cNvSpPr>
-              <p:nvPr/>
-            </p:nvSpPr>
-            <p:spPr>
-              <a:xfrm>
-                <a:off x="6493667" y="1868345"/>
-                <a:ext cx="3133989" cy="4440073"/>
-              </a:xfrm>
-              <a:prstGeom prst="rect">
-                <a:avLst/>
-              </a:prstGeom>
-            </p:spPr>
-            <p:txBody>
-              <a:bodyPr vert="horz" lIns="91440" tIns="45720" rIns="91440" bIns="45720" rtlCol="0" anchor="t">
-                <a:normAutofit lnSpcReduction="10000"/>
-              </a:bodyPr>
-              <a:lstStyle>
-                <a:lvl1pPr marL="285750" indent="-285750" algn="l" defTabSz="457200" rtl="0" eaLnBrk="1" latinLnBrk="0" hangingPunct="1">
-                  <a:spcBef>
-                    <a:spcPct val="20000"/>
-                  </a:spcBef>
-                  <a:spcAft>
-                    <a:spcPts val="600"/>
-                  </a:spcAft>
-                  <a:buClr>
-                    <a:schemeClr val="accent1">
-                      <a:lumMod val="75000"/>
-                    </a:schemeClr>
-                  </a:buClr>
-                  <a:buSzPct val="145000"/>
-                  <a:buFont typeface="Arial"/>
-                  <a:buChar char="•"/>
-                  <a:defRPr sz="2400" kern="1200" cap="none">
-                    <a:solidFill>
-                      <a:schemeClr val="tx1"/>
-                    </a:solidFill>
-                    <a:effectLst/>
-                    <a:latin typeface="+mn-lt"/>
-                    <a:ea typeface="+mn-ea"/>
-                    <a:cs typeface="+mn-cs"/>
-                  </a:defRPr>
-                </a:lvl1pPr>
-                <a:lvl2pPr marL="742950" indent="-285750" algn="l" defTabSz="457200" rtl="0" eaLnBrk="1" latinLnBrk="0" hangingPunct="1">
-                  <a:spcBef>
-                    <a:spcPct val="20000"/>
-                  </a:spcBef>
-                  <a:spcAft>
-                    <a:spcPts val="600"/>
-                  </a:spcAft>
-                  <a:buClr>
-                    <a:schemeClr val="accent1">
-                      <a:lumMod val="75000"/>
-                    </a:schemeClr>
-                  </a:buClr>
-                  <a:buSzPct val="145000"/>
-                  <a:buFont typeface="Arial"/>
-                  <a:buChar char="•"/>
-                  <a:defRPr sz="2000" kern="1200" cap="none">
-                    <a:solidFill>
-                      <a:schemeClr val="tx1"/>
-                    </a:solidFill>
-                    <a:effectLst/>
-                    <a:latin typeface="+mn-lt"/>
-                    <a:ea typeface="+mn-ea"/>
-                    <a:cs typeface="+mn-cs"/>
-                  </a:defRPr>
-                </a:lvl2pPr>
-                <a:lvl3pPr marL="1200150" indent="-285750" algn="l" defTabSz="457200" rtl="0" eaLnBrk="1" latinLnBrk="0" hangingPunct="1">
-                  <a:spcBef>
-                    <a:spcPct val="20000"/>
-                  </a:spcBef>
-                  <a:spcAft>
-                    <a:spcPts val="600"/>
-                  </a:spcAft>
-                  <a:buClr>
-                    <a:schemeClr val="accent1">
-                      <a:lumMod val="75000"/>
-                    </a:schemeClr>
-                  </a:buClr>
-                  <a:buSzPct val="145000"/>
-                  <a:buFont typeface="Arial"/>
-                  <a:buChar char="•"/>
-                  <a:defRPr sz="1800" kern="1200" cap="none">
-                    <a:solidFill>
-                      <a:schemeClr val="tx1"/>
-                    </a:solidFill>
-                    <a:effectLst/>
-                    <a:latin typeface="+mn-lt"/>
-                    <a:ea typeface="+mn-ea"/>
-                    <a:cs typeface="+mn-cs"/>
-                  </a:defRPr>
-                </a:lvl3pPr>
-                <a:lvl4pPr marL="1543050" indent="-171450" algn="l" defTabSz="457200" rtl="0" eaLnBrk="1" latinLnBrk="0" hangingPunct="1">
-                  <a:spcBef>
-                    <a:spcPct val="20000"/>
-                  </a:spcBef>
-                  <a:spcAft>
-                    <a:spcPts val="600"/>
-                  </a:spcAft>
-                  <a:buClr>
-                    <a:schemeClr val="accent1">
-                      <a:lumMod val="75000"/>
-                    </a:schemeClr>
-                  </a:buClr>
-                  <a:buSzPct val="145000"/>
-                  <a:buFont typeface="Arial"/>
-                  <a:buChar char="•"/>
-                  <a:defRPr sz="1600" kern="1200" cap="none">
-                    <a:solidFill>
-                      <a:schemeClr val="tx1"/>
-                    </a:solidFill>
-                    <a:effectLst/>
-                    <a:latin typeface="+mn-lt"/>
-                    <a:ea typeface="+mn-ea"/>
-                    <a:cs typeface="+mn-cs"/>
-                  </a:defRPr>
-                </a:lvl4pPr>
-                <a:lvl5pPr marL="2000250" indent="-171450" algn="l" defTabSz="457200" rtl="0" eaLnBrk="1" latinLnBrk="0" hangingPunct="1">
-                  <a:spcBef>
-                    <a:spcPct val="20000"/>
-                  </a:spcBef>
-                  <a:spcAft>
-                    <a:spcPts val="600"/>
-                  </a:spcAft>
-                  <a:buClr>
-                    <a:schemeClr val="accent1">
-                      <a:lumMod val="75000"/>
-                    </a:schemeClr>
-                  </a:buClr>
-                  <a:buSzPct val="145000"/>
-                  <a:buFont typeface="Arial"/>
-                  <a:buChar char="•"/>
-                  <a:defRPr sz="1400" kern="1200" cap="none">
-                    <a:solidFill>
-                      <a:schemeClr val="tx1"/>
-                    </a:solidFill>
-                    <a:effectLst/>
-                    <a:latin typeface="+mn-lt"/>
-                    <a:ea typeface="+mn-ea"/>
-                    <a:cs typeface="+mn-cs"/>
-                  </a:defRPr>
-                </a:lvl5pPr>
-                <a:lvl6pPr marL="2514600" indent="-228600" algn="l" defTabSz="457200" rtl="0" eaLnBrk="1" latinLnBrk="0" hangingPunct="1">
-                  <a:spcBef>
-                    <a:spcPct val="20000"/>
-                  </a:spcBef>
-                  <a:spcAft>
-                    <a:spcPts val="600"/>
-                  </a:spcAft>
-                  <a:buClr>
-                    <a:schemeClr val="accent1">
-                      <a:lumMod val="75000"/>
-                    </a:schemeClr>
-                  </a:buClr>
-                  <a:buSzPct val="145000"/>
-                  <a:buFont typeface="Arial"/>
-                  <a:buChar char="•"/>
-                  <a:defRPr sz="1400" kern="1200" cap="none">
-                    <a:solidFill>
-                      <a:schemeClr val="tx1"/>
-                    </a:solidFill>
-                    <a:effectLst/>
-                    <a:latin typeface="+mn-lt"/>
-                    <a:ea typeface="+mn-ea"/>
-                    <a:cs typeface="+mn-cs"/>
-                  </a:defRPr>
-                </a:lvl6pPr>
-                <a:lvl7pPr marL="2971800" indent="-228600" algn="l" defTabSz="457200" rtl="0" eaLnBrk="1" latinLnBrk="0" hangingPunct="1">
-                  <a:spcBef>
-                    <a:spcPct val="20000"/>
-                  </a:spcBef>
-                  <a:spcAft>
-                    <a:spcPts val="600"/>
-                  </a:spcAft>
-                  <a:buClr>
-                    <a:schemeClr val="accent1">
-                      <a:lumMod val="75000"/>
-                    </a:schemeClr>
-                  </a:buClr>
-                  <a:buSzPct val="145000"/>
-                  <a:buFont typeface="Arial"/>
-                  <a:buChar char="•"/>
-                  <a:defRPr sz="1400" kern="1200" cap="none">
-                    <a:solidFill>
-                      <a:schemeClr val="tx1"/>
-                    </a:solidFill>
-                    <a:effectLst/>
-                    <a:latin typeface="+mn-lt"/>
-                    <a:ea typeface="+mn-ea"/>
-                    <a:cs typeface="+mn-cs"/>
-                  </a:defRPr>
-                </a:lvl7pPr>
-                <a:lvl8pPr marL="3429000" indent="-228600" algn="l" defTabSz="457200" rtl="0" eaLnBrk="1" latinLnBrk="0" hangingPunct="1">
-                  <a:spcBef>
-                    <a:spcPct val="20000"/>
-                  </a:spcBef>
-                  <a:spcAft>
-                    <a:spcPts val="600"/>
-                  </a:spcAft>
-                  <a:buClr>
-                    <a:schemeClr val="accent1">
-                      <a:lumMod val="75000"/>
-                    </a:schemeClr>
-                  </a:buClr>
-                  <a:buSzPct val="145000"/>
-                  <a:buFont typeface="Arial"/>
-                  <a:buChar char="•"/>
-                  <a:defRPr sz="1400" kern="1200" cap="none">
-                    <a:solidFill>
-                      <a:schemeClr val="tx1"/>
-                    </a:solidFill>
-                    <a:effectLst/>
-                    <a:latin typeface="+mn-lt"/>
-                    <a:ea typeface="+mn-ea"/>
-                    <a:cs typeface="+mn-cs"/>
-                  </a:defRPr>
-                </a:lvl8pPr>
-                <a:lvl9pPr marL="3886200" indent="-228600" algn="l" defTabSz="457200" rtl="0" eaLnBrk="1" latinLnBrk="0" hangingPunct="1">
-                  <a:spcBef>
-                    <a:spcPct val="20000"/>
-                  </a:spcBef>
-                  <a:spcAft>
-                    <a:spcPts val="600"/>
-                  </a:spcAft>
-                  <a:buClr>
-                    <a:schemeClr val="accent1">
-                      <a:lumMod val="75000"/>
-                    </a:schemeClr>
-                  </a:buClr>
-                  <a:buSzPct val="145000"/>
-                  <a:buFont typeface="Arial"/>
-                  <a:buChar char="•"/>
-                  <a:defRPr sz="1400" kern="1200" cap="none">
-                    <a:solidFill>
-                      <a:schemeClr val="tx1"/>
-                    </a:solidFill>
-                    <a:effectLst/>
-                    <a:latin typeface="+mn-lt"/>
-                    <a:ea typeface="+mn-ea"/>
-                    <a:cs typeface="+mn-cs"/>
-                  </a:defRPr>
-                </a:lvl9pPr>
-              </a:lstStyle>
-              <a:p>
-                <a:pPr marL="342900" lvl="0" indent="-342900">
-                  <a:lnSpc>
-                    <a:spcPct val="107000"/>
-                  </a:lnSpc>
-                  <a:buFont typeface="Symbol" panose="05050102010706020507" pitchFamily="18" charset="2"/>
-                  <a:buChar char="·"/>
-                </a:pPr>
-                <a:r>
-                  <a:rPr lang="en-GB" sz="2200" dirty="0"/>
-                  <a:t>United States of America (USA)</a:t>
-                </a:r>
-                <a:endParaRPr lang="en-SG" sz="2200" dirty="0"/>
-              </a:p>
-              <a:p>
-                <a:pPr marL="742950" lvl="1" indent="-285750">
-                  <a:lnSpc>
-                    <a:spcPct val="107000"/>
-                  </a:lnSpc>
-                  <a:buFont typeface="Courier New" panose="02070309020205020404" pitchFamily="49" charset="0"/>
-                  <a:buChar char="o"/>
-                </a:pPr>
-                <a14:m>
-                  <m:oMath xmlns:m="http://schemas.openxmlformats.org/officeDocument/2006/math">
-                    <m:sSub>
-                      <m:sSubPr>
-                        <m:ctrlPr>
-                          <a:rPr lang="en-SG" sz="1900" i="1">
-                            <a:latin typeface="Cambria Math" panose="02040503050406030204" pitchFamily="18" charset="0"/>
-                          </a:rPr>
-                        </m:ctrlPr>
-                      </m:sSubPr>
-                      <m:e>
-                        <m:r>
-                          <a:rPr lang="en-GB" sz="1900" i="1">
-                            <a:latin typeface="Cambria Math" panose="02040503050406030204" pitchFamily="18" charset="0"/>
-                          </a:rPr>
-                          <m:t>𝐶</m:t>
-                        </m:r>
-                      </m:e>
-                      <m:sub>
-                        <m:r>
-                          <a:rPr lang="en-GB" sz="1900" i="1">
-                            <a:latin typeface="Cambria Math" panose="02040503050406030204" pitchFamily="18" charset="0"/>
-                          </a:rPr>
-                          <m:t>𝑈𝑆𝐴</m:t>
-                        </m:r>
-                        <m:r>
-                          <a:rPr lang="en-GB" sz="1900" i="1">
-                            <a:latin typeface="Cambria Math" panose="02040503050406030204" pitchFamily="18" charset="0"/>
-                          </a:rPr>
-                          <m:t>,</m:t>
-                        </m:r>
-                        <m:r>
-                          <a:rPr lang="en-GB" sz="1900" i="1">
-                            <a:latin typeface="Cambria Math" panose="02040503050406030204" pitchFamily="18" charset="0"/>
-                          </a:rPr>
-                          <m:t>𝐸</m:t>
-                        </m:r>
-                      </m:sub>
-                    </m:sSub>
-                    <m:r>
-                      <a:rPr lang="en-GB" sz="1900" i="1">
-                        <a:latin typeface="Cambria Math" panose="02040503050406030204" pitchFamily="18" charset="0"/>
-                      </a:rPr>
-                      <m:t>=2000</m:t>
-                    </m:r>
-                  </m:oMath>
-                </a14:m>
-                <a:endParaRPr lang="en-SG" sz="1900" i="1" dirty="0">
-                  <a:latin typeface="Cambria Math" panose="02040503050406030204" pitchFamily="18" charset="0"/>
-                </a:endParaRPr>
-              </a:p>
-              <a:p>
-                <a:pPr marL="742950" lvl="1" indent="-285750">
-                  <a:lnSpc>
-                    <a:spcPct val="107000"/>
-                  </a:lnSpc>
-                  <a:buFont typeface="Courier New" panose="02070309020205020404" pitchFamily="49" charset="0"/>
-                  <a:buChar char="o"/>
-                </a:pPr>
-                <a14:m>
-                  <m:oMath xmlns:m="http://schemas.openxmlformats.org/officeDocument/2006/math">
-                    <m:sSub>
-                      <m:sSubPr>
-                        <m:ctrlPr>
-                          <a:rPr lang="en-SG" sz="1900" i="1">
-                            <a:latin typeface="Cambria Math" panose="02040503050406030204" pitchFamily="18" charset="0"/>
-                          </a:rPr>
-                        </m:ctrlPr>
-                      </m:sSubPr>
-                      <m:e>
-                        <m:r>
-                          <a:rPr lang="en-GB" sz="1900" i="1">
-                            <a:latin typeface="Cambria Math" panose="02040503050406030204" pitchFamily="18" charset="0"/>
-                          </a:rPr>
-                          <m:t>𝐶</m:t>
-                        </m:r>
-                      </m:e>
-                      <m:sub>
-                        <m:r>
-                          <a:rPr lang="en-GB" sz="1900" i="1">
-                            <a:latin typeface="Cambria Math" panose="02040503050406030204" pitchFamily="18" charset="0"/>
-                          </a:rPr>
-                          <m:t>𝑈𝑆𝐴</m:t>
-                        </m:r>
-                        <m:r>
-                          <a:rPr lang="en-GB" sz="1900" i="1">
-                            <a:latin typeface="Cambria Math" panose="02040503050406030204" pitchFamily="18" charset="0"/>
-                          </a:rPr>
-                          <m:t>,</m:t>
-                        </m:r>
-                        <m:r>
-                          <a:rPr lang="en-GB" sz="1900" i="1">
-                            <a:latin typeface="Cambria Math" panose="02040503050406030204" pitchFamily="18" charset="0"/>
-                          </a:rPr>
-                          <m:t>𝑃</m:t>
-                        </m:r>
-                      </m:sub>
-                    </m:sSub>
-                    <m:r>
-                      <a:rPr lang="en-GB" sz="1900" i="1">
-                        <a:latin typeface="Cambria Math" panose="02040503050406030204" pitchFamily="18" charset="0"/>
-                      </a:rPr>
-                      <m:t>=1000</m:t>
-                    </m:r>
-                  </m:oMath>
-                </a14:m>
-                <a:endParaRPr lang="en-SG" sz="1900" i="1" dirty="0">
-                  <a:latin typeface="Cambria Math" panose="02040503050406030204" pitchFamily="18" charset="0"/>
-                </a:endParaRPr>
-              </a:p>
-              <a:p>
-                <a:pPr marL="742950" lvl="1" indent="-285750">
-                  <a:lnSpc>
-                    <a:spcPct val="107000"/>
-                  </a:lnSpc>
-                  <a:buFont typeface="Courier New" panose="02070309020205020404" pitchFamily="49" charset="0"/>
-                  <a:buChar char="o"/>
-                </a:pPr>
-                <a14:m>
-                  <m:oMath xmlns:m="http://schemas.openxmlformats.org/officeDocument/2006/math">
-                    <m:sSub>
-                      <m:sSubPr>
-                        <m:ctrlPr>
-                          <a:rPr lang="en-SG" sz="1900" i="1">
-                            <a:latin typeface="Cambria Math" panose="02040503050406030204" pitchFamily="18" charset="0"/>
-                          </a:rPr>
-                        </m:ctrlPr>
-                      </m:sSubPr>
-                      <m:e>
-                        <m:r>
-                          <a:rPr lang="en-GB" sz="1900" i="1">
-                            <a:latin typeface="Cambria Math" panose="02040503050406030204" pitchFamily="18" charset="0"/>
-                          </a:rPr>
-                          <m:t>𝐶</m:t>
-                        </m:r>
-                      </m:e>
-                      <m:sub>
-                        <m:r>
-                          <a:rPr lang="en-GB" sz="1900" i="1">
-                            <a:latin typeface="Cambria Math" panose="02040503050406030204" pitchFamily="18" charset="0"/>
-                          </a:rPr>
-                          <m:t>𝑈𝑆𝐴</m:t>
-                        </m:r>
-                        <m:r>
-                          <a:rPr lang="en-GB" sz="1900" i="1">
-                            <a:latin typeface="Cambria Math" panose="02040503050406030204" pitchFamily="18" charset="0"/>
-                          </a:rPr>
-                          <m:t>,</m:t>
-                        </m:r>
-                        <m:r>
-                          <a:rPr lang="en-GB" sz="1900" i="1">
-                            <a:latin typeface="Cambria Math" panose="02040503050406030204" pitchFamily="18" charset="0"/>
-                          </a:rPr>
-                          <m:t>𝑀</m:t>
-                        </m:r>
-                      </m:sub>
-                    </m:sSub>
-                    <m:r>
-                      <a:rPr lang="en-GB" sz="1900" i="1">
-                        <a:latin typeface="Cambria Math" panose="02040503050406030204" pitchFamily="18" charset="0"/>
-                      </a:rPr>
-                      <m:t>=2200</m:t>
-                    </m:r>
-                  </m:oMath>
-                </a14:m>
-                <a:endParaRPr lang="en-SG" sz="1900" i="1" dirty="0">
-                  <a:latin typeface="Cambria Math" panose="02040503050406030204" pitchFamily="18" charset="0"/>
-                </a:endParaRPr>
-              </a:p>
-              <a:p>
-                <a:pPr marL="742950" lvl="1" indent="-285750">
-                  <a:lnSpc>
-                    <a:spcPct val="107000"/>
-                  </a:lnSpc>
-                  <a:buFont typeface="Courier New" panose="02070309020205020404" pitchFamily="49" charset="0"/>
-                  <a:buChar char="o"/>
-                </a:pPr>
-                <a14:m>
-                  <m:oMath xmlns:m="http://schemas.openxmlformats.org/officeDocument/2006/math">
-                    <m:sSub>
-                      <m:sSubPr>
-                        <m:ctrlPr>
-                          <a:rPr lang="en-SG" sz="1900" i="1">
-                            <a:latin typeface="Cambria Math" panose="02040503050406030204" pitchFamily="18" charset="0"/>
-                          </a:rPr>
-                        </m:ctrlPr>
-                      </m:sSubPr>
-                      <m:e>
-                        <m:r>
-                          <a:rPr lang="en-GB" sz="1900" i="1">
-                            <a:latin typeface="Cambria Math" panose="02040503050406030204" pitchFamily="18" charset="0"/>
-                          </a:rPr>
-                          <m:t>𝐶</m:t>
-                        </m:r>
-                      </m:e>
-                      <m:sub>
-                        <m:r>
-                          <a:rPr lang="en-GB" sz="1900" i="1">
-                            <a:latin typeface="Cambria Math" panose="02040503050406030204" pitchFamily="18" charset="0"/>
-                          </a:rPr>
-                          <m:t>𝑈𝑆𝐴</m:t>
-                        </m:r>
-                        <m:r>
-                          <a:rPr lang="en-GB" sz="1900" i="1">
-                            <a:latin typeface="Cambria Math" panose="02040503050406030204" pitchFamily="18" charset="0"/>
-                          </a:rPr>
-                          <m:t>,</m:t>
-                        </m:r>
-                        <m:r>
-                          <a:rPr lang="en-GB" sz="1900" i="1">
-                            <a:latin typeface="Cambria Math" panose="02040503050406030204" pitchFamily="18" charset="0"/>
-                          </a:rPr>
-                          <m:t>𝐴</m:t>
-                        </m:r>
-                      </m:sub>
-                    </m:sSub>
-                    <m:r>
-                      <a:rPr lang="en-GB" sz="1900" i="1">
-                        <a:latin typeface="Cambria Math" panose="02040503050406030204" pitchFamily="18" charset="0"/>
-                      </a:rPr>
-                      <m:t>=900</m:t>
-                    </m:r>
-                  </m:oMath>
-                </a14:m>
-                <a:endParaRPr lang="en-SG" sz="1900" i="1" dirty="0">
-                  <a:latin typeface="Cambria Math" panose="02040503050406030204" pitchFamily="18" charset="0"/>
-                </a:endParaRPr>
-              </a:p>
-              <a:p>
-                <a:pPr marL="742950" lvl="1" indent="-285750">
-                  <a:lnSpc>
-                    <a:spcPct val="107000"/>
-                  </a:lnSpc>
-                  <a:buFont typeface="Courier New" panose="02070309020205020404" pitchFamily="49" charset="0"/>
-                  <a:buChar char="o"/>
-                </a:pPr>
-                <a14:m>
-                  <m:oMath xmlns:m="http://schemas.openxmlformats.org/officeDocument/2006/math">
-                    <m:sSub>
-                      <m:sSubPr>
-                        <m:ctrlPr>
-                          <a:rPr lang="en-SG" sz="1900" i="1">
-                            <a:latin typeface="Cambria Math" panose="02040503050406030204" pitchFamily="18" charset="0"/>
-                          </a:rPr>
-                        </m:ctrlPr>
-                      </m:sSubPr>
-                      <m:e>
-                        <m:r>
-                          <a:rPr lang="en-GB" sz="1900" i="1">
-                            <a:latin typeface="Cambria Math" panose="02040503050406030204" pitchFamily="18" charset="0"/>
-                          </a:rPr>
-                          <m:t>𝐶</m:t>
-                        </m:r>
-                      </m:e>
-                      <m:sub>
-                        <m:r>
-                          <a:rPr lang="en-GB" sz="1900" i="1">
-                            <a:latin typeface="Cambria Math" panose="02040503050406030204" pitchFamily="18" charset="0"/>
-                          </a:rPr>
-                          <m:t>𝑈𝑆𝐴</m:t>
-                        </m:r>
-                        <m:r>
-                          <a:rPr lang="en-GB" sz="1900" i="1">
-                            <a:latin typeface="Cambria Math" panose="02040503050406030204" pitchFamily="18" charset="0"/>
-                          </a:rPr>
-                          <m:t>,</m:t>
-                        </m:r>
-                        <m:r>
-                          <a:rPr lang="en-GB" sz="1900" i="1">
-                            <a:latin typeface="Cambria Math" panose="02040503050406030204" pitchFamily="18" charset="0"/>
-                          </a:rPr>
-                          <m:t>𝐷</m:t>
-                        </m:r>
-                      </m:sub>
-                    </m:sSub>
-                    <m:r>
-                      <a:rPr lang="en-GB" sz="1900" i="1">
-                        <a:latin typeface="Cambria Math" panose="02040503050406030204" pitchFamily="18" charset="0"/>
-                      </a:rPr>
-                      <m:t>=−</m:t>
-                    </m:r>
-                    <m:sSup>
-                      <m:sSupPr>
-                        <m:ctrlPr>
-                          <a:rPr lang="en-SG" sz="1900" i="1">
-                            <a:latin typeface="Cambria Math" panose="02040503050406030204" pitchFamily="18" charset="0"/>
-                          </a:rPr>
-                        </m:ctrlPr>
-                      </m:sSupPr>
-                      <m:e>
-                        <m:r>
-                          <a:rPr lang="en-GB" sz="1900" i="1">
-                            <a:latin typeface="Cambria Math" panose="02040503050406030204" pitchFamily="18" charset="0"/>
-                          </a:rPr>
-                          <m:t>30000</m:t>
-                        </m:r>
-                      </m:e>
-                      <m:sup>
-                        <m:r>
-                          <a:rPr lang="en-GB" sz="1900" i="1">
-                            <a:latin typeface="Cambria Math" panose="02040503050406030204" pitchFamily="18" charset="0"/>
-                          </a:rPr>
-                          <m:t>∗</m:t>
-                        </m:r>
-                      </m:sup>
-                    </m:sSup>
-                  </m:oMath>
-                </a14:m>
-                <a:endParaRPr lang="en-SG" sz="1900" i="1" dirty="0">
-                  <a:latin typeface="Cambria Math" panose="02040503050406030204" pitchFamily="18" charset="0"/>
-                </a:endParaRPr>
-              </a:p>
-              <a:p>
-                <a:pPr marL="742950" lvl="1" indent="-285750">
-                  <a:lnSpc>
-                    <a:spcPct val="107000"/>
-                  </a:lnSpc>
-                  <a:buFont typeface="Courier New" panose="02070309020205020404" pitchFamily="49" charset="0"/>
-                  <a:buChar char="o"/>
-                </a:pPr>
-                <a14:m>
-                  <m:oMath xmlns:m="http://schemas.openxmlformats.org/officeDocument/2006/math">
-                    <m:r>
-                      <a:rPr lang="en-GB" sz="1900" i="1">
-                        <a:latin typeface="Cambria Math" panose="02040503050406030204" pitchFamily="18" charset="0"/>
-                      </a:rPr>
-                      <m:t>𝐸</m:t>
-                    </m:r>
-                    <m:sSub>
-                      <m:sSubPr>
-                        <m:ctrlPr>
-                          <a:rPr lang="en-SG" sz="1900" i="1">
-                            <a:latin typeface="Cambria Math" panose="02040503050406030204" pitchFamily="18" charset="0"/>
-                          </a:rPr>
-                        </m:ctrlPr>
-                      </m:sSubPr>
-                      <m:e>
-                        <m:r>
-                          <a:rPr lang="en-GB" sz="1900" i="1">
-                            <a:latin typeface="Cambria Math" panose="02040503050406030204" pitchFamily="18" charset="0"/>
-                          </a:rPr>
-                          <m:t>𝑥</m:t>
-                        </m:r>
-                      </m:e>
-                      <m:sub>
-                        <m:r>
-                          <a:rPr lang="en-GB" sz="1900" i="1">
-                            <a:latin typeface="Cambria Math" panose="02040503050406030204" pitchFamily="18" charset="0"/>
-                          </a:rPr>
-                          <m:t>𝑈𝑆𝐴</m:t>
-                        </m:r>
-                        <m:r>
-                          <a:rPr lang="en-GB" sz="1900" i="1">
-                            <a:latin typeface="Cambria Math" panose="02040503050406030204" pitchFamily="18" charset="0"/>
-                          </a:rPr>
-                          <m:t>,</m:t>
-                        </m:r>
-                        <m:r>
-                          <a:rPr lang="en-GB" sz="1900" i="1">
-                            <a:latin typeface="Cambria Math" panose="02040503050406030204" pitchFamily="18" charset="0"/>
-                          </a:rPr>
-                          <m:t>𝐸</m:t>
-                        </m:r>
-                      </m:sub>
-                    </m:sSub>
-                    <m:r>
-                      <a:rPr lang="en-GB" sz="1900" i="1">
-                        <a:latin typeface="Cambria Math" panose="02040503050406030204" pitchFamily="18" charset="0"/>
-                      </a:rPr>
-                      <m:t>=2100</m:t>
-                    </m:r>
-                  </m:oMath>
-                </a14:m>
-                <a:endParaRPr lang="en-SG" sz="1900" i="1" dirty="0">
-                  <a:latin typeface="Cambria Math" panose="02040503050406030204" pitchFamily="18" charset="0"/>
-                </a:endParaRPr>
-              </a:p>
-              <a:p>
-                <a:pPr marL="742950" lvl="1" indent="-285750">
-                  <a:lnSpc>
-                    <a:spcPct val="107000"/>
-                  </a:lnSpc>
-                  <a:buFont typeface="Courier New" panose="02070309020205020404" pitchFamily="49" charset="0"/>
-                  <a:buChar char="o"/>
-                </a:pPr>
-                <a14:m>
-                  <m:oMath xmlns:m="http://schemas.openxmlformats.org/officeDocument/2006/math">
-                    <m:r>
-                      <a:rPr lang="en-GB" sz="1900" i="1">
-                        <a:latin typeface="Cambria Math" panose="02040503050406030204" pitchFamily="18" charset="0"/>
-                      </a:rPr>
-                      <m:t>𝐸</m:t>
-                    </m:r>
-                    <m:sSub>
-                      <m:sSubPr>
-                        <m:ctrlPr>
-                          <a:rPr lang="en-SG" sz="1900" i="1">
-                            <a:latin typeface="Cambria Math" panose="02040503050406030204" pitchFamily="18" charset="0"/>
-                          </a:rPr>
-                        </m:ctrlPr>
-                      </m:sSubPr>
-                      <m:e>
-                        <m:r>
-                          <a:rPr lang="en-GB" sz="1900" i="1">
-                            <a:latin typeface="Cambria Math" panose="02040503050406030204" pitchFamily="18" charset="0"/>
-                          </a:rPr>
-                          <m:t>𝑥</m:t>
-                        </m:r>
-                      </m:e>
-                      <m:sub>
-                        <m:r>
-                          <a:rPr lang="en-GB" sz="1900" i="1">
-                            <a:latin typeface="Cambria Math" panose="02040503050406030204" pitchFamily="18" charset="0"/>
-                          </a:rPr>
-                          <m:t>𝑈𝑆𝐴</m:t>
-                        </m:r>
-                        <m:r>
-                          <a:rPr lang="en-GB" sz="1900" i="1">
-                            <a:latin typeface="Cambria Math" panose="02040503050406030204" pitchFamily="18" charset="0"/>
-                          </a:rPr>
-                          <m:t>,</m:t>
-                        </m:r>
-                        <m:r>
-                          <a:rPr lang="en-GB" sz="1900" i="1">
-                            <a:latin typeface="Cambria Math" panose="02040503050406030204" pitchFamily="18" charset="0"/>
-                          </a:rPr>
-                          <m:t>𝑀</m:t>
-                        </m:r>
-                      </m:sub>
-                    </m:sSub>
-                    <m:r>
-                      <a:rPr lang="en-GB" sz="1900" i="1">
-                        <a:latin typeface="Cambria Math" panose="02040503050406030204" pitchFamily="18" charset="0"/>
-                      </a:rPr>
-                      <m:t>=8500</m:t>
-                    </m:r>
-                  </m:oMath>
-                </a14:m>
-                <a:endParaRPr lang="en-SG" sz="1900" i="1" dirty="0">
-                  <a:latin typeface="Cambria Math" panose="02040503050406030204" pitchFamily="18" charset="0"/>
-                </a:endParaRPr>
-              </a:p>
-              <a:p>
-                <a:pPr marL="742950" lvl="1" indent="-285750">
-                  <a:lnSpc>
-                    <a:spcPct val="107000"/>
-                  </a:lnSpc>
-                  <a:spcAft>
-                    <a:spcPts val="800"/>
-                  </a:spcAft>
-                  <a:buFont typeface="Courier New" panose="02070309020205020404" pitchFamily="49" charset="0"/>
-                  <a:buChar char="o"/>
-                </a:pPr>
-                <a14:m>
-                  <m:oMath xmlns:m="http://schemas.openxmlformats.org/officeDocument/2006/math">
-                    <m:r>
-                      <a:rPr lang="en-GB" sz="1900" i="1">
-                        <a:latin typeface="Cambria Math" panose="02040503050406030204" pitchFamily="18" charset="0"/>
-                      </a:rPr>
-                      <m:t>𝐸</m:t>
-                    </m:r>
-                    <m:sSub>
-                      <m:sSubPr>
-                        <m:ctrlPr>
-                          <a:rPr lang="en-SG" sz="1900" i="1">
-                            <a:latin typeface="Cambria Math" panose="02040503050406030204" pitchFamily="18" charset="0"/>
-                          </a:rPr>
-                        </m:ctrlPr>
-                      </m:sSubPr>
-                      <m:e>
-                        <m:r>
-                          <a:rPr lang="en-GB" sz="1900" i="1">
-                            <a:latin typeface="Cambria Math" panose="02040503050406030204" pitchFamily="18" charset="0"/>
-                          </a:rPr>
-                          <m:t>𝑥</m:t>
-                        </m:r>
-                      </m:e>
-                      <m:sub>
-                        <m:r>
-                          <a:rPr lang="en-GB" sz="1900" i="1">
-                            <a:latin typeface="Cambria Math" panose="02040503050406030204" pitchFamily="18" charset="0"/>
-                          </a:rPr>
-                          <m:t>𝑈𝑆𝐴</m:t>
-                        </m:r>
-                        <m:r>
-                          <a:rPr lang="en-GB" sz="1900" i="1">
-                            <a:latin typeface="Cambria Math" panose="02040503050406030204" pitchFamily="18" charset="0"/>
-                          </a:rPr>
-                          <m:t>,</m:t>
-                        </m:r>
-                        <m:r>
-                          <a:rPr lang="en-GB" sz="1900" i="1">
-                            <a:latin typeface="Cambria Math" panose="02040503050406030204" pitchFamily="18" charset="0"/>
-                          </a:rPr>
-                          <m:t>𝐴</m:t>
-                        </m:r>
-                      </m:sub>
-                    </m:sSub>
-                    <m:r>
-                      <a:rPr lang="en-GB" sz="1900" i="1">
-                        <a:latin typeface="Cambria Math" panose="02040503050406030204" pitchFamily="18" charset="0"/>
-                      </a:rPr>
-                      <m:t>=26000</m:t>
-                    </m:r>
-                  </m:oMath>
-                </a14:m>
-                <a:endParaRPr lang="en-SG" sz="1900" i="1" dirty="0">
-                  <a:latin typeface="Cambria Math" panose="02040503050406030204" pitchFamily="18" charset="0"/>
-                </a:endParaRPr>
-              </a:p>
-              <a:p>
-                <a:pPr lvl="1"/>
-                <a:endParaRPr lang="en-SG" dirty="0"/>
-              </a:p>
-              <a:p>
-                <a:pPr lvl="1"/>
-                <a:endParaRPr lang="en-SG" dirty="0"/>
-              </a:p>
-              <a:p>
-                <a:endParaRPr lang="en-SG" dirty="0"/>
-              </a:p>
-            </p:txBody>
-          </p:sp>
-        </mc:Choice>
-        <mc:Fallback xmlns="">
-          <p:sp>
-            <p:nvSpPr>
-              <p:cNvPr id="7" name="Content Placeholder 2">
-                <a:extLst>
-                  <a:ext uri="{FF2B5EF4-FFF2-40B4-BE49-F238E27FC236}">
-                    <a16:creationId xmlns:a16="http://schemas.microsoft.com/office/drawing/2014/main" id="{B0F414B5-A00B-8847-1172-36C3AB4BDC02}"/>
-                  </a:ext>
-                </a:extLst>
-              </p:cNvPr>
-              <p:cNvSpPr txBox="1">
-                <a:spLocks noRot="1" noChangeAspect="1" noMove="1" noResize="1" noEditPoints="1" noAdjustHandles="1" noChangeArrowheads="1" noChangeShapeType="1" noTextEdit="1"/>
-              </p:cNvSpPr>
-              <p:nvPr/>
-            </p:nvSpPr>
-            <p:spPr>
-              <a:xfrm>
-                <a:off x="6493667" y="1868345"/>
-                <a:ext cx="3133989" cy="4440073"/>
-              </a:xfrm>
-              <a:prstGeom prst="rect">
-                <a:avLst/>
-              </a:prstGeom>
-              <a:blipFill>
-                <a:blip r:embed="rId4"/>
-                <a:stretch>
-                  <a:fillRect l="-5058" t="-5213"/>
-                </a:stretch>
-              </a:blipFill>
-            </p:spPr>
-            <p:txBody>
-              <a:bodyPr/>
-              <a:lstStyle/>
-              <a:p>
-                <a:r>
-                  <a:rPr lang="en-SG">
-                    <a:noFill/>
-                  </a:rPr>
-                  <a:t> </a:t>
-                </a:r>
-              </a:p>
-            </p:txBody>
-          </p:sp>
-        </mc:Fallback>
-      </mc:AlternateContent>
-      <mc:AlternateContent xmlns:mc="http://schemas.openxmlformats.org/markup-compatibility/2006" xmlns:a14="http://schemas.microsoft.com/office/drawing/2010/main">
-        <mc:Choice Requires="a14">
-          <p:sp>
-            <p:nvSpPr>
-              <p:cNvPr id="8" name="Content Placeholder 2">
-                <a:extLst>
-                  <a:ext uri="{FF2B5EF4-FFF2-40B4-BE49-F238E27FC236}">
-                    <a16:creationId xmlns:a16="http://schemas.microsoft.com/office/drawing/2014/main" id="{28F05A44-95EA-3BC1-F052-0119890C013F}"/>
-                  </a:ext>
-                </a:extLst>
-              </p:cNvPr>
-              <p:cNvSpPr txBox="1">
-                <a:spLocks/>
-              </p:cNvSpPr>
-              <p:nvPr/>
-            </p:nvSpPr>
-            <p:spPr>
-              <a:xfrm>
-                <a:off x="8976988" y="1752599"/>
-                <a:ext cx="3133989" cy="4440073"/>
-              </a:xfrm>
-              <a:prstGeom prst="rect">
-                <a:avLst/>
-              </a:prstGeom>
-            </p:spPr>
-            <p:txBody>
-              <a:bodyPr vert="horz" lIns="91440" tIns="45720" rIns="91440" bIns="45720" rtlCol="0" anchor="t">
-                <a:normAutofit/>
-              </a:bodyPr>
-              <a:lstStyle>
-                <a:lvl1pPr marL="285750" indent="-285750" algn="l" defTabSz="457200" rtl="0" eaLnBrk="1" latinLnBrk="0" hangingPunct="1">
-                  <a:spcBef>
-                    <a:spcPct val="20000"/>
-                  </a:spcBef>
-                  <a:spcAft>
-                    <a:spcPts val="600"/>
-                  </a:spcAft>
-                  <a:buClr>
-                    <a:schemeClr val="accent1">
-                      <a:lumMod val="75000"/>
-                    </a:schemeClr>
-                  </a:buClr>
-                  <a:buSzPct val="145000"/>
-                  <a:buFont typeface="Arial"/>
-                  <a:buChar char="•"/>
-                  <a:defRPr sz="2400" kern="1200" cap="none">
-                    <a:solidFill>
-                      <a:schemeClr val="tx1"/>
-                    </a:solidFill>
-                    <a:effectLst/>
-                    <a:latin typeface="+mn-lt"/>
-                    <a:ea typeface="+mn-ea"/>
-                    <a:cs typeface="+mn-cs"/>
-                  </a:defRPr>
-                </a:lvl1pPr>
-                <a:lvl2pPr marL="742950" indent="-285750" algn="l" defTabSz="457200" rtl="0" eaLnBrk="1" latinLnBrk="0" hangingPunct="1">
-                  <a:spcBef>
-                    <a:spcPct val="20000"/>
-                  </a:spcBef>
-                  <a:spcAft>
-                    <a:spcPts val="600"/>
-                  </a:spcAft>
-                  <a:buClr>
-                    <a:schemeClr val="accent1">
-                      <a:lumMod val="75000"/>
-                    </a:schemeClr>
-                  </a:buClr>
-                  <a:buSzPct val="145000"/>
-                  <a:buFont typeface="Arial"/>
-                  <a:buChar char="•"/>
-                  <a:defRPr sz="2000" kern="1200" cap="none">
-                    <a:solidFill>
-                      <a:schemeClr val="tx1"/>
-                    </a:solidFill>
-                    <a:effectLst/>
-                    <a:latin typeface="+mn-lt"/>
-                    <a:ea typeface="+mn-ea"/>
-                    <a:cs typeface="+mn-cs"/>
-                  </a:defRPr>
-                </a:lvl2pPr>
-                <a:lvl3pPr marL="1200150" indent="-285750" algn="l" defTabSz="457200" rtl="0" eaLnBrk="1" latinLnBrk="0" hangingPunct="1">
-                  <a:spcBef>
-                    <a:spcPct val="20000"/>
-                  </a:spcBef>
-                  <a:spcAft>
-                    <a:spcPts val="600"/>
-                  </a:spcAft>
-                  <a:buClr>
-                    <a:schemeClr val="accent1">
-                      <a:lumMod val="75000"/>
-                    </a:schemeClr>
-                  </a:buClr>
-                  <a:buSzPct val="145000"/>
-                  <a:buFont typeface="Arial"/>
-                  <a:buChar char="•"/>
-                  <a:defRPr sz="1800" kern="1200" cap="none">
-                    <a:solidFill>
-                      <a:schemeClr val="tx1"/>
-                    </a:solidFill>
-                    <a:effectLst/>
-                    <a:latin typeface="+mn-lt"/>
-                    <a:ea typeface="+mn-ea"/>
-                    <a:cs typeface="+mn-cs"/>
-                  </a:defRPr>
-                </a:lvl3pPr>
-                <a:lvl4pPr marL="1543050" indent="-171450" algn="l" defTabSz="457200" rtl="0" eaLnBrk="1" latinLnBrk="0" hangingPunct="1">
-                  <a:spcBef>
-                    <a:spcPct val="20000"/>
-                  </a:spcBef>
-                  <a:spcAft>
-                    <a:spcPts val="600"/>
-                  </a:spcAft>
-                  <a:buClr>
-                    <a:schemeClr val="accent1">
-                      <a:lumMod val="75000"/>
-                    </a:schemeClr>
-                  </a:buClr>
-                  <a:buSzPct val="145000"/>
-                  <a:buFont typeface="Arial"/>
-                  <a:buChar char="•"/>
-                  <a:defRPr sz="1600" kern="1200" cap="none">
-                    <a:solidFill>
-                      <a:schemeClr val="tx1"/>
-                    </a:solidFill>
-                    <a:effectLst/>
-                    <a:latin typeface="+mn-lt"/>
-                    <a:ea typeface="+mn-ea"/>
-                    <a:cs typeface="+mn-cs"/>
-                  </a:defRPr>
-                </a:lvl4pPr>
-                <a:lvl5pPr marL="2000250" indent="-171450" algn="l" defTabSz="457200" rtl="0" eaLnBrk="1" latinLnBrk="0" hangingPunct="1">
-                  <a:spcBef>
-                    <a:spcPct val="20000"/>
-                  </a:spcBef>
-                  <a:spcAft>
-                    <a:spcPts val="600"/>
-                  </a:spcAft>
-                  <a:buClr>
-                    <a:schemeClr val="accent1">
-                      <a:lumMod val="75000"/>
-                    </a:schemeClr>
-                  </a:buClr>
-                  <a:buSzPct val="145000"/>
-                  <a:buFont typeface="Arial"/>
-                  <a:buChar char="•"/>
-                  <a:defRPr sz="1400" kern="1200" cap="none">
-                    <a:solidFill>
-                      <a:schemeClr val="tx1"/>
-                    </a:solidFill>
-                    <a:effectLst/>
-                    <a:latin typeface="+mn-lt"/>
-                    <a:ea typeface="+mn-ea"/>
-                    <a:cs typeface="+mn-cs"/>
-                  </a:defRPr>
-                </a:lvl5pPr>
-                <a:lvl6pPr marL="2514600" indent="-228600" algn="l" defTabSz="457200" rtl="0" eaLnBrk="1" latinLnBrk="0" hangingPunct="1">
-                  <a:spcBef>
-                    <a:spcPct val="20000"/>
-                  </a:spcBef>
-                  <a:spcAft>
-                    <a:spcPts val="600"/>
-                  </a:spcAft>
-                  <a:buClr>
-                    <a:schemeClr val="accent1">
-                      <a:lumMod val="75000"/>
-                    </a:schemeClr>
-                  </a:buClr>
-                  <a:buSzPct val="145000"/>
-                  <a:buFont typeface="Arial"/>
-                  <a:buChar char="•"/>
-                  <a:defRPr sz="1400" kern="1200" cap="none">
-                    <a:solidFill>
-                      <a:schemeClr val="tx1"/>
-                    </a:solidFill>
-                    <a:effectLst/>
-                    <a:latin typeface="+mn-lt"/>
-                    <a:ea typeface="+mn-ea"/>
-                    <a:cs typeface="+mn-cs"/>
-                  </a:defRPr>
-                </a:lvl6pPr>
-                <a:lvl7pPr marL="2971800" indent="-228600" algn="l" defTabSz="457200" rtl="0" eaLnBrk="1" latinLnBrk="0" hangingPunct="1">
-                  <a:spcBef>
-                    <a:spcPct val="20000"/>
-                  </a:spcBef>
-                  <a:spcAft>
-                    <a:spcPts val="600"/>
-                  </a:spcAft>
-                  <a:buClr>
-                    <a:schemeClr val="accent1">
-                      <a:lumMod val="75000"/>
-                    </a:schemeClr>
-                  </a:buClr>
-                  <a:buSzPct val="145000"/>
-                  <a:buFont typeface="Arial"/>
-                  <a:buChar char="•"/>
-                  <a:defRPr sz="1400" kern="1200" cap="none">
-                    <a:solidFill>
-                      <a:schemeClr val="tx1"/>
-                    </a:solidFill>
-                    <a:effectLst/>
-                    <a:latin typeface="+mn-lt"/>
-                    <a:ea typeface="+mn-ea"/>
-                    <a:cs typeface="+mn-cs"/>
-                  </a:defRPr>
-                </a:lvl7pPr>
-                <a:lvl8pPr marL="3429000" indent="-228600" algn="l" defTabSz="457200" rtl="0" eaLnBrk="1" latinLnBrk="0" hangingPunct="1">
-                  <a:spcBef>
-                    <a:spcPct val="20000"/>
-                  </a:spcBef>
-                  <a:spcAft>
-                    <a:spcPts val="600"/>
-                  </a:spcAft>
-                  <a:buClr>
-                    <a:schemeClr val="accent1">
-                      <a:lumMod val="75000"/>
-                    </a:schemeClr>
-                  </a:buClr>
-                  <a:buSzPct val="145000"/>
-                  <a:buFont typeface="Arial"/>
-                  <a:buChar char="•"/>
-                  <a:defRPr sz="1400" kern="1200" cap="none">
-                    <a:solidFill>
-                      <a:schemeClr val="tx1"/>
-                    </a:solidFill>
-                    <a:effectLst/>
-                    <a:latin typeface="+mn-lt"/>
-                    <a:ea typeface="+mn-ea"/>
-                    <a:cs typeface="+mn-cs"/>
-                  </a:defRPr>
-                </a:lvl8pPr>
-                <a:lvl9pPr marL="3886200" indent="-228600" algn="l" defTabSz="457200" rtl="0" eaLnBrk="1" latinLnBrk="0" hangingPunct="1">
-                  <a:spcBef>
-                    <a:spcPct val="20000"/>
-                  </a:spcBef>
-                  <a:spcAft>
-                    <a:spcPts val="600"/>
-                  </a:spcAft>
-                  <a:buClr>
-                    <a:schemeClr val="accent1">
-                      <a:lumMod val="75000"/>
-                    </a:schemeClr>
-                  </a:buClr>
-                  <a:buSzPct val="145000"/>
-                  <a:buFont typeface="Arial"/>
-                  <a:buChar char="•"/>
-                  <a:defRPr sz="1400" kern="1200" cap="none">
-                    <a:solidFill>
-                      <a:schemeClr val="tx1"/>
-                    </a:solidFill>
-                    <a:effectLst/>
-                    <a:latin typeface="+mn-lt"/>
-                    <a:ea typeface="+mn-ea"/>
-                    <a:cs typeface="+mn-cs"/>
-                  </a:defRPr>
-                </a:lvl9pPr>
-              </a:lstStyle>
-              <a:p>
-                <a:pPr marL="342900" lvl="0" indent="-342900">
-                  <a:lnSpc>
-                    <a:spcPct val="107000"/>
-                  </a:lnSpc>
-                  <a:buFont typeface="Symbol" panose="05050102010706020507" pitchFamily="18" charset="2"/>
-                  <a:buChar char="·"/>
-                </a:pPr>
-                <a:r>
-                  <a:rPr lang="en-GB" sz="2200" dirty="0"/>
-                  <a:t>Europe (EUR)</a:t>
-                </a:r>
-                <a:endParaRPr lang="en-SG" sz="2200" dirty="0"/>
-              </a:p>
-              <a:p>
-                <a:pPr marL="742950" lvl="1" indent="-285750">
-                  <a:lnSpc>
-                    <a:spcPct val="107000"/>
-                  </a:lnSpc>
-                  <a:buFont typeface="Courier New" panose="02070309020205020404" pitchFamily="49" charset="0"/>
-                  <a:buChar char="o"/>
-                </a:pPr>
-                <a14:m>
-                  <m:oMath xmlns:m="http://schemas.openxmlformats.org/officeDocument/2006/math">
-                    <m:sSub>
-                      <m:sSubPr>
-                        <m:ctrlPr>
-                          <a:rPr lang="en-SG" sz="1900" i="1">
-                            <a:latin typeface="Cambria Math" panose="02040503050406030204" pitchFamily="18" charset="0"/>
-                          </a:rPr>
-                        </m:ctrlPr>
-                      </m:sSubPr>
-                      <m:e>
-                        <m:r>
-                          <a:rPr lang="en-GB" sz="1900" i="1">
-                            <a:latin typeface="Cambria Math" panose="02040503050406030204" pitchFamily="18" charset="0"/>
-                          </a:rPr>
-                          <m:t>𝐶</m:t>
-                        </m:r>
-                      </m:e>
-                      <m:sub>
-                        <m:r>
-                          <a:rPr lang="en-GB" sz="1900" i="1">
-                            <a:latin typeface="Cambria Math" panose="02040503050406030204" pitchFamily="18" charset="0"/>
-                          </a:rPr>
-                          <m:t>𝐸𝑈𝑅</m:t>
-                        </m:r>
-                        <m:r>
-                          <a:rPr lang="en-GB" sz="1900" i="1">
-                            <a:latin typeface="Cambria Math" panose="02040503050406030204" pitchFamily="18" charset="0"/>
-                          </a:rPr>
-                          <m:t>,</m:t>
-                        </m:r>
-                        <m:r>
-                          <a:rPr lang="en-GB" sz="1900" i="1">
-                            <a:latin typeface="Cambria Math" panose="02040503050406030204" pitchFamily="18" charset="0"/>
-                          </a:rPr>
-                          <m:t>𝑃</m:t>
-                        </m:r>
-                      </m:sub>
-                    </m:sSub>
-                    <m:r>
-                      <a:rPr lang="en-GB" sz="1900" i="1">
-                        <a:latin typeface="Cambria Math" panose="02040503050406030204" pitchFamily="18" charset="0"/>
-                      </a:rPr>
-                      <m:t>=900</m:t>
-                    </m:r>
-                  </m:oMath>
-                </a14:m>
-                <a:endParaRPr lang="en-SG" sz="1900" i="1" dirty="0">
-                  <a:latin typeface="Cambria Math" panose="02040503050406030204" pitchFamily="18" charset="0"/>
-                </a:endParaRPr>
-              </a:p>
-              <a:p>
-                <a:pPr marL="742950" lvl="1" indent="-285750">
-                  <a:lnSpc>
-                    <a:spcPct val="107000"/>
-                  </a:lnSpc>
-                  <a:buFont typeface="Courier New" panose="02070309020205020404" pitchFamily="49" charset="0"/>
-                  <a:buChar char="o"/>
-                </a:pPr>
-                <a14:m>
-                  <m:oMath xmlns:m="http://schemas.openxmlformats.org/officeDocument/2006/math">
-                    <m:sSub>
-                      <m:sSubPr>
-                        <m:ctrlPr>
-                          <a:rPr lang="en-SG" sz="1900" i="1">
-                            <a:latin typeface="Cambria Math" panose="02040503050406030204" pitchFamily="18" charset="0"/>
-                          </a:rPr>
-                        </m:ctrlPr>
-                      </m:sSubPr>
-                      <m:e>
-                        <m:r>
-                          <a:rPr lang="en-GB" sz="1900" i="1">
-                            <a:latin typeface="Cambria Math" panose="02040503050406030204" pitchFamily="18" charset="0"/>
-                          </a:rPr>
-                          <m:t>𝐶</m:t>
-                        </m:r>
-                      </m:e>
-                      <m:sub>
-                        <m:r>
-                          <a:rPr lang="en-GB" sz="1900" i="1">
-                            <a:latin typeface="Cambria Math" panose="02040503050406030204" pitchFamily="18" charset="0"/>
-                          </a:rPr>
-                          <m:t>𝐸𝑈𝑅</m:t>
-                        </m:r>
-                        <m:r>
-                          <a:rPr lang="en-GB" sz="1900" i="1">
-                            <a:latin typeface="Cambria Math" panose="02040503050406030204" pitchFamily="18" charset="0"/>
-                          </a:rPr>
-                          <m:t>,</m:t>
-                        </m:r>
-                        <m:r>
-                          <a:rPr lang="en-GB" sz="1900" i="1">
-                            <a:latin typeface="Cambria Math" panose="02040503050406030204" pitchFamily="18" charset="0"/>
-                          </a:rPr>
-                          <m:t>𝑀</m:t>
-                        </m:r>
-                      </m:sub>
-                    </m:sSub>
-                    <m:r>
-                      <a:rPr lang="en-GB" sz="1900" i="1">
-                        <a:latin typeface="Cambria Math" panose="02040503050406030204" pitchFamily="18" charset="0"/>
-                      </a:rPr>
-                      <m:t>=2200</m:t>
-                    </m:r>
-                  </m:oMath>
-                </a14:m>
-                <a:endParaRPr lang="en-SG" sz="1900" i="1" dirty="0">
-                  <a:latin typeface="Cambria Math" panose="02040503050406030204" pitchFamily="18" charset="0"/>
-                </a:endParaRPr>
-              </a:p>
-              <a:p>
-                <a:pPr marL="742950" lvl="1" indent="-285750">
-                  <a:lnSpc>
-                    <a:spcPct val="107000"/>
-                  </a:lnSpc>
-                  <a:buFont typeface="Courier New" panose="02070309020205020404" pitchFamily="49" charset="0"/>
-                  <a:buChar char="o"/>
-                </a:pPr>
-                <a14:m>
-                  <m:oMath xmlns:m="http://schemas.openxmlformats.org/officeDocument/2006/math">
-                    <m:sSub>
-                      <m:sSubPr>
-                        <m:ctrlPr>
-                          <a:rPr lang="en-SG" sz="1900" i="1">
-                            <a:latin typeface="Cambria Math" panose="02040503050406030204" pitchFamily="18" charset="0"/>
-                          </a:rPr>
-                        </m:ctrlPr>
-                      </m:sSubPr>
-                      <m:e>
-                        <m:r>
-                          <a:rPr lang="en-GB" sz="1900" i="1">
-                            <a:latin typeface="Cambria Math" panose="02040503050406030204" pitchFamily="18" charset="0"/>
-                          </a:rPr>
-                          <m:t>𝐶</m:t>
-                        </m:r>
-                      </m:e>
-                      <m:sub>
-                        <m:r>
-                          <a:rPr lang="en-GB" sz="1900" i="1">
-                            <a:latin typeface="Cambria Math" panose="02040503050406030204" pitchFamily="18" charset="0"/>
-                          </a:rPr>
-                          <m:t>𝐸𝑈𝑅</m:t>
-                        </m:r>
-                        <m:r>
-                          <a:rPr lang="en-GB" sz="1900" i="1">
-                            <a:latin typeface="Cambria Math" panose="02040503050406030204" pitchFamily="18" charset="0"/>
-                          </a:rPr>
-                          <m:t>,</m:t>
-                        </m:r>
-                        <m:r>
-                          <a:rPr lang="en-GB" sz="1900" i="1">
-                            <a:latin typeface="Cambria Math" panose="02040503050406030204" pitchFamily="18" charset="0"/>
-                          </a:rPr>
-                          <m:t>𝐷</m:t>
-                        </m:r>
-                      </m:sub>
-                    </m:sSub>
-                    <m:r>
-                      <a:rPr lang="en-GB" sz="1900" i="1">
-                        <a:latin typeface="Cambria Math" panose="02040503050406030204" pitchFamily="18" charset="0"/>
-                      </a:rPr>
-                      <m:t>=−</m:t>
-                    </m:r>
-                    <m:sSup>
-                      <m:sSupPr>
-                        <m:ctrlPr>
-                          <a:rPr lang="en-SG" sz="1900" i="1">
-                            <a:latin typeface="Cambria Math" panose="02040503050406030204" pitchFamily="18" charset="0"/>
-                          </a:rPr>
-                        </m:ctrlPr>
-                      </m:sSupPr>
-                      <m:e>
-                        <m:r>
-                          <a:rPr lang="en-GB" sz="1900" i="1">
-                            <a:latin typeface="Cambria Math" panose="02040503050406030204" pitchFamily="18" charset="0"/>
-                          </a:rPr>
-                          <m:t>30000</m:t>
-                        </m:r>
-                      </m:e>
-                      <m:sup>
-                        <m:r>
-                          <a:rPr lang="en-GB" sz="1900" i="1">
-                            <a:latin typeface="Cambria Math" panose="02040503050406030204" pitchFamily="18" charset="0"/>
-                          </a:rPr>
-                          <m:t>∗</m:t>
-                        </m:r>
-                      </m:sup>
-                    </m:sSup>
-                  </m:oMath>
-                </a14:m>
-                <a:endParaRPr lang="en-SG" sz="1900" i="1" dirty="0">
-                  <a:latin typeface="Cambria Math" panose="02040503050406030204" pitchFamily="18" charset="0"/>
-                </a:endParaRPr>
-              </a:p>
-              <a:p>
-                <a:pPr marL="742950" lvl="1" indent="-285750">
-                  <a:lnSpc>
-                    <a:spcPct val="107000"/>
-                  </a:lnSpc>
-                  <a:spcAft>
-                    <a:spcPts val="800"/>
-                  </a:spcAft>
-                  <a:buFont typeface="Courier New" panose="02070309020205020404" pitchFamily="49" charset="0"/>
-                  <a:buChar char="o"/>
-                </a:pPr>
-                <a14:m>
-                  <m:oMath xmlns:m="http://schemas.openxmlformats.org/officeDocument/2006/math">
-                    <m:r>
-                      <a:rPr lang="en-GB" sz="1900" i="1">
-                        <a:latin typeface="Cambria Math" panose="02040503050406030204" pitchFamily="18" charset="0"/>
-                      </a:rPr>
-                      <m:t>𝐸</m:t>
-                    </m:r>
-                    <m:sSub>
-                      <m:sSubPr>
-                        <m:ctrlPr>
-                          <a:rPr lang="en-SG" sz="1900" i="1">
-                            <a:latin typeface="Cambria Math" panose="02040503050406030204" pitchFamily="18" charset="0"/>
-                          </a:rPr>
-                        </m:ctrlPr>
-                      </m:sSubPr>
-                      <m:e>
-                        <m:r>
-                          <a:rPr lang="en-GB" sz="1900" i="1">
-                            <a:latin typeface="Cambria Math" panose="02040503050406030204" pitchFamily="18" charset="0"/>
-                          </a:rPr>
-                          <m:t>𝑥</m:t>
-                        </m:r>
-                      </m:e>
-                      <m:sub>
-                        <m:r>
-                          <a:rPr lang="en-GB" sz="1900" i="1">
-                            <a:latin typeface="Cambria Math" panose="02040503050406030204" pitchFamily="18" charset="0"/>
-                          </a:rPr>
-                          <m:t>𝐸𝑈𝑅</m:t>
-                        </m:r>
-                        <m:r>
-                          <a:rPr lang="en-GB" sz="1900" i="1">
-                            <a:latin typeface="Cambria Math" panose="02040503050406030204" pitchFamily="18" charset="0"/>
-                          </a:rPr>
-                          <m:t>,</m:t>
-                        </m:r>
-                        <m:r>
-                          <a:rPr lang="en-GB" sz="1900" i="1">
-                            <a:latin typeface="Cambria Math" panose="02040503050406030204" pitchFamily="18" charset="0"/>
-                          </a:rPr>
-                          <m:t>𝑀</m:t>
-                        </m:r>
-                      </m:sub>
-                    </m:sSub>
-                    <m:r>
-                      <a:rPr lang="en-GB" sz="1900" i="1">
-                        <a:latin typeface="Cambria Math" panose="02040503050406030204" pitchFamily="18" charset="0"/>
-                      </a:rPr>
-                      <m:t>=8500</m:t>
-                    </m:r>
-                  </m:oMath>
-                </a14:m>
-                <a:endParaRPr lang="en-SG" sz="1900" i="1" dirty="0">
-                  <a:latin typeface="Cambria Math" panose="02040503050406030204" pitchFamily="18" charset="0"/>
-                </a:endParaRPr>
-              </a:p>
-              <a:p>
-                <a:pPr lvl="1"/>
-                <a:endParaRPr lang="en-SG" dirty="0"/>
-              </a:p>
-              <a:p>
-                <a:endParaRPr lang="en-SG" dirty="0"/>
-              </a:p>
-            </p:txBody>
-          </p:sp>
-        </mc:Choice>
-        <mc:Fallback xmlns="">
-          <p:sp>
-            <p:nvSpPr>
-              <p:cNvPr id="8" name="Content Placeholder 2">
-                <a:extLst>
-                  <a:ext uri="{FF2B5EF4-FFF2-40B4-BE49-F238E27FC236}">
-                    <a16:creationId xmlns:a16="http://schemas.microsoft.com/office/drawing/2014/main" id="{28F05A44-95EA-3BC1-F052-0119890C013F}"/>
-                  </a:ext>
-                </a:extLst>
-              </p:cNvPr>
-              <p:cNvSpPr txBox="1">
-                <a:spLocks noRot="1" noChangeAspect="1" noMove="1" noResize="1" noEditPoints="1" noAdjustHandles="1" noChangeArrowheads="1" noChangeShapeType="1" noTextEdit="1"/>
-              </p:cNvSpPr>
-              <p:nvPr/>
-            </p:nvSpPr>
-            <p:spPr>
-              <a:xfrm>
-                <a:off x="8976988" y="1752599"/>
-                <a:ext cx="3133989" cy="4440073"/>
-              </a:xfrm>
-              <a:prstGeom prst="rect">
-                <a:avLst/>
-              </a:prstGeom>
-              <a:blipFill>
-                <a:blip r:embed="rId5"/>
-                <a:stretch>
-                  <a:fillRect l="-5058" t="-4801"/>
-                </a:stretch>
-              </a:blipFill>
-            </p:spPr>
-            <p:txBody>
-              <a:bodyPr/>
-              <a:lstStyle/>
-              <a:p>
-                <a:r>
-                  <a:rPr lang="en-SG">
-                    <a:noFill/>
-                  </a:rPr>
-                  <a:t> </a:t>
-                </a:r>
-              </a:p>
-            </p:txBody>
-          </p:sp>
-        </mc:Fallback>
-      </mc:AlternateContent>
-      <p:sp>
-        <p:nvSpPr>
-          <p:cNvPr id="4" name="TextBox 3">
-            <a:extLst>
-              <a:ext uri="{FF2B5EF4-FFF2-40B4-BE49-F238E27FC236}">
-                <a16:creationId xmlns:a16="http://schemas.microsoft.com/office/drawing/2014/main" id="{F03E643E-EE63-6B0A-C227-B7A9655F8A4F}"/>
-              </a:ext>
-            </a:extLst>
-          </p:cNvPr>
-          <p:cNvSpPr txBox="1"/>
-          <p:nvPr/>
-        </p:nvSpPr>
-        <p:spPr>
-          <a:xfrm>
-            <a:off x="3161929" y="6424164"/>
-            <a:ext cx="6354933" cy="276999"/>
-          </a:xfrm>
-          <a:prstGeom prst="rect">
-            <a:avLst/>
-          </a:prstGeom>
-          <a:noFill/>
-        </p:spPr>
-        <p:txBody>
-          <a:bodyPr wrap="square" rtlCol="0">
-            <a:spAutoFit/>
-          </a:bodyPr>
-          <a:lstStyle/>
-          <a:p>
-            <a:pPr algn="ctr"/>
-            <a:r>
-              <a:rPr lang="en-SG" sz="1200" dirty="0"/>
-              <a:t>*Note: Process cost for Distribution is negative as each country gains revenue from distribution</a:t>
-            </a:r>
-          </a:p>
-        </p:txBody>
-      </p:sp>
-    </p:spTree>
-    <p:extLst>
-      <p:ext uri="{BB962C8B-B14F-4D97-AF65-F5344CB8AC3E}">
-        <p14:creationId xmlns:p14="http://schemas.microsoft.com/office/powerpoint/2010/main" val="3751527684"/>
       </p:ext>
     </p:extLst>
   </p:cSld>
@@ -27312,6 +22157,26 @@
 </file>
 
 <file path=customXml/item1.xml><?xml version="1.0" encoding="utf-8"?>
+<p:properties xmlns:p="http://schemas.microsoft.com/office/2006/metadata/properties" xmlns:xsi="http://www.w3.org/2001/XMLSchema-instance" xmlns:pc="http://schemas.microsoft.com/office/infopath/2007/PartnerControls">
+  <documentManagement>
+    <TaxCatchAll xmlns="d50ccbe0-cca1-4d4b-b46b-fdd532fd81a5" xsi:nil="true"/>
+    <lcf76f155ced4ddcb4097134ff3c332f xmlns="d36c0395-b650-41ff-912c-e6a462652c6d">
+      <Terms xmlns="http://schemas.microsoft.com/office/infopath/2007/PartnerControls"/>
+    </lcf76f155ced4ddcb4097134ff3c332f>
+  </documentManagement>
+</p:properties>
+</file>
+
+<file path=customXml/item2.xml><?xml version="1.0" encoding="utf-8"?>
+<?mso-contentType ?>
+<FormTemplates xmlns="http://schemas.microsoft.com/sharepoint/v3/contenttype/forms">
+  <Display>DocumentLibraryForm</Display>
+  <Edit>DocumentLibraryForm</Edit>
+  <New>DocumentLibraryForm</New>
+</FormTemplates>
+</file>
+
+<file path=customXml/item3.xml><?xml version="1.0" encoding="utf-8"?>
 <ct:contentTypeSchema xmlns:ct="http://schemas.microsoft.com/office/2006/metadata/contentType" xmlns:ma="http://schemas.microsoft.com/office/2006/metadata/properties/metaAttributes" ct:_="" ma:_="" ma:contentTypeName="Document" ma:contentTypeID="0x010100952BE645A83FA44AAEB7EF4394BE9CE8" ma:contentTypeVersion="10" ma:contentTypeDescription="Create a new document." ma:contentTypeScope="" ma:versionID="0503a23d02e1e8cfccb9d58081f4fa48">
   <xsd:schema xmlns:xsd="http://www.w3.org/2001/XMLSchema" xmlns:xs="http://www.w3.org/2001/XMLSchema" xmlns:p="http://schemas.microsoft.com/office/2006/metadata/properties" xmlns:ns2="d36c0395-b650-41ff-912c-e6a462652c6d" xmlns:ns3="d50ccbe0-cca1-4d4b-b46b-fdd532fd81a5" targetNamespace="http://schemas.microsoft.com/office/2006/metadata/properties" ma:root="true" ma:fieldsID="4ef77329f0aeb8f214345ec4cefe3bf0" ns2:_="" ns3:_="">
     <xsd:import namespace="d36c0395-b650-41ff-912c-e6a462652c6d"/>
@@ -27500,27 +22365,32 @@
 </ct:contentTypeSchema>
 </file>
 
-<file path=customXml/item2.xml><?xml version="1.0" encoding="utf-8"?>
-<?mso-contentType ?>
-<FormTemplates xmlns="http://schemas.microsoft.com/sharepoint/v3/contenttype/forms">
-  <Display>DocumentLibraryForm</Display>
-  <Edit>DocumentLibraryForm</Edit>
-  <New>DocumentLibraryForm</New>
-</FormTemplates>
+<file path=customXml/itemProps1.xml><?xml version="1.0" encoding="utf-8"?>
+<ds:datastoreItem xmlns:ds="http://schemas.openxmlformats.org/officeDocument/2006/customXml" ds:itemID="{A3A737A3-78E3-4DC8-898D-CCE433D32979}">
+  <ds:schemaRefs>
+    <ds:schemaRef ds:uri="http://purl.org/dc/elements/1.1/"/>
+    <ds:schemaRef ds:uri="http://schemas.microsoft.com/office/2006/documentManagement/types"/>
+    <ds:schemaRef ds:uri="http://purl.org/dc/terms/"/>
+    <ds:schemaRef ds:uri="d36c0395-b650-41ff-912c-e6a462652c6d"/>
+    <ds:schemaRef ds:uri="http://www.w3.org/XML/1998/namespace"/>
+    <ds:schemaRef ds:uri="http://purl.org/dc/dcmitype/"/>
+    <ds:schemaRef ds:uri="http://schemas.openxmlformats.org/package/2006/metadata/core-properties"/>
+    <ds:schemaRef ds:uri="http://schemas.microsoft.com/office/infopath/2007/PartnerControls"/>
+    <ds:schemaRef ds:uri="d50ccbe0-cca1-4d4b-b46b-fdd532fd81a5"/>
+    <ds:schemaRef ds:uri="http://schemas.microsoft.com/office/2006/metadata/properties"/>
+  </ds:schemaRefs>
+</ds:datastoreItem>
 </file>
 
-<file path=customXml/item3.xml><?xml version="1.0" encoding="utf-8"?>
-<p:properties xmlns:p="http://schemas.microsoft.com/office/2006/metadata/properties" xmlns:xsi="http://www.w3.org/2001/XMLSchema-instance" xmlns:pc="http://schemas.microsoft.com/office/infopath/2007/PartnerControls">
-  <documentManagement>
-    <TaxCatchAll xmlns="d50ccbe0-cca1-4d4b-b46b-fdd532fd81a5" xsi:nil="true"/>
-    <lcf76f155ced4ddcb4097134ff3c332f xmlns="d36c0395-b650-41ff-912c-e6a462652c6d">
-      <Terms xmlns="http://schemas.microsoft.com/office/infopath/2007/PartnerControls"/>
-    </lcf76f155ced4ddcb4097134ff3c332f>
-  </documentManagement>
-</p:properties>
+<file path=customXml/itemProps2.xml><?xml version="1.0" encoding="utf-8"?>
+<ds:datastoreItem xmlns:ds="http://schemas.openxmlformats.org/officeDocument/2006/customXml" ds:itemID="{8FF60034-A11D-4F90-A489-89BB9DC94BDB}">
+  <ds:schemaRefs>
+    <ds:schemaRef ds:uri="http://schemas.microsoft.com/sharepoint/v3/contenttype/forms"/>
+  </ds:schemaRefs>
+</ds:datastoreItem>
 </file>
 
-<file path=customXml/itemProps1.xml><?xml version="1.0" encoding="utf-8"?>
+<file path=customXml/itemProps3.xml><?xml version="1.0" encoding="utf-8"?>
 <ds:datastoreItem xmlns:ds="http://schemas.openxmlformats.org/officeDocument/2006/customXml" ds:itemID="{C570983F-5195-44B7-92D0-B0EE195BE993}">
   <ds:schemaRefs>
     <ds:schemaRef ds:uri="http://schemas.microsoft.com/office/2006/metadata/contentType"/>
@@ -27537,29 +22407,4 @@
     <ds:schemaRef ds:uri="http://schemas.microsoft.com/internal/obd"/>
   </ds:schemaRefs>
 </ds:datastoreItem>
-</file>
-
-<file path=customXml/itemProps2.xml><?xml version="1.0" encoding="utf-8"?>
-<ds:datastoreItem xmlns:ds="http://schemas.openxmlformats.org/officeDocument/2006/customXml" ds:itemID="{8FF60034-A11D-4F90-A489-89BB9DC94BDB}">
-  <ds:schemaRefs>
-    <ds:schemaRef ds:uri="http://schemas.microsoft.com/sharepoint/v3/contenttype/forms"/>
-  </ds:schemaRefs>
-</ds:datastoreItem>
-</file>
-
-<file path=customXml/itemProps3.xml><?xml version="1.0" encoding="utf-8"?>
-<ds:datastoreItem xmlns:ds="http://schemas.openxmlformats.org/officeDocument/2006/customXml" ds:itemID="{A3A737A3-78E3-4DC8-898D-CCE433D32979}">
-  <ds:schemaRefs>
-    <ds:schemaRef ds:uri="http://purl.org/dc/elements/1.1/"/>
-    <ds:schemaRef ds:uri="http://schemas.microsoft.com/office/2006/documentManagement/types"/>
-    <ds:schemaRef ds:uri="http://purl.org/dc/terms/"/>
-    <ds:schemaRef ds:uri="d36c0395-b650-41ff-912c-e6a462652c6d"/>
-    <ds:schemaRef ds:uri="http://www.w3.org/XML/1998/namespace"/>
-    <ds:schemaRef ds:uri="http://purl.org/dc/dcmitype/"/>
-    <ds:schemaRef ds:uri="http://schemas.openxmlformats.org/package/2006/metadata/core-properties"/>
-    <ds:schemaRef ds:uri="http://schemas.microsoft.com/office/infopath/2007/PartnerControls"/>
-    <ds:schemaRef ds:uri="d50ccbe0-cca1-4d4b-b46b-fdd532fd81a5"/>
-    <ds:schemaRef ds:uri="http://schemas.microsoft.com/office/2006/metadata/properties"/>
-  </ds:schemaRefs>
-</ds:datastoreItem>
 </file>
--- a/illustration_slides.pptx
+++ b/illustration_slides.pptx
@@ -13,6 +13,7 @@
     <p:sldId id="271" r:id="rId10"/>
     <p:sldId id="266" r:id="rId11"/>
     <p:sldId id="263" r:id="rId12"/>
+    <p:sldId id="274" r:id="rId13"/>
   </p:sldIdLst>
   <p:sldSz cx="12192000" cy="6858000"/>
   <p:notesSz cx="6858000" cy="9144000"/>
@@ -20248,8 +20249,8 @@
           <a:chExt cx="0" cy="0"/>
         </a:xfrm>
       </p:grpSpPr>
-      <mc:AlternateContent xmlns:mc="http://schemas.openxmlformats.org/markup-compatibility/2006">
-        <mc:Choice xmlns:a14="http://schemas.microsoft.com/office/drawing/2010/main" Requires="a14">
+      <mc:AlternateContent xmlns:mc="http://schemas.openxmlformats.org/markup-compatibility/2006" xmlns:a14="http://schemas.microsoft.com/office/drawing/2010/main">
+        <mc:Choice Requires="a14">
           <p:sp>
             <p:nvSpPr>
               <p:cNvPr id="2" name="Title 1">
@@ -20278,6 +20279,7 @@
               </a:bodyPr>
               <a:lstStyle/>
               <a:p>
+                <a:pPr/>
                 <a14:m>
                   <m:oMathPara xmlns:m="http://schemas.openxmlformats.org/officeDocument/2006/math">
                     <m:oMathParaPr>
@@ -20316,7 +20318,9 @@
                         </m:sub>
                       </m:sSub>
                       <m:r>
-                        <a:rPr lang="en-GB" sz="2800" i="1"/>
+                        <a:rPr lang="en-GB" sz="2800" i="1">
+                          <a:latin typeface="Cambria Math" panose="02040503050406030204" pitchFamily="18" charset="0"/>
+                        </a:rPr>
                         <m:t>=−</m:t>
                       </m:r>
                       <m:nary>
@@ -20324,20 +20328,28 @@
                           <m:chr m:val="∑"/>
                           <m:supHide m:val="on"/>
                           <m:ctrlPr>
-                            <a:rPr lang="en-SG" sz="2800" i="1"/>
+                            <a:rPr lang="en-SG" sz="2800" i="1">
+                              <a:latin typeface="Cambria Math" panose="02040503050406030204" pitchFamily="18" charset="0"/>
+                            </a:rPr>
                           </m:ctrlPr>
                         </m:naryPr>
                         <m:sub>
                           <m:r>
-                            <a:rPr lang="en-GB" sz="2800" i="1"/>
+                            <a:rPr lang="en-GB" sz="2800" i="1">
+                              <a:latin typeface="Cambria Math" panose="02040503050406030204" pitchFamily="18" charset="0"/>
+                            </a:rPr>
                             <m:t>𝑎𝑙𝑙</m:t>
                           </m:r>
                           <m:r>
-                            <a:rPr lang="en-GB" sz="2800" i="1"/>
+                            <a:rPr lang="en-GB" sz="2800" i="1">
+                              <a:latin typeface="Cambria Math" panose="02040503050406030204" pitchFamily="18" charset="0"/>
+                            </a:rPr>
                             <m:t> </m:t>
                           </m:r>
                           <m:r>
-                            <a:rPr lang="en-GB" sz="2800" i="1"/>
+                            <a:rPr lang="en-GB" sz="2800" i="1">
+                              <a:latin typeface="Cambria Math" panose="02040503050406030204" pitchFamily="18" charset="0"/>
+                            </a:rPr>
                             <m:t>𝑛</m:t>
                           </m:r>
                         </m:sub>
@@ -20346,26 +20358,36 @@
                           <m:sSub>
                             <m:sSubPr>
                               <m:ctrlPr>
-                                <a:rPr lang="en-SG" sz="2800" i="1"/>
+                                <a:rPr lang="en-SG" sz="2800" i="1">
+                                  <a:latin typeface="Cambria Math" panose="02040503050406030204" pitchFamily="18" charset="0"/>
+                                </a:rPr>
                               </m:ctrlPr>
                             </m:sSubPr>
                             <m:e>
                               <m:r>
-                                <a:rPr lang="en-GB" sz="2800" i="1"/>
+                                <a:rPr lang="en-GB" sz="2800" i="1">
+                                  <a:latin typeface="Cambria Math" panose="02040503050406030204" pitchFamily="18" charset="0"/>
+                                </a:rPr>
                                 <m:t>𝑐</m:t>
                               </m:r>
                             </m:e>
                             <m:sub>
                               <m:r>
-                                <a:rPr lang="en-GB" sz="2800" i="1"/>
+                                <a:rPr lang="en-GB" sz="2800" i="1">
+                                  <a:latin typeface="Cambria Math" panose="02040503050406030204" pitchFamily="18" charset="0"/>
+                                </a:rPr>
                                 <m:t>𝑖</m:t>
                               </m:r>
                               <m:r>
-                                <a:rPr lang="en-GB" sz="2800" i="1"/>
+                                <a:rPr lang="en-GB" sz="2800" i="1">
+                                  <a:latin typeface="Cambria Math" panose="02040503050406030204" pitchFamily="18" charset="0"/>
+                                </a:rPr>
                                 <m:t>,</m:t>
                               </m:r>
                               <m:r>
-                                <a:rPr lang="en-GB" sz="2800" i="1"/>
+                                <a:rPr lang="en-GB" sz="2800" i="1">
+                                  <a:latin typeface="Cambria Math" panose="02040503050406030204" pitchFamily="18" charset="0"/>
+                                </a:rPr>
                                 <m:t>𝑛</m:t>
                               </m:r>
                             </m:sub>
@@ -20373,26 +20395,36 @@
                           <m:sSub>
                             <m:sSubPr>
                               <m:ctrlPr>
-                                <a:rPr lang="en-SG" sz="2800" i="1"/>
+                                <a:rPr lang="en-SG" sz="2800" i="1">
+                                  <a:latin typeface="Cambria Math" panose="02040503050406030204" pitchFamily="18" charset="0"/>
+                                </a:rPr>
                               </m:ctrlPr>
                             </m:sSubPr>
                             <m:e>
                               <m:r>
-                                <a:rPr lang="en-GB" sz="2800" i="1"/>
+                                <a:rPr lang="en-GB" sz="2800" i="1">
+                                  <a:latin typeface="Cambria Math" panose="02040503050406030204" pitchFamily="18" charset="0"/>
+                                </a:rPr>
                                 <m:t>𝑀</m:t>
                               </m:r>
                             </m:e>
                             <m:sub>
                               <m:r>
-                                <a:rPr lang="en-GB" sz="2800" i="1"/>
+                                <a:rPr lang="en-GB" sz="2800" i="1">
+                                  <a:latin typeface="Cambria Math" panose="02040503050406030204" pitchFamily="18" charset="0"/>
+                                </a:rPr>
                                 <m:t>𝑖</m:t>
                               </m:r>
                               <m:r>
-                                <a:rPr lang="en-GB" sz="2800" i="1"/>
+                                <a:rPr lang="en-GB" sz="2800" i="1">
+                                  <a:latin typeface="Cambria Math" panose="02040503050406030204" pitchFamily="18" charset="0"/>
+                                </a:rPr>
                                 <m:t>,</m:t>
                               </m:r>
                               <m:r>
-                                <a:rPr lang="en-GB" sz="2800" i="1"/>
+                                <a:rPr lang="en-GB" sz="2800" i="1">
+                                  <a:latin typeface="Cambria Math" panose="02040503050406030204" pitchFamily="18" charset="0"/>
+                                </a:rPr>
                                 <m:t>𝑛</m:t>
                               </m:r>
                             </m:sub>
@@ -20400,7 +20432,9 @@
                         </m:e>
                       </m:nary>
                       <m:r>
-                        <a:rPr lang="en-GB" sz="2800" i="1"/>
+                        <a:rPr lang="en-GB" sz="2800" i="1">
+                          <a:latin typeface="Cambria Math" panose="02040503050406030204" pitchFamily="18" charset="0"/>
+                        </a:rPr>
                         <m:t>+</m:t>
                       </m:r>
                       <m:nary>
@@ -20408,20 +20442,28 @@
                           <m:chr m:val="∑"/>
                           <m:supHide m:val="on"/>
                           <m:ctrlPr>
-                            <a:rPr lang="en-SG" sz="2800" i="1"/>
+                            <a:rPr lang="en-SG" sz="2800" i="1">
+                              <a:latin typeface="Cambria Math" panose="02040503050406030204" pitchFamily="18" charset="0"/>
+                            </a:rPr>
                           </m:ctrlPr>
                         </m:naryPr>
                         <m:sub>
                           <m:r>
-                            <a:rPr lang="en-GB" sz="2800" i="1"/>
+                            <a:rPr lang="en-GB" sz="2800" i="1">
+                              <a:latin typeface="Cambria Math" panose="02040503050406030204" pitchFamily="18" charset="0"/>
+                            </a:rPr>
                             <m:t>𝑎𝑙𝑙</m:t>
                           </m:r>
                           <m:r>
-                            <a:rPr lang="en-GB" sz="2800" i="1"/>
+                            <a:rPr lang="en-GB" sz="2800" i="1">
+                              <a:latin typeface="Cambria Math" panose="02040503050406030204" pitchFamily="18" charset="0"/>
+                            </a:rPr>
                             <m:t> </m:t>
                           </m:r>
                           <m:r>
-                            <a:rPr lang="en-GB" sz="2800" i="1"/>
+                            <a:rPr lang="en-GB" sz="2800" i="1">
+                              <a:latin typeface="Cambria Math" panose="02040503050406030204" pitchFamily="18" charset="0"/>
+                            </a:rPr>
                             <m:t>𝑒</m:t>
                           </m:r>
                         </m:sub>
@@ -20430,34 +20472,48 @@
                           <m:sSub>
                             <m:sSubPr>
                               <m:ctrlPr>
-                                <a:rPr lang="en-SG" sz="2800" i="1"/>
+                                <a:rPr lang="en-SG" sz="2800" i="1">
+                                  <a:latin typeface="Cambria Math" panose="02040503050406030204" pitchFamily="18" charset="0"/>
+                                </a:rPr>
                               </m:ctrlPr>
                             </m:sSubPr>
                             <m:e>
                               <m:r>
-                                <a:rPr lang="en-GB" sz="2800" i="1"/>
+                                <a:rPr lang="en-GB" sz="2800" i="1">
+                                  <a:latin typeface="Cambria Math" panose="02040503050406030204" pitchFamily="18" charset="0"/>
+                                </a:rPr>
                                 <m:t>𝑟</m:t>
                               </m:r>
                             </m:e>
                             <m:sub>
                               <m:r>
-                                <a:rPr lang="en-GB" sz="2800" i="1"/>
+                                <a:rPr lang="en-GB" sz="2800" i="1">
+                                  <a:latin typeface="Cambria Math" panose="02040503050406030204" pitchFamily="18" charset="0"/>
+                                </a:rPr>
                                 <m:t>𝑜𝑢𝑡</m:t>
                               </m:r>
                               <m:r>
-                                <a:rPr lang="en-GB" sz="2800" i="1"/>
+                                <a:rPr lang="en-GB" sz="2800" i="1">
+                                  <a:latin typeface="Cambria Math" panose="02040503050406030204" pitchFamily="18" charset="0"/>
+                                </a:rPr>
                                 <m:t>,</m:t>
                               </m:r>
                               <m:r>
-                                <a:rPr lang="en-GB" sz="2800" i="1"/>
+                                <a:rPr lang="en-GB" sz="2800" i="1">
+                                  <a:latin typeface="Cambria Math" panose="02040503050406030204" pitchFamily="18" charset="0"/>
+                                </a:rPr>
                                 <m:t>𝑖</m:t>
                               </m:r>
                               <m:r>
-                                <a:rPr lang="en-GB" sz="2800" i="1"/>
+                                <a:rPr lang="en-GB" sz="2800" i="1">
+                                  <a:latin typeface="Cambria Math" panose="02040503050406030204" pitchFamily="18" charset="0"/>
+                                </a:rPr>
                                 <m:t>,</m:t>
                               </m:r>
                               <m:r>
-                                <a:rPr lang="en-GB" sz="2800" i="1"/>
+                                <a:rPr lang="en-GB" sz="2800" i="1">
+                                  <a:latin typeface="Cambria Math" panose="02040503050406030204" pitchFamily="18" charset="0"/>
+                                </a:rPr>
                                 <m:t>𝑒</m:t>
                               </m:r>
                             </m:sub>
@@ -20465,34 +20521,48 @@
                           <m:sSub>
                             <m:sSubPr>
                               <m:ctrlPr>
-                                <a:rPr lang="en-SG" sz="2800" i="1"/>
+                                <a:rPr lang="en-SG" sz="2800" i="1">
+                                  <a:latin typeface="Cambria Math" panose="02040503050406030204" pitchFamily="18" charset="0"/>
+                                </a:rPr>
                               </m:ctrlPr>
                             </m:sSubPr>
                             <m:e>
                               <m:r>
-                                <a:rPr lang="en-GB" sz="2800" i="1"/>
+                                <a:rPr lang="en-GB" sz="2800" i="1">
+                                  <a:latin typeface="Cambria Math" panose="02040503050406030204" pitchFamily="18" charset="0"/>
+                                </a:rPr>
                                 <m:t>𝑇</m:t>
                               </m:r>
                             </m:e>
                             <m:sub>
                               <m:r>
-                                <a:rPr lang="en-GB" sz="2800" i="1"/>
+                                <a:rPr lang="en-GB" sz="2800" i="1">
+                                  <a:latin typeface="Cambria Math" panose="02040503050406030204" pitchFamily="18" charset="0"/>
+                                </a:rPr>
                                 <m:t>𝑜𝑢𝑡</m:t>
                               </m:r>
                               <m:r>
-                                <a:rPr lang="en-GB" sz="2800" i="1"/>
+                                <a:rPr lang="en-GB" sz="2800" i="1">
+                                  <a:latin typeface="Cambria Math" panose="02040503050406030204" pitchFamily="18" charset="0"/>
+                                </a:rPr>
                                 <m:t>,</m:t>
                               </m:r>
                               <m:r>
-                                <a:rPr lang="en-GB" sz="2800" i="1"/>
+                                <a:rPr lang="en-GB" sz="2800" i="1">
+                                  <a:latin typeface="Cambria Math" panose="02040503050406030204" pitchFamily="18" charset="0"/>
+                                </a:rPr>
                                 <m:t>𝑖</m:t>
                               </m:r>
                               <m:r>
-                                <a:rPr lang="en-GB" sz="2800" i="1"/>
+                                <a:rPr lang="en-GB" sz="2800" i="1">
+                                  <a:latin typeface="Cambria Math" panose="02040503050406030204" pitchFamily="18" charset="0"/>
+                                </a:rPr>
                                 <m:t>,</m:t>
                               </m:r>
                               <m:r>
-                                <a:rPr lang="en-GB" sz="2800" i="1"/>
+                                <a:rPr lang="en-GB" sz="2800" i="1">
+                                  <a:latin typeface="Cambria Math" panose="02040503050406030204" pitchFamily="18" charset="0"/>
+                                </a:rPr>
                                 <m:t>𝑒</m:t>
                               </m:r>
                             </m:sub>
@@ -20500,7 +20570,9 @@
                         </m:e>
                       </m:nary>
                       <m:r>
-                        <a:rPr lang="en-GB" sz="2800" i="1"/>
+                        <a:rPr lang="en-GB" sz="2800" i="1">
+                          <a:latin typeface="Cambria Math" panose="02040503050406030204" pitchFamily="18" charset="0"/>
+                        </a:rPr>
                         <m:t>−</m:t>
                       </m:r>
                       <m:nary>
@@ -20508,20 +20580,28 @@
                           <m:chr m:val="∑"/>
                           <m:supHide m:val="on"/>
                           <m:ctrlPr>
-                            <a:rPr lang="en-SG" sz="2800" i="1"/>
+                            <a:rPr lang="en-SG" sz="2800" i="1">
+                              <a:latin typeface="Cambria Math" panose="02040503050406030204" pitchFamily="18" charset="0"/>
+                            </a:rPr>
                           </m:ctrlPr>
                         </m:naryPr>
                         <m:sub>
                           <m:r>
-                            <a:rPr lang="en-GB" sz="2800" i="1"/>
+                            <a:rPr lang="en-GB" sz="2800" i="1">
+                              <a:latin typeface="Cambria Math" panose="02040503050406030204" pitchFamily="18" charset="0"/>
+                            </a:rPr>
                             <m:t>𝑎𝑙𝑙</m:t>
                           </m:r>
                           <m:r>
-                            <a:rPr lang="en-GB" sz="2800" i="1"/>
+                            <a:rPr lang="en-GB" sz="2800" i="1">
+                              <a:latin typeface="Cambria Math" panose="02040503050406030204" pitchFamily="18" charset="0"/>
+                            </a:rPr>
                             <m:t> </m:t>
                           </m:r>
                           <m:r>
-                            <a:rPr lang="en-GB" sz="2800" i="1"/>
+                            <a:rPr lang="en-GB" sz="2800" i="1">
+                              <a:latin typeface="Cambria Math" panose="02040503050406030204" pitchFamily="18" charset="0"/>
+                            </a:rPr>
                             <m:t>𝑗</m:t>
                           </m:r>
                         </m:sub>
@@ -20530,34 +20610,48 @@
                           <m:sSub>
                             <m:sSubPr>
                               <m:ctrlPr>
-                                <a:rPr lang="en-SG" sz="2800" i="1"/>
+                                <a:rPr lang="en-SG" sz="2800" i="1">
+                                  <a:latin typeface="Cambria Math" panose="02040503050406030204" pitchFamily="18" charset="0"/>
+                                </a:rPr>
                               </m:ctrlPr>
                             </m:sSubPr>
                             <m:e>
                               <m:r>
-                                <a:rPr lang="en-GB" sz="2800" i="1"/>
+                                <a:rPr lang="en-GB" sz="2800" i="1">
+                                  <a:latin typeface="Cambria Math" panose="02040503050406030204" pitchFamily="18" charset="0"/>
+                                </a:rPr>
                                 <m:t>𝑟</m:t>
                               </m:r>
                             </m:e>
                             <m:sub>
                               <m:r>
-                                <a:rPr lang="en-GB" sz="2800" i="1"/>
+                                <a:rPr lang="en-GB" sz="2800" i="1">
+                                  <a:latin typeface="Cambria Math" panose="02040503050406030204" pitchFamily="18" charset="0"/>
+                                </a:rPr>
                                 <m:t>𝑖𝑛</m:t>
                               </m:r>
                               <m:r>
-                                <a:rPr lang="en-GB" sz="2800" i="1"/>
+                                <a:rPr lang="en-GB" sz="2800" i="1">
+                                  <a:latin typeface="Cambria Math" panose="02040503050406030204" pitchFamily="18" charset="0"/>
+                                </a:rPr>
                                 <m:t>,</m:t>
                               </m:r>
                               <m:r>
-                                <a:rPr lang="en-GB" sz="2800" i="1"/>
+                                <a:rPr lang="en-GB" sz="2800" i="1">
+                                  <a:latin typeface="Cambria Math" panose="02040503050406030204" pitchFamily="18" charset="0"/>
+                                </a:rPr>
                                 <m:t>𝑑</m:t>
                               </m:r>
                               <m:r>
-                                <a:rPr lang="en-GB" sz="2800" i="1"/>
+                                <a:rPr lang="en-GB" sz="2800" i="1">
+                                  <a:latin typeface="Cambria Math" panose="02040503050406030204" pitchFamily="18" charset="0"/>
+                                </a:rPr>
                                 <m:t>,</m:t>
                               </m:r>
                               <m:r>
-                                <a:rPr lang="en-GB" sz="2800" i="1"/>
+                                <a:rPr lang="en-GB" sz="2800" i="1">
+                                  <a:latin typeface="Cambria Math" panose="02040503050406030204" pitchFamily="18" charset="0"/>
+                                </a:rPr>
                                 <m:t>𝑗</m:t>
                               </m:r>
                             </m:sub>
@@ -20565,34 +20659,48 @@
                           <m:sSub>
                             <m:sSubPr>
                               <m:ctrlPr>
-                                <a:rPr lang="en-SG" sz="2800" i="1"/>
+                                <a:rPr lang="en-SG" sz="2800" i="1">
+                                  <a:latin typeface="Cambria Math" panose="02040503050406030204" pitchFamily="18" charset="0"/>
+                                </a:rPr>
                               </m:ctrlPr>
                             </m:sSubPr>
                             <m:e>
                               <m:r>
-                                <a:rPr lang="en-GB" sz="2800" i="1"/>
+                                <a:rPr lang="en-GB" sz="2800" i="1">
+                                  <a:latin typeface="Cambria Math" panose="02040503050406030204" pitchFamily="18" charset="0"/>
+                                </a:rPr>
                                 <m:t>𝑇</m:t>
                               </m:r>
                             </m:e>
                             <m:sub>
                               <m:r>
-                                <a:rPr lang="en-GB" sz="2800" i="1"/>
+                                <a:rPr lang="en-GB" sz="2800" i="1">
+                                  <a:latin typeface="Cambria Math" panose="02040503050406030204" pitchFamily="18" charset="0"/>
+                                </a:rPr>
                                 <m:t>𝑖𝑛</m:t>
                               </m:r>
                               <m:r>
-                                <a:rPr lang="en-GB" sz="2800" i="1"/>
+                                <a:rPr lang="en-GB" sz="2800" i="1">
+                                  <a:latin typeface="Cambria Math" panose="02040503050406030204" pitchFamily="18" charset="0"/>
+                                </a:rPr>
                                 <m:t>,</m:t>
                               </m:r>
                               <m:r>
-                                <a:rPr lang="en-GB" sz="2800" i="1"/>
+                                <a:rPr lang="en-GB" sz="2800" i="1">
+                                  <a:latin typeface="Cambria Math" panose="02040503050406030204" pitchFamily="18" charset="0"/>
+                                </a:rPr>
                                 <m:t>𝑑</m:t>
                               </m:r>
                               <m:r>
-                                <a:rPr lang="en-GB" sz="2800" i="1"/>
+                                <a:rPr lang="en-GB" sz="2800" i="1">
+                                  <a:latin typeface="Cambria Math" panose="02040503050406030204" pitchFamily="18" charset="0"/>
+                                </a:rPr>
                                 <m:t>,</m:t>
                               </m:r>
                               <m:r>
-                                <a:rPr lang="en-GB" sz="2800" i="1"/>
+                                <a:rPr lang="en-GB" sz="2800" i="1">
+                                  <a:latin typeface="Cambria Math" panose="02040503050406030204" pitchFamily="18" charset="0"/>
+                                </a:rPr>
                                 <m:t>𝑗</m:t>
                               </m:r>
                             </m:sub>
@@ -20610,7 +20718,7 @@
             </p:txBody>
           </p:sp>
         </mc:Choice>
-        <mc:Fallback>
+        <mc:Fallback xmlns="">
           <p:sp>
             <p:nvSpPr>
               <p:cNvPr id="2" name="Title 1">
@@ -20766,8 +20874,8 @@
           </a:p>
         </p:txBody>
       </p:sp>
-      <mc:AlternateContent xmlns:mc="http://schemas.openxmlformats.org/markup-compatibility/2006">
-        <mc:Choice xmlns:a14="http://schemas.microsoft.com/office/drawing/2010/main" Requires="a14">
+      <mc:AlternateContent xmlns:mc="http://schemas.openxmlformats.org/markup-compatibility/2006" xmlns:a14="http://schemas.microsoft.com/office/drawing/2010/main">
+        <mc:Choice Requires="a14">
           <p:sp>
             <p:nvSpPr>
               <p:cNvPr id="5" name="Text Placeholder 2">
@@ -21735,7 +21843,7 @@
             </p:txBody>
           </p:sp>
         </mc:Choice>
-        <mc:Fallback>
+        <mc:Fallback xmlns="">
           <p:sp>
             <p:nvSpPr>
               <p:cNvPr id="5" name="Text Placeholder 2">
@@ -21891,6 +21999,503 @@
     <p:extLst>
       <p:ext uri="{BB962C8B-B14F-4D97-AF65-F5344CB8AC3E}">
         <p14:creationId xmlns:p14="http://schemas.microsoft.com/office/powerpoint/2010/main" val="1610149326"/>
+      </p:ext>
+    </p:extLst>
+  </p:cSld>
+  <p:clrMapOvr>
+    <a:masterClrMapping/>
+  </p:clrMapOvr>
+</p:sld>
+</file>
+
+<file path=ppt/slides/slide9.xml><?xml version="1.0" encoding="utf-8"?>
+<p:sld xmlns:a="http://schemas.openxmlformats.org/drawingml/2006/main" xmlns:r="http://schemas.openxmlformats.org/officeDocument/2006/relationships" xmlns:p="http://schemas.openxmlformats.org/presentationml/2006/main">
+  <p:cSld>
+    <p:spTree>
+      <p:nvGrpSpPr>
+        <p:cNvPr id="1" name=""/>
+        <p:cNvGrpSpPr/>
+        <p:nvPr/>
+      </p:nvGrpSpPr>
+      <p:grpSpPr>
+        <a:xfrm>
+          <a:off x="0" y="0"/>
+          <a:ext cx="0" cy="0"/>
+          <a:chOff x="0" y="0"/>
+          <a:chExt cx="0" cy="0"/>
+        </a:xfrm>
+      </p:grpSpPr>
+      <p:sp>
+        <p:nvSpPr>
+          <p:cNvPr id="2" name="Title 1">
+            <a:extLst>
+              <a:ext uri="{FF2B5EF4-FFF2-40B4-BE49-F238E27FC236}">
+                <a16:creationId xmlns:a16="http://schemas.microsoft.com/office/drawing/2014/main" id="{A8B6A62F-060F-A883-3AB0-AF69A8A5B232}"/>
+              </a:ext>
+            </a:extLst>
+          </p:cNvPr>
+          <p:cNvSpPr>
+            <a:spLocks noGrp="1"/>
+          </p:cNvSpPr>
+          <p:nvPr>
+            <p:ph type="title"/>
+          </p:nvPr>
+        </p:nvSpPr>
+        <p:spPr>
+          <a:xfrm>
+            <a:off x="1484312" y="685800"/>
+            <a:ext cx="10018711" cy="796771"/>
+          </a:xfrm>
+        </p:spPr>
+        <p:txBody>
+          <a:bodyPr/>
+          <a:lstStyle/>
+          <a:p>
+            <a:r>
+              <a:rPr lang="en-US" dirty="0"/>
+              <a:t>Results from Data Analysis</a:t>
+            </a:r>
+            <a:endParaRPr lang="en-SG" dirty="0"/>
+          </a:p>
+        </p:txBody>
+      </p:sp>
+      <p:graphicFrame>
+        <p:nvGraphicFramePr>
+          <p:cNvPr id="5" name="Table 5">
+            <a:extLst>
+              <a:ext uri="{FF2B5EF4-FFF2-40B4-BE49-F238E27FC236}">
+                <a16:creationId xmlns:a16="http://schemas.microsoft.com/office/drawing/2014/main" id="{E21BBAD8-93A1-82E8-2473-F6AAB55396D4}"/>
+              </a:ext>
+            </a:extLst>
+          </p:cNvPr>
+          <p:cNvGraphicFramePr>
+            <a:graphicFrameLocks noGrp="1"/>
+          </p:cNvGraphicFramePr>
+          <p:nvPr>
+            <p:extLst>
+              <p:ext uri="{D42A27DB-BD31-4B8C-83A1-F6EECF244321}">
+                <p14:modId xmlns:p14="http://schemas.microsoft.com/office/powerpoint/2010/main" val="3101081671"/>
+              </p:ext>
+            </p:extLst>
+          </p:nvPr>
+        </p:nvGraphicFramePr>
+        <p:xfrm>
+          <a:off x="2044630" y="2805343"/>
+          <a:ext cx="8910416" cy="3289260"/>
+        </p:xfrm>
+        <a:graphic>
+          <a:graphicData uri="http://schemas.openxmlformats.org/drawingml/2006/table">
+            <a:tbl>
+              <a:tblPr firstRow="1" bandRow="1">
+                <a:tableStyleId>{5C22544A-7EE6-4342-B048-85BDC9FD1C3A}</a:tableStyleId>
+              </a:tblPr>
+              <a:tblGrid>
+                <a:gridCol w="2232020">
+                  <a:extLst>
+                    <a:ext uri="{9D8B030D-6E8A-4147-A177-3AD203B41FA5}">
+                      <a16:colId xmlns:a16="http://schemas.microsoft.com/office/drawing/2014/main" val="1913970126"/>
+                    </a:ext>
+                  </a:extLst>
+                </a:gridCol>
+                <a:gridCol w="3425810">
+                  <a:extLst>
+                    <a:ext uri="{9D8B030D-6E8A-4147-A177-3AD203B41FA5}">
+                      <a16:colId xmlns:a16="http://schemas.microsoft.com/office/drawing/2014/main" val="4135677907"/>
+                    </a:ext>
+                  </a:extLst>
+                </a:gridCol>
+                <a:gridCol w="3252586">
+                  <a:extLst>
+                    <a:ext uri="{9D8B030D-6E8A-4147-A177-3AD203B41FA5}">
+                      <a16:colId xmlns:a16="http://schemas.microsoft.com/office/drawing/2014/main" val="4290309449"/>
+                    </a:ext>
+                  </a:extLst>
+                </a:gridCol>
+              </a:tblGrid>
+              <a:tr h="470456">
+                <a:tc>
+                  <a:txBody>
+                    <a:bodyPr/>
+                    <a:lstStyle/>
+                    <a:p>
+                      <a:r>
+                        <a:rPr lang="en-US" sz="2300" dirty="0"/>
+                        <a:t>Region</a:t>
+                      </a:r>
+                      <a:endParaRPr lang="en-SG" sz="2300" dirty="0"/>
+                    </a:p>
+                  </a:txBody>
+                  <a:tcPr marL="116002" marR="116002" marT="58002" marB="58002"/>
+                </a:tc>
+                <a:tc>
+                  <a:txBody>
+                    <a:bodyPr/>
+                    <a:lstStyle/>
+                    <a:p>
+                      <a:r>
+                        <a:rPr lang="en-US" sz="2300" dirty="0"/>
+                        <a:t>Hypothesis Test</a:t>
+                      </a:r>
+                      <a:endParaRPr lang="en-SG" sz="2300" dirty="0"/>
+                    </a:p>
+                  </a:txBody>
+                  <a:tcPr marL="116002" marR="116002" marT="58002" marB="58002"/>
+                </a:tc>
+                <a:tc>
+                  <a:txBody>
+                    <a:bodyPr/>
+                    <a:lstStyle/>
+                    <a:p>
+                      <a:r>
+                        <a:rPr lang="en-US" sz="2300" dirty="0"/>
+                        <a:t>Percentage Change</a:t>
+                      </a:r>
+                      <a:endParaRPr lang="en-SG" sz="2300" dirty="0"/>
+                    </a:p>
+                  </a:txBody>
+                  <a:tcPr marL="116002" marR="116002" marT="58002" marB="58002"/>
+                </a:tc>
+                <a:extLst>
+                  <a:ext uri="{0D108BD9-81ED-4DB2-BD59-A6C34878D82A}">
+                    <a16:rowId xmlns:a16="http://schemas.microsoft.com/office/drawing/2014/main" val="3450981453"/>
+                  </a:ext>
+                </a:extLst>
+              </a:tr>
+              <a:tr h="470456">
+                <a:tc>
+                  <a:txBody>
+                    <a:bodyPr/>
+                    <a:lstStyle/>
+                    <a:p>
+                      <a:r>
+                        <a:rPr lang="en-US" sz="2300" dirty="0"/>
+                        <a:t>China</a:t>
+                      </a:r>
+                    </a:p>
+                  </a:txBody>
+                  <a:tcPr marL="116002" marR="116002" marT="58002" marB="58002"/>
+                </a:tc>
+                <a:tc>
+                  <a:txBody>
+                    <a:bodyPr/>
+                    <a:lstStyle/>
+                    <a:p>
+                      <a:r>
+                        <a:rPr lang="en-US" sz="2300" dirty="0"/>
+                        <a:t>Significant Increase</a:t>
+                      </a:r>
+                      <a:endParaRPr lang="en-SG" sz="2300" dirty="0"/>
+                    </a:p>
+                  </a:txBody>
+                  <a:tcPr marL="116002" marR="116002" marT="58002" marB="58002"/>
+                </a:tc>
+                <a:tc>
+                  <a:txBody>
+                    <a:bodyPr/>
+                    <a:lstStyle/>
+                    <a:p>
+                      <a:r>
+                        <a:rPr lang="en-US" sz="2300" dirty="0"/>
+                        <a:t>+238.15%</a:t>
+                      </a:r>
+                      <a:endParaRPr lang="en-SG" sz="2300" dirty="0"/>
+                    </a:p>
+                  </a:txBody>
+                  <a:tcPr marL="116002" marR="116002" marT="58002" marB="58002"/>
+                </a:tc>
+                <a:extLst>
+                  <a:ext uri="{0D108BD9-81ED-4DB2-BD59-A6C34878D82A}">
+                    <a16:rowId xmlns:a16="http://schemas.microsoft.com/office/drawing/2014/main" val="1365636382"/>
+                  </a:ext>
+                </a:extLst>
+              </a:tr>
+              <a:tr h="466199">
+                <a:tc>
+                  <a:txBody>
+                    <a:bodyPr/>
+                    <a:lstStyle/>
+                    <a:p>
+                      <a:r>
+                        <a:rPr lang="en-US" sz="2300" dirty="0"/>
+                        <a:t>Southeast Asia</a:t>
+                      </a:r>
+                      <a:endParaRPr lang="en-SG" sz="2300" dirty="0"/>
+                    </a:p>
+                  </a:txBody>
+                  <a:tcPr marL="116002" marR="116002" marT="58002" marB="58002"/>
+                </a:tc>
+                <a:tc>
+                  <a:txBody>
+                    <a:bodyPr/>
+                    <a:lstStyle/>
+                    <a:p>
+                      <a:r>
+                        <a:rPr lang="en-US" sz="2300" dirty="0"/>
+                        <a:t>Significant Increase</a:t>
+                      </a:r>
+                      <a:endParaRPr lang="en-SG" sz="2300" dirty="0"/>
+                    </a:p>
+                  </a:txBody>
+                  <a:tcPr marL="116002" marR="116002" marT="58002" marB="58002"/>
+                </a:tc>
+                <a:tc>
+                  <a:txBody>
+                    <a:bodyPr/>
+                    <a:lstStyle/>
+                    <a:p>
+                      <a:r>
+                        <a:rPr lang="en-US" sz="2300" dirty="0"/>
+                        <a:t>+86.35%</a:t>
+                      </a:r>
+                      <a:endParaRPr lang="en-SG" sz="2300" dirty="0"/>
+                    </a:p>
+                  </a:txBody>
+                  <a:tcPr marL="116002" marR="116002" marT="58002" marB="58002"/>
+                </a:tc>
+                <a:extLst>
+                  <a:ext uri="{0D108BD9-81ED-4DB2-BD59-A6C34878D82A}">
+                    <a16:rowId xmlns:a16="http://schemas.microsoft.com/office/drawing/2014/main" val="816882401"/>
+                  </a:ext>
+                </a:extLst>
+              </a:tr>
+              <a:tr h="470456">
+                <a:tc>
+                  <a:txBody>
+                    <a:bodyPr/>
+                    <a:lstStyle/>
+                    <a:p>
+                      <a:r>
+                        <a:rPr lang="en-US" sz="2300" dirty="0"/>
+                        <a:t>East Asia</a:t>
+                      </a:r>
+                      <a:endParaRPr lang="en-SG" sz="2300" dirty="0"/>
+                    </a:p>
+                  </a:txBody>
+                  <a:tcPr marL="116002" marR="116002" marT="58002" marB="58002"/>
+                </a:tc>
+                <a:tc>
+                  <a:txBody>
+                    <a:bodyPr/>
+                    <a:lstStyle/>
+                    <a:p>
+                      <a:r>
+                        <a:rPr lang="en-US" sz="2300" dirty="0"/>
+                        <a:t>Significant Decrease</a:t>
+                      </a:r>
+                      <a:endParaRPr lang="en-SG" sz="2300" dirty="0"/>
+                    </a:p>
+                  </a:txBody>
+                  <a:tcPr marL="116002" marR="116002" marT="58002" marB="58002"/>
+                </a:tc>
+                <a:tc>
+                  <a:txBody>
+                    <a:bodyPr/>
+                    <a:lstStyle/>
+                    <a:p>
+                      <a:r>
+                        <a:rPr lang="en-US" sz="2300" dirty="0"/>
+                        <a:t>-91.29%</a:t>
+                      </a:r>
+                      <a:endParaRPr lang="en-SG" sz="2300" dirty="0"/>
+                    </a:p>
+                  </a:txBody>
+                  <a:tcPr marL="116002" marR="116002" marT="58002" marB="58002"/>
+                </a:tc>
+                <a:extLst>
+                  <a:ext uri="{0D108BD9-81ED-4DB2-BD59-A6C34878D82A}">
+                    <a16:rowId xmlns:a16="http://schemas.microsoft.com/office/drawing/2014/main" val="1332256532"/>
+                  </a:ext>
+                </a:extLst>
+              </a:tr>
+              <a:tr h="470456">
+                <a:tc>
+                  <a:txBody>
+                    <a:bodyPr/>
+                    <a:lstStyle/>
+                    <a:p>
+                      <a:r>
+                        <a:rPr lang="en-US" sz="2300" dirty="0"/>
+                        <a:t>United States</a:t>
+                      </a:r>
+                      <a:endParaRPr lang="en-SG" sz="2300" dirty="0"/>
+                    </a:p>
+                  </a:txBody>
+                  <a:tcPr marL="116002" marR="116002" marT="58002" marB="58002"/>
+                </a:tc>
+                <a:tc>
+                  <a:txBody>
+                    <a:bodyPr/>
+                    <a:lstStyle/>
+                    <a:p>
+                      <a:r>
+                        <a:rPr lang="en-US" sz="2300" dirty="0"/>
+                        <a:t>Significant Decrease</a:t>
+                      </a:r>
+                      <a:endParaRPr lang="en-SG" sz="2300" dirty="0"/>
+                    </a:p>
+                  </a:txBody>
+                  <a:tcPr marL="116002" marR="116002" marT="58002" marB="58002"/>
+                </a:tc>
+                <a:tc>
+                  <a:txBody>
+                    <a:bodyPr/>
+                    <a:lstStyle/>
+                    <a:p>
+                      <a:r>
+                        <a:rPr lang="en-US" sz="2300" dirty="0"/>
+                        <a:t>-54.16 %</a:t>
+                      </a:r>
+                      <a:endParaRPr lang="en-SG" sz="2300" dirty="0"/>
+                    </a:p>
+                  </a:txBody>
+                  <a:tcPr marL="116002" marR="116002" marT="58002" marB="58002"/>
+                </a:tc>
+                <a:extLst>
+                  <a:ext uri="{0D108BD9-81ED-4DB2-BD59-A6C34878D82A}">
+                    <a16:rowId xmlns:a16="http://schemas.microsoft.com/office/drawing/2014/main" val="2778550371"/>
+                  </a:ext>
+                </a:extLst>
+              </a:tr>
+              <a:tr h="470456">
+                <a:tc>
+                  <a:txBody>
+                    <a:bodyPr/>
+                    <a:lstStyle/>
+                    <a:p>
+                      <a:r>
+                        <a:rPr lang="en-US" sz="2300" dirty="0"/>
+                        <a:t>Europe</a:t>
+                      </a:r>
+                      <a:endParaRPr lang="en-SG" sz="2300" dirty="0"/>
+                    </a:p>
+                  </a:txBody>
+                  <a:tcPr marL="116002" marR="116002" marT="58002" marB="58002"/>
+                </a:tc>
+                <a:tc>
+                  <a:txBody>
+                    <a:bodyPr/>
+                    <a:lstStyle/>
+                    <a:p>
+                      <a:r>
+                        <a:rPr lang="en-US" sz="2300" dirty="0"/>
+                        <a:t>Insignificant</a:t>
+                      </a:r>
+                      <a:endParaRPr lang="en-SG" sz="2300" dirty="0"/>
+                    </a:p>
+                  </a:txBody>
+                  <a:tcPr marL="116002" marR="116002" marT="58002" marB="58002"/>
+                </a:tc>
+                <a:tc>
+                  <a:txBody>
+                    <a:bodyPr/>
+                    <a:lstStyle/>
+                    <a:p>
+                      <a:r>
+                        <a:rPr lang="en-US" sz="2300" dirty="0"/>
+                        <a:t>+4.47%</a:t>
+                      </a:r>
+                      <a:endParaRPr lang="en-SG" sz="2300" dirty="0"/>
+                    </a:p>
+                  </a:txBody>
+                  <a:tcPr marL="116002" marR="116002" marT="58002" marB="58002"/>
+                </a:tc>
+                <a:extLst>
+                  <a:ext uri="{0D108BD9-81ED-4DB2-BD59-A6C34878D82A}">
+                    <a16:rowId xmlns:a16="http://schemas.microsoft.com/office/drawing/2014/main" val="2849392257"/>
+                  </a:ext>
+                </a:extLst>
+              </a:tr>
+              <a:tr h="470456">
+                <a:tc>
+                  <a:txBody>
+                    <a:bodyPr/>
+                    <a:lstStyle/>
+                    <a:p>
+                      <a:r>
+                        <a:rPr lang="en-US" sz="2300" dirty="0"/>
+                        <a:t>Total </a:t>
+                      </a:r>
+                      <a:endParaRPr lang="en-SG" sz="2300" dirty="0"/>
+                    </a:p>
+                  </a:txBody>
+                  <a:tcPr marL="116002" marR="116002" marT="58002" marB="58002"/>
+                </a:tc>
+                <a:tc>
+                  <a:txBody>
+                    <a:bodyPr/>
+                    <a:lstStyle/>
+                    <a:p>
+                      <a:r>
+                        <a:rPr lang="en-US" sz="2300" dirty="0"/>
+                        <a:t>Significant Increase</a:t>
+                      </a:r>
+                      <a:endParaRPr lang="en-SG" sz="2300" dirty="0"/>
+                    </a:p>
+                  </a:txBody>
+                  <a:tcPr marL="116002" marR="116002" marT="58002" marB="58002"/>
+                </a:tc>
+                <a:tc>
+                  <a:txBody>
+                    <a:bodyPr/>
+                    <a:lstStyle/>
+                    <a:p>
+                      <a:r>
+                        <a:rPr lang="en-US" sz="2300" dirty="0"/>
+                        <a:t>+7.8%</a:t>
+                      </a:r>
+                      <a:endParaRPr lang="en-SG" sz="2300" dirty="0"/>
+                    </a:p>
+                  </a:txBody>
+                  <a:tcPr marL="116002" marR="116002" marT="58002" marB="58002"/>
+                </a:tc>
+                <a:extLst>
+                  <a:ext uri="{0D108BD9-81ED-4DB2-BD59-A6C34878D82A}">
+                    <a16:rowId xmlns:a16="http://schemas.microsoft.com/office/drawing/2014/main" val="934364739"/>
+                  </a:ext>
+                </a:extLst>
+              </a:tr>
+            </a:tbl>
+          </a:graphicData>
+        </a:graphic>
+      </p:graphicFrame>
+      <p:sp>
+        <p:nvSpPr>
+          <p:cNvPr id="8" name="Text Placeholder 2">
+            <a:extLst>
+              <a:ext uri="{FF2B5EF4-FFF2-40B4-BE49-F238E27FC236}">
+                <a16:creationId xmlns:a16="http://schemas.microsoft.com/office/drawing/2014/main" id="{C4A106BB-12CA-5B68-7222-2E3864374A44}"/>
+              </a:ext>
+            </a:extLst>
+          </p:cNvPr>
+          <p:cNvSpPr>
+            <a:spLocks noGrp="1"/>
+          </p:cNvSpPr>
+          <p:nvPr>
+            <p:ph type="body" idx="1"/>
+          </p:nvPr>
+        </p:nvSpPr>
+        <p:spPr>
+          <a:xfrm>
+            <a:off x="1484312" y="1731885"/>
+            <a:ext cx="10018713" cy="1055703"/>
+          </a:xfrm>
+        </p:spPr>
+        <p:txBody>
+          <a:bodyPr/>
+          <a:lstStyle/>
+          <a:p>
+            <a:r>
+              <a:rPr lang="en-US" dirty="0"/>
+              <a:t>Through Statistical Tests, the Significance and Magnitude of the impact from the Geopolitical Intervention on the Monthly Profits of all 5 regions are as such:</a:t>
+            </a:r>
+            <a:endParaRPr lang="en-SG" dirty="0"/>
+          </a:p>
+        </p:txBody>
+      </p:sp>
+    </p:spTree>
+    <p:extLst>
+      <p:ext uri="{BB962C8B-B14F-4D97-AF65-F5344CB8AC3E}">
+        <p14:creationId xmlns:p14="http://schemas.microsoft.com/office/powerpoint/2010/main" val="3439401607"/>
       </p:ext>
     </p:extLst>
   </p:cSld>
@@ -22157,26 +22762,6 @@
 </file>
 
 <file path=customXml/item1.xml><?xml version="1.0" encoding="utf-8"?>
-<p:properties xmlns:p="http://schemas.microsoft.com/office/2006/metadata/properties" xmlns:xsi="http://www.w3.org/2001/XMLSchema-instance" xmlns:pc="http://schemas.microsoft.com/office/infopath/2007/PartnerControls">
-  <documentManagement>
-    <TaxCatchAll xmlns="d50ccbe0-cca1-4d4b-b46b-fdd532fd81a5" xsi:nil="true"/>
-    <lcf76f155ced4ddcb4097134ff3c332f xmlns="d36c0395-b650-41ff-912c-e6a462652c6d">
-      <Terms xmlns="http://schemas.microsoft.com/office/infopath/2007/PartnerControls"/>
-    </lcf76f155ced4ddcb4097134ff3c332f>
-  </documentManagement>
-</p:properties>
-</file>
-
-<file path=customXml/item2.xml><?xml version="1.0" encoding="utf-8"?>
-<?mso-contentType ?>
-<FormTemplates xmlns="http://schemas.microsoft.com/sharepoint/v3/contenttype/forms">
-  <Display>DocumentLibraryForm</Display>
-  <Edit>DocumentLibraryForm</Edit>
-  <New>DocumentLibraryForm</New>
-</FormTemplates>
-</file>
-
-<file path=customXml/item3.xml><?xml version="1.0" encoding="utf-8"?>
 <ct:contentTypeSchema xmlns:ct="http://schemas.microsoft.com/office/2006/metadata/contentType" xmlns:ma="http://schemas.microsoft.com/office/2006/metadata/properties/metaAttributes" ct:_="" ma:_="" ma:contentTypeName="Document" ma:contentTypeID="0x010100952BE645A83FA44AAEB7EF4394BE9CE8" ma:contentTypeVersion="10" ma:contentTypeDescription="Create a new document." ma:contentTypeScope="" ma:versionID="0503a23d02e1e8cfccb9d58081f4fa48">
   <xsd:schema xmlns:xsd="http://www.w3.org/2001/XMLSchema" xmlns:xs="http://www.w3.org/2001/XMLSchema" xmlns:p="http://schemas.microsoft.com/office/2006/metadata/properties" xmlns:ns2="d36c0395-b650-41ff-912c-e6a462652c6d" xmlns:ns3="d50ccbe0-cca1-4d4b-b46b-fdd532fd81a5" targetNamespace="http://schemas.microsoft.com/office/2006/metadata/properties" ma:root="true" ma:fieldsID="4ef77329f0aeb8f214345ec4cefe3bf0" ns2:_="" ns3:_="">
     <xsd:import namespace="d36c0395-b650-41ff-912c-e6a462652c6d"/>
@@ -22365,32 +22950,27 @@
 </ct:contentTypeSchema>
 </file>
 
-<file path=customXml/itemProps1.xml><?xml version="1.0" encoding="utf-8"?>
-<ds:datastoreItem xmlns:ds="http://schemas.openxmlformats.org/officeDocument/2006/customXml" ds:itemID="{A3A737A3-78E3-4DC8-898D-CCE433D32979}">
-  <ds:schemaRefs>
-    <ds:schemaRef ds:uri="http://purl.org/dc/elements/1.1/"/>
-    <ds:schemaRef ds:uri="http://schemas.microsoft.com/office/2006/documentManagement/types"/>
-    <ds:schemaRef ds:uri="http://purl.org/dc/terms/"/>
-    <ds:schemaRef ds:uri="d36c0395-b650-41ff-912c-e6a462652c6d"/>
-    <ds:schemaRef ds:uri="http://www.w3.org/XML/1998/namespace"/>
-    <ds:schemaRef ds:uri="http://purl.org/dc/dcmitype/"/>
-    <ds:schemaRef ds:uri="http://schemas.openxmlformats.org/package/2006/metadata/core-properties"/>
-    <ds:schemaRef ds:uri="http://schemas.microsoft.com/office/infopath/2007/PartnerControls"/>
-    <ds:schemaRef ds:uri="d50ccbe0-cca1-4d4b-b46b-fdd532fd81a5"/>
-    <ds:schemaRef ds:uri="http://schemas.microsoft.com/office/2006/metadata/properties"/>
-  </ds:schemaRefs>
-</ds:datastoreItem>
+<file path=customXml/item2.xml><?xml version="1.0" encoding="utf-8"?>
+<?mso-contentType ?>
+<FormTemplates xmlns="http://schemas.microsoft.com/sharepoint/v3/contenttype/forms">
+  <Display>DocumentLibraryForm</Display>
+  <Edit>DocumentLibraryForm</Edit>
+  <New>DocumentLibraryForm</New>
+</FormTemplates>
 </file>
 
-<file path=customXml/itemProps2.xml><?xml version="1.0" encoding="utf-8"?>
-<ds:datastoreItem xmlns:ds="http://schemas.openxmlformats.org/officeDocument/2006/customXml" ds:itemID="{8FF60034-A11D-4F90-A489-89BB9DC94BDB}">
-  <ds:schemaRefs>
-    <ds:schemaRef ds:uri="http://schemas.microsoft.com/sharepoint/v3/contenttype/forms"/>
-  </ds:schemaRefs>
-</ds:datastoreItem>
+<file path=customXml/item3.xml><?xml version="1.0" encoding="utf-8"?>
+<p:properties xmlns:p="http://schemas.microsoft.com/office/2006/metadata/properties" xmlns:xsi="http://www.w3.org/2001/XMLSchema-instance" xmlns:pc="http://schemas.microsoft.com/office/infopath/2007/PartnerControls">
+  <documentManagement>
+    <TaxCatchAll xmlns="d50ccbe0-cca1-4d4b-b46b-fdd532fd81a5" xsi:nil="true"/>
+    <lcf76f155ced4ddcb4097134ff3c332f xmlns="d36c0395-b650-41ff-912c-e6a462652c6d">
+      <Terms xmlns="http://schemas.microsoft.com/office/infopath/2007/PartnerControls"/>
+    </lcf76f155ced4ddcb4097134ff3c332f>
+  </documentManagement>
+</p:properties>
 </file>
 
-<file path=customXml/itemProps3.xml><?xml version="1.0" encoding="utf-8"?>
+<file path=customXml/itemProps1.xml><?xml version="1.0" encoding="utf-8"?>
 <ds:datastoreItem xmlns:ds="http://schemas.openxmlformats.org/officeDocument/2006/customXml" ds:itemID="{C570983F-5195-44B7-92D0-B0EE195BE993}">
   <ds:schemaRefs>
     <ds:schemaRef ds:uri="http://schemas.microsoft.com/office/2006/metadata/contentType"/>
@@ -22407,4 +22987,29 @@
     <ds:schemaRef ds:uri="http://schemas.microsoft.com/internal/obd"/>
   </ds:schemaRefs>
 </ds:datastoreItem>
+</file>
+
+<file path=customXml/itemProps2.xml><?xml version="1.0" encoding="utf-8"?>
+<ds:datastoreItem xmlns:ds="http://schemas.openxmlformats.org/officeDocument/2006/customXml" ds:itemID="{8FF60034-A11D-4F90-A489-89BB9DC94BDB}">
+  <ds:schemaRefs>
+    <ds:schemaRef ds:uri="http://schemas.microsoft.com/sharepoint/v3/contenttype/forms"/>
+  </ds:schemaRefs>
+</ds:datastoreItem>
+</file>
+
+<file path=customXml/itemProps3.xml><?xml version="1.0" encoding="utf-8"?>
+<ds:datastoreItem xmlns:ds="http://schemas.openxmlformats.org/officeDocument/2006/customXml" ds:itemID="{A3A737A3-78E3-4DC8-898D-CCE433D32979}">
+  <ds:schemaRefs>
+    <ds:schemaRef ds:uri="http://purl.org/dc/elements/1.1/"/>
+    <ds:schemaRef ds:uri="http://schemas.microsoft.com/office/2006/documentManagement/types"/>
+    <ds:schemaRef ds:uri="http://purl.org/dc/terms/"/>
+    <ds:schemaRef ds:uri="d36c0395-b650-41ff-912c-e6a462652c6d"/>
+    <ds:schemaRef ds:uri="http://www.w3.org/XML/1998/namespace"/>
+    <ds:schemaRef ds:uri="http://purl.org/dc/dcmitype/"/>
+    <ds:schemaRef ds:uri="http://schemas.openxmlformats.org/package/2006/metadata/core-properties"/>
+    <ds:schemaRef ds:uri="http://schemas.microsoft.com/office/infopath/2007/PartnerControls"/>
+    <ds:schemaRef ds:uri="d50ccbe0-cca1-4d4b-b46b-fdd532fd81a5"/>
+    <ds:schemaRef ds:uri="http://schemas.microsoft.com/office/2006/metadata/properties"/>
+  </ds:schemaRefs>
+</ds:datastoreItem>
 </file>
--- a/illustration_slides.pptx
+++ b/illustration_slides.pptx
@@ -4698,7 +4698,7 @@
           <a:p>
             <a:fld id="{846CE7D5-CF57-46EF-B807-FDD0502418D4}" type="datetimeFigureOut">
               <a:rPr lang="en-GB" smtClean="0"/>
-              <a:t>31/08/2023</a:t>
+              <a:t>16/09/2023</a:t>
             </a:fld>
             <a:endParaRPr lang="en-GB"/>
           </a:p>
@@ -4994,7 +4994,7 @@
           <a:p>
             <a:fld id="{846CE7D5-CF57-46EF-B807-FDD0502418D4}" type="datetimeFigureOut">
               <a:rPr lang="en-GB" smtClean="0"/>
-              <a:t>31/08/2023</a:t>
+              <a:t>16/09/2023</a:t>
             </a:fld>
             <a:endParaRPr lang="en-GB"/>
           </a:p>
@@ -5242,7 +5242,7 @@
           <a:p>
             <a:fld id="{846CE7D5-CF57-46EF-B807-FDD0502418D4}" type="datetimeFigureOut">
               <a:rPr lang="en-GB" smtClean="0"/>
-              <a:t>31/08/2023</a:t>
+              <a:t>16/09/2023</a:t>
             </a:fld>
             <a:endParaRPr lang="en-GB"/>
           </a:p>
@@ -5782,7 +5782,7 @@
           <a:p>
             <a:fld id="{846CE7D5-CF57-46EF-B807-FDD0502418D4}" type="datetimeFigureOut">
               <a:rPr lang="en-GB" smtClean="0"/>
-              <a:t>31/08/2023</a:t>
+              <a:t>16/09/2023</a:t>
             </a:fld>
             <a:endParaRPr lang="en-GB"/>
           </a:p>
@@ -6030,7 +6030,7 @@
           <a:p>
             <a:fld id="{846CE7D5-CF57-46EF-B807-FDD0502418D4}" type="datetimeFigureOut">
               <a:rPr lang="en-GB" smtClean="0"/>
-              <a:t>31/08/2023</a:t>
+              <a:t>16/09/2023</a:t>
             </a:fld>
             <a:endParaRPr lang="en-GB"/>
           </a:p>
@@ -6562,7 +6562,7 @@
           <a:p>
             <a:fld id="{846CE7D5-CF57-46EF-B807-FDD0502418D4}" type="datetimeFigureOut">
               <a:rPr lang="en-GB" smtClean="0"/>
-              <a:t>31/08/2023</a:t>
+              <a:t>16/09/2023</a:t>
             </a:fld>
             <a:endParaRPr lang="en-GB"/>
           </a:p>
@@ -6859,7 +6859,7 @@
           <a:p>
             <a:fld id="{846CE7D5-CF57-46EF-B807-FDD0502418D4}" type="datetimeFigureOut">
               <a:rPr lang="en-GB" smtClean="0"/>
-              <a:t>31/08/2023</a:t>
+              <a:t>16/09/2023</a:t>
             </a:fld>
             <a:endParaRPr lang="en-GB"/>
           </a:p>
@@ -7033,7 +7033,7 @@
           <a:p>
             <a:fld id="{846CE7D5-CF57-46EF-B807-FDD0502418D4}" type="datetimeFigureOut">
               <a:rPr lang="en-GB" smtClean="0"/>
-              <a:t>31/08/2023</a:t>
+              <a:t>16/09/2023</a:t>
             </a:fld>
             <a:endParaRPr lang="en-GB"/>
           </a:p>
@@ -7213,7 +7213,7 @@
           <a:p>
             <a:fld id="{846CE7D5-CF57-46EF-B807-FDD0502418D4}" type="datetimeFigureOut">
               <a:rPr lang="en-GB" smtClean="0"/>
-              <a:t>31/08/2023</a:t>
+              <a:t>16/09/2023</a:t>
             </a:fld>
             <a:endParaRPr lang="en-GB"/>
           </a:p>
@@ -7383,7 +7383,7 @@
           <a:p>
             <a:fld id="{846CE7D5-CF57-46EF-B807-FDD0502418D4}" type="datetimeFigureOut">
               <a:rPr lang="en-GB" smtClean="0"/>
-              <a:t>31/08/2023</a:t>
+              <a:t>16/09/2023</a:t>
             </a:fld>
             <a:endParaRPr lang="en-GB"/>
           </a:p>
@@ -7634,7 +7634,7 @@
           <a:p>
             <a:fld id="{846CE7D5-CF57-46EF-B807-FDD0502418D4}" type="datetimeFigureOut">
               <a:rPr lang="en-GB" smtClean="0"/>
-              <a:t>31/08/2023</a:t>
+              <a:t>16/09/2023</a:t>
             </a:fld>
             <a:endParaRPr lang="en-GB"/>
           </a:p>
@@ -7931,7 +7931,7 @@
           <a:p>
             <a:fld id="{846CE7D5-CF57-46EF-B807-FDD0502418D4}" type="datetimeFigureOut">
               <a:rPr lang="en-GB" smtClean="0"/>
-              <a:t>31/08/2023</a:t>
+              <a:t>16/09/2023</a:t>
             </a:fld>
             <a:endParaRPr lang="en-GB"/>
           </a:p>
@@ -8373,7 +8373,7 @@
           <a:p>
             <a:fld id="{846CE7D5-CF57-46EF-B807-FDD0502418D4}" type="datetimeFigureOut">
               <a:rPr lang="en-GB" smtClean="0"/>
-              <a:t>31/08/2023</a:t>
+              <a:t>16/09/2023</a:t>
             </a:fld>
             <a:endParaRPr lang="en-GB"/>
           </a:p>
@@ -8491,7 +8491,7 @@
           <a:p>
             <a:fld id="{846CE7D5-CF57-46EF-B807-FDD0502418D4}" type="datetimeFigureOut">
               <a:rPr lang="en-GB" smtClean="0"/>
-              <a:t>31/08/2023</a:t>
+              <a:t>16/09/2023</a:t>
             </a:fld>
             <a:endParaRPr lang="en-GB"/>
           </a:p>
@@ -8586,7 +8586,7 @@
           <a:p>
             <a:fld id="{846CE7D5-CF57-46EF-B807-FDD0502418D4}" type="datetimeFigureOut">
               <a:rPr lang="en-GB" smtClean="0"/>
-              <a:t>31/08/2023</a:t>
+              <a:t>16/09/2023</a:t>
             </a:fld>
             <a:endParaRPr lang="en-GB"/>
           </a:p>
@@ -8869,7 +8869,7 @@
           <a:p>
             <a:fld id="{846CE7D5-CF57-46EF-B807-FDD0502418D4}" type="datetimeFigureOut">
               <a:rPr lang="en-GB" smtClean="0"/>
-              <a:t>31/08/2023</a:t>
+              <a:t>16/09/2023</a:t>
             </a:fld>
             <a:endParaRPr lang="en-GB"/>
           </a:p>
@@ -9160,7 +9160,7 @@
           <a:p>
             <a:fld id="{846CE7D5-CF57-46EF-B807-FDD0502418D4}" type="datetimeFigureOut">
               <a:rPr lang="en-GB" smtClean="0"/>
-              <a:t>31/08/2023</a:t>
+              <a:t>16/09/2023</a:t>
             </a:fld>
             <a:endParaRPr lang="en-GB"/>
           </a:p>
@@ -9690,7 +9690,7 @@
           <a:p>
             <a:fld id="{846CE7D5-CF57-46EF-B807-FDD0502418D4}" type="datetimeFigureOut">
               <a:rPr lang="en-GB" smtClean="0"/>
-              <a:t>31/08/2023</a:t>
+              <a:t>16/09/2023</a:t>
             </a:fld>
             <a:endParaRPr lang="en-GB"/>
           </a:p>
@@ -20249,8 +20249,8 @@
           <a:chExt cx="0" cy="0"/>
         </a:xfrm>
       </p:grpSpPr>
-      <mc:AlternateContent xmlns:mc="http://schemas.openxmlformats.org/markup-compatibility/2006" xmlns:a14="http://schemas.microsoft.com/office/drawing/2010/main">
-        <mc:Choice Requires="a14">
+      <mc:AlternateContent xmlns:mc="http://schemas.openxmlformats.org/markup-compatibility/2006">
+        <mc:Choice xmlns:a14="http://schemas.microsoft.com/office/drawing/2010/main" Requires="a14">
           <p:sp>
             <p:nvSpPr>
               <p:cNvPr id="2" name="Title 1">
@@ -20287,7 +20287,7 @@
                     </m:oMathParaPr>
                     <m:oMath xmlns:m="http://schemas.openxmlformats.org/officeDocument/2006/math">
                       <m:r>
-                        <a:rPr lang="en-SG" sz="2800" b="0" i="1" smtClean="0">
+                        <a:rPr lang="en-SG" sz="2200" b="0" i="1" smtClean="0">
                           <a:latin typeface="Cambria Math" panose="02040503050406030204" pitchFamily="18" charset="0"/>
                         </a:rPr>
                         <m:t>𝑃𝑟𝑜𝑓𝑖</m:t>
@@ -20295,14 +20295,14 @@
                       <m:sSub>
                         <m:sSubPr>
                           <m:ctrlPr>
-                            <a:rPr lang="en-SG" sz="2800" b="0" i="1" smtClean="0">
+                            <a:rPr lang="en-SG" sz="2200" b="0" i="1" smtClean="0">
                               <a:latin typeface="Cambria Math" panose="02040503050406030204" pitchFamily="18" charset="0"/>
                             </a:rPr>
                           </m:ctrlPr>
                         </m:sSubPr>
                         <m:e>
                           <m:r>
-                            <a:rPr lang="en-SG" sz="2800" b="0" i="1" smtClean="0">
+                            <a:rPr lang="en-SG" sz="2200" b="0" i="1" smtClean="0">
                               <a:latin typeface="Cambria Math" panose="02040503050406030204" pitchFamily="18" charset="0"/>
                             </a:rPr>
                             <m:t>𝑡</m:t>
@@ -20310,7 +20310,7 @@
                         </m:e>
                         <m:sub>
                           <m:r>
-                            <a:rPr lang="en-SG" sz="2800" b="0" i="1" smtClean="0">
+                            <a:rPr lang="en-SG" sz="2200" b="0" i="1" smtClean="0">
                               <a:latin typeface="Cambria Math" panose="02040503050406030204" pitchFamily="18" charset="0"/>
                             </a:rPr>
                             <m:t>𝑖</m:t>
@@ -20318,76 +20318,163 @@
                         </m:sub>
                       </m:sSub>
                       <m:r>
-                        <a:rPr lang="en-GB" sz="2800" i="1">
+                        <a:rPr lang="en-GB" sz="2200" i="1">
                           <a:latin typeface="Cambria Math" panose="02040503050406030204" pitchFamily="18" charset="0"/>
                         </a:rPr>
-                        <m:t>=−</m:t>
+                        <m:t>=</m:t>
+                      </m:r>
+                      <m:sSub>
+                        <m:sSubPr>
+                          <m:ctrlPr>
+                            <a:rPr lang="en-SG" sz="2200" i="1"/>
+                          </m:ctrlPr>
+                        </m:sSubPr>
+                        <m:e>
+                          <m:r>
+                            <a:rPr lang="en-GB" sz="2200" i="1"/>
+                            <m:t>𝑠</m:t>
+                          </m:r>
+                        </m:e>
+                        <m:sub>
+                          <m:r>
+                            <a:rPr lang="en-GB" sz="2200" i="1"/>
+                            <m:t>𝑖</m:t>
+                          </m:r>
+                          <m:r>
+                            <a:rPr lang="en-GB" sz="2200" i="1"/>
+                            <m:t>,</m:t>
+                          </m:r>
+                          <m:r>
+                            <a:rPr lang="en-GB" sz="2200" i="1"/>
+                            <m:t>𝐷</m:t>
+                          </m:r>
+                        </m:sub>
+                      </m:sSub>
+                      <m:sSub>
+                        <m:sSubPr>
+                          <m:ctrlPr>
+                            <a:rPr lang="en-SG" sz="2200" i="1"/>
+                          </m:ctrlPr>
+                        </m:sSubPr>
+                        <m:e>
+                          <m:r>
+                            <a:rPr lang="en-GB" sz="2200" i="1"/>
+                            <m:t>𝑀</m:t>
+                          </m:r>
+                        </m:e>
+                        <m:sub>
+                          <m:r>
+                            <a:rPr lang="en-GB" sz="2200" i="1"/>
+                            <m:t>𝑖</m:t>
+                          </m:r>
+                          <m:r>
+                            <a:rPr lang="en-GB" sz="2200" i="1"/>
+                            <m:t>,</m:t>
+                          </m:r>
+                          <m:r>
+                            <a:rPr lang="en-GB" sz="2200" i="1"/>
+                            <m:t>𝐷</m:t>
+                          </m:r>
+                        </m:sub>
+                      </m:sSub>
+                      <m:r>
+                        <a:rPr lang="en-GB" sz="2200" i="1"/>
+                        <m:t>−</m:t>
                       </m:r>
                       <m:nary>
                         <m:naryPr>
                           <m:chr m:val="∑"/>
                           <m:supHide m:val="on"/>
                           <m:ctrlPr>
-                            <a:rPr lang="en-SG" sz="2800" i="1">
-                              <a:latin typeface="Cambria Math" panose="02040503050406030204" pitchFamily="18" charset="0"/>
-                            </a:rPr>
+                            <a:rPr lang="en-SG" sz="2200" i="1"/>
                           </m:ctrlPr>
                         </m:naryPr>
                         <m:sub>
                           <m:r>
-                            <a:rPr lang="en-GB" sz="2800" i="1">
-                              <a:latin typeface="Cambria Math" panose="02040503050406030204" pitchFamily="18" charset="0"/>
-                            </a:rPr>
+                            <a:rPr lang="en-GB" sz="2200" i="1"/>
                             <m:t>𝑎𝑙𝑙</m:t>
                           </m:r>
                           <m:r>
-                            <a:rPr lang="en-GB" sz="2800" i="1">
-                              <a:latin typeface="Cambria Math" panose="02040503050406030204" pitchFamily="18" charset="0"/>
-                            </a:rPr>
+                            <a:rPr lang="en-GB" sz="2200" i="1"/>
                             <m:t> </m:t>
                           </m:r>
                           <m:r>
-                            <a:rPr lang="en-GB" sz="2800" i="1">
-                              <a:latin typeface="Cambria Math" panose="02040503050406030204" pitchFamily="18" charset="0"/>
-                            </a:rPr>
+                            <a:rPr lang="en-GB" sz="2200" i="1"/>
                             <m:t>𝑛</m:t>
                           </m:r>
+                          <m:r>
+                            <a:rPr lang="en-GB" sz="2200" i="1"/>
+                            <m:t> </m:t>
+                          </m:r>
+                          <m:r>
+                            <a:rPr lang="en-GB" sz="2200" i="1"/>
+                            <m:t>𝜖</m:t>
+                          </m:r>
+                          <m:d>
+                            <m:dPr>
+                              <m:begChr m:val="["/>
+                              <m:endChr m:val="]"/>
+                              <m:ctrlPr>
+                                <a:rPr lang="en-SG" sz="2200" i="1"/>
+                              </m:ctrlPr>
+                            </m:dPr>
+                            <m:e>
+                              <m:r>
+                                <a:rPr lang="en-GB" sz="2200" i="1"/>
+                                <m:t>𝐸</m:t>
+                              </m:r>
+                              <m:r>
+                                <a:rPr lang="en-GB" sz="2200" i="1"/>
+                                <m:t>,</m:t>
+                              </m:r>
+                              <m:r>
+                                <a:rPr lang="en-GB" sz="2200" i="1"/>
+                                <m:t>𝑃</m:t>
+                              </m:r>
+                              <m:r>
+                                <a:rPr lang="en-GB" sz="2200" i="1"/>
+                                <m:t>,</m:t>
+                              </m:r>
+                              <m:r>
+                                <a:rPr lang="en-GB" sz="2200" i="1"/>
+                                <m:t>𝑀</m:t>
+                              </m:r>
+                              <m:r>
+                                <a:rPr lang="en-GB" sz="2200" i="1"/>
+                                <m:t>,</m:t>
+                              </m:r>
+                              <m:r>
+                                <a:rPr lang="en-GB" sz="2200" i="1"/>
+                                <m:t>𝐴</m:t>
+                              </m:r>
+                            </m:e>
+                          </m:d>
                         </m:sub>
                         <m:sup/>
                         <m:e>
                           <m:sSub>
                             <m:sSubPr>
                               <m:ctrlPr>
-                                <a:rPr lang="en-SG" sz="2800" i="1">
-                                  <a:latin typeface="Cambria Math" panose="02040503050406030204" pitchFamily="18" charset="0"/>
-                                </a:rPr>
+                                <a:rPr lang="en-SG" sz="2200" i="1"/>
                               </m:ctrlPr>
                             </m:sSubPr>
                             <m:e>
                               <m:r>
-                                <a:rPr lang="en-GB" sz="2800" i="1">
-                                  <a:latin typeface="Cambria Math" panose="02040503050406030204" pitchFamily="18" charset="0"/>
-                                </a:rPr>
+                                <a:rPr lang="en-GB" sz="2200" i="1"/>
                                 <m:t>𝑐</m:t>
                               </m:r>
                             </m:e>
                             <m:sub>
                               <m:r>
-                                <a:rPr lang="en-GB" sz="2800" i="1">
-                                  <a:latin typeface="Cambria Math" panose="02040503050406030204" pitchFamily="18" charset="0"/>
-                                </a:rPr>
+                                <a:rPr lang="en-GB" sz="2200" i="1"/>
                                 <m:t>𝑖</m:t>
                               </m:r>
                               <m:r>
-                                <a:rPr lang="en-GB" sz="2800" i="1">
-                                  <a:latin typeface="Cambria Math" panose="02040503050406030204" pitchFamily="18" charset="0"/>
-                                </a:rPr>
+                                <a:rPr lang="en-GB" sz="2200" i="1"/>
                                 <m:t>,</m:t>
                               </m:r>
                               <m:r>
-                                <a:rPr lang="en-GB" sz="2800" i="1">
-                                  <a:latin typeface="Cambria Math" panose="02040503050406030204" pitchFamily="18" charset="0"/>
-                                </a:rPr>
+                                <a:rPr lang="en-GB" sz="2200" i="1"/>
                                 <m:t>𝑛</m:t>
                               </m:r>
                             </m:sub>
@@ -20395,36 +20482,26 @@
                           <m:sSub>
                             <m:sSubPr>
                               <m:ctrlPr>
-                                <a:rPr lang="en-SG" sz="2800" i="1">
-                                  <a:latin typeface="Cambria Math" panose="02040503050406030204" pitchFamily="18" charset="0"/>
-                                </a:rPr>
+                                <a:rPr lang="en-SG" sz="2200" i="1"/>
                               </m:ctrlPr>
                             </m:sSubPr>
                             <m:e>
                               <m:r>
-                                <a:rPr lang="en-GB" sz="2800" i="1">
-                                  <a:latin typeface="Cambria Math" panose="02040503050406030204" pitchFamily="18" charset="0"/>
-                                </a:rPr>
+                                <a:rPr lang="en-GB" sz="2200" i="1"/>
                                 <m:t>𝑀</m:t>
                               </m:r>
                             </m:e>
                             <m:sub>
                               <m:r>
-                                <a:rPr lang="en-GB" sz="2800" i="1">
-                                  <a:latin typeface="Cambria Math" panose="02040503050406030204" pitchFamily="18" charset="0"/>
-                                </a:rPr>
+                                <a:rPr lang="en-GB" sz="2200" i="1"/>
                                 <m:t>𝑖</m:t>
                               </m:r>
                               <m:r>
-                                <a:rPr lang="en-GB" sz="2800" i="1">
-                                  <a:latin typeface="Cambria Math" panose="02040503050406030204" pitchFamily="18" charset="0"/>
-                                </a:rPr>
+                                <a:rPr lang="en-GB" sz="2200" i="1"/>
                                 <m:t>,</m:t>
                               </m:r>
                               <m:r>
-                                <a:rPr lang="en-GB" sz="2800" i="1">
-                                  <a:latin typeface="Cambria Math" panose="02040503050406030204" pitchFamily="18" charset="0"/>
-                                </a:rPr>
+                                <a:rPr lang="en-GB" sz="2200" i="1"/>
                                 <m:t>𝑛</m:t>
                               </m:r>
                             </m:sub>
@@ -20432,7 +20509,7 @@
                         </m:e>
                       </m:nary>
                       <m:r>
-                        <a:rPr lang="en-GB" sz="2800" i="1">
+                        <a:rPr lang="en-GB" sz="2200" i="1">
                           <a:latin typeface="Cambria Math" panose="02040503050406030204" pitchFamily="18" charset="0"/>
                         </a:rPr>
                         <m:t>+</m:t>
@@ -20442,26 +20519,26 @@
                           <m:chr m:val="∑"/>
                           <m:supHide m:val="on"/>
                           <m:ctrlPr>
-                            <a:rPr lang="en-SG" sz="2800" i="1">
+                            <a:rPr lang="en-SG" sz="2200" i="1">
                               <a:latin typeface="Cambria Math" panose="02040503050406030204" pitchFamily="18" charset="0"/>
                             </a:rPr>
                           </m:ctrlPr>
                         </m:naryPr>
                         <m:sub>
                           <m:r>
-                            <a:rPr lang="en-GB" sz="2800" i="1">
+                            <a:rPr lang="en-GB" sz="2200" i="1">
                               <a:latin typeface="Cambria Math" panose="02040503050406030204" pitchFamily="18" charset="0"/>
                             </a:rPr>
                             <m:t>𝑎𝑙𝑙</m:t>
                           </m:r>
                           <m:r>
-                            <a:rPr lang="en-GB" sz="2800" i="1">
+                            <a:rPr lang="en-GB" sz="2200" i="1">
                               <a:latin typeface="Cambria Math" panose="02040503050406030204" pitchFamily="18" charset="0"/>
                             </a:rPr>
                             <m:t> </m:t>
                           </m:r>
                           <m:r>
-                            <a:rPr lang="en-GB" sz="2800" i="1">
+                            <a:rPr lang="en-GB" sz="2200" i="1">
                               <a:latin typeface="Cambria Math" panose="02040503050406030204" pitchFamily="18" charset="0"/>
                             </a:rPr>
                             <m:t>𝑒</m:t>
@@ -20472,14 +20549,14 @@
                           <m:sSub>
                             <m:sSubPr>
                               <m:ctrlPr>
-                                <a:rPr lang="en-SG" sz="2800" i="1">
+                                <a:rPr lang="en-SG" sz="2200" i="1">
                                   <a:latin typeface="Cambria Math" panose="02040503050406030204" pitchFamily="18" charset="0"/>
                                 </a:rPr>
                               </m:ctrlPr>
                             </m:sSubPr>
                             <m:e>
                               <m:r>
-                                <a:rPr lang="en-GB" sz="2800" i="1">
+                                <a:rPr lang="en-GB" sz="2200" i="1">
                                   <a:latin typeface="Cambria Math" panose="02040503050406030204" pitchFamily="18" charset="0"/>
                                 </a:rPr>
                                 <m:t>𝑟</m:t>
@@ -20487,31 +20564,31 @@
                             </m:e>
                             <m:sub>
                               <m:r>
-                                <a:rPr lang="en-GB" sz="2800" i="1">
+                                <a:rPr lang="en-GB" sz="2200" i="1">
                                   <a:latin typeface="Cambria Math" panose="02040503050406030204" pitchFamily="18" charset="0"/>
                                 </a:rPr>
                                 <m:t>𝑜𝑢𝑡</m:t>
                               </m:r>
                               <m:r>
-                                <a:rPr lang="en-GB" sz="2800" i="1">
+                                <a:rPr lang="en-GB" sz="2200" i="1">
                                   <a:latin typeface="Cambria Math" panose="02040503050406030204" pitchFamily="18" charset="0"/>
                                 </a:rPr>
                                 <m:t>,</m:t>
                               </m:r>
                               <m:r>
-                                <a:rPr lang="en-GB" sz="2800" i="1">
+                                <a:rPr lang="en-GB" sz="2200" i="1">
                                   <a:latin typeface="Cambria Math" panose="02040503050406030204" pitchFamily="18" charset="0"/>
                                 </a:rPr>
                                 <m:t>𝑖</m:t>
                               </m:r>
                               <m:r>
-                                <a:rPr lang="en-GB" sz="2800" i="1">
+                                <a:rPr lang="en-GB" sz="2200" i="1">
                                   <a:latin typeface="Cambria Math" panose="02040503050406030204" pitchFamily="18" charset="0"/>
                                 </a:rPr>
                                 <m:t>,</m:t>
                               </m:r>
                               <m:r>
-                                <a:rPr lang="en-GB" sz="2800" i="1">
+                                <a:rPr lang="en-GB" sz="2200" i="1">
                                   <a:latin typeface="Cambria Math" panose="02040503050406030204" pitchFamily="18" charset="0"/>
                                 </a:rPr>
                                 <m:t>𝑒</m:t>
@@ -20521,14 +20598,14 @@
                           <m:sSub>
                             <m:sSubPr>
                               <m:ctrlPr>
-                                <a:rPr lang="en-SG" sz="2800" i="1">
+                                <a:rPr lang="en-SG" sz="2200" i="1">
                                   <a:latin typeface="Cambria Math" panose="02040503050406030204" pitchFamily="18" charset="0"/>
                                 </a:rPr>
                               </m:ctrlPr>
                             </m:sSubPr>
                             <m:e>
                               <m:r>
-                                <a:rPr lang="en-GB" sz="2800" i="1">
+                                <a:rPr lang="en-GB" sz="2200" i="1">
                                   <a:latin typeface="Cambria Math" panose="02040503050406030204" pitchFamily="18" charset="0"/>
                                 </a:rPr>
                                 <m:t>𝑇</m:t>
@@ -20536,31 +20613,31 @@
                             </m:e>
                             <m:sub>
                               <m:r>
-                                <a:rPr lang="en-GB" sz="2800" i="1">
+                                <a:rPr lang="en-GB" sz="2200" i="1">
                                   <a:latin typeface="Cambria Math" panose="02040503050406030204" pitchFamily="18" charset="0"/>
                                 </a:rPr>
                                 <m:t>𝑜𝑢𝑡</m:t>
                               </m:r>
                               <m:r>
-                                <a:rPr lang="en-GB" sz="2800" i="1">
+                                <a:rPr lang="en-GB" sz="2200" i="1">
                                   <a:latin typeface="Cambria Math" panose="02040503050406030204" pitchFamily="18" charset="0"/>
                                 </a:rPr>
                                 <m:t>,</m:t>
                               </m:r>
                               <m:r>
-                                <a:rPr lang="en-GB" sz="2800" i="1">
+                                <a:rPr lang="en-GB" sz="2200" i="1">
                                   <a:latin typeface="Cambria Math" panose="02040503050406030204" pitchFamily="18" charset="0"/>
                                 </a:rPr>
                                 <m:t>𝑖</m:t>
                               </m:r>
                               <m:r>
-                                <a:rPr lang="en-GB" sz="2800" i="1">
+                                <a:rPr lang="en-GB" sz="2200" i="1">
                                   <a:latin typeface="Cambria Math" panose="02040503050406030204" pitchFamily="18" charset="0"/>
                                 </a:rPr>
                                 <m:t>,</m:t>
                               </m:r>
                               <m:r>
-                                <a:rPr lang="en-GB" sz="2800" i="1">
+                                <a:rPr lang="en-GB" sz="2200" i="1">
                                   <a:latin typeface="Cambria Math" panose="02040503050406030204" pitchFamily="18" charset="0"/>
                                 </a:rPr>
                                 <m:t>𝑒</m:t>
@@ -20570,7 +20647,7 @@
                         </m:e>
                       </m:nary>
                       <m:r>
-                        <a:rPr lang="en-GB" sz="2800" i="1">
+                        <a:rPr lang="en-GB" sz="2200" i="1">
                           <a:latin typeface="Cambria Math" panose="02040503050406030204" pitchFamily="18" charset="0"/>
                         </a:rPr>
                         <m:t>−</m:t>
@@ -20580,26 +20657,26 @@
                           <m:chr m:val="∑"/>
                           <m:supHide m:val="on"/>
                           <m:ctrlPr>
-                            <a:rPr lang="en-SG" sz="2800" i="1">
+                            <a:rPr lang="en-SG" sz="2200" i="1">
                               <a:latin typeface="Cambria Math" panose="02040503050406030204" pitchFamily="18" charset="0"/>
                             </a:rPr>
                           </m:ctrlPr>
                         </m:naryPr>
                         <m:sub>
                           <m:r>
-                            <a:rPr lang="en-GB" sz="2800" i="1">
+                            <a:rPr lang="en-GB" sz="2200" i="1">
                               <a:latin typeface="Cambria Math" panose="02040503050406030204" pitchFamily="18" charset="0"/>
                             </a:rPr>
                             <m:t>𝑎𝑙𝑙</m:t>
                           </m:r>
                           <m:r>
-                            <a:rPr lang="en-GB" sz="2800" i="1">
+                            <a:rPr lang="en-GB" sz="2200" i="1">
                               <a:latin typeface="Cambria Math" panose="02040503050406030204" pitchFamily="18" charset="0"/>
                             </a:rPr>
                             <m:t> </m:t>
                           </m:r>
                           <m:r>
-                            <a:rPr lang="en-GB" sz="2800" i="1">
+                            <a:rPr lang="en-GB" sz="2200" i="1">
                               <a:latin typeface="Cambria Math" panose="02040503050406030204" pitchFamily="18" charset="0"/>
                             </a:rPr>
                             <m:t>𝑗</m:t>
@@ -20610,14 +20687,14 @@
                           <m:sSub>
                             <m:sSubPr>
                               <m:ctrlPr>
-                                <a:rPr lang="en-SG" sz="2800" i="1">
+                                <a:rPr lang="en-SG" sz="2200" i="1">
                                   <a:latin typeface="Cambria Math" panose="02040503050406030204" pitchFamily="18" charset="0"/>
                                 </a:rPr>
                               </m:ctrlPr>
                             </m:sSubPr>
                             <m:e>
                               <m:r>
-                                <a:rPr lang="en-GB" sz="2800" i="1">
+                                <a:rPr lang="en-GB" sz="2200" i="1">
                                   <a:latin typeface="Cambria Math" panose="02040503050406030204" pitchFamily="18" charset="0"/>
                                 </a:rPr>
                                 <m:t>𝑟</m:t>
@@ -20625,31 +20702,31 @@
                             </m:e>
                             <m:sub>
                               <m:r>
-                                <a:rPr lang="en-GB" sz="2800" i="1">
+                                <a:rPr lang="en-GB" sz="2200" i="1">
                                   <a:latin typeface="Cambria Math" panose="02040503050406030204" pitchFamily="18" charset="0"/>
                                 </a:rPr>
                                 <m:t>𝑖𝑛</m:t>
                               </m:r>
                               <m:r>
-                                <a:rPr lang="en-GB" sz="2800" i="1">
+                                <a:rPr lang="en-GB" sz="2200" i="1">
                                   <a:latin typeface="Cambria Math" panose="02040503050406030204" pitchFamily="18" charset="0"/>
                                 </a:rPr>
                                 <m:t>,</m:t>
                               </m:r>
                               <m:r>
-                                <a:rPr lang="en-GB" sz="2800" i="1">
+                                <a:rPr lang="en-GB" sz="2200" i="1">
                                   <a:latin typeface="Cambria Math" panose="02040503050406030204" pitchFamily="18" charset="0"/>
                                 </a:rPr>
                                 <m:t>𝑑</m:t>
                               </m:r>
                               <m:r>
-                                <a:rPr lang="en-GB" sz="2800" i="1">
+                                <a:rPr lang="en-GB" sz="2200" i="1">
                                   <a:latin typeface="Cambria Math" panose="02040503050406030204" pitchFamily="18" charset="0"/>
                                 </a:rPr>
                                 <m:t>,</m:t>
                               </m:r>
                               <m:r>
-                                <a:rPr lang="en-GB" sz="2800" i="1">
+                                <a:rPr lang="en-GB" sz="2200" i="1">
                                   <a:latin typeface="Cambria Math" panose="02040503050406030204" pitchFamily="18" charset="0"/>
                                 </a:rPr>
                                 <m:t>𝑗</m:t>
@@ -20659,14 +20736,14 @@
                           <m:sSub>
                             <m:sSubPr>
                               <m:ctrlPr>
-                                <a:rPr lang="en-SG" sz="2800" i="1">
+                                <a:rPr lang="en-SG" sz="2200" i="1">
                                   <a:latin typeface="Cambria Math" panose="02040503050406030204" pitchFamily="18" charset="0"/>
                                 </a:rPr>
                               </m:ctrlPr>
                             </m:sSubPr>
                             <m:e>
                               <m:r>
-                                <a:rPr lang="en-GB" sz="2800" i="1">
+                                <a:rPr lang="en-GB" sz="2200" i="1">
                                   <a:latin typeface="Cambria Math" panose="02040503050406030204" pitchFamily="18" charset="0"/>
                                 </a:rPr>
                                 <m:t>𝑇</m:t>
@@ -20674,31 +20751,31 @@
                             </m:e>
                             <m:sub>
                               <m:r>
-                                <a:rPr lang="en-GB" sz="2800" i="1">
+                                <a:rPr lang="en-GB" sz="2200" i="1">
                                   <a:latin typeface="Cambria Math" panose="02040503050406030204" pitchFamily="18" charset="0"/>
                                 </a:rPr>
                                 <m:t>𝑖𝑛</m:t>
                               </m:r>
                               <m:r>
-                                <a:rPr lang="en-GB" sz="2800" i="1">
+                                <a:rPr lang="en-GB" sz="2200" i="1">
                                   <a:latin typeface="Cambria Math" panose="02040503050406030204" pitchFamily="18" charset="0"/>
                                 </a:rPr>
                                 <m:t>,</m:t>
                               </m:r>
                               <m:r>
-                                <a:rPr lang="en-GB" sz="2800" i="1">
+                                <a:rPr lang="en-GB" sz="2200" i="1">
                                   <a:latin typeface="Cambria Math" panose="02040503050406030204" pitchFamily="18" charset="0"/>
                                 </a:rPr>
                                 <m:t>𝑑</m:t>
                               </m:r>
                               <m:r>
-                                <a:rPr lang="en-GB" sz="2800" i="1">
+                                <a:rPr lang="en-GB" sz="2200" i="1">
                                   <a:latin typeface="Cambria Math" panose="02040503050406030204" pitchFamily="18" charset="0"/>
                                 </a:rPr>
                                 <m:t>,</m:t>
                               </m:r>
                               <m:r>
-                                <a:rPr lang="en-GB" sz="2800" i="1">
+                                <a:rPr lang="en-GB" sz="2200" i="1">
                                   <a:latin typeface="Cambria Math" panose="02040503050406030204" pitchFamily="18" charset="0"/>
                                 </a:rPr>
                                 <m:t>𝑗</m:t>
@@ -20711,14 +20788,14 @@
                   </m:oMathPara>
                 </a14:m>
                 <a:br>
-                  <a:rPr lang="en-SG" dirty="0"/>
+                  <a:rPr lang="en-SG" sz="2200" dirty="0"/>
                 </a:br>
-                <a:endParaRPr lang="en-SG" sz="3600" dirty="0"/>
+                <a:endParaRPr lang="en-SG" sz="2200" dirty="0"/>
               </a:p>
             </p:txBody>
           </p:sp>
         </mc:Choice>
-        <mc:Fallback xmlns="">
+        <mc:Fallback>
           <p:sp>
             <p:nvSpPr>
               <p:cNvPr id="2" name="Title 1">
@@ -20743,7 +20820,7 @@
               <a:blipFill>
                 <a:blip r:embed="rId2"/>
                 <a:stretch>
-                  <a:fillRect b="-14110"/>
+                  <a:fillRect/>
                 </a:stretch>
               </a:blipFill>
             </p:spPr>
@@ -20874,8 +20951,8 @@
           </a:p>
         </p:txBody>
       </p:sp>
-      <mc:AlternateContent xmlns:mc="http://schemas.openxmlformats.org/markup-compatibility/2006" xmlns:a14="http://schemas.microsoft.com/office/drawing/2010/main">
-        <mc:Choice Requires="a14">
+      <mc:AlternateContent xmlns:mc="http://schemas.openxmlformats.org/markup-compatibility/2006">
+        <mc:Choice xmlns:a14="http://schemas.microsoft.com/office/drawing/2010/main" Requires="a14">
           <p:sp>
             <p:nvSpPr>
               <p:cNvPr id="5" name="Text Placeholder 2">
@@ -20894,13 +20971,13 @@
             </p:nvSpPr>
             <p:spPr>
               <a:xfrm>
-                <a:off x="2075442" y="3085620"/>
-                <a:ext cx="9427580" cy="3558249"/>
+                <a:off x="1557282" y="3085620"/>
+                <a:ext cx="5301902" cy="3558249"/>
               </a:xfrm>
             </p:spPr>
             <p:txBody>
               <a:bodyPr anchor="t">
-                <a:normAutofit fontScale="77500" lnSpcReduction="20000"/>
+                <a:normAutofit fontScale="85000" lnSpcReduction="10000"/>
               </a:bodyPr>
               <a:lstStyle/>
               <a:p>
@@ -21051,7 +21128,7 @@
                     <m:sSub>
                       <m:sSubPr>
                         <m:ctrlPr>
-                          <a:rPr lang="en-SG" sz="1800" i="1">
+                          <a:rPr lang="en-SG" sz="1800" i="1" smtClean="0">
                             <a:solidFill>
                               <a:srgbClr val="000000"/>
                             </a:solidFill>
@@ -21165,12 +21242,6 @@
                   </a:rPr>
                   <a:t> for producing 1 unit product for the process n.</a:t>
                 </a:r>
-                <a:endParaRPr lang="en-SG" sz="1800" dirty="0">
-                  <a:effectLst/>
-                  <a:latin typeface="Calibri" panose="020F0502020204030204" pitchFamily="34" charset="0"/>
-                  <a:ea typeface="Calibri" panose="020F0502020204030204" pitchFamily="34" charset="0"/>
-                  <a:cs typeface="Times New Roman" panose="02020603050405020304" pitchFamily="18" charset="0"/>
-                </a:endParaRPr>
               </a:p>
               <a:p>
                 <a:pPr marL="342900" lvl="0" indent="-342900" algn="l">
@@ -21185,13 +21256,12 @@
                     <m:sSub>
                       <m:sSubPr>
                         <m:ctrlPr>
-                          <a:rPr lang="en-SG" sz="1800" i="1">
+                          <a:rPr lang="en-SG" sz="1600" i="1" smtClean="0">
                             <a:solidFill>
                               <a:srgbClr val="000000"/>
                             </a:solidFill>
                             <a:effectLst/>
                             <a:latin typeface="Cambria Math" panose="02040503050406030204" pitchFamily="18" charset="0"/>
-                            <a:ea typeface="SimSun" panose="02010600030101010101" pitchFamily="2" charset="-122"/>
                             <a:cs typeface="Calibri" panose="020F0502020204030204" pitchFamily="34" charset="0"/>
                           </a:rPr>
                         </m:ctrlPr>
@@ -21207,156 +21277,10 @@
                             <a:ea typeface="Calibri" panose="020F0502020204030204" pitchFamily="34" charset="0"/>
                             <a:cs typeface="Calibri" panose="020F0502020204030204" pitchFamily="34" charset="0"/>
                           </a:rPr>
-                          <m:t>𝑀</m:t>
+                          <m:t>𝑠</m:t>
                         </m:r>
                       </m:e>
                       <m:sub>
-                        <m:r>
-                          <a:rPr lang="en-GB" sz="1800" i="1">
-                            <a:solidFill>
-                              <a:srgbClr val="000000"/>
-                            </a:solidFill>
-                            <a:effectLst/>
-                            <a:latin typeface="Cambria Math" panose="02040503050406030204" pitchFamily="18" charset="0"/>
-                            <a:ea typeface="SimSun" panose="02010600030101010101" pitchFamily="2" charset="-122"/>
-                            <a:cs typeface="Calibri" panose="020F0502020204030204" pitchFamily="34" charset="0"/>
-                          </a:rPr>
-                          <m:t>𝑖</m:t>
-                        </m:r>
-                        <m:r>
-                          <a:rPr lang="en-GB" sz="1800" i="1">
-                            <a:solidFill>
-                              <a:srgbClr val="000000"/>
-                            </a:solidFill>
-                            <a:effectLst/>
-                            <a:latin typeface="Cambria Math" panose="02040503050406030204" pitchFamily="18" charset="0"/>
-                            <a:ea typeface="SimSun" panose="02010600030101010101" pitchFamily="2" charset="-122"/>
-                            <a:cs typeface="Calibri" panose="020F0502020204030204" pitchFamily="34" charset="0"/>
-                          </a:rPr>
-                          <m:t>,</m:t>
-                        </m:r>
-                        <m:r>
-                          <a:rPr lang="en-GB" sz="1800" i="1">
-                            <a:solidFill>
-                              <a:srgbClr val="000000"/>
-                            </a:solidFill>
-                            <a:effectLst/>
-                            <a:latin typeface="Cambria Math" panose="02040503050406030204" pitchFamily="18" charset="0"/>
-                            <a:ea typeface="SimSun" panose="02010600030101010101" pitchFamily="2" charset="-122"/>
-                            <a:cs typeface="Calibri" panose="020F0502020204030204" pitchFamily="34" charset="0"/>
-                          </a:rPr>
-                          <m:t>𝑛</m:t>
-                        </m:r>
-                      </m:sub>
-                    </m:sSub>
-                  </m:oMath>
-                </a14:m>
-                <a:r>
-                  <a:rPr lang="en-GB" sz="1800" dirty="0">
-                    <a:solidFill>
-                      <a:srgbClr val="000000"/>
-                    </a:solidFill>
-                    <a:effectLst/>
-                    <a:latin typeface="Calibri" panose="020F0502020204030204" pitchFamily="34" charset="0"/>
-                    <a:ea typeface="Calibri" panose="020F0502020204030204" pitchFamily="34" charset="0"/>
-                    <a:cs typeface="Calibri" panose="020F0502020204030204" pitchFamily="34" charset="0"/>
-                  </a:rPr>
-                  <a:t>: Total number of unit outputs produced locally in process n of the local country </a:t>
-                </a:r>
-                <a:r>
-                  <a:rPr lang="en-GB" sz="1800" dirty="0" err="1">
-                    <a:solidFill>
-                      <a:srgbClr val="000000"/>
-                    </a:solidFill>
-                    <a:effectLst/>
-                    <a:latin typeface="Calibri" panose="020F0502020204030204" pitchFamily="34" charset="0"/>
-                    <a:ea typeface="Calibri" panose="020F0502020204030204" pitchFamily="34" charset="0"/>
-                    <a:cs typeface="Calibri" panose="020F0502020204030204" pitchFamily="34" charset="0"/>
-                  </a:rPr>
-                  <a:t>i</a:t>
-                </a:r>
-                <a:r>
-                  <a:rPr lang="en-GB" sz="1800" dirty="0">
-                    <a:solidFill>
-                      <a:srgbClr val="000000"/>
-                    </a:solidFill>
-                    <a:effectLst/>
-                    <a:latin typeface="Calibri" panose="020F0502020204030204" pitchFamily="34" charset="0"/>
-                    <a:ea typeface="Calibri" panose="020F0502020204030204" pitchFamily="34" charset="0"/>
-                    <a:cs typeface="Calibri" panose="020F0502020204030204" pitchFamily="34" charset="0"/>
-                  </a:rPr>
-                  <a:t>.</a:t>
-                </a:r>
-                <a:endParaRPr lang="en-SG" sz="1800" dirty="0">
-                  <a:effectLst/>
-                  <a:latin typeface="Calibri" panose="020F0502020204030204" pitchFamily="34" charset="0"/>
-                  <a:ea typeface="Calibri" panose="020F0502020204030204" pitchFamily="34" charset="0"/>
-                  <a:cs typeface="Times New Roman" panose="02020603050405020304" pitchFamily="18" charset="0"/>
-                </a:endParaRPr>
-              </a:p>
-              <a:p>
-                <a:pPr marL="342900" lvl="0" indent="-342900" algn="l">
-                  <a:lnSpc>
-                    <a:spcPct val="107000"/>
-                  </a:lnSpc>
-                  <a:buFont typeface="Symbol" panose="05050102010706020507" pitchFamily="18" charset="2"/>
-                  <a:buChar char=""/>
-                </a:pPr>
-                <a14:m>
-                  <m:oMath xmlns:m="http://schemas.openxmlformats.org/officeDocument/2006/math">
-                    <m:sSub>
-                      <m:sSubPr>
-                        <m:ctrlPr>
-                          <a:rPr lang="en-SG" sz="1800" i="1">
-                            <a:solidFill>
-                              <a:srgbClr val="000000"/>
-                            </a:solidFill>
-                            <a:effectLst/>
-                            <a:latin typeface="Cambria Math" panose="02040503050406030204" pitchFamily="18" charset="0"/>
-                            <a:ea typeface="Calibri" panose="020F0502020204030204" pitchFamily="34" charset="0"/>
-                            <a:cs typeface="Calibri" panose="020F0502020204030204" pitchFamily="34" charset="0"/>
-                          </a:rPr>
-                        </m:ctrlPr>
-                      </m:sSubPr>
-                      <m:e>
-                        <m:r>
-                          <a:rPr lang="en-GB" sz="1800" i="1">
-                            <a:solidFill>
-                              <a:srgbClr val="000000"/>
-                            </a:solidFill>
-                            <a:effectLst/>
-                            <a:latin typeface="Cambria Math" panose="02040503050406030204" pitchFamily="18" charset="0"/>
-                            <a:ea typeface="Calibri" panose="020F0502020204030204" pitchFamily="34" charset="0"/>
-                            <a:cs typeface="Calibri" panose="020F0502020204030204" pitchFamily="34" charset="0"/>
-                          </a:rPr>
-                          <m:t>𝑇</m:t>
-                        </m:r>
-                      </m:e>
-                      <m:sub>
-                        <m:r>
-                          <a:rPr lang="en-GB" sz="1800" i="1">
-                            <a:solidFill>
-                              <a:srgbClr val="000000"/>
-                            </a:solidFill>
-                            <a:effectLst/>
-                            <a:latin typeface="Cambria Math" panose="02040503050406030204" pitchFamily="18" charset="0"/>
-                            <a:ea typeface="Calibri" panose="020F0502020204030204" pitchFamily="34" charset="0"/>
-                            <a:cs typeface="Calibri" panose="020F0502020204030204" pitchFamily="34" charset="0"/>
-                          </a:rPr>
-                          <m:t>𝑜𝑢𝑡</m:t>
-                        </m:r>
-                        <m:r>
-                          <a:rPr lang="en-GB" sz="1800" i="1">
-                            <a:solidFill>
-                              <a:srgbClr val="000000"/>
-                            </a:solidFill>
-                            <a:effectLst/>
-                            <a:latin typeface="Cambria Math" panose="02040503050406030204" pitchFamily="18" charset="0"/>
-                            <a:ea typeface="Calibri" panose="020F0502020204030204" pitchFamily="34" charset="0"/>
-                            <a:cs typeface="Calibri" panose="020F0502020204030204" pitchFamily="34" charset="0"/>
-                          </a:rPr>
-                          <m:t>,</m:t>
-                        </m:r>
                         <m:r>
                           <a:rPr lang="en-GB" sz="1800" i="1">
                             <a:solidFill>
@@ -21391,7 +21315,7 @@
                             <a:ea typeface="Calibri" panose="020F0502020204030204" pitchFamily="34" charset="0"/>
                             <a:cs typeface="Calibri" panose="020F0502020204030204" pitchFamily="34" charset="0"/>
                           </a:rPr>
-                          <m:t>𝑒</m:t>
+                          <m:t>𝐷</m:t>
                         </m:r>
                       </m:sub>
                     </m:sSub>
@@ -21405,9 +21329,8 @@
                     <a:effectLst/>
                     <a:latin typeface="Calibri" panose="020F0502020204030204" pitchFamily="34" charset="0"/>
                     <a:ea typeface="SimSun" panose="02010600030101010101" pitchFamily="2" charset="-122"/>
-                    <a:cs typeface="Calibri" panose="020F0502020204030204" pitchFamily="34" charset="0"/>
                   </a:rPr>
-                  <a:t>: Total number of units being exported by the local region </a:t>
+                  <a:t>: Sales Revenue from Distribution for selling 1 Device in region </a:t>
                 </a:r>
                 <a:r>
                   <a:rPr lang="en-GB" sz="1800" dirty="0" err="1">
@@ -21417,7 +21340,6 @@
                     <a:effectLst/>
                     <a:latin typeface="Calibri" panose="020F0502020204030204" pitchFamily="34" charset="0"/>
                     <a:ea typeface="SimSun" panose="02010600030101010101" pitchFamily="2" charset="-122"/>
-                    <a:cs typeface="Calibri" panose="020F0502020204030204" pitchFamily="34" charset="0"/>
                   </a:rPr>
                   <a:t>i</a:t>
                 </a:r>
@@ -21429,402 +21351,8 @@
                     <a:effectLst/>
                     <a:latin typeface="Calibri" panose="020F0502020204030204" pitchFamily="34" charset="0"/>
                     <a:ea typeface="SimSun" panose="02010600030101010101" pitchFamily="2" charset="-122"/>
-                    <a:cs typeface="Calibri" panose="020F0502020204030204" pitchFamily="34" charset="0"/>
                   </a:rPr>
-                  <a:t> from process e.</a:t>
-                </a:r>
-                <a:endParaRPr lang="en-SG" sz="1800" dirty="0">
-                  <a:effectLst/>
-                  <a:latin typeface="Calibri" panose="020F0502020204030204" pitchFamily="34" charset="0"/>
-                  <a:ea typeface="Calibri" panose="020F0502020204030204" pitchFamily="34" charset="0"/>
-                  <a:cs typeface="Times New Roman" panose="02020603050405020304" pitchFamily="18" charset="0"/>
-                </a:endParaRPr>
-              </a:p>
-              <a:p>
-                <a:pPr marL="342900" lvl="0" indent="-342900" algn="l">
-                  <a:lnSpc>
-                    <a:spcPct val="107000"/>
-                  </a:lnSpc>
-                  <a:buFont typeface="Symbol" panose="05050102010706020507" pitchFamily="18" charset="2"/>
-                  <a:buChar char=""/>
-                </a:pPr>
-                <a14:m>
-                  <m:oMath xmlns:m="http://schemas.openxmlformats.org/officeDocument/2006/math">
-                    <m:sSub>
-                      <m:sSubPr>
-                        <m:ctrlPr>
-                          <a:rPr lang="en-SG" sz="1800" i="1">
-                            <a:solidFill>
-                              <a:srgbClr val="000000"/>
-                            </a:solidFill>
-                            <a:effectLst/>
-                            <a:latin typeface="Cambria Math" panose="02040503050406030204" pitchFamily="18" charset="0"/>
-                            <a:ea typeface="Calibri" panose="020F0502020204030204" pitchFamily="34" charset="0"/>
-                            <a:cs typeface="Calibri" panose="020F0502020204030204" pitchFamily="34" charset="0"/>
-                          </a:rPr>
-                        </m:ctrlPr>
-                      </m:sSubPr>
-                      <m:e>
-                        <m:r>
-                          <a:rPr lang="en-GB" sz="1800" i="1">
-                            <a:solidFill>
-                              <a:srgbClr val="000000"/>
-                            </a:solidFill>
-                            <a:effectLst/>
-                            <a:latin typeface="Cambria Math" panose="02040503050406030204" pitchFamily="18" charset="0"/>
-                            <a:ea typeface="Calibri" panose="020F0502020204030204" pitchFamily="34" charset="0"/>
-                            <a:cs typeface="Calibri" panose="020F0502020204030204" pitchFamily="34" charset="0"/>
-                          </a:rPr>
-                          <m:t>𝑇</m:t>
-                        </m:r>
-                      </m:e>
-                      <m:sub>
-                        <m:r>
-                          <a:rPr lang="en-GB" sz="1800" i="1">
-                            <a:solidFill>
-                              <a:srgbClr val="000000"/>
-                            </a:solidFill>
-                            <a:effectLst/>
-                            <a:latin typeface="Cambria Math" panose="02040503050406030204" pitchFamily="18" charset="0"/>
-                            <a:ea typeface="Calibri" panose="020F0502020204030204" pitchFamily="34" charset="0"/>
-                            <a:cs typeface="Calibri" panose="020F0502020204030204" pitchFamily="34" charset="0"/>
-                          </a:rPr>
-                          <m:t>𝑖𝑛</m:t>
-                        </m:r>
-                        <m:r>
-                          <a:rPr lang="en-GB" sz="1800" i="1">
-                            <a:solidFill>
-                              <a:srgbClr val="000000"/>
-                            </a:solidFill>
-                            <a:effectLst/>
-                            <a:latin typeface="Cambria Math" panose="02040503050406030204" pitchFamily="18" charset="0"/>
-                            <a:ea typeface="Calibri" panose="020F0502020204030204" pitchFamily="34" charset="0"/>
-                            <a:cs typeface="Calibri" panose="020F0502020204030204" pitchFamily="34" charset="0"/>
-                          </a:rPr>
-                          <m:t>,</m:t>
-                        </m:r>
-                        <m:r>
-                          <a:rPr lang="en-GB" sz="1800" i="1">
-                            <a:solidFill>
-                              <a:srgbClr val="000000"/>
-                            </a:solidFill>
-                            <a:effectLst/>
-                            <a:latin typeface="Cambria Math" panose="02040503050406030204" pitchFamily="18" charset="0"/>
-                            <a:ea typeface="Calibri" panose="020F0502020204030204" pitchFamily="34" charset="0"/>
-                            <a:cs typeface="Calibri" panose="020F0502020204030204" pitchFamily="34" charset="0"/>
-                          </a:rPr>
-                          <m:t>𝑑</m:t>
-                        </m:r>
-                        <m:r>
-                          <a:rPr lang="en-GB" sz="1800" i="1">
-                            <a:solidFill>
-                              <a:srgbClr val="000000"/>
-                            </a:solidFill>
-                            <a:effectLst/>
-                            <a:latin typeface="Cambria Math" panose="02040503050406030204" pitchFamily="18" charset="0"/>
-                            <a:ea typeface="Calibri" panose="020F0502020204030204" pitchFamily="34" charset="0"/>
-                            <a:cs typeface="Calibri" panose="020F0502020204030204" pitchFamily="34" charset="0"/>
-                          </a:rPr>
-                          <m:t>,</m:t>
-                        </m:r>
-                        <m:r>
-                          <a:rPr lang="en-GB" sz="1800" i="1">
-                            <a:solidFill>
-                              <a:srgbClr val="000000"/>
-                            </a:solidFill>
-                            <a:effectLst/>
-                            <a:latin typeface="Cambria Math" panose="02040503050406030204" pitchFamily="18" charset="0"/>
-                            <a:ea typeface="Calibri" panose="020F0502020204030204" pitchFamily="34" charset="0"/>
-                            <a:cs typeface="Calibri" panose="020F0502020204030204" pitchFamily="34" charset="0"/>
-                          </a:rPr>
-                          <m:t>𝑗</m:t>
-                        </m:r>
-                      </m:sub>
-                    </m:sSub>
-                  </m:oMath>
-                </a14:m>
-                <a:r>
-                  <a:rPr lang="en-GB" sz="1800" dirty="0">
-                    <a:solidFill>
-                      <a:srgbClr val="000000"/>
-                    </a:solidFill>
-                    <a:effectLst/>
-                    <a:latin typeface="Calibri" panose="020F0502020204030204" pitchFamily="34" charset="0"/>
-                    <a:ea typeface="SimSun" panose="02010600030101010101" pitchFamily="2" charset="-122"/>
-                    <a:cs typeface="Calibri" panose="020F0502020204030204" pitchFamily="34" charset="0"/>
-                  </a:rPr>
-                  <a:t>: Total number of units being imported from another region d from process j</a:t>
-                </a:r>
-                <a:endParaRPr lang="en-SG" sz="1800" dirty="0">
-                  <a:effectLst/>
-                  <a:latin typeface="Calibri" panose="020F0502020204030204" pitchFamily="34" charset="0"/>
-                  <a:ea typeface="Calibri" panose="020F0502020204030204" pitchFamily="34" charset="0"/>
-                  <a:cs typeface="Times New Roman" panose="02020603050405020304" pitchFamily="18" charset="0"/>
-                </a:endParaRPr>
-              </a:p>
-              <a:p>
-                <a:pPr marL="342900" lvl="0" indent="-342900" algn="l">
-                  <a:lnSpc>
-                    <a:spcPct val="107000"/>
-                  </a:lnSpc>
-                  <a:buFont typeface="Symbol" panose="05050102010706020507" pitchFamily="18" charset="2"/>
-                  <a:buChar char=""/>
-                </a:pPr>
-                <a14:m>
-                  <m:oMath xmlns:m="http://schemas.openxmlformats.org/officeDocument/2006/math">
-                    <m:sSub>
-                      <m:sSubPr>
-                        <m:ctrlPr>
-                          <a:rPr lang="en-SG" sz="1800" i="1">
-                            <a:solidFill>
-                              <a:srgbClr val="000000"/>
-                            </a:solidFill>
-                            <a:effectLst/>
-                            <a:latin typeface="Cambria Math" panose="02040503050406030204" pitchFamily="18" charset="0"/>
-                            <a:ea typeface="Calibri" panose="020F0502020204030204" pitchFamily="34" charset="0"/>
-                            <a:cs typeface="Calibri" panose="020F0502020204030204" pitchFamily="34" charset="0"/>
-                          </a:rPr>
-                        </m:ctrlPr>
-                      </m:sSubPr>
-                      <m:e>
-                        <m:r>
-                          <a:rPr lang="en-GB" sz="1800" i="1">
-                            <a:solidFill>
-                              <a:srgbClr val="000000"/>
-                            </a:solidFill>
-                            <a:effectLst/>
-                            <a:latin typeface="Cambria Math" panose="02040503050406030204" pitchFamily="18" charset="0"/>
-                            <a:ea typeface="Calibri" panose="020F0502020204030204" pitchFamily="34" charset="0"/>
-                            <a:cs typeface="Calibri" panose="020F0502020204030204" pitchFamily="34" charset="0"/>
-                          </a:rPr>
-                          <m:t>𝑟</m:t>
-                        </m:r>
-                      </m:e>
-                      <m:sub>
-                        <m:r>
-                          <a:rPr lang="en-GB" sz="1800" i="1">
-                            <a:solidFill>
-                              <a:srgbClr val="000000"/>
-                            </a:solidFill>
-                            <a:effectLst/>
-                            <a:latin typeface="Cambria Math" panose="02040503050406030204" pitchFamily="18" charset="0"/>
-                            <a:ea typeface="Calibri" panose="020F0502020204030204" pitchFamily="34" charset="0"/>
-                            <a:cs typeface="Calibri" panose="020F0502020204030204" pitchFamily="34" charset="0"/>
-                          </a:rPr>
-                          <m:t>𝑜𝑢𝑡</m:t>
-                        </m:r>
-                        <m:r>
-                          <a:rPr lang="en-GB" sz="1800" i="1">
-                            <a:solidFill>
-                              <a:srgbClr val="000000"/>
-                            </a:solidFill>
-                            <a:effectLst/>
-                            <a:latin typeface="Cambria Math" panose="02040503050406030204" pitchFamily="18" charset="0"/>
-                            <a:ea typeface="Calibri" panose="020F0502020204030204" pitchFamily="34" charset="0"/>
-                            <a:cs typeface="Calibri" panose="020F0502020204030204" pitchFamily="34" charset="0"/>
-                          </a:rPr>
-                          <m:t>,</m:t>
-                        </m:r>
-                        <m:r>
-                          <a:rPr lang="en-GB" sz="1800" i="1">
-                            <a:solidFill>
-                              <a:srgbClr val="000000"/>
-                            </a:solidFill>
-                            <a:effectLst/>
-                            <a:latin typeface="Cambria Math" panose="02040503050406030204" pitchFamily="18" charset="0"/>
-                            <a:ea typeface="Calibri" panose="020F0502020204030204" pitchFamily="34" charset="0"/>
-                            <a:cs typeface="Calibri" panose="020F0502020204030204" pitchFamily="34" charset="0"/>
-                          </a:rPr>
-                          <m:t>𝑖</m:t>
-                        </m:r>
-                        <m:r>
-                          <a:rPr lang="en-GB" sz="1800" i="1">
-                            <a:solidFill>
-                              <a:srgbClr val="000000"/>
-                            </a:solidFill>
-                            <a:effectLst/>
-                            <a:latin typeface="Cambria Math" panose="02040503050406030204" pitchFamily="18" charset="0"/>
-                            <a:ea typeface="Calibri" panose="020F0502020204030204" pitchFamily="34" charset="0"/>
-                            <a:cs typeface="Calibri" panose="020F0502020204030204" pitchFamily="34" charset="0"/>
-                          </a:rPr>
-                          <m:t>,</m:t>
-                        </m:r>
-                        <m:r>
-                          <a:rPr lang="en-GB" sz="1800" i="1">
-                            <a:solidFill>
-                              <a:srgbClr val="000000"/>
-                            </a:solidFill>
-                            <a:effectLst/>
-                            <a:latin typeface="Cambria Math" panose="02040503050406030204" pitchFamily="18" charset="0"/>
-                            <a:ea typeface="Calibri" panose="020F0502020204030204" pitchFamily="34" charset="0"/>
-                            <a:cs typeface="Calibri" panose="020F0502020204030204" pitchFamily="34" charset="0"/>
-                          </a:rPr>
-                          <m:t>𝑒</m:t>
-                        </m:r>
-                      </m:sub>
-                    </m:sSub>
-                  </m:oMath>
-                </a14:m>
-                <a:r>
-                  <a:rPr lang="en-GB" sz="1800" dirty="0">
-                    <a:solidFill>
-                      <a:srgbClr val="000000"/>
-                    </a:solidFill>
-                    <a:effectLst/>
-                    <a:latin typeface="Calibri" panose="020F0502020204030204" pitchFamily="34" charset="0"/>
-                    <a:ea typeface="Calibri" panose="020F0502020204030204" pitchFamily="34" charset="0"/>
-                    <a:cs typeface="Calibri" panose="020F0502020204030204" pitchFamily="34" charset="0"/>
-                  </a:rPr>
-                  <a:t>: Revenue for exporting a single of unit of product from process e in country </a:t>
-                </a:r>
-                <a:r>
-                  <a:rPr lang="en-GB" sz="1800" dirty="0" err="1">
-                    <a:solidFill>
-                      <a:srgbClr val="000000"/>
-                    </a:solidFill>
-                    <a:effectLst/>
-                    <a:latin typeface="Calibri" panose="020F0502020204030204" pitchFamily="34" charset="0"/>
-                    <a:ea typeface="Calibri" panose="020F0502020204030204" pitchFamily="34" charset="0"/>
-                    <a:cs typeface="Calibri" panose="020F0502020204030204" pitchFamily="34" charset="0"/>
-                  </a:rPr>
-                  <a:t>i</a:t>
-                </a:r>
-                <a:r>
-                  <a:rPr lang="en-GB" sz="1800" dirty="0">
-                    <a:solidFill>
-                      <a:srgbClr val="000000"/>
-                    </a:solidFill>
-                    <a:effectLst/>
-                    <a:latin typeface="Calibri" panose="020F0502020204030204" pitchFamily="34" charset="0"/>
-                    <a:ea typeface="Calibri" panose="020F0502020204030204" pitchFamily="34" charset="0"/>
-                    <a:cs typeface="Calibri" panose="020F0502020204030204" pitchFamily="34" charset="0"/>
-                  </a:rPr>
-                  <a:t>. </a:t>
-                </a:r>
-                <a:endParaRPr lang="en-SG" sz="1800" dirty="0">
-                  <a:effectLst/>
-                  <a:latin typeface="Calibri" panose="020F0502020204030204" pitchFamily="34" charset="0"/>
-                  <a:ea typeface="Calibri" panose="020F0502020204030204" pitchFamily="34" charset="0"/>
-                  <a:cs typeface="Times New Roman" panose="02020603050405020304" pitchFamily="18" charset="0"/>
-                </a:endParaRPr>
-              </a:p>
-              <a:p>
-                <a:pPr marL="342900" lvl="0" indent="-342900" algn="l">
-                  <a:lnSpc>
-                    <a:spcPct val="107000"/>
-                  </a:lnSpc>
-                  <a:spcAft>
-                    <a:spcPts val="800"/>
-                  </a:spcAft>
-                  <a:buFont typeface="Symbol" panose="05050102010706020507" pitchFamily="18" charset="2"/>
-                  <a:buChar char=""/>
-                </a:pPr>
-                <a14:m>
-                  <m:oMath xmlns:m="http://schemas.openxmlformats.org/officeDocument/2006/math">
-                    <m:sSub>
-                      <m:sSubPr>
-                        <m:ctrlPr>
-                          <a:rPr lang="en-SG" sz="1800" i="1">
-                            <a:solidFill>
-                              <a:srgbClr val="000000"/>
-                            </a:solidFill>
-                            <a:effectLst/>
-                            <a:latin typeface="Cambria Math" panose="02040503050406030204" pitchFamily="18" charset="0"/>
-                            <a:ea typeface="Calibri" panose="020F0502020204030204" pitchFamily="34" charset="0"/>
-                            <a:cs typeface="Calibri" panose="020F0502020204030204" pitchFamily="34" charset="0"/>
-                          </a:rPr>
-                        </m:ctrlPr>
-                      </m:sSubPr>
-                      <m:e>
-                        <m:r>
-                          <a:rPr lang="en-GB" sz="1800" i="1">
-                            <a:solidFill>
-                              <a:srgbClr val="000000"/>
-                            </a:solidFill>
-                            <a:effectLst/>
-                            <a:latin typeface="Cambria Math" panose="02040503050406030204" pitchFamily="18" charset="0"/>
-                            <a:ea typeface="Calibri" panose="020F0502020204030204" pitchFamily="34" charset="0"/>
-                            <a:cs typeface="Calibri" panose="020F0502020204030204" pitchFamily="34" charset="0"/>
-                          </a:rPr>
-                          <m:t>𝑟</m:t>
-                        </m:r>
-                      </m:e>
-                      <m:sub>
-                        <m:r>
-                          <a:rPr lang="en-GB" sz="1800" i="1">
-                            <a:solidFill>
-                              <a:srgbClr val="000000"/>
-                            </a:solidFill>
-                            <a:effectLst/>
-                            <a:latin typeface="Cambria Math" panose="02040503050406030204" pitchFamily="18" charset="0"/>
-                            <a:ea typeface="Calibri" panose="020F0502020204030204" pitchFamily="34" charset="0"/>
-                            <a:cs typeface="Calibri" panose="020F0502020204030204" pitchFamily="34" charset="0"/>
-                          </a:rPr>
-                          <m:t>𝑖𝑛</m:t>
-                        </m:r>
-                        <m:r>
-                          <a:rPr lang="en-GB" sz="1800" i="1">
-                            <a:solidFill>
-                              <a:srgbClr val="000000"/>
-                            </a:solidFill>
-                            <a:effectLst/>
-                            <a:latin typeface="Cambria Math" panose="02040503050406030204" pitchFamily="18" charset="0"/>
-                            <a:ea typeface="Calibri" panose="020F0502020204030204" pitchFamily="34" charset="0"/>
-                            <a:cs typeface="Calibri" panose="020F0502020204030204" pitchFamily="34" charset="0"/>
-                          </a:rPr>
-                          <m:t>,</m:t>
-                        </m:r>
-                        <m:r>
-                          <a:rPr lang="en-GB" sz="1800" i="1">
-                            <a:solidFill>
-                              <a:srgbClr val="000000"/>
-                            </a:solidFill>
-                            <a:effectLst/>
-                            <a:latin typeface="Cambria Math" panose="02040503050406030204" pitchFamily="18" charset="0"/>
-                            <a:ea typeface="Calibri" panose="020F0502020204030204" pitchFamily="34" charset="0"/>
-                            <a:cs typeface="Calibri" panose="020F0502020204030204" pitchFamily="34" charset="0"/>
-                          </a:rPr>
-                          <m:t>𝑑</m:t>
-                        </m:r>
-                        <m:r>
-                          <a:rPr lang="en-GB" sz="1800" i="1">
-                            <a:solidFill>
-                              <a:srgbClr val="000000"/>
-                            </a:solidFill>
-                            <a:effectLst/>
-                            <a:latin typeface="Cambria Math" panose="02040503050406030204" pitchFamily="18" charset="0"/>
-                            <a:ea typeface="Calibri" panose="020F0502020204030204" pitchFamily="34" charset="0"/>
-                            <a:cs typeface="Calibri" panose="020F0502020204030204" pitchFamily="34" charset="0"/>
-                          </a:rPr>
-                          <m:t>,</m:t>
-                        </m:r>
-                        <m:r>
-                          <a:rPr lang="en-GB" sz="1800" i="1">
-                            <a:solidFill>
-                              <a:srgbClr val="000000"/>
-                            </a:solidFill>
-                            <a:effectLst/>
-                            <a:latin typeface="Cambria Math" panose="02040503050406030204" pitchFamily="18" charset="0"/>
-                            <a:ea typeface="Calibri" panose="020F0502020204030204" pitchFamily="34" charset="0"/>
-                            <a:cs typeface="Calibri" panose="020F0502020204030204" pitchFamily="34" charset="0"/>
-                          </a:rPr>
-                          <m:t>𝑗</m:t>
-                        </m:r>
-                      </m:sub>
-                    </m:sSub>
-                  </m:oMath>
-                </a14:m>
-                <a:r>
-                  <a:rPr lang="en-GB" sz="1800" dirty="0">
-                    <a:solidFill>
-                      <a:srgbClr val="000000"/>
-                    </a:solidFill>
-                    <a:effectLst/>
-                    <a:latin typeface="Calibri" panose="020F0502020204030204" pitchFamily="34" charset="0"/>
-                    <a:ea typeface="Calibri" panose="020F0502020204030204" pitchFamily="34" charset="0"/>
-                    <a:cs typeface="Calibri" panose="020F0502020204030204" pitchFamily="34" charset="0"/>
-                  </a:rPr>
-                  <a:t>: Cost for importing a single of unit of product from process j in region d. </a:t>
+                  <a:t>.</a:t>
                 </a:r>
                 <a:endParaRPr lang="en-SG" sz="1800" dirty="0">
                   <a:effectLst/>
@@ -21843,7 +21371,7 @@
             </p:txBody>
           </p:sp>
         </mc:Choice>
-        <mc:Fallback xmlns="">
+        <mc:Fallback>
           <p:sp>
             <p:nvSpPr>
               <p:cNvPr id="5" name="Text Placeholder 2">
@@ -21862,13 +21390,13 @@
             </p:nvSpPr>
             <p:spPr>
               <a:xfrm>
-                <a:off x="2075442" y="3085620"/>
-                <a:ext cx="9427580" cy="3558249"/>
+                <a:off x="1557282" y="3085620"/>
+                <a:ext cx="5301902" cy="3558249"/>
               </a:xfrm>
               <a:blipFill>
                 <a:blip r:embed="rId3"/>
                 <a:stretch>
-                  <a:fillRect l="-711" t="-4281"/>
+                  <a:fillRect l="-1494" t="-4110"/>
                 </a:stretch>
               </a:blipFill>
             </p:spPr>
@@ -21901,7 +21429,7 @@
         </p:nvSpPr>
         <p:spPr>
           <a:xfrm>
-            <a:off x="3675355" y="2574524"/>
+            <a:off x="4469556" y="2574524"/>
             <a:ext cx="2024109" cy="276999"/>
           </a:xfrm>
           <a:prstGeom prst="rect">
@@ -21937,7 +21465,7 @@
         </p:nvSpPr>
         <p:spPr>
           <a:xfrm>
-            <a:off x="6096000" y="2574524"/>
+            <a:off x="6789232" y="2574524"/>
             <a:ext cx="2024109" cy="276999"/>
           </a:xfrm>
           <a:prstGeom prst="rect">
@@ -21973,7 +21501,7 @@
         </p:nvSpPr>
         <p:spPr>
           <a:xfrm>
-            <a:off x="8516645" y="2575882"/>
+            <a:off x="8891054" y="2575882"/>
             <a:ext cx="2024109" cy="276999"/>
           </a:xfrm>
           <a:prstGeom prst="rect">
@@ -21995,6 +21523,620 @@
           </a:p>
         </p:txBody>
       </p:sp>
+      <p:sp>
+        <p:nvSpPr>
+          <p:cNvPr id="8" name="TextBox 7">
+            <a:extLst>
+              <a:ext uri="{FF2B5EF4-FFF2-40B4-BE49-F238E27FC236}">
+                <a16:creationId xmlns:a16="http://schemas.microsoft.com/office/drawing/2014/main" id="{F8AF2D6C-44BF-4762-B845-A2912A19704B}"/>
+              </a:ext>
+            </a:extLst>
+          </p:cNvPr>
+          <p:cNvSpPr txBox="1"/>
+          <p:nvPr/>
+        </p:nvSpPr>
+        <p:spPr>
+          <a:xfrm>
+            <a:off x="2445447" y="2573166"/>
+            <a:ext cx="2024109" cy="276999"/>
+          </a:xfrm>
+          <a:prstGeom prst="rect">
+            <a:avLst/>
+          </a:prstGeom>
+          <a:noFill/>
+        </p:spPr>
+        <p:txBody>
+          <a:bodyPr wrap="square" rtlCol="0">
+            <a:spAutoFit/>
+          </a:bodyPr>
+          <a:lstStyle/>
+          <a:p>
+            <a:pPr algn="ctr"/>
+            <a:r>
+              <a:rPr lang="en-SG" sz="1200" dirty="0"/>
+              <a:t>Total Sales</a:t>
+            </a:r>
+          </a:p>
+        </p:txBody>
+      </p:sp>
+      <mc:AlternateContent xmlns:mc="http://schemas.openxmlformats.org/markup-compatibility/2006">
+        <mc:Choice xmlns:a14="http://schemas.microsoft.com/office/drawing/2010/main" Requires="a14">
+          <p:sp>
+            <p:nvSpPr>
+              <p:cNvPr id="10" name="TextBox 9">
+                <a:extLst>
+                  <a:ext uri="{FF2B5EF4-FFF2-40B4-BE49-F238E27FC236}">
+                    <a16:creationId xmlns:a16="http://schemas.microsoft.com/office/drawing/2014/main" id="{E884396B-93FC-3CD0-DF6B-6B7E9C9573AF}"/>
+                  </a:ext>
+                </a:extLst>
+              </p:cNvPr>
+              <p:cNvSpPr txBox="1"/>
+              <p:nvPr/>
+            </p:nvSpPr>
+            <p:spPr>
+              <a:xfrm>
+                <a:off x="6992348" y="3085621"/>
+                <a:ext cx="4945651" cy="3294860"/>
+              </a:xfrm>
+              <a:prstGeom prst="rect">
+                <a:avLst/>
+              </a:prstGeom>
+            </p:spPr>
+            <p:txBody>
+              <a:bodyPr vert="horz" lIns="91440" tIns="45720" rIns="91440" bIns="45720" rtlCol="0" anchor="t">
+                <a:normAutofit lnSpcReduction="10000"/>
+              </a:bodyPr>
+              <a:lstStyle>
+                <a:lvl1pPr marL="342900" lvl="0" indent="-342900">
+                  <a:lnSpc>
+                    <a:spcPct val="107000"/>
+                  </a:lnSpc>
+                  <a:spcBef>
+                    <a:spcPct val="20000"/>
+                  </a:spcBef>
+                  <a:spcAft>
+                    <a:spcPts val="600"/>
+                  </a:spcAft>
+                  <a:buClr>
+                    <a:schemeClr val="accent1">
+                      <a:lumMod val="75000"/>
+                    </a:schemeClr>
+                  </a:buClr>
+                  <a:buSzPct val="145000"/>
+                  <a:buFont typeface="Symbol" panose="05050102010706020507" pitchFamily="18" charset="2"/>
+                  <a:buChar char=""/>
+                  <a:defRPr cap="none">
+                    <a:solidFill>
+                      <a:srgbClr val="000000"/>
+                    </a:solidFill>
+                    <a:effectLst/>
+                    <a:latin typeface="Calibri" panose="020F0502020204030204" pitchFamily="34" charset="0"/>
+                    <a:ea typeface="Calibri" panose="020F0502020204030204" pitchFamily="34" charset="0"/>
+                    <a:cs typeface="Calibri" panose="020F0502020204030204" pitchFamily="34" charset="0"/>
+                  </a:defRPr>
+                </a:lvl1pPr>
+                <a:lvl2pPr indent="0">
+                  <a:spcBef>
+                    <a:spcPct val="20000"/>
+                  </a:spcBef>
+                  <a:spcAft>
+                    <a:spcPts val="600"/>
+                  </a:spcAft>
+                  <a:buClr>
+                    <a:schemeClr val="accent1">
+                      <a:lumMod val="75000"/>
+                    </a:schemeClr>
+                  </a:buClr>
+                  <a:buSzPct val="145000"/>
+                  <a:buFont typeface="Arial"/>
+                  <a:buNone/>
+                  <a:defRPr cap="none">
+                    <a:solidFill>
+                      <a:schemeClr val="tx1">
+                        <a:tint val="75000"/>
+                      </a:schemeClr>
+                    </a:solidFill>
+                    <a:effectLst/>
+                  </a:defRPr>
+                </a:lvl2pPr>
+                <a:lvl3pPr indent="0">
+                  <a:spcBef>
+                    <a:spcPct val="20000"/>
+                  </a:spcBef>
+                  <a:spcAft>
+                    <a:spcPts val="600"/>
+                  </a:spcAft>
+                  <a:buClr>
+                    <a:schemeClr val="accent1">
+                      <a:lumMod val="75000"/>
+                    </a:schemeClr>
+                  </a:buClr>
+                  <a:buSzPct val="145000"/>
+                  <a:buFont typeface="Arial"/>
+                  <a:buNone/>
+                  <a:defRPr sz="1600" cap="none">
+                    <a:solidFill>
+                      <a:schemeClr val="tx1">
+                        <a:tint val="75000"/>
+                      </a:schemeClr>
+                    </a:solidFill>
+                    <a:effectLst/>
+                  </a:defRPr>
+                </a:lvl3pPr>
+                <a:lvl4pPr indent="0">
+                  <a:spcBef>
+                    <a:spcPct val="20000"/>
+                  </a:spcBef>
+                  <a:spcAft>
+                    <a:spcPts val="600"/>
+                  </a:spcAft>
+                  <a:buClr>
+                    <a:schemeClr val="accent1">
+                      <a:lumMod val="75000"/>
+                    </a:schemeClr>
+                  </a:buClr>
+                  <a:buSzPct val="145000"/>
+                  <a:buFont typeface="Arial"/>
+                  <a:buNone/>
+                  <a:defRPr sz="1400" cap="none">
+                    <a:solidFill>
+                      <a:schemeClr val="tx1">
+                        <a:tint val="75000"/>
+                      </a:schemeClr>
+                    </a:solidFill>
+                    <a:effectLst/>
+                  </a:defRPr>
+                </a:lvl4pPr>
+                <a:lvl5pPr indent="0">
+                  <a:spcBef>
+                    <a:spcPct val="20000"/>
+                  </a:spcBef>
+                  <a:spcAft>
+                    <a:spcPts val="600"/>
+                  </a:spcAft>
+                  <a:buClr>
+                    <a:schemeClr val="accent1">
+                      <a:lumMod val="75000"/>
+                    </a:schemeClr>
+                  </a:buClr>
+                  <a:buSzPct val="145000"/>
+                  <a:buFont typeface="Arial"/>
+                  <a:buNone/>
+                  <a:defRPr sz="1400" cap="none">
+                    <a:solidFill>
+                      <a:schemeClr val="tx1">
+                        <a:tint val="75000"/>
+                      </a:schemeClr>
+                    </a:solidFill>
+                    <a:effectLst/>
+                  </a:defRPr>
+                </a:lvl5pPr>
+                <a:lvl6pPr indent="0">
+                  <a:spcBef>
+                    <a:spcPct val="20000"/>
+                  </a:spcBef>
+                  <a:spcAft>
+                    <a:spcPts val="600"/>
+                  </a:spcAft>
+                  <a:buClr>
+                    <a:schemeClr val="accent1">
+                      <a:lumMod val="75000"/>
+                    </a:schemeClr>
+                  </a:buClr>
+                  <a:buSzPct val="145000"/>
+                  <a:buFont typeface="Arial"/>
+                  <a:buNone/>
+                  <a:defRPr sz="1400" cap="none">
+                    <a:solidFill>
+                      <a:schemeClr val="tx1">
+                        <a:tint val="75000"/>
+                      </a:schemeClr>
+                    </a:solidFill>
+                    <a:effectLst/>
+                  </a:defRPr>
+                </a:lvl6pPr>
+                <a:lvl7pPr indent="0">
+                  <a:spcBef>
+                    <a:spcPct val="20000"/>
+                  </a:spcBef>
+                  <a:spcAft>
+                    <a:spcPts val="600"/>
+                  </a:spcAft>
+                  <a:buClr>
+                    <a:schemeClr val="accent1">
+                      <a:lumMod val="75000"/>
+                    </a:schemeClr>
+                  </a:buClr>
+                  <a:buSzPct val="145000"/>
+                  <a:buFont typeface="Arial"/>
+                  <a:buNone/>
+                  <a:defRPr sz="1400" cap="none">
+                    <a:solidFill>
+                      <a:schemeClr val="tx1">
+                        <a:tint val="75000"/>
+                      </a:schemeClr>
+                    </a:solidFill>
+                    <a:effectLst/>
+                  </a:defRPr>
+                </a:lvl7pPr>
+                <a:lvl8pPr indent="0">
+                  <a:spcBef>
+                    <a:spcPct val="20000"/>
+                  </a:spcBef>
+                  <a:spcAft>
+                    <a:spcPts val="600"/>
+                  </a:spcAft>
+                  <a:buClr>
+                    <a:schemeClr val="accent1">
+                      <a:lumMod val="75000"/>
+                    </a:schemeClr>
+                  </a:buClr>
+                  <a:buSzPct val="145000"/>
+                  <a:buFont typeface="Arial"/>
+                  <a:buNone/>
+                  <a:defRPr sz="1400" cap="none">
+                    <a:solidFill>
+                      <a:schemeClr val="tx1">
+                        <a:tint val="75000"/>
+                      </a:schemeClr>
+                    </a:solidFill>
+                    <a:effectLst/>
+                  </a:defRPr>
+                </a:lvl8pPr>
+                <a:lvl9pPr indent="0">
+                  <a:spcBef>
+                    <a:spcPct val="20000"/>
+                  </a:spcBef>
+                  <a:spcAft>
+                    <a:spcPts val="600"/>
+                  </a:spcAft>
+                  <a:buClr>
+                    <a:schemeClr val="accent1">
+                      <a:lumMod val="75000"/>
+                    </a:schemeClr>
+                  </a:buClr>
+                  <a:buSzPct val="145000"/>
+                  <a:buFont typeface="Arial"/>
+                  <a:buNone/>
+                  <a:defRPr sz="1400" cap="none">
+                    <a:solidFill>
+                      <a:schemeClr val="tx1">
+                        <a:tint val="75000"/>
+                      </a:schemeClr>
+                    </a:solidFill>
+                    <a:effectLst/>
+                  </a:defRPr>
+                </a:lvl9pPr>
+              </a:lstStyle>
+              <a:p>
+                <a14:m>
+                  <m:oMath xmlns:m="http://schemas.openxmlformats.org/officeDocument/2006/math">
+                    <m:sSub>
+                      <m:sSubPr>
+                        <m:ctrlPr>
+                          <a:rPr lang="en-SG" sz="1500"/>
+                        </m:ctrlPr>
+                      </m:sSubPr>
+                      <m:e>
+                        <m:r>
+                          <a:rPr lang="en-GB" sz="1500"/>
+                          <m:t>𝑀</m:t>
+                        </m:r>
+                      </m:e>
+                      <m:sub>
+                        <m:r>
+                          <a:rPr lang="en-GB" sz="1500"/>
+                          <m:t>𝑖</m:t>
+                        </m:r>
+                        <m:r>
+                          <a:rPr lang="en-GB" sz="1500"/>
+                          <m:t>,</m:t>
+                        </m:r>
+                        <m:r>
+                          <a:rPr lang="en-GB" sz="1500"/>
+                          <m:t>𝑛</m:t>
+                        </m:r>
+                      </m:sub>
+                    </m:sSub>
+                  </m:oMath>
+                </a14:m>
+                <a:r>
+                  <a:rPr lang="en-GB" sz="1500" dirty="0"/>
+                  <a:t>: Total number of unit outputs produced locally in process n of the local country </a:t>
+                </a:r>
+                <a:r>
+                  <a:rPr lang="en-GB" sz="1500" dirty="0" err="1"/>
+                  <a:t>i</a:t>
+                </a:r>
+                <a:r>
+                  <a:rPr lang="en-GB" sz="1500" dirty="0"/>
+                  <a:t>. (</a:t>
+                </a:r>
+                <a14:m>
+                  <m:oMath xmlns:m="http://schemas.openxmlformats.org/officeDocument/2006/math">
+                    <m:sSub>
+                      <m:sSubPr>
+                        <m:ctrlPr>
+                          <a:rPr lang="en-SG" sz="1500"/>
+                        </m:ctrlPr>
+                      </m:sSubPr>
+                      <m:e>
+                        <m:r>
+                          <a:rPr lang="en-GB" sz="1500"/>
+                          <m:t>𝑀</m:t>
+                        </m:r>
+                      </m:e>
+                      <m:sub>
+                        <m:r>
+                          <a:rPr lang="en-GB" sz="1500"/>
+                          <m:t>𝑖</m:t>
+                        </m:r>
+                        <m:r>
+                          <a:rPr lang="en-GB" sz="1500"/>
+                          <m:t>,</m:t>
+                        </m:r>
+                        <m:r>
+                          <a:rPr lang="en-GB" sz="1500"/>
+                          <m:t>𝐷</m:t>
+                        </m:r>
+                      </m:sub>
+                    </m:sSub>
+                  </m:oMath>
+                </a14:m>
+                <a:r>
+                  <a:rPr lang="en-GB" sz="1500" dirty="0"/>
+                  <a:t> refers to the number of Devices being sold in Distribution.)</a:t>
+                </a:r>
+                <a:endParaRPr lang="en-SG" sz="1500" dirty="0"/>
+              </a:p>
+              <a:p>
+                <a14:m>
+                  <m:oMath xmlns:m="http://schemas.openxmlformats.org/officeDocument/2006/math">
+                    <m:sSub>
+                      <m:sSubPr>
+                        <m:ctrlPr>
+                          <a:rPr lang="en-SG" sz="1500"/>
+                        </m:ctrlPr>
+                      </m:sSubPr>
+                      <m:e>
+                        <m:r>
+                          <a:rPr lang="en-GB" sz="1500"/>
+                          <m:t>𝑇</m:t>
+                        </m:r>
+                      </m:e>
+                      <m:sub>
+                        <m:r>
+                          <a:rPr lang="en-GB" sz="1500"/>
+                          <m:t>𝑜𝑢𝑡</m:t>
+                        </m:r>
+                        <m:r>
+                          <a:rPr lang="en-GB" sz="1500"/>
+                          <m:t>,</m:t>
+                        </m:r>
+                        <m:r>
+                          <a:rPr lang="en-GB" sz="1500"/>
+                          <m:t>𝑖</m:t>
+                        </m:r>
+                        <m:r>
+                          <a:rPr lang="en-GB" sz="1500"/>
+                          <m:t>,</m:t>
+                        </m:r>
+                        <m:r>
+                          <a:rPr lang="en-GB" sz="1500"/>
+                          <m:t>𝑒</m:t>
+                        </m:r>
+                      </m:sub>
+                    </m:sSub>
+                  </m:oMath>
+                </a14:m>
+                <a:r>
+                  <a:rPr lang="en-GB" sz="1500" dirty="0"/>
+                  <a:t>: Total number of units being exported by the local region </a:t>
+                </a:r>
+                <a:r>
+                  <a:rPr lang="en-GB" sz="1500" dirty="0" err="1"/>
+                  <a:t>i</a:t>
+                </a:r>
+                <a:r>
+                  <a:rPr lang="en-GB" sz="1500" dirty="0"/>
+                  <a:t> from process e.</a:t>
+                </a:r>
+                <a:endParaRPr lang="en-SG" sz="1500" dirty="0"/>
+              </a:p>
+              <a:p>
+                <a14:m>
+                  <m:oMath xmlns:m="http://schemas.openxmlformats.org/officeDocument/2006/math">
+                    <m:sSub>
+                      <m:sSubPr>
+                        <m:ctrlPr>
+                          <a:rPr lang="en-SG" sz="1500"/>
+                        </m:ctrlPr>
+                      </m:sSubPr>
+                      <m:e>
+                        <m:r>
+                          <a:rPr lang="en-GB" sz="1500"/>
+                          <m:t>𝑇</m:t>
+                        </m:r>
+                      </m:e>
+                      <m:sub>
+                        <m:r>
+                          <a:rPr lang="en-GB" sz="1500"/>
+                          <m:t>𝑖𝑛</m:t>
+                        </m:r>
+                        <m:r>
+                          <a:rPr lang="en-GB" sz="1500"/>
+                          <m:t>,</m:t>
+                        </m:r>
+                        <m:r>
+                          <a:rPr lang="en-GB" sz="1500"/>
+                          <m:t>𝑑</m:t>
+                        </m:r>
+                        <m:r>
+                          <a:rPr lang="en-GB" sz="1500"/>
+                          <m:t>,</m:t>
+                        </m:r>
+                        <m:r>
+                          <a:rPr lang="en-GB" sz="1500"/>
+                          <m:t>𝑗</m:t>
+                        </m:r>
+                      </m:sub>
+                    </m:sSub>
+                  </m:oMath>
+                </a14:m>
+                <a:r>
+                  <a:rPr lang="en-GB" sz="1500" dirty="0"/>
+                  <a:t>: Total number of units being imported from another region d from process j</a:t>
+                </a:r>
+                <a:endParaRPr lang="en-SG" sz="1500" dirty="0"/>
+              </a:p>
+              <a:p>
+                <a14:m>
+                  <m:oMath xmlns:m="http://schemas.openxmlformats.org/officeDocument/2006/math">
+                    <m:sSub>
+                      <m:sSubPr>
+                        <m:ctrlPr>
+                          <a:rPr lang="en-SG" sz="1500"/>
+                        </m:ctrlPr>
+                      </m:sSubPr>
+                      <m:e>
+                        <m:r>
+                          <a:rPr lang="en-GB" sz="1500"/>
+                          <m:t>𝑟</m:t>
+                        </m:r>
+                      </m:e>
+                      <m:sub>
+                        <m:r>
+                          <a:rPr lang="en-GB" sz="1500"/>
+                          <m:t>𝑜𝑢𝑡</m:t>
+                        </m:r>
+                        <m:r>
+                          <a:rPr lang="en-GB" sz="1500"/>
+                          <m:t>,</m:t>
+                        </m:r>
+                        <m:r>
+                          <a:rPr lang="en-GB" sz="1500"/>
+                          <m:t>𝑖</m:t>
+                        </m:r>
+                        <m:r>
+                          <a:rPr lang="en-GB" sz="1500"/>
+                          <m:t>,</m:t>
+                        </m:r>
+                        <m:r>
+                          <a:rPr lang="en-GB" sz="1500"/>
+                          <m:t>𝑒</m:t>
+                        </m:r>
+                      </m:sub>
+                    </m:sSub>
+                  </m:oMath>
+                </a14:m>
+                <a:r>
+                  <a:rPr lang="en-GB" sz="1500" dirty="0"/>
+                  <a:t>: Revenue for exporting a single of unit of product from process e in country </a:t>
+                </a:r>
+                <a:r>
+                  <a:rPr lang="en-GB" sz="1500" dirty="0" err="1"/>
+                  <a:t>i</a:t>
+                </a:r>
+                <a:r>
+                  <a:rPr lang="en-GB" sz="1500" dirty="0"/>
+                  <a:t>. </a:t>
+                </a:r>
+                <a:endParaRPr lang="en-SG" sz="1500" dirty="0"/>
+              </a:p>
+              <a:p>
+                <a14:m>
+                  <m:oMath xmlns:m="http://schemas.openxmlformats.org/officeDocument/2006/math">
+                    <m:sSub>
+                      <m:sSubPr>
+                        <m:ctrlPr>
+                          <a:rPr lang="en-SG" sz="1500"/>
+                        </m:ctrlPr>
+                      </m:sSubPr>
+                      <m:e>
+                        <m:r>
+                          <a:rPr lang="en-GB" sz="1500"/>
+                          <m:t>𝑟</m:t>
+                        </m:r>
+                      </m:e>
+                      <m:sub>
+                        <m:r>
+                          <a:rPr lang="en-GB" sz="1500"/>
+                          <m:t>𝑖𝑛</m:t>
+                        </m:r>
+                        <m:r>
+                          <a:rPr lang="en-GB" sz="1500"/>
+                          <m:t>,</m:t>
+                        </m:r>
+                        <m:r>
+                          <a:rPr lang="en-GB" sz="1500"/>
+                          <m:t>𝑑</m:t>
+                        </m:r>
+                        <m:r>
+                          <a:rPr lang="en-GB" sz="1500"/>
+                          <m:t>,</m:t>
+                        </m:r>
+                        <m:r>
+                          <a:rPr lang="en-GB" sz="1500"/>
+                          <m:t>𝑗</m:t>
+                        </m:r>
+                      </m:sub>
+                    </m:sSub>
+                  </m:oMath>
+                </a14:m>
+                <a:r>
+                  <a:rPr lang="en-GB" sz="1500" dirty="0"/>
+                  <a:t>: Cost for importing a single of unit of product from process j in region d. </a:t>
+                </a:r>
+                <a:endParaRPr lang="en-SG" sz="1500" dirty="0"/>
+              </a:p>
+            </p:txBody>
+          </p:sp>
+        </mc:Choice>
+        <mc:Fallback>
+          <p:sp>
+            <p:nvSpPr>
+              <p:cNvPr id="10" name="TextBox 9">
+                <a:extLst>
+                  <a:ext uri="{FF2B5EF4-FFF2-40B4-BE49-F238E27FC236}">
+                    <a16:creationId xmlns:a16="http://schemas.microsoft.com/office/drawing/2014/main" id="{E884396B-93FC-3CD0-DF6B-6B7E9C9573AF}"/>
+                  </a:ext>
+                </a:extLst>
+              </p:cNvPr>
+              <p:cNvSpPr txBox="1">
+                <a:spLocks noRot="1" noChangeAspect="1" noMove="1" noResize="1" noEditPoints="1" noAdjustHandles="1" noChangeArrowheads="1" noChangeShapeType="1" noTextEdit="1"/>
+              </p:cNvSpPr>
+              <p:nvPr/>
+            </p:nvSpPr>
+            <p:spPr>
+              <a:xfrm>
+                <a:off x="6992348" y="3085621"/>
+                <a:ext cx="4945651" cy="3294860"/>
+              </a:xfrm>
+              <a:prstGeom prst="rect">
+                <a:avLst/>
+              </a:prstGeom>
+              <a:blipFill>
+                <a:blip r:embed="rId4"/>
+                <a:stretch>
+                  <a:fillRect l="-1603" t="-4251" r="-617"/>
+                </a:stretch>
+              </a:blipFill>
+            </p:spPr>
+            <p:txBody>
+              <a:bodyPr/>
+              <a:lstStyle/>
+              <a:p>
+                <a:r>
+                  <a:rPr lang="en-SG">
+                    <a:noFill/>
+                  </a:rPr>
+                  <a:t> </a:t>
+                </a:r>
+              </a:p>
+            </p:txBody>
+          </p:sp>
+        </mc:Fallback>
+      </mc:AlternateContent>
     </p:spTree>
     <p:extLst>
       <p:ext uri="{BB962C8B-B14F-4D97-AF65-F5344CB8AC3E}">
@@ -22762,6 +22904,26 @@
 </file>
 
 <file path=customXml/item1.xml><?xml version="1.0" encoding="utf-8"?>
+<p:properties xmlns:p="http://schemas.microsoft.com/office/2006/metadata/properties" xmlns:xsi="http://www.w3.org/2001/XMLSchema-instance" xmlns:pc="http://schemas.microsoft.com/office/infopath/2007/PartnerControls">
+  <documentManagement>
+    <TaxCatchAll xmlns="d50ccbe0-cca1-4d4b-b46b-fdd532fd81a5" xsi:nil="true"/>
+    <lcf76f155ced4ddcb4097134ff3c332f xmlns="d36c0395-b650-41ff-912c-e6a462652c6d">
+      <Terms xmlns="http://schemas.microsoft.com/office/infopath/2007/PartnerControls"/>
+    </lcf76f155ced4ddcb4097134ff3c332f>
+  </documentManagement>
+</p:properties>
+</file>
+
+<file path=customXml/item2.xml><?xml version="1.0" encoding="utf-8"?>
+<?mso-contentType ?>
+<FormTemplates xmlns="http://schemas.microsoft.com/sharepoint/v3/contenttype/forms">
+  <Display>DocumentLibraryForm</Display>
+  <Edit>DocumentLibraryForm</Edit>
+  <New>DocumentLibraryForm</New>
+</FormTemplates>
+</file>
+
+<file path=customXml/item3.xml><?xml version="1.0" encoding="utf-8"?>
 <ct:contentTypeSchema xmlns:ct="http://schemas.microsoft.com/office/2006/metadata/contentType" xmlns:ma="http://schemas.microsoft.com/office/2006/metadata/properties/metaAttributes" ct:_="" ma:_="" ma:contentTypeName="Document" ma:contentTypeID="0x010100952BE645A83FA44AAEB7EF4394BE9CE8" ma:contentTypeVersion="10" ma:contentTypeDescription="Create a new document." ma:contentTypeScope="" ma:versionID="0503a23d02e1e8cfccb9d58081f4fa48">
   <xsd:schema xmlns:xsd="http://www.w3.org/2001/XMLSchema" xmlns:xs="http://www.w3.org/2001/XMLSchema" xmlns:p="http://schemas.microsoft.com/office/2006/metadata/properties" xmlns:ns2="d36c0395-b650-41ff-912c-e6a462652c6d" xmlns:ns3="d50ccbe0-cca1-4d4b-b46b-fdd532fd81a5" targetNamespace="http://schemas.microsoft.com/office/2006/metadata/properties" ma:root="true" ma:fieldsID="4ef77329f0aeb8f214345ec4cefe3bf0" ns2:_="" ns3:_="">
     <xsd:import namespace="d36c0395-b650-41ff-912c-e6a462652c6d"/>
@@ -22950,27 +23112,32 @@
 </ct:contentTypeSchema>
 </file>
 
-<file path=customXml/item2.xml><?xml version="1.0" encoding="utf-8"?>
-<?mso-contentType ?>
-<FormTemplates xmlns="http://schemas.microsoft.com/sharepoint/v3/contenttype/forms">
-  <Display>DocumentLibraryForm</Display>
-  <Edit>DocumentLibraryForm</Edit>
-  <New>DocumentLibraryForm</New>
-</FormTemplates>
+<file path=customXml/itemProps1.xml><?xml version="1.0" encoding="utf-8"?>
+<ds:datastoreItem xmlns:ds="http://schemas.openxmlformats.org/officeDocument/2006/customXml" ds:itemID="{A3A737A3-78E3-4DC8-898D-CCE433D32979}">
+  <ds:schemaRefs>
+    <ds:schemaRef ds:uri="http://purl.org/dc/elements/1.1/"/>
+    <ds:schemaRef ds:uri="http://schemas.microsoft.com/office/2006/documentManagement/types"/>
+    <ds:schemaRef ds:uri="http://purl.org/dc/terms/"/>
+    <ds:schemaRef ds:uri="d36c0395-b650-41ff-912c-e6a462652c6d"/>
+    <ds:schemaRef ds:uri="http://www.w3.org/XML/1998/namespace"/>
+    <ds:schemaRef ds:uri="http://purl.org/dc/dcmitype/"/>
+    <ds:schemaRef ds:uri="http://schemas.openxmlformats.org/package/2006/metadata/core-properties"/>
+    <ds:schemaRef ds:uri="http://schemas.microsoft.com/office/infopath/2007/PartnerControls"/>
+    <ds:schemaRef ds:uri="d50ccbe0-cca1-4d4b-b46b-fdd532fd81a5"/>
+    <ds:schemaRef ds:uri="http://schemas.microsoft.com/office/2006/metadata/properties"/>
+  </ds:schemaRefs>
+</ds:datastoreItem>
 </file>
 
-<file path=customXml/item3.xml><?xml version="1.0" encoding="utf-8"?>
-<p:properties xmlns:p="http://schemas.microsoft.com/office/2006/metadata/properties" xmlns:xsi="http://www.w3.org/2001/XMLSchema-instance" xmlns:pc="http://schemas.microsoft.com/office/infopath/2007/PartnerControls">
-  <documentManagement>
-    <TaxCatchAll xmlns="d50ccbe0-cca1-4d4b-b46b-fdd532fd81a5" xsi:nil="true"/>
-    <lcf76f155ced4ddcb4097134ff3c332f xmlns="d36c0395-b650-41ff-912c-e6a462652c6d">
-      <Terms xmlns="http://schemas.microsoft.com/office/infopath/2007/PartnerControls"/>
-    </lcf76f155ced4ddcb4097134ff3c332f>
-  </documentManagement>
-</p:properties>
+<file path=customXml/itemProps2.xml><?xml version="1.0" encoding="utf-8"?>
+<ds:datastoreItem xmlns:ds="http://schemas.openxmlformats.org/officeDocument/2006/customXml" ds:itemID="{8FF60034-A11D-4F90-A489-89BB9DC94BDB}">
+  <ds:schemaRefs>
+    <ds:schemaRef ds:uri="http://schemas.microsoft.com/sharepoint/v3/contenttype/forms"/>
+  </ds:schemaRefs>
+</ds:datastoreItem>
 </file>
 
-<file path=customXml/itemProps1.xml><?xml version="1.0" encoding="utf-8"?>
+<file path=customXml/itemProps3.xml><?xml version="1.0" encoding="utf-8"?>
 <ds:datastoreItem xmlns:ds="http://schemas.openxmlformats.org/officeDocument/2006/customXml" ds:itemID="{C570983F-5195-44B7-92D0-B0EE195BE993}">
   <ds:schemaRefs>
     <ds:schemaRef ds:uri="http://schemas.microsoft.com/office/2006/metadata/contentType"/>
@@ -22987,29 +23154,4 @@
     <ds:schemaRef ds:uri="http://schemas.microsoft.com/internal/obd"/>
   </ds:schemaRefs>
 </ds:datastoreItem>
-</file>
-
-<file path=customXml/itemProps2.xml><?xml version="1.0" encoding="utf-8"?>
-<ds:datastoreItem xmlns:ds="http://schemas.openxmlformats.org/officeDocument/2006/customXml" ds:itemID="{8FF60034-A11D-4F90-A489-89BB9DC94BDB}">
-  <ds:schemaRefs>
-    <ds:schemaRef ds:uri="http://schemas.microsoft.com/sharepoint/v3/contenttype/forms"/>
-  </ds:schemaRefs>
-</ds:datastoreItem>
-</file>
-
-<file path=customXml/itemProps3.xml><?xml version="1.0" encoding="utf-8"?>
-<ds:datastoreItem xmlns:ds="http://schemas.openxmlformats.org/officeDocument/2006/customXml" ds:itemID="{A3A737A3-78E3-4DC8-898D-CCE433D32979}">
-  <ds:schemaRefs>
-    <ds:schemaRef ds:uri="http://purl.org/dc/elements/1.1/"/>
-    <ds:schemaRef ds:uri="http://schemas.microsoft.com/office/2006/documentManagement/types"/>
-    <ds:schemaRef ds:uri="http://purl.org/dc/terms/"/>
-    <ds:schemaRef ds:uri="d36c0395-b650-41ff-912c-e6a462652c6d"/>
-    <ds:schemaRef ds:uri="http://www.w3.org/XML/1998/namespace"/>
-    <ds:schemaRef ds:uri="http://purl.org/dc/dcmitype/"/>
-    <ds:schemaRef ds:uri="http://schemas.openxmlformats.org/package/2006/metadata/core-properties"/>
-    <ds:schemaRef ds:uri="http://schemas.microsoft.com/office/infopath/2007/PartnerControls"/>
-    <ds:schemaRef ds:uri="d50ccbe0-cca1-4d4b-b46b-fdd532fd81a5"/>
-    <ds:schemaRef ds:uri="http://schemas.microsoft.com/office/2006/metadata/properties"/>
-  </ds:schemaRefs>
-</ds:datastoreItem>
 </file>